--- a/Presentazione_NSD.pptx
+++ b/Presentazione_NSD.pptx
@@ -43,6 +43,13 @@
     <p:sldId id="295" r:id="rId37"/>
     <p:sldId id="296" r:id="rId38"/>
     <p:sldId id="294" r:id="rId39"/>
+    <p:sldId id="297" r:id="rId40"/>
+    <p:sldId id="298" r:id="rId41"/>
+    <p:sldId id="299" r:id="rId42"/>
+    <p:sldId id="300" r:id="rId43"/>
+    <p:sldId id="301" r:id="rId44"/>
+    <p:sldId id="302" r:id="rId45"/>
+    <p:sldId id="303" r:id="rId46"/>
   </p:sldIdLst>
   <p:sldSz cx="12192000" cy="6858000"/>
   <p:notesSz cx="6858000" cy="9144000"/>
@@ -304,7 +311,7 @@
           <a:p>
             <a:fld id="{3D24D1A2-4A22-4063-B1C1-E5B8F7172D76}" type="datetimeFigureOut">
               <a:rPr lang="it-IT" smtClean="0"/>
-              <a:t>20/08/2024</a:t>
+              <a:t>28/08/2024</a:t>
             </a:fld>
             <a:endParaRPr lang="it-IT"/>
           </a:p>
@@ -474,7 +481,7 @@
           <a:p>
             <a:fld id="{3D24D1A2-4A22-4063-B1C1-E5B8F7172D76}" type="datetimeFigureOut">
               <a:rPr lang="it-IT" smtClean="0"/>
-              <a:t>20/08/2024</a:t>
+              <a:t>28/08/2024</a:t>
             </a:fld>
             <a:endParaRPr lang="it-IT"/>
           </a:p>
@@ -654,7 +661,7 @@
           <a:p>
             <a:fld id="{3D24D1A2-4A22-4063-B1C1-E5B8F7172D76}" type="datetimeFigureOut">
               <a:rPr lang="it-IT" smtClean="0"/>
-              <a:t>20/08/2024</a:t>
+              <a:t>28/08/2024</a:t>
             </a:fld>
             <a:endParaRPr lang="it-IT"/>
           </a:p>
@@ -824,7 +831,7 @@
           <a:p>
             <a:fld id="{3D24D1A2-4A22-4063-B1C1-E5B8F7172D76}" type="datetimeFigureOut">
               <a:rPr lang="it-IT" smtClean="0"/>
-              <a:t>20/08/2024</a:t>
+              <a:t>28/08/2024</a:t>
             </a:fld>
             <a:endParaRPr lang="it-IT"/>
           </a:p>
@@ -1088,7 +1095,7 @@
           <a:p>
             <a:fld id="{3D24D1A2-4A22-4063-B1C1-E5B8F7172D76}" type="datetimeFigureOut">
               <a:rPr lang="it-IT" smtClean="0"/>
-              <a:t>20/08/2024</a:t>
+              <a:t>28/08/2024</a:t>
             </a:fld>
             <a:endParaRPr lang="it-IT"/>
           </a:p>
@@ -1376,7 +1383,7 @@
           <a:p>
             <a:fld id="{3D24D1A2-4A22-4063-B1C1-E5B8F7172D76}" type="datetimeFigureOut">
               <a:rPr lang="it-IT" smtClean="0"/>
-              <a:t>20/08/2024</a:t>
+              <a:t>28/08/2024</a:t>
             </a:fld>
             <a:endParaRPr lang="it-IT"/>
           </a:p>
@@ -1805,7 +1812,7 @@
           <a:p>
             <a:fld id="{3D24D1A2-4A22-4063-B1C1-E5B8F7172D76}" type="datetimeFigureOut">
               <a:rPr lang="it-IT" smtClean="0"/>
-              <a:t>20/08/2024</a:t>
+              <a:t>28/08/2024</a:t>
             </a:fld>
             <a:endParaRPr lang="it-IT"/>
           </a:p>
@@ -1923,7 +1930,7 @@
           <a:p>
             <a:fld id="{3D24D1A2-4A22-4063-B1C1-E5B8F7172D76}" type="datetimeFigureOut">
               <a:rPr lang="it-IT" smtClean="0"/>
-              <a:t>20/08/2024</a:t>
+              <a:t>28/08/2024</a:t>
             </a:fld>
             <a:endParaRPr lang="it-IT"/>
           </a:p>
@@ -2018,7 +2025,7 @@
           <a:p>
             <a:fld id="{3D24D1A2-4A22-4063-B1C1-E5B8F7172D76}" type="datetimeFigureOut">
               <a:rPr lang="it-IT" smtClean="0"/>
-              <a:t>20/08/2024</a:t>
+              <a:t>28/08/2024</a:t>
             </a:fld>
             <a:endParaRPr lang="it-IT"/>
           </a:p>
@@ -2374,7 +2381,7 @@
           <a:p>
             <a:fld id="{3D24D1A2-4A22-4063-B1C1-E5B8F7172D76}" type="datetimeFigureOut">
               <a:rPr lang="it-IT" smtClean="0"/>
-              <a:t>20/08/2024</a:t>
+              <a:t>28/08/2024</a:t>
             </a:fld>
             <a:endParaRPr lang="it-IT"/>
           </a:p>
@@ -2677,7 +2684,7 @@
           <a:p>
             <a:fld id="{3D24D1A2-4A22-4063-B1C1-E5B8F7172D76}" type="datetimeFigureOut">
               <a:rPr lang="it-IT" smtClean="0"/>
-              <a:t>20/08/2024</a:t>
+              <a:t>28/08/2024</a:t>
             </a:fld>
             <a:endParaRPr lang="it-IT"/>
           </a:p>
@@ -2890,7 +2897,7 @@
           <a:p>
             <a:fld id="{3D24D1A2-4A22-4063-B1C1-E5B8F7172D76}" type="datetimeFigureOut">
               <a:rPr lang="it-IT" smtClean="0"/>
-              <a:t>20/08/2024</a:t>
+              <a:t>28/08/2024</a:t>
             </a:fld>
             <a:endParaRPr lang="it-IT"/>
           </a:p>
@@ -3312,6 +3319,17 @@
 <file path=ppt/slides/slide1.xml><?xml version="1.0" encoding="utf-8"?>
 <p:sld xmlns:a="http://schemas.openxmlformats.org/drawingml/2006/main" xmlns:r="http://schemas.openxmlformats.org/officeDocument/2006/relationships" xmlns:p="http://schemas.openxmlformats.org/presentationml/2006/main">
   <p:cSld>
+    <p:bg>
+      <p:bgPr>
+        <a:solidFill>
+          <a:schemeClr val="accent2">
+            <a:lumMod val="40000"/>
+            <a:lumOff val="60000"/>
+          </a:schemeClr>
+        </a:solidFill>
+        <a:effectLst/>
+      </p:bgPr>
+    </p:bg>
     <p:spTree>
       <p:nvGrpSpPr>
         <p:cNvPr id="1" name=""/>
@@ -3350,7 +3368,9 @@
             <a:r>
               <a:rPr lang="it-IT" b="1" dirty="0">
                 <a:solidFill>
-                  <a:srgbClr val="00B0F0"/>
+                  <a:schemeClr val="accent1">
+                    <a:lumMod val="75000"/>
+                  </a:schemeClr>
                 </a:solidFill>
               </a:rPr>
               <a:t>Network and System </a:t>
@@ -3358,14 +3378,18 @@
             <a:r>
               <a:rPr lang="it-IT" b="1" dirty="0" err="1">
                 <a:solidFill>
-                  <a:srgbClr val="00B0F0"/>
+                  <a:schemeClr val="accent1">
+                    <a:lumMod val="75000"/>
+                  </a:schemeClr>
                 </a:solidFill>
               </a:rPr>
               <a:t>Defence</a:t>
             </a:r>
             <a:endParaRPr lang="it-IT" b="1" dirty="0">
               <a:solidFill>
-                <a:srgbClr val="00B0F0"/>
+                <a:schemeClr val="accent1">
+                  <a:lumMod val="75000"/>
+                </a:schemeClr>
               </a:solidFill>
             </a:endParaRPr>
           </a:p>
@@ -3395,13 +3419,22 @@
           <a:lstStyle/>
           <a:p>
             <a:r>
-              <a:rPr lang="it-IT" sz="2000" b="1" dirty="0"/>
+              <a:rPr lang="it-IT" sz="2000" b="1" dirty="0">
+                <a:solidFill>
+                  <a:schemeClr val="accent1">
+                    <a:lumMod val="75000"/>
+                  </a:schemeClr>
+                </a:solidFill>
+              </a:rPr>
               <a:t>Valerio Crecco – </a:t>
             </a:r>
             <a:r>
               <a:rPr lang="it-IT" sz="2000" b="1" dirty="0">
                 <a:solidFill>
-                  <a:srgbClr val="00B0F0"/>
+                  <a:schemeClr val="accent4">
+                    <a:lumMod val="60000"/>
+                    <a:lumOff val="40000"/>
+                  </a:schemeClr>
                 </a:solidFill>
               </a:rPr>
               <a:t>0320452</a:t>
@@ -3409,13 +3442,22 @@
           </a:p>
           <a:p>
             <a:r>
-              <a:rPr lang="it-IT" sz="2000" b="1" dirty="0"/>
+              <a:rPr lang="it-IT" sz="2000" b="1" dirty="0">
+                <a:solidFill>
+                  <a:schemeClr val="accent1">
+                    <a:lumMod val="75000"/>
+                  </a:schemeClr>
+                </a:solidFill>
+              </a:rPr>
               <a:t>Ludovico De Santis – </a:t>
             </a:r>
             <a:r>
               <a:rPr lang="it-IT" sz="2000" b="1" dirty="0">
                 <a:solidFill>
-                  <a:srgbClr val="00B0F0"/>
+                  <a:schemeClr val="accent4">
+                    <a:lumMod val="60000"/>
+                    <a:lumOff val="40000"/>
+                  </a:schemeClr>
                 </a:solidFill>
               </a:rPr>
               <a:t>0320460</a:t>
@@ -3423,8 +3465,25 @@
           </a:p>
           <a:p>
             <a:r>
-              <a:rPr lang="it-IT" sz="2000" b="1" dirty="0"/>
-              <a:t>Università degli studi di Roma Tor Vergata</a:t>
+              <a:rPr lang="it-IT" sz="2000" b="1" dirty="0">
+                <a:solidFill>
+                  <a:schemeClr val="accent1">
+                    <a:lumMod val="75000"/>
+                  </a:schemeClr>
+                </a:solidFill>
+              </a:rPr>
+              <a:t>Università degli studi di </a:t>
+            </a:r>
+            <a:r>
+              <a:rPr lang="it-IT" sz="2000" b="1" dirty="0">
+                <a:solidFill>
+                  <a:schemeClr val="accent4">
+                    <a:lumMod val="60000"/>
+                    <a:lumOff val="40000"/>
+                  </a:schemeClr>
+                </a:solidFill>
+              </a:rPr>
+              <a:t>Roma Tor Vergata</a:t>
             </a:r>
           </a:p>
         </p:txBody>
@@ -3493,15 +3552,28 @@
             <a:r>
               <a:rPr lang="it-IT" sz="5000" b="1" dirty="0">
                 <a:solidFill>
+                  <a:schemeClr val="accent1">
+                    <a:lumMod val="75000"/>
+                  </a:schemeClr>
+                </a:solidFill>
+              </a:rPr>
+              <a:t>Protocolli –</a:t>
+            </a:r>
+            <a:r>
+              <a:rPr lang="it-IT" sz="5000" b="1" dirty="0">
+                <a:solidFill>
                   <a:srgbClr val="00B0F0"/>
                 </a:solidFill>
               </a:rPr>
-              <a:t>Protocolli – </a:t>
+              <a:t> </a:t>
             </a:r>
             <a:r>
               <a:rPr lang="it-IT" sz="5000" b="1" dirty="0">
                 <a:solidFill>
-                  <a:srgbClr val="7030A0"/>
+                  <a:schemeClr val="accent4">
+                    <a:lumMod val="60000"/>
+                    <a:lumOff val="40000"/>
+                  </a:schemeClr>
                 </a:solidFill>
               </a:rPr>
               <a:t>MPLS/LDP</a:t>
@@ -3532,7 +3604,9 @@
           <a:p>
             <a:pPr>
               <a:buClr>
-                <a:srgbClr val="7030A0"/>
+                <a:schemeClr val="accent1">
+                  <a:lumMod val="75000"/>
+                </a:schemeClr>
               </a:buClr>
               <a:buFont typeface="Wingdings" panose="05000000000000000000" pitchFamily="2" charset="2"/>
               <a:buChar char="Ø"/>
@@ -3540,7 +3614,10 @@
             <a:r>
               <a:rPr lang="it-IT" b="1" dirty="0">
                 <a:solidFill>
-                  <a:srgbClr val="7030A0"/>
+                  <a:schemeClr val="accent4">
+                    <a:lumMod val="60000"/>
+                    <a:lumOff val="40000"/>
+                  </a:schemeClr>
                 </a:solidFill>
               </a:rPr>
               <a:t>MPLS (</a:t>
@@ -3548,7 +3625,10 @@
             <a:r>
               <a:rPr lang="it-IT" b="1" dirty="0" err="1">
                 <a:solidFill>
-                  <a:srgbClr val="7030A0"/>
+                  <a:schemeClr val="accent4">
+                    <a:lumMod val="60000"/>
+                    <a:lumOff val="40000"/>
+                  </a:schemeClr>
                 </a:solidFill>
               </a:rPr>
               <a:t>Multiprotocol</a:t>
@@ -3556,7 +3636,10 @@
             <a:r>
               <a:rPr lang="it-IT" b="1" dirty="0">
                 <a:solidFill>
-                  <a:srgbClr val="7030A0"/>
+                  <a:schemeClr val="accent4">
+                    <a:lumMod val="60000"/>
+                    <a:lumOff val="40000"/>
+                  </a:schemeClr>
                 </a:solidFill>
               </a:rPr>
               <a:t> Label Switching) </a:t>
@@ -3572,7 +3655,10 @@
             <a:r>
               <a:rPr lang="it-IT" b="1" dirty="0">
                 <a:solidFill>
-                  <a:srgbClr val="7030A0"/>
+                  <a:schemeClr val="accent4">
+                    <a:lumMod val="60000"/>
+                    <a:lumOff val="40000"/>
+                  </a:schemeClr>
                 </a:solidFill>
               </a:rPr>
               <a:t>labels</a:t>
@@ -3603,11 +3689,14 @@
             </a:r>
           </a:p>
           <a:p>
-            <a:pPr marL="0" indent="0">
+            <a:pPr>
               <a:buClr>
-                <a:srgbClr val="7030A0"/>
+                <a:schemeClr val="accent1">
+                  <a:lumMod val="75000"/>
+                </a:schemeClr>
               </a:buClr>
-              <a:buNone/>
+              <a:buFont typeface="Wingdings" panose="05000000000000000000" pitchFamily="2" charset="2"/>
+              <a:buChar char="Ø"/>
             </a:pPr>
             <a:endParaRPr lang="it-IT" dirty="0">
               <a:solidFill>
@@ -3618,7 +3707,9 @@
           <a:p>
             <a:pPr>
               <a:buClr>
-                <a:srgbClr val="7030A0"/>
+                <a:schemeClr val="accent1">
+                  <a:lumMod val="75000"/>
+                </a:schemeClr>
               </a:buClr>
               <a:buFont typeface="Wingdings" panose="05000000000000000000" pitchFamily="2" charset="2"/>
               <a:buChar char="Ø"/>
@@ -3626,7 +3717,10 @@
             <a:r>
               <a:rPr lang="it-IT" b="1" dirty="0">
                 <a:solidFill>
-                  <a:srgbClr val="7030A0"/>
+                  <a:schemeClr val="accent4">
+                    <a:lumMod val="60000"/>
+                    <a:lumOff val="40000"/>
+                  </a:schemeClr>
                 </a:solidFill>
               </a:rPr>
               <a:t>LDP (Label Distribution </a:t>
@@ -3634,7 +3728,10 @@
             <a:r>
               <a:rPr lang="it-IT" b="1" dirty="0" err="1">
                 <a:solidFill>
-                  <a:srgbClr val="7030A0"/>
+                  <a:schemeClr val="accent4">
+                    <a:lumMod val="60000"/>
+                    <a:lumOff val="40000"/>
+                  </a:schemeClr>
                 </a:solidFill>
               </a:rPr>
               <a:t>Protocol</a:t>
@@ -3642,7 +3739,10 @@
             <a:r>
               <a:rPr lang="it-IT" b="1" dirty="0">
                 <a:solidFill>
-                  <a:srgbClr val="7030A0"/>
+                  <a:schemeClr val="accent4">
+                    <a:lumMod val="60000"/>
+                    <a:lumOff val="40000"/>
+                  </a:schemeClr>
                 </a:solidFill>
               </a:rPr>
               <a:t>)</a:t>
@@ -3730,7 +3830,9 @@
             <a:r>
               <a:rPr lang="it-IT" sz="5000" b="1" dirty="0">
                 <a:solidFill>
-                  <a:srgbClr val="00B0F0"/>
+                  <a:schemeClr val="accent1">
+                    <a:lumMod val="75000"/>
+                  </a:schemeClr>
                 </a:solidFill>
               </a:rPr>
               <a:t>MPLS/LDP</a:t>
@@ -4137,7 +4239,9 @@
             <a:r>
               <a:rPr lang="it-IT" sz="5000" b="1" dirty="0">
                 <a:solidFill>
-                  <a:srgbClr val="00B0F0"/>
+                  <a:schemeClr val="accent1">
+                    <a:lumMod val="75000"/>
+                  </a:schemeClr>
                 </a:solidFill>
               </a:rPr>
               <a:t>MPLS/LDP</a:t>
@@ -4197,7 +4301,9 @@
           <a:noFill/>
           <a:ln w="38100">
             <a:solidFill>
-              <a:srgbClr val="7030A0"/>
+              <a:schemeClr val="accent1">
+                <a:lumMod val="75000"/>
+              </a:schemeClr>
             </a:solidFill>
           </a:ln>
         </p:spPr>
@@ -4318,7 +4424,9 @@
             <a:r>
               <a:rPr lang="it-IT" sz="5000" b="1" dirty="0">
                 <a:solidFill>
-                  <a:srgbClr val="00B0F0"/>
+                  <a:schemeClr val="accent1">
+                    <a:lumMod val="75000"/>
+                  </a:schemeClr>
                 </a:solidFill>
               </a:rPr>
               <a:t>MPLS/LDP</a:t>
@@ -4444,7 +4552,9 @@
           <a:noFill/>
           <a:ln w="38100">
             <a:solidFill>
-              <a:srgbClr val="7030A0"/>
+              <a:schemeClr val="accent1">
+                <a:lumMod val="75000"/>
+              </a:schemeClr>
             </a:solidFill>
           </a:ln>
         </p:spPr>
@@ -4496,7 +4606,9 @@
           <a:noFill/>
           <a:ln w="38100">
             <a:solidFill>
-              <a:srgbClr val="7030A0"/>
+              <a:schemeClr val="accent1">
+                <a:lumMod val="75000"/>
+              </a:schemeClr>
             </a:solidFill>
           </a:ln>
         </p:spPr>
@@ -4589,7 +4701,9 @@
             <a:r>
               <a:rPr lang="it-IT" sz="5000" b="1" dirty="0">
                 <a:solidFill>
-                  <a:srgbClr val="00B0F0"/>
+                  <a:schemeClr val="accent1">
+                    <a:lumMod val="75000"/>
+                  </a:schemeClr>
                 </a:solidFill>
               </a:rPr>
               <a:t>MPLS/LDP</a:t>
@@ -4763,7 +4877,9 @@
           <a:noFill/>
           <a:ln w="38100">
             <a:solidFill>
-              <a:srgbClr val="7030A0"/>
+              <a:schemeClr val="accent1">
+                <a:lumMod val="75000"/>
+              </a:schemeClr>
             </a:solidFill>
           </a:ln>
         </p:spPr>
@@ -4815,7 +4931,9 @@
           <a:noFill/>
           <a:ln w="38100">
             <a:solidFill>
-              <a:srgbClr val="7030A0"/>
+              <a:schemeClr val="accent1">
+                <a:lumMod val="75000"/>
+              </a:schemeClr>
             </a:solidFill>
           </a:ln>
         </p:spPr>
@@ -4840,7 +4958,13 @@
           <a:lstStyle/>
           <a:p>
             <a:pPr algn="ctr"/>
-            <a:endParaRPr lang="it-IT"/>
+            <a:endParaRPr lang="it-IT">
+              <a:solidFill>
+                <a:schemeClr val="accent1">
+                  <a:lumMod val="75000"/>
+                </a:schemeClr>
+              </a:solidFill>
+            </a:endParaRPr>
           </a:p>
         </p:txBody>
       </p:sp>
@@ -4908,7 +5032,9 @@
             <a:r>
               <a:rPr lang="it-IT" sz="5000" b="1" dirty="0">
                 <a:solidFill>
-                  <a:srgbClr val="00B0F0"/>
+                  <a:schemeClr val="accent1">
+                    <a:lumMod val="75000"/>
+                  </a:schemeClr>
                 </a:solidFill>
               </a:rPr>
               <a:t>MPLS/LDP</a:t>
@@ -5130,7 +5256,9 @@
           <a:noFill/>
           <a:ln w="38100">
             <a:solidFill>
-              <a:srgbClr val="7030A0"/>
+              <a:schemeClr val="accent1">
+                <a:lumMod val="75000"/>
+              </a:schemeClr>
             </a:solidFill>
           </a:ln>
         </p:spPr>
@@ -5182,7 +5310,9 @@
           <a:noFill/>
           <a:ln w="38100">
             <a:solidFill>
-              <a:srgbClr val="7030A0"/>
+              <a:schemeClr val="accent1">
+                <a:lumMod val="75000"/>
+              </a:schemeClr>
             </a:solidFill>
           </a:ln>
         </p:spPr>
@@ -5275,7 +5405,9 @@
             <a:r>
               <a:rPr lang="it-IT" sz="5000" b="1" dirty="0">
                 <a:solidFill>
-                  <a:srgbClr val="00B0F0"/>
+                  <a:schemeClr val="accent1">
+                    <a:lumMod val="75000"/>
+                  </a:schemeClr>
                 </a:solidFill>
               </a:rPr>
               <a:t>MPLS/LDP</a:t>
@@ -5401,7 +5533,9 @@
           <a:noFill/>
           <a:ln w="38100">
             <a:solidFill>
-              <a:srgbClr val="7030A0"/>
+              <a:schemeClr val="accent1">
+                <a:lumMod val="75000"/>
+              </a:schemeClr>
             </a:solidFill>
           </a:ln>
         </p:spPr>
@@ -5453,7 +5587,9 @@
           <a:noFill/>
           <a:ln w="38100">
             <a:solidFill>
-              <a:srgbClr val="7030A0"/>
+              <a:schemeClr val="accent1">
+                <a:lumMod val="75000"/>
+              </a:schemeClr>
             </a:solidFill>
           </a:ln>
         </p:spPr>
@@ -5546,7 +5682,9 @@
             <a:r>
               <a:rPr lang="it-IT" sz="5000" b="1" dirty="0">
                 <a:solidFill>
-                  <a:srgbClr val="00B0F0"/>
+                  <a:schemeClr val="accent1">
+                    <a:lumMod val="75000"/>
+                  </a:schemeClr>
                 </a:solidFill>
               </a:rPr>
               <a:t>Firewall</a:t>
@@ -5725,7 +5863,9 @@
           <a:noFill/>
           <a:ln w="38100">
             <a:solidFill>
-              <a:srgbClr val="7030A0"/>
+              <a:schemeClr val="accent1">
+                <a:lumMod val="75000"/>
+              </a:schemeClr>
             </a:solidFill>
           </a:ln>
         </p:spPr>
@@ -5816,7 +5956,9 @@
             <a:r>
               <a:rPr lang="it-IT" sz="5000" b="1" dirty="0">
                 <a:solidFill>
-                  <a:srgbClr val="00B0F0"/>
+                  <a:schemeClr val="accent1">
+                    <a:lumMod val="75000"/>
+                  </a:schemeClr>
                 </a:solidFill>
               </a:rPr>
               <a:t>Firewall</a:t>
@@ -5876,7 +6018,9 @@
           <a:noFill/>
           <a:ln w="38100">
             <a:solidFill>
-              <a:srgbClr val="7030A0"/>
+              <a:schemeClr val="accent1">
+                <a:lumMod val="75000"/>
+              </a:schemeClr>
             </a:solidFill>
           </a:ln>
         </p:spPr>
@@ -5997,7 +6141,9 @@
             <a:r>
               <a:rPr lang="it-IT" sz="5000" b="1" dirty="0">
                 <a:solidFill>
-                  <a:srgbClr val="00B0F0"/>
+                  <a:schemeClr val="accent1">
+                    <a:lumMod val="75000"/>
+                  </a:schemeClr>
                 </a:solidFill>
               </a:rPr>
               <a:t>Firewall</a:t>
@@ -6057,7 +6203,9 @@
           <a:noFill/>
           <a:ln w="38100">
             <a:solidFill>
-              <a:srgbClr val="7030A0"/>
+              <a:schemeClr val="accent1">
+                <a:lumMod val="75000"/>
+              </a:schemeClr>
             </a:solidFill>
           </a:ln>
         </p:spPr>
@@ -6178,7 +6326,9 @@
             <a:r>
               <a:rPr lang="it-IT" sz="5000" b="1" dirty="0">
                 <a:solidFill>
-                  <a:srgbClr val="00B0F0"/>
+                  <a:schemeClr val="accent1">
+                    <a:lumMod val="75000"/>
+                  </a:schemeClr>
                 </a:solidFill>
               </a:rPr>
               <a:t>Topologia</a:t>
@@ -6279,7 +6429,9 @@
             <a:r>
               <a:rPr lang="it-IT" sz="5000" b="1" dirty="0">
                 <a:solidFill>
-                  <a:srgbClr val="00B0F0"/>
+                  <a:schemeClr val="accent1">
+                    <a:lumMod val="75000"/>
+                  </a:schemeClr>
                 </a:solidFill>
               </a:rPr>
               <a:t>DC Network</a:t>
@@ -6339,7 +6491,9 @@
           <a:noFill/>
           <a:ln w="38100">
             <a:solidFill>
-              <a:srgbClr val="7030A0"/>
+              <a:schemeClr val="accent1">
+                <a:lumMod val="75000"/>
+              </a:schemeClr>
             </a:solidFill>
           </a:ln>
         </p:spPr>
@@ -6432,7 +6586,9 @@
             <a:r>
               <a:rPr lang="it-IT" sz="5000" b="1" dirty="0">
                 <a:solidFill>
-                  <a:srgbClr val="00B0F0"/>
+                  <a:schemeClr val="accent1">
+                    <a:lumMod val="75000"/>
+                  </a:schemeClr>
                 </a:solidFill>
               </a:rPr>
               <a:t>DC Network</a:t>
@@ -6492,7 +6648,9 @@
           <a:noFill/>
           <a:ln w="38100">
             <a:solidFill>
-              <a:srgbClr val="7030A0"/>
+              <a:schemeClr val="accent1">
+                <a:lumMod val="75000"/>
+              </a:schemeClr>
             </a:solidFill>
           </a:ln>
         </p:spPr>
@@ -7234,7 +7392,9 @@
             <a:r>
               <a:rPr lang="it-IT" sz="5000" b="1" dirty="0">
                 <a:solidFill>
-                  <a:srgbClr val="00B0F0"/>
+                  <a:schemeClr val="accent1">
+                    <a:lumMod val="75000"/>
+                  </a:schemeClr>
                 </a:solidFill>
               </a:rPr>
               <a:t>DC Network</a:t>
@@ -7294,7 +7454,9 @@
           <a:noFill/>
           <a:ln w="38100">
             <a:solidFill>
-              <a:srgbClr val="7030A0"/>
+              <a:schemeClr val="accent1">
+                <a:lumMod val="75000"/>
+              </a:schemeClr>
             </a:solidFill>
           </a:ln>
         </p:spPr>
@@ -7507,7 +7669,9 @@
             <a:r>
               <a:rPr lang="it-IT" sz="5000" b="1" dirty="0">
                 <a:solidFill>
-                  <a:srgbClr val="00B0F0"/>
+                  <a:schemeClr val="accent1">
+                    <a:lumMod val="75000"/>
+                  </a:schemeClr>
                 </a:solidFill>
               </a:rPr>
               <a:t>DC Network</a:t>
@@ -7567,7 +7731,9 @@
           <a:noFill/>
           <a:ln w="38100">
             <a:solidFill>
-              <a:srgbClr val="7030A0"/>
+              <a:schemeClr val="accent1">
+                <a:lumMod val="75000"/>
+              </a:schemeClr>
             </a:solidFill>
           </a:ln>
         </p:spPr>
@@ -7720,7 +7886,9 @@
             <a:r>
               <a:rPr lang="it-IT" sz="5000" b="1" dirty="0">
                 <a:solidFill>
-                  <a:srgbClr val="00B0F0"/>
+                  <a:schemeClr val="accent1">
+                    <a:lumMod val="75000"/>
+                  </a:schemeClr>
                 </a:solidFill>
               </a:rPr>
               <a:t>DC Network (B2 -&gt; B1)</a:t>
@@ -7780,7 +7948,9 @@
           <a:noFill/>
           <a:ln w="38100">
             <a:solidFill>
-              <a:srgbClr val="7030A0"/>
+              <a:schemeClr val="accent1">
+                <a:lumMod val="75000"/>
+              </a:schemeClr>
             </a:solidFill>
           </a:ln>
         </p:spPr>
@@ -7956,7 +8126,9 @@
           <a:noFill/>
           <a:ln w="63500">
             <a:solidFill>
-              <a:srgbClr val="7030A0"/>
+              <a:schemeClr val="accent1">
+                <a:lumMod val="75000"/>
+              </a:schemeClr>
             </a:solidFill>
             <a:tailEnd type="triangle"/>
           </a:ln>
@@ -8009,7 +8181,9 @@
           <a:noFill/>
           <a:ln w="38100">
             <a:solidFill>
-              <a:srgbClr val="7030A0"/>
+              <a:schemeClr val="accent1">
+                <a:lumMod val="75000"/>
+              </a:schemeClr>
             </a:solidFill>
           </a:ln>
         </p:spPr>
@@ -8105,18 +8279,15 @@
           <a:lstStyle/>
           <a:p>
             <a:r>
-              <a:rPr lang="it-IT" sz="5000" b="1">
-                <a:solidFill>
-                  <a:srgbClr val="00B0F0"/>
+              <a:rPr lang="it-IT" sz="5000" b="1" dirty="0">
+                <a:solidFill>
+                  <a:schemeClr val="accent1">
+                    <a:lumMod val="75000"/>
+                  </a:schemeClr>
                 </a:solidFill>
               </a:rPr>
               <a:t>DC Network (B2 -&gt; B1)</a:t>
             </a:r>
-            <a:endParaRPr lang="it-IT" sz="5000" b="1" dirty="0">
-              <a:solidFill>
-                <a:srgbClr val="00B0F0"/>
-              </a:solidFill>
-            </a:endParaRPr>
           </a:p>
         </p:txBody>
       </p:sp>
@@ -8172,7 +8343,9 @@
           <a:noFill/>
           <a:ln w="38100">
             <a:solidFill>
-              <a:srgbClr val="7030A0"/>
+              <a:schemeClr val="accent1">
+                <a:lumMod val="75000"/>
+              </a:schemeClr>
             </a:solidFill>
           </a:ln>
         </p:spPr>
@@ -8282,7 +8455,9 @@
           <a:noFill/>
           <a:ln w="63500">
             <a:solidFill>
-              <a:srgbClr val="7030A0"/>
+              <a:schemeClr val="accent1">
+                <a:lumMod val="75000"/>
+              </a:schemeClr>
             </a:solidFill>
             <a:tailEnd type="triangle"/>
           </a:ln>
@@ -8401,7 +8576,9 @@
           <a:noFill/>
           <a:ln w="38100">
             <a:solidFill>
-              <a:srgbClr val="7030A0"/>
+              <a:schemeClr val="accent1">
+                <a:lumMod val="75000"/>
+              </a:schemeClr>
             </a:solidFill>
           </a:ln>
         </p:spPr>
@@ -8499,7 +8676,9 @@
             <a:r>
               <a:rPr lang="it-IT" sz="5000" b="1" dirty="0">
                 <a:solidFill>
-                  <a:srgbClr val="00B0F0"/>
+                  <a:schemeClr val="accent1">
+                    <a:lumMod val="75000"/>
+                  </a:schemeClr>
                 </a:solidFill>
               </a:rPr>
               <a:t>DC Network (B2 -&gt; R302)</a:t>
@@ -8559,7 +8738,9 @@
           <a:noFill/>
           <a:ln w="38100">
             <a:solidFill>
-              <a:srgbClr val="7030A0"/>
+              <a:schemeClr val="accent1">
+                <a:lumMod val="75000"/>
+              </a:schemeClr>
             </a:solidFill>
           </a:ln>
         </p:spPr>
@@ -8751,7 +8932,9 @@
           <a:noFill/>
           <a:ln w="63500">
             <a:solidFill>
-              <a:srgbClr val="7030A0"/>
+              <a:schemeClr val="accent1">
+                <a:lumMod val="75000"/>
+              </a:schemeClr>
             </a:solidFill>
             <a:tailEnd type="triangle"/>
           </a:ln>
@@ -8804,7 +8987,9 @@
           <a:noFill/>
           <a:ln w="38100">
             <a:solidFill>
-              <a:srgbClr val="7030A0"/>
+              <a:schemeClr val="accent1">
+                <a:lumMod val="75000"/>
+              </a:schemeClr>
             </a:solidFill>
           </a:ln>
         </p:spPr>
@@ -8902,7 +9087,9 @@
             <a:r>
               <a:rPr lang="it-IT" sz="5000" b="1" dirty="0">
                 <a:solidFill>
-                  <a:srgbClr val="00B0F0"/>
+                  <a:schemeClr val="accent1">
+                    <a:lumMod val="75000"/>
+                  </a:schemeClr>
                 </a:solidFill>
               </a:rPr>
               <a:t>DC Network (B2 -&gt; R302)</a:t>
@@ -8962,7 +9149,9 @@
           <a:noFill/>
           <a:ln w="38100">
             <a:solidFill>
-              <a:srgbClr val="7030A0"/>
+              <a:schemeClr val="accent1">
+                <a:lumMod val="75000"/>
+              </a:schemeClr>
             </a:solidFill>
           </a:ln>
         </p:spPr>
@@ -9088,7 +9277,9 @@
           <a:noFill/>
           <a:ln w="63500">
             <a:solidFill>
-              <a:srgbClr val="7030A0"/>
+              <a:schemeClr val="accent1">
+                <a:lumMod val="75000"/>
+              </a:schemeClr>
             </a:solidFill>
             <a:tailEnd type="triangle"/>
           </a:ln>
@@ -9207,7 +9398,9 @@
           <a:noFill/>
           <a:ln w="38100">
             <a:solidFill>
-              <a:srgbClr val="7030A0"/>
+              <a:schemeClr val="accent1">
+                <a:lumMod val="75000"/>
+              </a:schemeClr>
             </a:solidFill>
           </a:ln>
         </p:spPr>
@@ -9305,7 +9498,9 @@
             <a:r>
               <a:rPr lang="it-IT" sz="5000" b="1" dirty="0">
                 <a:solidFill>
-                  <a:srgbClr val="00B0F0"/>
+                  <a:schemeClr val="accent1">
+                    <a:lumMod val="75000"/>
+                  </a:schemeClr>
                 </a:solidFill>
               </a:rPr>
               <a:t>DC Network (B2 -&gt; R302)</a:t>
@@ -9365,7 +9560,9 @@
           <a:noFill/>
           <a:ln w="38100">
             <a:solidFill>
-              <a:srgbClr val="7030A0"/>
+              <a:schemeClr val="accent1">
+                <a:lumMod val="75000"/>
+              </a:schemeClr>
             </a:solidFill>
           </a:ln>
         </p:spPr>
@@ -9491,7 +9688,9 @@
           <a:noFill/>
           <a:ln w="63500">
             <a:solidFill>
-              <a:srgbClr val="7030A0"/>
+              <a:schemeClr val="accent1">
+                <a:lumMod val="75000"/>
+              </a:schemeClr>
             </a:solidFill>
             <a:tailEnd type="triangle"/>
           </a:ln>
@@ -9610,7 +9809,9 @@
           <a:noFill/>
           <a:ln w="38100">
             <a:solidFill>
-              <a:srgbClr val="7030A0"/>
+              <a:schemeClr val="accent1">
+                <a:lumMod val="75000"/>
+              </a:schemeClr>
             </a:solidFill>
           </a:ln>
         </p:spPr>
@@ -9703,14 +9904,18 @@
             <a:r>
               <a:rPr lang="it-IT" sz="5000" b="1" dirty="0" err="1">
                 <a:solidFill>
-                  <a:srgbClr val="00B0F0"/>
+                  <a:schemeClr val="accent1">
+                    <a:lumMod val="75000"/>
+                  </a:schemeClr>
                 </a:solidFill>
               </a:rPr>
               <a:t>OpenVPN</a:t>
             </a:r>
             <a:endParaRPr lang="it-IT" sz="5000" b="1" dirty="0">
               <a:solidFill>
-                <a:srgbClr val="00B0F0"/>
+                <a:schemeClr val="accent1">
+                  <a:lumMod val="75000"/>
+                </a:schemeClr>
               </a:solidFill>
             </a:endParaRPr>
           </a:p>
@@ -9963,7 +10168,9 @@
           <a:noFill/>
           <a:ln w="63500">
             <a:solidFill>
-              <a:srgbClr val="7030A0"/>
+              <a:schemeClr val="accent1">
+                <a:lumMod val="75000"/>
+              </a:schemeClr>
             </a:solidFill>
           </a:ln>
         </p:spPr>
@@ -10015,7 +10222,9 @@
           <a:noFill/>
           <a:ln w="63500">
             <a:solidFill>
-              <a:srgbClr val="7030A0"/>
+              <a:schemeClr val="accent1">
+                <a:lumMod val="75000"/>
+              </a:schemeClr>
             </a:solidFill>
           </a:ln>
         </p:spPr>
@@ -10067,7 +10276,9 @@
           <a:noFill/>
           <a:ln w="63500">
             <a:solidFill>
-              <a:srgbClr val="7030A0"/>
+              <a:schemeClr val="accent1">
+                <a:lumMod val="75000"/>
+              </a:schemeClr>
             </a:solidFill>
           </a:ln>
         </p:spPr>
@@ -10160,7 +10371,9 @@
             <a:r>
               <a:rPr lang="it-IT" sz="5000" b="1" dirty="0">
                 <a:solidFill>
-                  <a:srgbClr val="00B0F0"/>
+                  <a:schemeClr val="accent1">
+                    <a:lumMod val="75000"/>
+                  </a:schemeClr>
                 </a:solidFill>
               </a:rPr>
               <a:t>Configurazione </a:t>
@@ -10168,14 +10381,18 @@
             <a:r>
               <a:rPr lang="it-IT" sz="5000" b="1" dirty="0" err="1">
                 <a:solidFill>
-                  <a:srgbClr val="00B0F0"/>
+                  <a:schemeClr val="accent1">
+                    <a:lumMod val="75000"/>
+                  </a:schemeClr>
                 </a:solidFill>
               </a:rPr>
               <a:t>interefacce</a:t>
             </a:r>
             <a:endParaRPr lang="it-IT" sz="5000" b="1" dirty="0">
               <a:solidFill>
-                <a:srgbClr val="00B0F0"/>
+                <a:schemeClr val="accent1">
+                  <a:lumMod val="75000"/>
+                </a:schemeClr>
               </a:solidFill>
             </a:endParaRPr>
           </a:p>
@@ -10567,14 +10784,18 @@
             <a:r>
               <a:rPr lang="it-IT" sz="5000" b="1" dirty="0" err="1">
                 <a:solidFill>
-                  <a:srgbClr val="00B0F0"/>
+                  <a:schemeClr val="accent1">
+                    <a:lumMod val="75000"/>
+                  </a:schemeClr>
                 </a:solidFill>
               </a:rPr>
               <a:t>OpenVPN</a:t>
             </a:r>
             <a:endParaRPr lang="it-IT" sz="5000" b="1" dirty="0">
               <a:solidFill>
-                <a:srgbClr val="00B0F0"/>
+                <a:schemeClr val="accent1">
+                  <a:lumMod val="75000"/>
+                </a:schemeClr>
               </a:solidFill>
             </a:endParaRPr>
           </a:p>
@@ -10827,7 +11048,9 @@
           <a:noFill/>
           <a:ln w="63500">
             <a:solidFill>
-              <a:srgbClr val="7030A0"/>
+              <a:schemeClr val="accent1">
+                <a:lumMod val="75000"/>
+              </a:schemeClr>
             </a:solidFill>
           </a:ln>
         </p:spPr>
@@ -10879,7 +11102,9 @@
           <a:noFill/>
           <a:ln w="63500">
             <a:solidFill>
-              <a:srgbClr val="7030A0"/>
+              <a:schemeClr val="accent1">
+                <a:lumMod val="75000"/>
+              </a:schemeClr>
             </a:solidFill>
           </a:ln>
         </p:spPr>
@@ -10931,7 +11156,9 @@
           <a:noFill/>
           <a:ln w="63500">
             <a:solidFill>
-              <a:srgbClr val="7030A0"/>
+              <a:schemeClr val="accent1">
+                <a:lumMod val="75000"/>
+              </a:schemeClr>
             </a:solidFill>
           </a:ln>
         </p:spPr>
@@ -11059,7 +11286,9 @@
           <a:noFill/>
           <a:ln w="63500">
             <a:solidFill>
-              <a:srgbClr val="7030A0"/>
+              <a:schemeClr val="accent1">
+                <a:lumMod val="75000"/>
+              </a:schemeClr>
             </a:solidFill>
             <a:tailEnd type="triangle"/>
           </a:ln>
@@ -11153,14 +11382,18 @@
             <a:r>
               <a:rPr lang="it-IT" sz="5000" b="1" dirty="0" err="1">
                 <a:solidFill>
-                  <a:srgbClr val="00B0F0"/>
+                  <a:schemeClr val="accent1">
+                    <a:lumMod val="75000"/>
+                  </a:schemeClr>
                 </a:solidFill>
               </a:rPr>
               <a:t>OpenVPN</a:t>
             </a:r>
             <a:endParaRPr lang="it-IT" sz="5000" b="1" dirty="0">
               <a:solidFill>
-                <a:srgbClr val="00B0F0"/>
+                <a:schemeClr val="accent1">
+                  <a:lumMod val="75000"/>
+                </a:schemeClr>
               </a:solidFill>
             </a:endParaRPr>
           </a:p>
@@ -11413,7 +11646,9 @@
           <a:noFill/>
           <a:ln w="63500">
             <a:solidFill>
-              <a:srgbClr val="7030A0"/>
+              <a:schemeClr val="accent1">
+                <a:lumMod val="75000"/>
+              </a:schemeClr>
             </a:solidFill>
           </a:ln>
         </p:spPr>
@@ -11465,7 +11700,9 @@
           <a:noFill/>
           <a:ln w="63500">
             <a:solidFill>
-              <a:srgbClr val="7030A0"/>
+              <a:schemeClr val="accent1">
+                <a:lumMod val="75000"/>
+              </a:schemeClr>
             </a:solidFill>
           </a:ln>
         </p:spPr>
@@ -11517,7 +11754,9 @@
           <a:noFill/>
           <a:ln w="63500">
             <a:solidFill>
-              <a:srgbClr val="7030A0"/>
+              <a:schemeClr val="accent1">
+                <a:lumMod val="75000"/>
+              </a:schemeClr>
             </a:solidFill>
           </a:ln>
         </p:spPr>
@@ -11615,7 +11854,9 @@
           <a:noFill/>
           <a:ln w="63500">
             <a:solidFill>
-              <a:srgbClr val="7030A0"/>
+              <a:schemeClr val="accent1">
+                <a:lumMod val="75000"/>
+              </a:schemeClr>
             </a:solidFill>
             <a:tailEnd type="triangle"/>
           </a:ln>
@@ -11714,7 +11955,9 @@
           <a:noFill/>
           <a:ln w="63500">
             <a:solidFill>
-              <a:srgbClr val="7030A0"/>
+              <a:schemeClr val="accent1">
+                <a:lumMod val="75000"/>
+              </a:schemeClr>
             </a:solidFill>
             <a:tailEnd type="triangle"/>
           </a:ln>
@@ -11838,14 +12081,18 @@
             <a:r>
               <a:rPr lang="it-IT" sz="5000" b="1" dirty="0" err="1">
                 <a:solidFill>
-                  <a:srgbClr val="00B0F0"/>
+                  <a:schemeClr val="accent1">
+                    <a:lumMod val="75000"/>
+                  </a:schemeClr>
                 </a:solidFill>
               </a:rPr>
               <a:t>OpenVPN</a:t>
             </a:r>
             <a:endParaRPr lang="it-IT" sz="5000" b="1" dirty="0">
               <a:solidFill>
-                <a:srgbClr val="00B0F0"/>
+                <a:schemeClr val="accent1">
+                  <a:lumMod val="75000"/>
+                </a:schemeClr>
               </a:solidFill>
             </a:endParaRPr>
           </a:p>
@@ -12074,7 +12321,9 @@
           <a:noFill/>
           <a:ln w="63500">
             <a:solidFill>
-              <a:srgbClr val="7030A0"/>
+              <a:schemeClr val="accent1">
+                <a:lumMod val="75000"/>
+              </a:schemeClr>
             </a:solidFill>
           </a:ln>
         </p:spPr>
@@ -12126,7 +12375,9 @@
           <a:noFill/>
           <a:ln w="63500">
             <a:solidFill>
-              <a:srgbClr val="7030A0"/>
+              <a:schemeClr val="accent1">
+                <a:lumMod val="75000"/>
+              </a:schemeClr>
             </a:solidFill>
           </a:ln>
         </p:spPr>
@@ -12178,7 +12429,9 @@
           <a:noFill/>
           <a:ln w="63500">
             <a:solidFill>
-              <a:srgbClr val="7030A0"/>
+              <a:schemeClr val="accent1">
+                <a:lumMod val="75000"/>
+              </a:schemeClr>
             </a:solidFill>
           </a:ln>
         </p:spPr>
@@ -12276,7 +12529,9 @@
           <a:noFill/>
           <a:ln w="63500">
             <a:solidFill>
-              <a:srgbClr val="7030A0"/>
+              <a:schemeClr val="accent1">
+                <a:lumMod val="75000"/>
+              </a:schemeClr>
             </a:solidFill>
             <a:tailEnd type="triangle"/>
           </a:ln>
@@ -12375,7 +12630,9 @@
           <a:noFill/>
           <a:ln w="63500">
             <a:solidFill>
-              <a:srgbClr val="7030A0"/>
+              <a:schemeClr val="accent1">
+                <a:lumMod val="75000"/>
+              </a:schemeClr>
             </a:solidFill>
             <a:tailEnd type="triangle"/>
           </a:ln>
@@ -12428,7 +12685,9 @@
           <a:noFill/>
           <a:ln w="38100">
             <a:solidFill>
-              <a:srgbClr val="7030A0"/>
+              <a:schemeClr val="accent1">
+                <a:lumMod val="75000"/>
+              </a:schemeClr>
             </a:solidFill>
           </a:ln>
         </p:spPr>
@@ -12524,7 +12783,9 @@
           <a:noFill/>
           <a:ln w="63500">
             <a:solidFill>
-              <a:srgbClr val="7030A0"/>
+              <a:schemeClr val="accent1">
+                <a:lumMod val="75000"/>
+              </a:schemeClr>
             </a:solidFill>
             <a:tailEnd type="triangle"/>
           </a:ln>
@@ -12648,14 +12909,18 @@
             <a:r>
               <a:rPr lang="it-IT" sz="5000" b="1" dirty="0" err="1">
                 <a:solidFill>
-                  <a:srgbClr val="00B0F0"/>
+                  <a:schemeClr val="accent1">
+                    <a:lumMod val="75000"/>
+                  </a:schemeClr>
                 </a:solidFill>
               </a:rPr>
               <a:t>OpenVPN</a:t>
             </a:r>
             <a:endParaRPr lang="it-IT" sz="5000" b="1" dirty="0">
               <a:solidFill>
-                <a:srgbClr val="00B0F0"/>
+                <a:schemeClr val="accent1">
+                  <a:lumMod val="75000"/>
+                </a:schemeClr>
               </a:solidFill>
             </a:endParaRPr>
           </a:p>
@@ -12908,7 +13173,9 @@
           <a:noFill/>
           <a:ln w="63500">
             <a:solidFill>
-              <a:srgbClr val="7030A0"/>
+              <a:schemeClr val="accent1">
+                <a:lumMod val="75000"/>
+              </a:schemeClr>
             </a:solidFill>
           </a:ln>
         </p:spPr>
@@ -12960,7 +13227,9 @@
           <a:noFill/>
           <a:ln w="63500">
             <a:solidFill>
-              <a:srgbClr val="7030A0"/>
+              <a:schemeClr val="accent1">
+                <a:lumMod val="75000"/>
+              </a:schemeClr>
             </a:solidFill>
           </a:ln>
         </p:spPr>
@@ -13012,7 +13281,9 @@
           <a:noFill/>
           <a:ln w="63500">
             <a:solidFill>
-              <a:srgbClr val="7030A0"/>
+              <a:schemeClr val="accent1">
+                <a:lumMod val="75000"/>
+              </a:schemeClr>
             </a:solidFill>
           </a:ln>
         </p:spPr>
@@ -13110,7 +13381,9 @@
           <a:noFill/>
           <a:ln w="63500">
             <a:solidFill>
-              <a:srgbClr val="7030A0"/>
+              <a:schemeClr val="accent1">
+                <a:lumMod val="75000"/>
+              </a:schemeClr>
             </a:solidFill>
             <a:tailEnd type="triangle"/>
           </a:ln>
@@ -13209,7 +13482,9 @@
           <a:noFill/>
           <a:ln w="63500">
             <a:solidFill>
-              <a:srgbClr val="7030A0"/>
+              <a:schemeClr val="accent1">
+                <a:lumMod val="75000"/>
+              </a:schemeClr>
             </a:solidFill>
             <a:tailEnd type="triangle"/>
           </a:ln>
@@ -13262,7 +13537,9 @@
           <a:noFill/>
           <a:ln w="38100">
             <a:solidFill>
-              <a:srgbClr val="7030A0"/>
+              <a:schemeClr val="accent1">
+                <a:lumMod val="75000"/>
+              </a:schemeClr>
             </a:solidFill>
           </a:ln>
         </p:spPr>
@@ -13358,7 +13635,9 @@
           <a:noFill/>
           <a:ln w="63500">
             <a:solidFill>
-              <a:srgbClr val="7030A0"/>
+              <a:schemeClr val="accent1">
+                <a:lumMod val="75000"/>
+              </a:schemeClr>
             </a:solidFill>
             <a:tailEnd type="triangle"/>
           </a:ln>
@@ -13518,14 +13797,18 @@
             <a:r>
               <a:rPr lang="it-IT" sz="5000" b="1" dirty="0" err="1">
                 <a:solidFill>
-                  <a:srgbClr val="00B0F0"/>
+                  <a:schemeClr val="accent1">
+                    <a:lumMod val="75000"/>
+                  </a:schemeClr>
                 </a:solidFill>
               </a:rPr>
               <a:t>OpenVPN</a:t>
             </a:r>
             <a:endParaRPr lang="it-IT" sz="5000" b="1" dirty="0">
               <a:solidFill>
-                <a:srgbClr val="00B0F0"/>
+                <a:schemeClr val="accent1">
+                  <a:lumMod val="75000"/>
+                </a:schemeClr>
               </a:solidFill>
             </a:endParaRPr>
           </a:p>
@@ -13754,7 +14037,9 @@
           <a:noFill/>
           <a:ln w="63500">
             <a:solidFill>
-              <a:srgbClr val="7030A0"/>
+              <a:schemeClr val="accent1">
+                <a:lumMod val="75000"/>
+              </a:schemeClr>
             </a:solidFill>
           </a:ln>
         </p:spPr>
@@ -13806,7 +14091,9 @@
           <a:noFill/>
           <a:ln w="63500">
             <a:solidFill>
-              <a:srgbClr val="7030A0"/>
+              <a:schemeClr val="accent1">
+                <a:lumMod val="75000"/>
+              </a:schemeClr>
             </a:solidFill>
           </a:ln>
         </p:spPr>
@@ -13858,7 +14145,9 @@
           <a:noFill/>
           <a:ln w="63500">
             <a:solidFill>
-              <a:srgbClr val="7030A0"/>
+              <a:schemeClr val="accent1">
+                <a:lumMod val="75000"/>
+              </a:schemeClr>
             </a:solidFill>
           </a:ln>
         </p:spPr>
@@ -13956,7 +14245,9 @@
           <a:noFill/>
           <a:ln w="63500">
             <a:solidFill>
-              <a:srgbClr val="7030A0"/>
+              <a:schemeClr val="accent1">
+                <a:lumMod val="75000"/>
+              </a:schemeClr>
             </a:solidFill>
             <a:tailEnd type="triangle"/>
           </a:ln>
@@ -14055,7 +14346,9 @@
           <a:noFill/>
           <a:ln w="63500">
             <a:solidFill>
-              <a:srgbClr val="7030A0"/>
+              <a:schemeClr val="accent1">
+                <a:lumMod val="75000"/>
+              </a:schemeClr>
             </a:solidFill>
             <a:tailEnd type="triangle"/>
           </a:ln>
@@ -14108,7 +14401,9 @@
           <a:noFill/>
           <a:ln w="38100">
             <a:solidFill>
-              <a:srgbClr val="7030A0"/>
+              <a:schemeClr val="accent1">
+                <a:lumMod val="75000"/>
+              </a:schemeClr>
             </a:solidFill>
           </a:ln>
         </p:spPr>
@@ -14204,7 +14499,9 @@
           <a:noFill/>
           <a:ln w="63500">
             <a:solidFill>
-              <a:srgbClr val="7030A0"/>
+              <a:schemeClr val="accent1">
+                <a:lumMod val="75000"/>
+              </a:schemeClr>
             </a:solidFill>
             <a:tailEnd type="triangle"/>
           </a:ln>
@@ -14364,14 +14661,18 @@
             <a:r>
               <a:rPr lang="it-IT" sz="5000" b="1" dirty="0" err="1">
                 <a:solidFill>
-                  <a:srgbClr val="00B0F0"/>
+                  <a:schemeClr val="accent1">
+                    <a:lumMod val="75000"/>
+                  </a:schemeClr>
                 </a:solidFill>
               </a:rPr>
               <a:t>OpenVPN</a:t>
             </a:r>
             <a:endParaRPr lang="it-IT" sz="5000" b="1" dirty="0">
               <a:solidFill>
-                <a:srgbClr val="00B0F0"/>
+                <a:schemeClr val="accent1">
+                  <a:lumMod val="75000"/>
+                </a:schemeClr>
               </a:solidFill>
             </a:endParaRPr>
           </a:p>
@@ -14624,7 +14925,9 @@
           <a:noFill/>
           <a:ln w="63500">
             <a:solidFill>
-              <a:srgbClr val="7030A0"/>
+              <a:schemeClr val="accent1">
+                <a:lumMod val="75000"/>
+              </a:schemeClr>
             </a:solidFill>
           </a:ln>
         </p:spPr>
@@ -14676,7 +14979,9 @@
           <a:noFill/>
           <a:ln w="63500">
             <a:solidFill>
-              <a:srgbClr val="7030A0"/>
+              <a:schemeClr val="accent1">
+                <a:lumMod val="75000"/>
+              </a:schemeClr>
             </a:solidFill>
           </a:ln>
         </p:spPr>
@@ -14728,7 +15033,9 @@
           <a:noFill/>
           <a:ln w="63500">
             <a:solidFill>
-              <a:srgbClr val="7030A0"/>
+              <a:schemeClr val="accent1">
+                <a:lumMod val="75000"/>
+              </a:schemeClr>
             </a:solidFill>
           </a:ln>
         </p:spPr>
@@ -14826,7 +15133,9 @@
           <a:noFill/>
           <a:ln w="63500">
             <a:solidFill>
-              <a:srgbClr val="7030A0"/>
+              <a:schemeClr val="accent1">
+                <a:lumMod val="75000"/>
+              </a:schemeClr>
             </a:solidFill>
             <a:tailEnd type="triangle"/>
           </a:ln>
@@ -14925,7 +15234,9 @@
           <a:noFill/>
           <a:ln w="63500">
             <a:solidFill>
-              <a:srgbClr val="7030A0"/>
+              <a:schemeClr val="accent1">
+                <a:lumMod val="75000"/>
+              </a:schemeClr>
             </a:solidFill>
             <a:tailEnd type="triangle"/>
           </a:ln>
@@ -14978,7 +15289,9 @@
           <a:noFill/>
           <a:ln w="38100">
             <a:solidFill>
-              <a:srgbClr val="7030A0"/>
+              <a:schemeClr val="accent1">
+                <a:lumMod val="75000"/>
+              </a:schemeClr>
             </a:solidFill>
           </a:ln>
         </p:spPr>
@@ -15134,7 +15447,9 @@
           <a:noFill/>
           <a:ln w="63500">
             <a:solidFill>
-              <a:srgbClr val="7030A0"/>
+              <a:schemeClr val="accent1">
+                <a:lumMod val="75000"/>
+              </a:schemeClr>
             </a:solidFill>
             <a:tailEnd type="triangle"/>
           </a:ln>
@@ -15187,7 +15502,9 @@
           <a:noFill/>
           <a:ln w="38100">
             <a:solidFill>
-              <a:srgbClr val="7030A0"/>
+              <a:schemeClr val="accent1">
+                <a:lumMod val="75000"/>
+              </a:schemeClr>
             </a:solidFill>
           </a:ln>
         </p:spPr>
@@ -15278,14 +15595,18 @@
             <a:r>
               <a:rPr lang="it-IT" sz="5000" b="1" dirty="0" err="1">
                 <a:solidFill>
-                  <a:srgbClr val="00B0F0"/>
+                  <a:schemeClr val="accent1">
+                    <a:lumMod val="75000"/>
+                  </a:schemeClr>
                 </a:solidFill>
               </a:rPr>
               <a:t>OpenVPN</a:t>
             </a:r>
             <a:endParaRPr lang="it-IT" sz="5000" b="1" dirty="0">
               <a:solidFill>
-                <a:srgbClr val="00B0F0"/>
+                <a:schemeClr val="accent1">
+                  <a:lumMod val="75000"/>
+                </a:schemeClr>
               </a:solidFill>
             </a:endParaRPr>
           </a:p>
@@ -15538,7 +15859,9 @@
           <a:noFill/>
           <a:ln w="63500">
             <a:solidFill>
-              <a:srgbClr val="7030A0"/>
+              <a:schemeClr val="accent1">
+                <a:lumMod val="75000"/>
+              </a:schemeClr>
             </a:solidFill>
           </a:ln>
         </p:spPr>
@@ -15590,7 +15913,9 @@
           <a:noFill/>
           <a:ln w="63500">
             <a:solidFill>
-              <a:srgbClr val="7030A0"/>
+              <a:schemeClr val="accent1">
+                <a:lumMod val="75000"/>
+              </a:schemeClr>
             </a:solidFill>
           </a:ln>
         </p:spPr>
@@ -15642,7 +15967,9 @@
           <a:noFill/>
           <a:ln w="63500">
             <a:solidFill>
-              <a:srgbClr val="7030A0"/>
+              <a:schemeClr val="accent1">
+                <a:lumMod val="75000"/>
+              </a:schemeClr>
             </a:solidFill>
           </a:ln>
         </p:spPr>
@@ -15740,7 +16067,9 @@
           <a:noFill/>
           <a:ln w="63500">
             <a:solidFill>
-              <a:srgbClr val="7030A0"/>
+              <a:schemeClr val="accent1">
+                <a:lumMod val="75000"/>
+              </a:schemeClr>
             </a:solidFill>
             <a:tailEnd type="triangle"/>
           </a:ln>
@@ -15839,7 +16168,9 @@
           <a:noFill/>
           <a:ln w="63500">
             <a:solidFill>
-              <a:srgbClr val="7030A0"/>
+              <a:schemeClr val="accent1">
+                <a:lumMod val="75000"/>
+              </a:schemeClr>
             </a:solidFill>
             <a:tailEnd type="triangle"/>
           </a:ln>
@@ -15892,57 +16223,9 @@
           <a:noFill/>
           <a:ln w="38100">
             <a:solidFill>
-              <a:srgbClr val="7030A0"/>
-            </a:solidFill>
-          </a:ln>
-        </p:spPr>
-        <p:style>
-          <a:lnRef idx="2">
-            <a:schemeClr val="accent6"/>
-          </a:lnRef>
-          <a:fillRef idx="1">
-            <a:schemeClr val="lt1"/>
-          </a:fillRef>
-          <a:effectRef idx="0">
-            <a:schemeClr val="accent6"/>
-          </a:effectRef>
-          <a:fontRef idx="minor">
-            <a:schemeClr val="dk1"/>
-          </a:fontRef>
-        </p:style>
-        <p:txBody>
-          <a:bodyPr rtlCol="0" anchor="ctr"/>
-          <a:lstStyle/>
-          <a:p>
-            <a:pPr algn="ctr"/>
-            <a:endParaRPr lang="it-IT"/>
-          </a:p>
-        </p:txBody>
-      </p:sp>
-      <p:sp>
-        <p:nvSpPr>
-          <p:cNvPr id="22" name="Ovale 21">
-            <a:extLst>
-              <a:ext uri="{FF2B5EF4-FFF2-40B4-BE49-F238E27FC236}">
-                <a16:creationId xmlns:a16="http://schemas.microsoft.com/office/drawing/2014/main" id="{70B8AE95-7B40-4AE6-92A1-3953791EAF79}"/>
-              </a:ext>
-            </a:extLst>
-          </p:cNvPr>
-          <p:cNvSpPr/>
-          <p:nvPr/>
-        </p:nvSpPr>
-        <p:spPr>
-          <a:xfrm>
-            <a:off x="8644329" y="5635362"/>
-            <a:ext cx="710968" cy="690823"/>
-          </a:xfrm>
-          <a:prstGeom prst="ellipse">
-            <a:avLst/>
-          </a:prstGeom>
-          <a:noFill/>
-          <a:ln w="38100">
-            <a:solidFill>
-              <a:srgbClr val="7030A0"/>
+              <a:schemeClr val="accent1">
+                <a:lumMod val="75000"/>
+              </a:schemeClr>
             </a:solidFill>
           </a:ln>
         </p:spPr>
@@ -16099,14 +16382,18 @@
             <a:r>
               <a:rPr lang="it-IT" sz="5000" b="1" dirty="0" err="1">
                 <a:solidFill>
-                  <a:srgbClr val="00B0F0"/>
+                  <a:schemeClr val="accent1">
+                    <a:lumMod val="75000"/>
+                  </a:schemeClr>
                 </a:solidFill>
               </a:rPr>
               <a:t>OpenVPN</a:t>
             </a:r>
             <a:endParaRPr lang="it-IT" sz="5000" b="1" dirty="0">
               <a:solidFill>
-                <a:srgbClr val="00B0F0"/>
+                <a:schemeClr val="accent1">
+                  <a:lumMod val="75000"/>
+                </a:schemeClr>
               </a:solidFill>
             </a:endParaRPr>
           </a:p>
@@ -16359,7 +16646,9 @@
           <a:noFill/>
           <a:ln w="63500">
             <a:solidFill>
-              <a:srgbClr val="7030A0"/>
+              <a:schemeClr val="accent1">
+                <a:lumMod val="75000"/>
+              </a:schemeClr>
             </a:solidFill>
           </a:ln>
         </p:spPr>
@@ -16411,7 +16700,9 @@
           <a:noFill/>
           <a:ln w="63500">
             <a:solidFill>
-              <a:srgbClr val="7030A0"/>
+              <a:schemeClr val="accent1">
+                <a:lumMod val="75000"/>
+              </a:schemeClr>
             </a:solidFill>
           </a:ln>
         </p:spPr>
@@ -16463,7 +16754,9 @@
           <a:noFill/>
           <a:ln w="63500">
             <a:solidFill>
-              <a:srgbClr val="7030A0"/>
+              <a:schemeClr val="accent1">
+                <a:lumMod val="75000"/>
+              </a:schemeClr>
             </a:solidFill>
           </a:ln>
         </p:spPr>
@@ -16561,7 +16854,9 @@
           <a:noFill/>
           <a:ln w="63500">
             <a:solidFill>
-              <a:srgbClr val="7030A0"/>
+              <a:schemeClr val="accent1">
+                <a:lumMod val="75000"/>
+              </a:schemeClr>
             </a:solidFill>
             <a:tailEnd type="triangle"/>
           </a:ln>
@@ -16660,7 +16955,9 @@
           <a:noFill/>
           <a:ln w="63500">
             <a:solidFill>
-              <a:srgbClr val="7030A0"/>
+              <a:schemeClr val="accent1">
+                <a:lumMod val="75000"/>
+              </a:schemeClr>
             </a:solidFill>
             <a:tailEnd type="triangle"/>
           </a:ln>
@@ -16713,7 +17010,9 @@
           <a:noFill/>
           <a:ln w="38100">
             <a:solidFill>
-              <a:srgbClr val="7030A0"/>
+              <a:schemeClr val="accent1">
+                <a:lumMod val="75000"/>
+              </a:schemeClr>
             </a:solidFill>
           </a:ln>
         </p:spPr>
@@ -16740,56 +17039,6 @@
           </a:p>
         </p:txBody>
       </p:sp>
-      <p:sp>
-        <p:nvSpPr>
-          <p:cNvPr id="22" name="Ovale 21">
-            <a:extLst>
-              <a:ext uri="{FF2B5EF4-FFF2-40B4-BE49-F238E27FC236}">
-                <a16:creationId xmlns:a16="http://schemas.microsoft.com/office/drawing/2014/main" id="{70B8AE95-7B40-4AE6-92A1-3953791EAF79}"/>
-              </a:ext>
-            </a:extLst>
-          </p:cNvPr>
-          <p:cNvSpPr/>
-          <p:nvPr/>
-        </p:nvSpPr>
-        <p:spPr>
-          <a:xfrm>
-            <a:off x="8644329" y="5635362"/>
-            <a:ext cx="710968" cy="690823"/>
-          </a:xfrm>
-          <a:prstGeom prst="ellipse">
-            <a:avLst/>
-          </a:prstGeom>
-          <a:noFill/>
-          <a:ln w="38100">
-            <a:solidFill>
-              <a:srgbClr val="7030A0"/>
-            </a:solidFill>
-          </a:ln>
-        </p:spPr>
-        <p:style>
-          <a:lnRef idx="2">
-            <a:schemeClr val="accent6"/>
-          </a:lnRef>
-          <a:fillRef idx="1">
-            <a:schemeClr val="lt1"/>
-          </a:fillRef>
-          <a:effectRef idx="0">
-            <a:schemeClr val="accent6"/>
-          </a:effectRef>
-          <a:fontRef idx="minor">
-            <a:schemeClr val="dk1"/>
-          </a:fontRef>
-        </p:style>
-        <p:txBody>
-          <a:bodyPr rtlCol="0" anchor="ctr"/>
-          <a:lstStyle/>
-          <a:p>
-            <a:pPr algn="ctr"/>
-            <a:endParaRPr lang="it-IT"/>
-          </a:p>
-        </p:txBody>
-      </p:sp>
       <p:pic>
         <p:nvPicPr>
           <p:cNvPr id="21" name="Immagine 20">
@@ -16879,7 +17128,9 @@
           <a:noFill/>
           <a:ln w="38100">
             <a:solidFill>
-              <a:srgbClr val="7030A0"/>
+              <a:schemeClr val="accent1">
+                <a:lumMod val="75000"/>
+              </a:schemeClr>
             </a:solidFill>
           </a:ln>
         </p:spPr>
@@ -16972,14 +17223,18 @@
             <a:r>
               <a:rPr lang="it-IT" sz="5000" b="1" dirty="0" err="1">
                 <a:solidFill>
-                  <a:srgbClr val="00B0F0"/>
+                  <a:schemeClr val="accent1">
+                    <a:lumMod val="75000"/>
+                  </a:schemeClr>
                 </a:solidFill>
               </a:rPr>
               <a:t>OpenVPN</a:t>
             </a:r>
             <a:endParaRPr lang="it-IT" sz="5000" b="1" dirty="0">
               <a:solidFill>
-                <a:srgbClr val="00B0F0"/>
+                <a:schemeClr val="accent1">
+                  <a:lumMod val="75000"/>
+                </a:schemeClr>
               </a:solidFill>
             </a:endParaRPr>
           </a:p>
@@ -17232,7 +17487,9 @@
           <a:noFill/>
           <a:ln w="63500">
             <a:solidFill>
-              <a:srgbClr val="7030A0"/>
+              <a:schemeClr val="accent1">
+                <a:lumMod val="75000"/>
+              </a:schemeClr>
             </a:solidFill>
           </a:ln>
         </p:spPr>
@@ -17284,7 +17541,9 @@
           <a:noFill/>
           <a:ln w="63500">
             <a:solidFill>
-              <a:srgbClr val="7030A0"/>
+              <a:schemeClr val="accent1">
+                <a:lumMod val="75000"/>
+              </a:schemeClr>
             </a:solidFill>
           </a:ln>
         </p:spPr>
@@ -17336,7 +17595,9 @@
           <a:noFill/>
           <a:ln w="63500">
             <a:solidFill>
-              <a:srgbClr val="7030A0"/>
+              <a:schemeClr val="accent1">
+                <a:lumMod val="75000"/>
+              </a:schemeClr>
             </a:solidFill>
           </a:ln>
         </p:spPr>
@@ -17434,7 +17695,9 @@
           <a:noFill/>
           <a:ln w="63500">
             <a:solidFill>
-              <a:srgbClr val="7030A0"/>
+              <a:schemeClr val="accent1">
+                <a:lumMod val="75000"/>
+              </a:schemeClr>
             </a:solidFill>
             <a:tailEnd type="triangle"/>
           </a:ln>
@@ -17533,7 +17796,9 @@
           <a:noFill/>
           <a:ln w="63500">
             <a:solidFill>
-              <a:srgbClr val="7030A0"/>
+              <a:schemeClr val="accent1">
+                <a:lumMod val="75000"/>
+              </a:schemeClr>
             </a:solidFill>
             <a:tailEnd type="triangle"/>
           </a:ln>
@@ -17586,7 +17851,9 @@
           <a:noFill/>
           <a:ln w="38100">
             <a:solidFill>
-              <a:srgbClr val="7030A0"/>
+              <a:schemeClr val="accent1">
+                <a:lumMod val="75000"/>
+              </a:schemeClr>
             </a:solidFill>
           </a:ln>
         </p:spPr>
@@ -17682,7 +17949,9 @@
           <a:noFill/>
           <a:ln w="63500">
             <a:solidFill>
-              <a:srgbClr val="7030A0"/>
+              <a:schemeClr val="accent1">
+                <a:lumMod val="75000"/>
+              </a:schemeClr>
             </a:solidFill>
             <a:tailEnd type="triangle"/>
           </a:ln>
@@ -17735,7 +18004,9 @@
           <a:noFill/>
           <a:ln w="38100">
             <a:solidFill>
-              <a:srgbClr val="7030A0"/>
+              <a:schemeClr val="accent1">
+                <a:lumMod val="75000"/>
+              </a:schemeClr>
             </a:solidFill>
           </a:ln>
         </p:spPr>
@@ -17928,6 +18199,300 @@
     <p:extLst>
       <p:ext uri="{BB962C8B-B14F-4D97-AF65-F5344CB8AC3E}">
         <p14:creationId xmlns:p14="http://schemas.microsoft.com/office/powerpoint/2010/main" val="3806408375"/>
+      </p:ext>
+    </p:extLst>
+  </p:cSld>
+  <p:clrMapOvr>
+    <a:masterClrMapping/>
+  </p:clrMapOvr>
+</p:sld>
+</file>
+
+<file path=ppt/slides/slide39.xml><?xml version="1.0" encoding="utf-8"?>
+<p:sld xmlns:a="http://schemas.openxmlformats.org/drawingml/2006/main" xmlns:r="http://schemas.openxmlformats.org/officeDocument/2006/relationships" xmlns:p="http://schemas.openxmlformats.org/presentationml/2006/main">
+  <p:cSld>
+    <p:bg>
+      <p:bgPr>
+        <a:solidFill>
+          <a:schemeClr val="tx1"/>
+        </a:solidFill>
+        <a:effectLst/>
+      </p:bgPr>
+    </p:bg>
+    <p:spTree>
+      <p:nvGrpSpPr>
+        <p:cNvPr id="1" name=""/>
+        <p:cNvGrpSpPr/>
+        <p:nvPr/>
+      </p:nvGrpSpPr>
+      <p:grpSpPr>
+        <a:xfrm>
+          <a:off x="0" y="0"/>
+          <a:ext cx="0" cy="0"/>
+          <a:chOff x="0" y="0"/>
+          <a:chExt cx="0" cy="0"/>
+        </a:xfrm>
+      </p:grpSpPr>
+      <p:sp>
+        <p:nvSpPr>
+          <p:cNvPr id="2" name="Titolo 1">
+            <a:extLst>
+              <a:ext uri="{FF2B5EF4-FFF2-40B4-BE49-F238E27FC236}">
+                <a16:creationId xmlns:a16="http://schemas.microsoft.com/office/drawing/2014/main" id="{3157CFA6-6737-4A96-8244-A0C81ABBC4A5}"/>
+              </a:ext>
+            </a:extLst>
+          </p:cNvPr>
+          <p:cNvSpPr>
+            <a:spLocks noGrp="1"/>
+          </p:cNvSpPr>
+          <p:nvPr>
+            <p:ph type="title"/>
+          </p:nvPr>
+        </p:nvSpPr>
+        <p:spPr/>
+        <p:txBody>
+          <a:bodyPr>
+            <a:normAutofit/>
+          </a:bodyPr>
+          <a:lstStyle/>
+          <a:p>
+            <a:r>
+              <a:rPr lang="it-IT" sz="5000" b="1" dirty="0">
+                <a:solidFill>
+                  <a:schemeClr val="accent1">
+                    <a:lumMod val="75000"/>
+                  </a:schemeClr>
+                </a:solidFill>
+              </a:rPr>
+              <a:t>MAC -</a:t>
+            </a:r>
+            <a:r>
+              <a:rPr lang="it-IT" sz="5000" b="1" dirty="0">
+                <a:solidFill>
+                  <a:srgbClr val="00B0F0"/>
+                </a:solidFill>
+              </a:rPr>
+              <a:t> </a:t>
+            </a:r>
+            <a:r>
+              <a:rPr lang="it-IT" sz="5000" b="1" dirty="0" err="1">
+                <a:solidFill>
+                  <a:schemeClr val="accent4">
+                    <a:lumMod val="60000"/>
+                    <a:lumOff val="40000"/>
+                  </a:schemeClr>
+                </a:solidFill>
+              </a:rPr>
+              <a:t>AppArmor</a:t>
+            </a:r>
+            <a:endParaRPr lang="it-IT" sz="5000" b="1" dirty="0">
+              <a:solidFill>
+                <a:schemeClr val="accent4">
+                  <a:lumMod val="60000"/>
+                  <a:lumOff val="40000"/>
+                </a:schemeClr>
+              </a:solidFill>
+            </a:endParaRPr>
+          </a:p>
+        </p:txBody>
+      </p:sp>
+      <p:sp>
+        <p:nvSpPr>
+          <p:cNvPr id="6" name="Segnaposto contenuto 5">
+            <a:extLst>
+              <a:ext uri="{FF2B5EF4-FFF2-40B4-BE49-F238E27FC236}">
+                <a16:creationId xmlns:a16="http://schemas.microsoft.com/office/drawing/2014/main" id="{0038248B-1010-433E-9091-488BFD49843A}"/>
+              </a:ext>
+            </a:extLst>
+          </p:cNvPr>
+          <p:cNvSpPr>
+            <a:spLocks noGrp="1"/>
+          </p:cNvSpPr>
+          <p:nvPr>
+            <p:ph idx="1"/>
+          </p:nvPr>
+        </p:nvSpPr>
+        <p:spPr/>
+        <p:txBody>
+          <a:bodyPr/>
+          <a:lstStyle/>
+          <a:p>
+            <a:pPr>
+              <a:buClr>
+                <a:schemeClr val="accent1">
+                  <a:lumMod val="75000"/>
+                </a:schemeClr>
+              </a:buClr>
+              <a:buFont typeface="Wingdings" panose="05000000000000000000" pitchFamily="2" charset="2"/>
+              <a:buChar char="Ø"/>
+            </a:pPr>
+            <a:r>
+              <a:rPr lang="it-IT" dirty="0" err="1">
+                <a:solidFill>
+                  <a:schemeClr val="bg1"/>
+                </a:solidFill>
+              </a:rPr>
+              <a:t>AppArmor</a:t>
+            </a:r>
+            <a:r>
+              <a:rPr lang="it-IT" dirty="0">
+                <a:solidFill>
+                  <a:schemeClr val="bg1"/>
+                </a:solidFill>
+              </a:rPr>
+              <a:t> si basa sulla creazione di </a:t>
+            </a:r>
+            <a:r>
+              <a:rPr lang="it-IT" b="1" dirty="0">
+                <a:solidFill>
+                  <a:schemeClr val="accent4">
+                    <a:lumMod val="60000"/>
+                    <a:lumOff val="40000"/>
+                  </a:schemeClr>
+                </a:solidFill>
+              </a:rPr>
+              <a:t>profili</a:t>
+            </a:r>
+            <a:r>
+              <a:rPr lang="it-IT" dirty="0">
+                <a:solidFill>
+                  <a:schemeClr val="bg1"/>
+                </a:solidFill>
+              </a:rPr>
+              <a:t> al fine di confinare un programma ad un insieme di file, capabilities, accessi di rete ed insieme di risorse. </a:t>
+            </a:r>
+          </a:p>
+          <a:p>
+            <a:pPr>
+              <a:buClr>
+                <a:schemeClr val="accent1">
+                  <a:lumMod val="75000"/>
+                </a:schemeClr>
+              </a:buClr>
+              <a:buFont typeface="Wingdings" panose="05000000000000000000" pitchFamily="2" charset="2"/>
+              <a:buChar char="Ø"/>
+            </a:pPr>
+            <a:r>
+              <a:rPr lang="it-IT" dirty="0" err="1">
+                <a:solidFill>
+                  <a:schemeClr val="bg1"/>
+                </a:solidFill>
+              </a:rPr>
+              <a:t>AppArmor</a:t>
+            </a:r>
+            <a:r>
+              <a:rPr lang="it-IT" dirty="0">
+                <a:solidFill>
+                  <a:schemeClr val="bg1"/>
+                </a:solidFill>
+              </a:rPr>
+              <a:t> può lavorare in due modalità:  </a:t>
+            </a:r>
+            <a:r>
+              <a:rPr lang="it-IT" b="1" dirty="0">
+                <a:solidFill>
+                  <a:schemeClr val="accent4">
+                    <a:lumMod val="60000"/>
+                    <a:lumOff val="40000"/>
+                  </a:schemeClr>
+                </a:solidFill>
+              </a:rPr>
+              <a:t>enforcement</a:t>
+            </a:r>
+            <a:r>
+              <a:rPr lang="it-IT" dirty="0">
+                <a:solidFill>
+                  <a:schemeClr val="bg1"/>
+                </a:solidFill>
+              </a:rPr>
+              <a:t> (applica le regole di sicurezza definite nel profilo bloccando qualsiasi tentativo di accesso a risorse non consentite), oppure, </a:t>
+            </a:r>
+            <a:r>
+              <a:rPr lang="it-IT" b="1" dirty="0" err="1">
+                <a:solidFill>
+                  <a:schemeClr val="accent4">
+                    <a:lumMod val="60000"/>
+                    <a:lumOff val="40000"/>
+                  </a:schemeClr>
+                </a:solidFill>
+              </a:rPr>
+              <a:t>complain</a:t>
+            </a:r>
+            <a:r>
+              <a:rPr lang="it-IT" dirty="0">
+                <a:solidFill>
+                  <a:schemeClr val="bg1"/>
+                </a:solidFill>
+              </a:rPr>
+              <a:t> (monitora le violazioni delle regole definite, registrando però un avviso nel log del sistema).</a:t>
+            </a:r>
+          </a:p>
+          <a:p>
+            <a:pPr>
+              <a:buClr>
+                <a:schemeClr val="accent1">
+                  <a:lumMod val="75000"/>
+                </a:schemeClr>
+              </a:buClr>
+              <a:buFont typeface="Wingdings" panose="05000000000000000000" pitchFamily="2" charset="2"/>
+              <a:buChar char="Ø"/>
+            </a:pPr>
+            <a:r>
+              <a:rPr lang="it-IT" dirty="0">
+                <a:solidFill>
+                  <a:schemeClr val="bg1"/>
+                </a:solidFill>
+              </a:rPr>
+              <a:t> Il profilo creato è relativo al programma </a:t>
+            </a:r>
+            <a:r>
+              <a:rPr lang="it-IT" b="1" dirty="0">
+                <a:solidFill>
+                  <a:schemeClr val="accent4">
+                    <a:lumMod val="60000"/>
+                    <a:lumOff val="40000"/>
+                  </a:schemeClr>
+                </a:solidFill>
+              </a:rPr>
+              <a:t>/</a:t>
+            </a:r>
+            <a:r>
+              <a:rPr lang="it-IT" b="1" dirty="0" err="1">
+                <a:solidFill>
+                  <a:schemeClr val="accent4">
+                    <a:lumMod val="60000"/>
+                    <a:lumOff val="40000"/>
+                  </a:schemeClr>
+                </a:solidFill>
+              </a:rPr>
+              <a:t>usr</a:t>
+            </a:r>
+            <a:r>
+              <a:rPr lang="it-IT" b="1" dirty="0">
+                <a:solidFill>
+                  <a:schemeClr val="accent4">
+                    <a:lumMod val="60000"/>
+                    <a:lumOff val="40000"/>
+                  </a:schemeClr>
+                </a:solidFill>
+              </a:rPr>
+              <a:t>/bin/nano</a:t>
+            </a:r>
+            <a:r>
+              <a:rPr lang="it-IT" dirty="0">
+                <a:solidFill>
+                  <a:schemeClr val="bg1"/>
+                </a:solidFill>
+              </a:rPr>
+              <a:t>.</a:t>
+            </a:r>
+          </a:p>
+        </p:txBody>
+      </p:sp>
+    </p:spTree>
+    <p:extLst>
+      <p:ext uri="{BB962C8B-B14F-4D97-AF65-F5344CB8AC3E}">
+        <p14:creationId xmlns:p14="http://schemas.microsoft.com/office/powerpoint/2010/main" val="2331888414"/>
       </p:ext>
     </p:extLst>
   </p:cSld>
@@ -17988,63 +18553,72 @@
             <a:r>
               <a:rPr lang="it-IT" sz="5000" b="1" dirty="0">
                 <a:solidFill>
+                  <a:schemeClr val="accent1">
+                    <a:lumMod val="75000"/>
+                  </a:schemeClr>
+                </a:solidFill>
+              </a:rPr>
+              <a:t>Protocolli –</a:t>
+            </a:r>
+            <a:r>
+              <a:rPr lang="it-IT" sz="5000" b="1" dirty="0">
+                <a:solidFill>
                   <a:srgbClr val="00B0F0"/>
                 </a:solidFill>
               </a:rPr>
-              <a:t>Protocolli – </a:t>
+              <a:t> </a:t>
             </a:r>
             <a:r>
               <a:rPr lang="it-IT" sz="5000" b="1" dirty="0">
                 <a:solidFill>
-                  <a:srgbClr val="7030A0"/>
-                </a:solidFill>
-              </a:rPr>
-              <a:t>BGP</a:t>
+                  <a:schemeClr val="accent4">
+                    <a:lumMod val="60000"/>
+                    <a:lumOff val="40000"/>
+                  </a:schemeClr>
+                </a:solidFill>
+              </a:rPr>
+              <a:t>BGP (</a:t>
+            </a:r>
+            <a:r>
+              <a:rPr lang="it-IT" sz="5000" b="1" dirty="0" err="1">
+                <a:solidFill>
+                  <a:schemeClr val="accent4">
+                    <a:lumMod val="60000"/>
+                    <a:lumOff val="40000"/>
+                  </a:schemeClr>
+                </a:solidFill>
+              </a:rPr>
+              <a:t>Border</a:t>
             </a:r>
             <a:r>
               <a:rPr lang="it-IT" sz="5000" b="1" dirty="0">
                 <a:solidFill>
-                  <a:srgbClr val="00B0F0"/>
-                </a:solidFill>
-              </a:rPr>
-              <a:t> </a:t>
+                  <a:schemeClr val="accent4">
+                    <a:lumMod val="60000"/>
+                    <a:lumOff val="40000"/>
+                  </a:schemeClr>
+                </a:solidFill>
+              </a:rPr>
+              <a:t> Gateway </a:t>
+            </a:r>
+            <a:r>
+              <a:rPr lang="it-IT" sz="5000" b="1" dirty="0" err="1">
+                <a:solidFill>
+                  <a:schemeClr val="accent4">
+                    <a:lumMod val="60000"/>
+                    <a:lumOff val="40000"/>
+                  </a:schemeClr>
+                </a:solidFill>
+              </a:rPr>
+              <a:t>Protocol</a:t>
             </a:r>
             <a:r>
               <a:rPr lang="it-IT" sz="5000" b="1" dirty="0">
                 <a:solidFill>
-                  <a:srgbClr val="7030A0"/>
-                </a:solidFill>
-              </a:rPr>
-              <a:t>(</a:t>
-            </a:r>
-            <a:r>
-              <a:rPr lang="it-IT" sz="5000" b="1" dirty="0" err="1">
-                <a:solidFill>
-                  <a:srgbClr val="7030A0"/>
-                </a:solidFill>
-              </a:rPr>
-              <a:t>Border</a:t>
-            </a:r>
-            <a:r>
-              <a:rPr lang="it-IT" sz="5000" b="1" dirty="0">
-                <a:solidFill>
-                  <a:srgbClr val="7030A0"/>
-                </a:solidFill>
-              </a:rPr>
-              <a:t> Gateway </a:t>
-            </a:r>
-            <a:r>
-              <a:rPr lang="it-IT" sz="5000" b="1" dirty="0" err="1">
-                <a:solidFill>
-                  <a:srgbClr val="7030A0"/>
-                </a:solidFill>
-              </a:rPr>
-              <a:t>Protocol</a:t>
-            </a:r>
-            <a:r>
-              <a:rPr lang="it-IT" sz="5000" b="1" dirty="0">
-                <a:solidFill>
-                  <a:srgbClr val="7030A0"/>
+                  <a:schemeClr val="accent4">
+                    <a:lumMod val="60000"/>
+                    <a:lumOff val="40000"/>
+                  </a:schemeClr>
                 </a:solidFill>
               </a:rPr>
               <a:t>)</a:t>
@@ -18075,7 +18649,9 @@
           <a:p>
             <a:pPr>
               <a:buClr>
-                <a:srgbClr val="7030A0"/>
+                <a:schemeClr val="accent1">
+                  <a:lumMod val="75000"/>
+                </a:schemeClr>
               </a:buClr>
               <a:buFont typeface="Wingdings" panose="05000000000000000000" pitchFamily="2" charset="2"/>
               <a:buChar char="Ø"/>
@@ -18086,7 +18662,18 @@
                   <a:srgbClr val="7030A0"/>
                 </a:solidFill>
               </a:rPr>
-              <a:t> BGP</a:t>
+              <a:t> </a:t>
+            </a:r>
+            <a:r>
+              <a:rPr lang="it-IT" b="1" dirty="0">
+                <a:solidFill>
+                  <a:schemeClr val="accent4">
+                    <a:lumMod val="60000"/>
+                    <a:lumOff val="40000"/>
+                  </a:schemeClr>
+                </a:solidFill>
+              </a:rPr>
+              <a:t>BGP</a:t>
             </a:r>
             <a:r>
               <a:rPr lang="it-IT" dirty="0">
@@ -18099,7 +18686,10 @@
             <a:r>
               <a:rPr lang="it-IT" b="1" i="1" dirty="0" err="1">
                 <a:solidFill>
-                  <a:srgbClr val="7030A0"/>
+                  <a:schemeClr val="accent4">
+                    <a:lumMod val="60000"/>
+                    <a:lumOff val="40000"/>
+                  </a:schemeClr>
                 </a:solidFill>
               </a:rPr>
               <a:t>distance</a:t>
@@ -18107,7 +18697,10 @@
             <a:r>
               <a:rPr lang="it-IT" b="1" i="1" dirty="0">
                 <a:solidFill>
-                  <a:srgbClr val="7030A0"/>
+                  <a:schemeClr val="accent4">
+                    <a:lumMod val="60000"/>
+                    <a:lumOff val="40000"/>
+                  </a:schemeClr>
                 </a:solidFill>
               </a:rPr>
               <a:t> </a:t>
@@ -18115,7 +18708,10 @@
             <a:r>
               <a:rPr lang="it-IT" b="1" i="1" dirty="0" err="1">
                 <a:solidFill>
-                  <a:srgbClr val="7030A0"/>
+                  <a:schemeClr val="accent4">
+                    <a:lumMod val="60000"/>
+                    <a:lumOff val="40000"/>
+                  </a:schemeClr>
                 </a:solidFill>
               </a:rPr>
               <a:t>vector</a:t>
@@ -18155,7 +18751,10 @@
             <a:r>
               <a:rPr lang="it-IT" b="1" dirty="0" err="1">
                 <a:solidFill>
-                  <a:srgbClr val="7030A0"/>
+                  <a:schemeClr val="accent4">
+                    <a:lumMod val="60000"/>
+                    <a:lumOff val="40000"/>
+                  </a:schemeClr>
                 </a:solidFill>
               </a:rPr>
               <a:t>Autonomous</a:t>
@@ -18163,7 +18762,10 @@
             <a:r>
               <a:rPr lang="it-IT" b="1" dirty="0">
                 <a:solidFill>
-                  <a:srgbClr val="7030A0"/>
+                  <a:schemeClr val="accent4">
+                    <a:lumMod val="60000"/>
+                    <a:lumOff val="40000"/>
+                  </a:schemeClr>
                 </a:solidFill>
               </a:rPr>
               <a:t> Systems </a:t>
@@ -18180,7 +18782,9 @@
           <a:p>
             <a:pPr>
               <a:buClr>
-                <a:srgbClr val="7030A0"/>
+                <a:schemeClr val="accent1">
+                  <a:lumMod val="75000"/>
+                </a:schemeClr>
               </a:buClr>
               <a:buFont typeface="Wingdings" panose="05000000000000000000" pitchFamily="2" charset="2"/>
               <a:buChar char="Ø"/>
@@ -18201,7 +18805,9 @@
           <a:p>
             <a:pPr>
               <a:buClr>
-                <a:srgbClr val="7030A0"/>
+                <a:schemeClr val="accent1">
+                  <a:lumMod val="75000"/>
+                </a:schemeClr>
               </a:buClr>
               <a:buFont typeface="Wingdings" panose="05000000000000000000" pitchFamily="2" charset="2"/>
               <a:buChar char="Ø"/>
@@ -18217,10 +18823,21 @@
             <a:r>
               <a:rPr lang="it-IT" b="1" dirty="0">
                 <a:solidFill>
+                  <a:schemeClr val="accent4">
+                    <a:lumMod val="60000"/>
+                    <a:lumOff val="40000"/>
+                  </a:schemeClr>
+                </a:solidFill>
+              </a:rPr>
+              <a:t>migliori percorsi</a:t>
+            </a:r>
+            <a:r>
+              <a:rPr lang="it-IT" b="1" dirty="0">
+                <a:solidFill>
                   <a:srgbClr val="7030A0"/>
                 </a:solidFill>
               </a:rPr>
-              <a:t>migliori percorsi </a:t>
+              <a:t> </a:t>
             </a:r>
             <a:r>
               <a:rPr lang="it-IT" dirty="0">
@@ -18250,7 +18867,9 @@
           <a:p>
             <a:pPr>
               <a:buClr>
-                <a:srgbClr val="7030A0"/>
+                <a:schemeClr val="accent1">
+                  <a:lumMod val="75000"/>
+                </a:schemeClr>
               </a:buClr>
               <a:buFont typeface="Wingdings" panose="05000000000000000000" pitchFamily="2" charset="2"/>
               <a:buChar char="Ø"/>
@@ -18282,7 +18901,10 @@
             <a:r>
               <a:rPr lang="it-IT" b="1" dirty="0">
                 <a:solidFill>
-                  <a:srgbClr val="7030A0"/>
+                  <a:schemeClr val="accent4">
+                    <a:lumMod val="60000"/>
+                    <a:lumOff val="40000"/>
+                  </a:schemeClr>
                 </a:solidFill>
               </a:rPr>
               <a:t>annunci di </a:t>
@@ -18290,7 +18912,10 @@
             <a:r>
               <a:rPr lang="it-IT" b="1" dirty="0" err="1">
                 <a:solidFill>
-                  <a:srgbClr val="7030A0"/>
+                  <a:schemeClr val="accent4">
+                    <a:lumMod val="60000"/>
+                    <a:lumOff val="40000"/>
+                  </a:schemeClr>
                 </a:solidFill>
               </a:rPr>
               <a:t>route</a:t>
@@ -18310,6 +18935,1279 @@
     <p:extLst>
       <p:ext uri="{BB962C8B-B14F-4D97-AF65-F5344CB8AC3E}">
         <p14:creationId xmlns:p14="http://schemas.microsoft.com/office/powerpoint/2010/main" val="2390807888"/>
+      </p:ext>
+    </p:extLst>
+  </p:cSld>
+  <p:clrMapOvr>
+    <a:masterClrMapping/>
+  </p:clrMapOvr>
+</p:sld>
+</file>
+
+<file path=ppt/slides/slide40.xml><?xml version="1.0" encoding="utf-8"?>
+<p:sld xmlns:a="http://schemas.openxmlformats.org/drawingml/2006/main" xmlns:r="http://schemas.openxmlformats.org/officeDocument/2006/relationships" xmlns:p="http://schemas.openxmlformats.org/presentationml/2006/main">
+  <p:cSld>
+    <p:bg>
+      <p:bgPr>
+        <a:solidFill>
+          <a:schemeClr val="tx1"/>
+        </a:solidFill>
+        <a:effectLst/>
+      </p:bgPr>
+    </p:bg>
+    <p:spTree>
+      <p:nvGrpSpPr>
+        <p:cNvPr id="1" name=""/>
+        <p:cNvGrpSpPr/>
+        <p:nvPr/>
+      </p:nvGrpSpPr>
+      <p:grpSpPr>
+        <a:xfrm>
+          <a:off x="0" y="0"/>
+          <a:ext cx="0" cy="0"/>
+          <a:chOff x="0" y="0"/>
+          <a:chExt cx="0" cy="0"/>
+        </a:xfrm>
+      </p:grpSpPr>
+      <p:sp>
+        <p:nvSpPr>
+          <p:cNvPr id="2" name="Titolo 1">
+            <a:extLst>
+              <a:ext uri="{FF2B5EF4-FFF2-40B4-BE49-F238E27FC236}">
+                <a16:creationId xmlns:a16="http://schemas.microsoft.com/office/drawing/2014/main" id="{3157CFA6-6737-4A96-8244-A0C81ABBC4A5}"/>
+              </a:ext>
+            </a:extLst>
+          </p:cNvPr>
+          <p:cNvSpPr>
+            <a:spLocks noGrp="1"/>
+          </p:cNvSpPr>
+          <p:nvPr>
+            <p:ph type="title"/>
+          </p:nvPr>
+        </p:nvSpPr>
+        <p:spPr/>
+        <p:txBody>
+          <a:bodyPr>
+            <a:normAutofit/>
+          </a:bodyPr>
+          <a:lstStyle/>
+          <a:p>
+            <a:r>
+              <a:rPr lang="it-IT" sz="5000" b="1" dirty="0">
+                <a:solidFill>
+                  <a:schemeClr val="accent1">
+                    <a:lumMod val="75000"/>
+                  </a:schemeClr>
+                </a:solidFill>
+              </a:rPr>
+              <a:t>MAC -</a:t>
+            </a:r>
+            <a:r>
+              <a:rPr lang="it-IT" sz="5000" b="1" dirty="0">
+                <a:solidFill>
+                  <a:srgbClr val="00B0F0"/>
+                </a:solidFill>
+              </a:rPr>
+              <a:t> </a:t>
+            </a:r>
+            <a:r>
+              <a:rPr lang="it-IT" sz="5000" b="1" dirty="0" err="1">
+                <a:solidFill>
+                  <a:schemeClr val="accent4">
+                    <a:lumMod val="60000"/>
+                    <a:lumOff val="40000"/>
+                  </a:schemeClr>
+                </a:solidFill>
+              </a:rPr>
+              <a:t>AppArmor</a:t>
+            </a:r>
+            <a:endParaRPr lang="it-IT" sz="5000" b="1" dirty="0">
+              <a:solidFill>
+                <a:schemeClr val="accent4">
+                  <a:lumMod val="60000"/>
+                  <a:lumOff val="40000"/>
+                </a:schemeClr>
+              </a:solidFill>
+            </a:endParaRPr>
+          </a:p>
+        </p:txBody>
+      </p:sp>
+      <p:sp>
+        <p:nvSpPr>
+          <p:cNvPr id="6" name="Segnaposto contenuto 5">
+            <a:extLst>
+              <a:ext uri="{FF2B5EF4-FFF2-40B4-BE49-F238E27FC236}">
+                <a16:creationId xmlns:a16="http://schemas.microsoft.com/office/drawing/2014/main" id="{0038248B-1010-433E-9091-488BFD49843A}"/>
+              </a:ext>
+            </a:extLst>
+          </p:cNvPr>
+          <p:cNvSpPr>
+            <a:spLocks noGrp="1"/>
+          </p:cNvSpPr>
+          <p:nvPr>
+            <p:ph idx="1"/>
+          </p:nvPr>
+        </p:nvSpPr>
+        <p:spPr>
+          <a:xfrm>
+            <a:off x="676656" y="2011680"/>
+            <a:ext cx="4301604" cy="3766185"/>
+          </a:xfrm>
+        </p:spPr>
+        <p:txBody>
+          <a:bodyPr>
+            <a:normAutofit/>
+          </a:bodyPr>
+          <a:lstStyle/>
+          <a:p>
+            <a:pPr marL="0" indent="0">
+              <a:buClr>
+                <a:srgbClr val="7030A0"/>
+              </a:buClr>
+              <a:buNone/>
+            </a:pPr>
+            <a:r>
+              <a:rPr lang="it-IT" dirty="0">
+                <a:solidFill>
+                  <a:schemeClr val="bg1"/>
+                </a:solidFill>
+              </a:rPr>
+              <a:t>Nel profilo troviamo:</a:t>
+            </a:r>
+          </a:p>
+          <a:p>
+            <a:pPr>
+              <a:buClr>
+                <a:schemeClr val="accent1">
+                  <a:lumMod val="75000"/>
+                </a:schemeClr>
+              </a:buClr>
+              <a:buFont typeface="Wingdings" panose="05000000000000000000" pitchFamily="2" charset="2"/>
+              <a:buChar char="Ø"/>
+            </a:pPr>
+            <a:r>
+              <a:rPr lang="it-IT" dirty="0">
+                <a:solidFill>
+                  <a:schemeClr val="bg1"/>
+                </a:solidFill>
+              </a:rPr>
+              <a:t> dei </a:t>
+            </a:r>
+            <a:r>
+              <a:rPr lang="it-IT" i="1" dirty="0">
+                <a:solidFill>
+                  <a:schemeClr val="bg1"/>
+                </a:solidFill>
+              </a:rPr>
+              <a:t>files</a:t>
+            </a:r>
+            <a:r>
+              <a:rPr lang="it-IT" dirty="0">
+                <a:solidFill>
+                  <a:schemeClr val="bg1"/>
+                </a:solidFill>
+              </a:rPr>
+              <a:t> e </a:t>
+            </a:r>
+            <a:r>
+              <a:rPr lang="it-IT" i="1" dirty="0">
+                <a:solidFill>
+                  <a:schemeClr val="bg1"/>
+                </a:solidFill>
+              </a:rPr>
+              <a:t>cartelle</a:t>
+            </a:r>
+            <a:r>
+              <a:rPr lang="it-IT" dirty="0">
+                <a:solidFill>
+                  <a:schemeClr val="bg1"/>
+                </a:solidFill>
+              </a:rPr>
+              <a:t> accessibili in sola lettura (</a:t>
+            </a:r>
+            <a:r>
+              <a:rPr lang="it-IT" b="1" dirty="0" err="1">
+                <a:solidFill>
+                  <a:schemeClr val="accent4">
+                    <a:lumMod val="60000"/>
+                    <a:lumOff val="40000"/>
+                  </a:schemeClr>
+                </a:solidFill>
+              </a:rPr>
+              <a:t>e.g</a:t>
+            </a:r>
+            <a:r>
+              <a:rPr lang="it-IT" b="1" dirty="0">
+                <a:solidFill>
+                  <a:schemeClr val="accent4">
+                    <a:lumMod val="60000"/>
+                    <a:lumOff val="40000"/>
+                  </a:schemeClr>
+                </a:solidFill>
+              </a:rPr>
+              <a:t>: </a:t>
+            </a:r>
+            <a:r>
+              <a:rPr lang="it-IT" b="1" dirty="0" err="1">
+                <a:solidFill>
+                  <a:schemeClr val="accent4">
+                    <a:lumMod val="60000"/>
+                    <a:lumOff val="40000"/>
+                  </a:schemeClr>
+                </a:solidFill>
+              </a:rPr>
+              <a:t>r_dir</a:t>
+            </a:r>
+            <a:r>
+              <a:rPr lang="it-IT" b="1" dirty="0">
+                <a:solidFill>
+                  <a:schemeClr val="accent4">
+                    <a:lumMod val="60000"/>
+                    <a:lumOff val="40000"/>
+                  </a:schemeClr>
+                </a:solidFill>
+              </a:rPr>
+              <a:t>, r_file.txt</a:t>
+            </a:r>
+            <a:r>
+              <a:rPr lang="it-IT" dirty="0">
+                <a:solidFill>
+                  <a:schemeClr val="bg1"/>
+                </a:solidFill>
+              </a:rPr>
+              <a:t>);</a:t>
+            </a:r>
+          </a:p>
+          <a:p>
+            <a:pPr>
+              <a:buClr>
+                <a:schemeClr val="accent1">
+                  <a:lumMod val="75000"/>
+                </a:schemeClr>
+              </a:buClr>
+              <a:buFont typeface="Wingdings" panose="05000000000000000000" pitchFamily="2" charset="2"/>
+              <a:buChar char="Ø"/>
+            </a:pPr>
+            <a:r>
+              <a:rPr lang="it-IT" dirty="0">
+                <a:solidFill>
+                  <a:schemeClr val="bg1"/>
+                </a:solidFill>
+              </a:rPr>
+              <a:t> dei </a:t>
+            </a:r>
+            <a:r>
+              <a:rPr lang="it-IT" i="1" dirty="0">
+                <a:solidFill>
+                  <a:schemeClr val="bg1"/>
+                </a:solidFill>
+              </a:rPr>
+              <a:t>files</a:t>
+            </a:r>
+            <a:r>
+              <a:rPr lang="it-IT" dirty="0">
+                <a:solidFill>
+                  <a:schemeClr val="bg1"/>
+                </a:solidFill>
+              </a:rPr>
+              <a:t> e </a:t>
+            </a:r>
+            <a:r>
+              <a:rPr lang="it-IT" i="1" dirty="0">
+                <a:solidFill>
+                  <a:schemeClr val="bg1"/>
+                </a:solidFill>
+              </a:rPr>
+              <a:t>cartelle</a:t>
+            </a:r>
+            <a:r>
+              <a:rPr lang="it-IT" dirty="0">
+                <a:solidFill>
+                  <a:schemeClr val="bg1"/>
+                </a:solidFill>
+              </a:rPr>
+              <a:t> accessibili in sola scrittura (</a:t>
+            </a:r>
+            <a:r>
+              <a:rPr lang="it-IT" b="1" dirty="0" err="1">
+                <a:solidFill>
+                  <a:schemeClr val="accent4">
+                    <a:lumMod val="60000"/>
+                    <a:lumOff val="40000"/>
+                  </a:schemeClr>
+                </a:solidFill>
+              </a:rPr>
+              <a:t>e.g</a:t>
+            </a:r>
+            <a:r>
+              <a:rPr lang="it-IT" b="1" dirty="0">
+                <a:solidFill>
+                  <a:schemeClr val="accent4">
+                    <a:lumMod val="60000"/>
+                    <a:lumOff val="40000"/>
+                  </a:schemeClr>
+                </a:solidFill>
+              </a:rPr>
+              <a:t>: </a:t>
+            </a:r>
+            <a:r>
+              <a:rPr lang="it-IT" b="1" dirty="0" err="1">
+                <a:solidFill>
+                  <a:schemeClr val="accent4">
+                    <a:lumMod val="60000"/>
+                    <a:lumOff val="40000"/>
+                  </a:schemeClr>
+                </a:solidFill>
+              </a:rPr>
+              <a:t>w_dir</a:t>
+            </a:r>
+            <a:r>
+              <a:rPr lang="it-IT" dirty="0">
+                <a:solidFill>
+                  <a:schemeClr val="bg1"/>
+                </a:solidFill>
+              </a:rPr>
+              <a:t>);</a:t>
+            </a:r>
+          </a:p>
+          <a:p>
+            <a:pPr>
+              <a:buClr>
+                <a:schemeClr val="accent1">
+                  <a:lumMod val="75000"/>
+                </a:schemeClr>
+              </a:buClr>
+              <a:buFont typeface="Wingdings" panose="05000000000000000000" pitchFamily="2" charset="2"/>
+              <a:buChar char="Ø"/>
+            </a:pPr>
+            <a:r>
+              <a:rPr lang="it-IT" dirty="0">
+                <a:solidFill>
+                  <a:schemeClr val="bg1"/>
+                </a:solidFill>
+              </a:rPr>
+              <a:t> </a:t>
+            </a:r>
+            <a:r>
+              <a:rPr lang="it-IT" dirty="0" err="1">
+                <a:solidFill>
+                  <a:schemeClr val="bg1"/>
+                </a:solidFill>
+              </a:rPr>
+              <a:t>restizioni</a:t>
+            </a:r>
+            <a:r>
+              <a:rPr lang="it-IT" dirty="0">
+                <a:solidFill>
+                  <a:schemeClr val="bg1"/>
+                </a:solidFill>
+              </a:rPr>
+              <a:t> in lettura e scrittura sulle principali cartelle di sistema (</a:t>
+            </a:r>
+            <a:r>
+              <a:rPr lang="it-IT" b="1" dirty="0" err="1">
+                <a:solidFill>
+                  <a:schemeClr val="accent4">
+                    <a:lumMod val="60000"/>
+                    <a:lumOff val="40000"/>
+                  </a:schemeClr>
+                </a:solidFill>
+              </a:rPr>
+              <a:t>e.g</a:t>
+            </a:r>
+            <a:r>
+              <a:rPr lang="it-IT" b="1" dirty="0">
+                <a:solidFill>
+                  <a:schemeClr val="accent4">
+                    <a:lumMod val="60000"/>
+                    <a:lumOff val="40000"/>
+                  </a:schemeClr>
+                </a:solidFill>
+              </a:rPr>
+              <a:t>: /root, /</a:t>
+            </a:r>
+            <a:r>
+              <a:rPr lang="it-IT" b="1" dirty="0" err="1">
+                <a:solidFill>
+                  <a:schemeClr val="accent4">
+                    <a:lumMod val="60000"/>
+                    <a:lumOff val="40000"/>
+                  </a:schemeClr>
+                </a:solidFill>
+              </a:rPr>
+              <a:t>etc</a:t>
+            </a:r>
+            <a:r>
+              <a:rPr lang="it-IT" b="1" dirty="0">
+                <a:solidFill>
+                  <a:schemeClr val="accent4">
+                    <a:lumMod val="60000"/>
+                    <a:lumOff val="40000"/>
+                  </a:schemeClr>
+                </a:solidFill>
+              </a:rPr>
+              <a:t>, /</a:t>
+            </a:r>
+            <a:r>
+              <a:rPr lang="it-IT" b="1" dirty="0" err="1">
+                <a:solidFill>
+                  <a:schemeClr val="accent4">
+                    <a:lumMod val="60000"/>
+                    <a:lumOff val="40000"/>
+                  </a:schemeClr>
+                </a:solidFill>
+              </a:rPr>
+              <a:t>var</a:t>
+            </a:r>
+            <a:r>
+              <a:rPr lang="it-IT" b="1" dirty="0">
+                <a:solidFill>
+                  <a:schemeClr val="accent4">
+                    <a:lumMod val="60000"/>
+                    <a:lumOff val="40000"/>
+                  </a:schemeClr>
+                </a:solidFill>
+              </a:rPr>
+              <a:t>, /bin, /</a:t>
+            </a:r>
+            <a:r>
+              <a:rPr lang="it-IT" b="1" dirty="0" err="1">
+                <a:solidFill>
+                  <a:schemeClr val="accent4">
+                    <a:lumMod val="60000"/>
+                    <a:lumOff val="40000"/>
+                  </a:schemeClr>
+                </a:solidFill>
+              </a:rPr>
+              <a:t>sbin</a:t>
+            </a:r>
+            <a:r>
+              <a:rPr lang="it-IT" b="1" dirty="0">
+                <a:solidFill>
+                  <a:schemeClr val="accent4">
+                    <a:lumMod val="60000"/>
+                    <a:lumOff val="40000"/>
+                  </a:schemeClr>
+                </a:solidFill>
+              </a:rPr>
+              <a:t>, /proc, /</a:t>
+            </a:r>
+            <a:r>
+              <a:rPr lang="it-IT" b="1" dirty="0" err="1">
+                <a:solidFill>
+                  <a:schemeClr val="accent4">
+                    <a:lumMod val="60000"/>
+                    <a:lumOff val="40000"/>
+                  </a:schemeClr>
+                </a:solidFill>
+              </a:rPr>
+              <a:t>sys</a:t>
+            </a:r>
+            <a:r>
+              <a:rPr lang="it-IT" dirty="0">
+                <a:solidFill>
+                  <a:schemeClr val="bg1"/>
+                </a:solidFill>
+              </a:rPr>
+              <a:t>);</a:t>
+            </a:r>
+          </a:p>
+        </p:txBody>
+      </p:sp>
+      <p:pic>
+        <p:nvPicPr>
+          <p:cNvPr id="4" name="Immagine 3">
+            <a:extLst>
+              <a:ext uri="{FF2B5EF4-FFF2-40B4-BE49-F238E27FC236}">
+                <a16:creationId xmlns:a16="http://schemas.microsoft.com/office/drawing/2014/main" id="{8567D8A4-936D-4D94-9228-30EE9DB2BA3E}"/>
+              </a:ext>
+            </a:extLst>
+          </p:cNvPr>
+          <p:cNvPicPr>
+            <a:picLocks noChangeAspect="1"/>
+          </p:cNvPicPr>
+          <p:nvPr/>
+        </p:nvPicPr>
+        <p:blipFill>
+          <a:blip r:embed="rId2"/>
+          <a:stretch>
+            <a:fillRect/>
+          </a:stretch>
+        </p:blipFill>
+        <p:spPr>
+          <a:xfrm>
+            <a:off x="5083036" y="580602"/>
+            <a:ext cx="6451739" cy="6026529"/>
+          </a:xfrm>
+          <a:prstGeom prst="rect">
+            <a:avLst/>
+          </a:prstGeom>
+        </p:spPr>
+      </p:pic>
+    </p:spTree>
+    <p:extLst>
+      <p:ext uri="{BB962C8B-B14F-4D97-AF65-F5344CB8AC3E}">
+        <p14:creationId xmlns:p14="http://schemas.microsoft.com/office/powerpoint/2010/main" val="864783123"/>
+      </p:ext>
+    </p:extLst>
+  </p:cSld>
+  <p:clrMapOvr>
+    <a:masterClrMapping/>
+  </p:clrMapOvr>
+</p:sld>
+</file>
+
+<file path=ppt/slides/slide41.xml><?xml version="1.0" encoding="utf-8"?>
+<p:sld xmlns:a="http://schemas.openxmlformats.org/drawingml/2006/main" xmlns:r="http://schemas.openxmlformats.org/officeDocument/2006/relationships" xmlns:p="http://schemas.openxmlformats.org/presentationml/2006/main">
+  <p:cSld>
+    <p:bg>
+      <p:bgPr>
+        <a:solidFill>
+          <a:schemeClr val="tx1"/>
+        </a:solidFill>
+        <a:effectLst/>
+      </p:bgPr>
+    </p:bg>
+    <p:spTree>
+      <p:nvGrpSpPr>
+        <p:cNvPr id="1" name=""/>
+        <p:cNvGrpSpPr/>
+        <p:nvPr/>
+      </p:nvGrpSpPr>
+      <p:grpSpPr>
+        <a:xfrm>
+          <a:off x="0" y="0"/>
+          <a:ext cx="0" cy="0"/>
+          <a:chOff x="0" y="0"/>
+          <a:chExt cx="0" cy="0"/>
+        </a:xfrm>
+      </p:grpSpPr>
+      <p:sp>
+        <p:nvSpPr>
+          <p:cNvPr id="2" name="Titolo 1">
+            <a:extLst>
+              <a:ext uri="{FF2B5EF4-FFF2-40B4-BE49-F238E27FC236}">
+                <a16:creationId xmlns:a16="http://schemas.microsoft.com/office/drawing/2014/main" id="{3157CFA6-6737-4A96-8244-A0C81ABBC4A5}"/>
+              </a:ext>
+            </a:extLst>
+          </p:cNvPr>
+          <p:cNvSpPr>
+            <a:spLocks noGrp="1"/>
+          </p:cNvSpPr>
+          <p:nvPr>
+            <p:ph type="title"/>
+          </p:nvPr>
+        </p:nvSpPr>
+        <p:spPr/>
+        <p:txBody>
+          <a:bodyPr>
+            <a:normAutofit/>
+          </a:bodyPr>
+          <a:lstStyle/>
+          <a:p>
+            <a:r>
+              <a:rPr lang="it-IT" sz="5000" b="1" dirty="0">
+                <a:solidFill>
+                  <a:schemeClr val="accent1">
+                    <a:lumMod val="75000"/>
+                  </a:schemeClr>
+                </a:solidFill>
+              </a:rPr>
+              <a:t>MAC -</a:t>
+            </a:r>
+            <a:r>
+              <a:rPr lang="it-IT" sz="5000" b="1" dirty="0">
+                <a:solidFill>
+                  <a:srgbClr val="00B0F0"/>
+                </a:solidFill>
+              </a:rPr>
+              <a:t> </a:t>
+            </a:r>
+            <a:r>
+              <a:rPr lang="it-IT" sz="5000" b="1" dirty="0" err="1">
+                <a:solidFill>
+                  <a:schemeClr val="accent4">
+                    <a:lumMod val="60000"/>
+                    <a:lumOff val="40000"/>
+                  </a:schemeClr>
+                </a:solidFill>
+              </a:rPr>
+              <a:t>AppArmor</a:t>
+            </a:r>
+            <a:endParaRPr lang="it-IT" sz="5000" b="1" dirty="0">
+              <a:solidFill>
+                <a:schemeClr val="accent4">
+                  <a:lumMod val="60000"/>
+                  <a:lumOff val="40000"/>
+                </a:schemeClr>
+              </a:solidFill>
+            </a:endParaRPr>
+          </a:p>
+        </p:txBody>
+      </p:sp>
+      <p:pic>
+        <p:nvPicPr>
+          <p:cNvPr id="5" name="Segnaposto contenuto 4">
+            <a:extLst>
+              <a:ext uri="{FF2B5EF4-FFF2-40B4-BE49-F238E27FC236}">
+                <a16:creationId xmlns:a16="http://schemas.microsoft.com/office/drawing/2014/main" id="{095136A2-05AB-4EC3-8E87-94DC6E6095DC}"/>
+              </a:ext>
+            </a:extLst>
+          </p:cNvPr>
+          <p:cNvPicPr>
+            <a:picLocks noGrp="1" noChangeAspect="1"/>
+          </p:cNvPicPr>
+          <p:nvPr>
+            <p:ph idx="1"/>
+          </p:nvPr>
+        </p:nvPicPr>
+        <p:blipFill>
+          <a:blip r:embed="rId2"/>
+          <a:stretch>
+            <a:fillRect/>
+          </a:stretch>
+        </p:blipFill>
+        <p:spPr>
+          <a:xfrm>
+            <a:off x="762001" y="1917276"/>
+            <a:ext cx="9126224" cy="1790950"/>
+          </a:xfrm>
+        </p:spPr>
+      </p:pic>
+      <p:pic>
+        <p:nvPicPr>
+          <p:cNvPr id="8" name="Immagine 7">
+            <a:extLst>
+              <a:ext uri="{FF2B5EF4-FFF2-40B4-BE49-F238E27FC236}">
+                <a16:creationId xmlns:a16="http://schemas.microsoft.com/office/drawing/2014/main" id="{3D0E00DC-7586-4180-B46C-FB1E553FB377}"/>
+              </a:ext>
+            </a:extLst>
+          </p:cNvPr>
+          <p:cNvPicPr>
+            <a:picLocks noChangeAspect="1"/>
+          </p:cNvPicPr>
+          <p:nvPr/>
+        </p:nvPicPr>
+        <p:blipFill>
+          <a:blip r:embed="rId3"/>
+          <a:stretch>
+            <a:fillRect/>
+          </a:stretch>
+        </p:blipFill>
+        <p:spPr>
+          <a:xfrm>
+            <a:off x="762001" y="3985795"/>
+            <a:ext cx="9126224" cy="1428949"/>
+          </a:xfrm>
+          <a:prstGeom prst="rect">
+            <a:avLst/>
+          </a:prstGeom>
+        </p:spPr>
+      </p:pic>
+    </p:spTree>
+    <p:extLst>
+      <p:ext uri="{BB962C8B-B14F-4D97-AF65-F5344CB8AC3E}">
+        <p14:creationId xmlns:p14="http://schemas.microsoft.com/office/powerpoint/2010/main" val="2111225640"/>
+      </p:ext>
+    </p:extLst>
+  </p:cSld>
+  <p:clrMapOvr>
+    <a:masterClrMapping/>
+  </p:clrMapOvr>
+</p:sld>
+</file>
+
+<file path=ppt/slides/slide42.xml><?xml version="1.0" encoding="utf-8"?>
+<p:sld xmlns:a="http://schemas.openxmlformats.org/drawingml/2006/main" xmlns:r="http://schemas.openxmlformats.org/officeDocument/2006/relationships" xmlns:p="http://schemas.openxmlformats.org/presentationml/2006/main">
+  <p:cSld>
+    <p:bg>
+      <p:bgPr>
+        <a:solidFill>
+          <a:schemeClr val="tx1"/>
+        </a:solidFill>
+        <a:effectLst/>
+      </p:bgPr>
+    </p:bg>
+    <p:spTree>
+      <p:nvGrpSpPr>
+        <p:cNvPr id="1" name=""/>
+        <p:cNvGrpSpPr/>
+        <p:nvPr/>
+      </p:nvGrpSpPr>
+      <p:grpSpPr>
+        <a:xfrm>
+          <a:off x="0" y="0"/>
+          <a:ext cx="0" cy="0"/>
+          <a:chOff x="0" y="0"/>
+          <a:chExt cx="0" cy="0"/>
+        </a:xfrm>
+      </p:grpSpPr>
+      <p:sp>
+        <p:nvSpPr>
+          <p:cNvPr id="2" name="Titolo 1">
+            <a:extLst>
+              <a:ext uri="{FF2B5EF4-FFF2-40B4-BE49-F238E27FC236}">
+                <a16:creationId xmlns:a16="http://schemas.microsoft.com/office/drawing/2014/main" id="{3157CFA6-6737-4A96-8244-A0C81ABBC4A5}"/>
+              </a:ext>
+            </a:extLst>
+          </p:cNvPr>
+          <p:cNvSpPr>
+            <a:spLocks noGrp="1"/>
+          </p:cNvSpPr>
+          <p:nvPr>
+            <p:ph type="title"/>
+          </p:nvPr>
+        </p:nvSpPr>
+        <p:spPr/>
+        <p:txBody>
+          <a:bodyPr>
+            <a:normAutofit/>
+          </a:bodyPr>
+          <a:lstStyle/>
+          <a:p>
+            <a:r>
+              <a:rPr lang="it-IT" sz="5000" b="1" dirty="0">
+                <a:solidFill>
+                  <a:schemeClr val="accent1">
+                    <a:lumMod val="75000"/>
+                  </a:schemeClr>
+                </a:solidFill>
+              </a:rPr>
+              <a:t>MAC -</a:t>
+            </a:r>
+            <a:r>
+              <a:rPr lang="it-IT" sz="5000" b="1" dirty="0">
+                <a:solidFill>
+                  <a:srgbClr val="00B0F0"/>
+                </a:solidFill>
+              </a:rPr>
+              <a:t> </a:t>
+            </a:r>
+            <a:r>
+              <a:rPr lang="it-IT" sz="5000" b="1" dirty="0" err="1">
+                <a:solidFill>
+                  <a:schemeClr val="accent4">
+                    <a:lumMod val="60000"/>
+                    <a:lumOff val="40000"/>
+                  </a:schemeClr>
+                </a:solidFill>
+              </a:rPr>
+              <a:t>AppArmor</a:t>
+            </a:r>
+            <a:endParaRPr lang="it-IT" sz="5000" b="1" dirty="0">
+              <a:solidFill>
+                <a:srgbClr val="7030A0"/>
+              </a:solidFill>
+            </a:endParaRPr>
+          </a:p>
+        </p:txBody>
+      </p:sp>
+      <p:pic>
+        <p:nvPicPr>
+          <p:cNvPr id="7" name="Segnaposto contenuto 6">
+            <a:extLst>
+              <a:ext uri="{FF2B5EF4-FFF2-40B4-BE49-F238E27FC236}">
+                <a16:creationId xmlns:a16="http://schemas.microsoft.com/office/drawing/2014/main" id="{A813F3EF-EAEE-4ACD-88C2-BA570D083C3D}"/>
+              </a:ext>
+            </a:extLst>
+          </p:cNvPr>
+          <p:cNvPicPr>
+            <a:picLocks noGrp="1" noChangeAspect="1"/>
+          </p:cNvPicPr>
+          <p:nvPr>
+            <p:ph idx="1"/>
+          </p:nvPr>
+        </p:nvPicPr>
+        <p:blipFill>
+          <a:blip r:embed="rId2"/>
+          <a:stretch>
+            <a:fillRect/>
+          </a:stretch>
+        </p:blipFill>
+        <p:spPr>
+          <a:xfrm>
+            <a:off x="762001" y="1911162"/>
+            <a:ext cx="9069066" cy="1752845"/>
+          </a:xfrm>
+        </p:spPr>
+      </p:pic>
+      <p:pic>
+        <p:nvPicPr>
+          <p:cNvPr id="10" name="Immagine 9">
+            <a:extLst>
+              <a:ext uri="{FF2B5EF4-FFF2-40B4-BE49-F238E27FC236}">
+                <a16:creationId xmlns:a16="http://schemas.microsoft.com/office/drawing/2014/main" id="{F5C5EB1B-55BD-45C7-A34C-7CC728C61EE2}"/>
+              </a:ext>
+            </a:extLst>
+          </p:cNvPr>
+          <p:cNvPicPr>
+            <a:picLocks noChangeAspect="1"/>
+          </p:cNvPicPr>
+          <p:nvPr/>
+        </p:nvPicPr>
+        <p:blipFill>
+          <a:blip r:embed="rId3"/>
+          <a:stretch>
+            <a:fillRect/>
+          </a:stretch>
+        </p:blipFill>
+        <p:spPr>
+          <a:xfrm>
+            <a:off x="762001" y="3982331"/>
+            <a:ext cx="9050013" cy="1762371"/>
+          </a:xfrm>
+          <a:prstGeom prst="rect">
+            <a:avLst/>
+          </a:prstGeom>
+        </p:spPr>
+      </p:pic>
+    </p:spTree>
+    <p:extLst>
+      <p:ext uri="{BB962C8B-B14F-4D97-AF65-F5344CB8AC3E}">
+        <p14:creationId xmlns:p14="http://schemas.microsoft.com/office/powerpoint/2010/main" val="1872309480"/>
+      </p:ext>
+    </p:extLst>
+  </p:cSld>
+  <p:clrMapOvr>
+    <a:masterClrMapping/>
+  </p:clrMapOvr>
+</p:sld>
+</file>
+
+<file path=ppt/slides/slide43.xml><?xml version="1.0" encoding="utf-8"?>
+<p:sld xmlns:a="http://schemas.openxmlformats.org/drawingml/2006/main" xmlns:r="http://schemas.openxmlformats.org/officeDocument/2006/relationships" xmlns:p="http://schemas.openxmlformats.org/presentationml/2006/main">
+  <p:cSld>
+    <p:bg>
+      <p:bgPr>
+        <a:solidFill>
+          <a:schemeClr val="tx1"/>
+        </a:solidFill>
+        <a:effectLst/>
+      </p:bgPr>
+    </p:bg>
+    <p:spTree>
+      <p:nvGrpSpPr>
+        <p:cNvPr id="1" name=""/>
+        <p:cNvGrpSpPr/>
+        <p:nvPr/>
+      </p:nvGrpSpPr>
+      <p:grpSpPr>
+        <a:xfrm>
+          <a:off x="0" y="0"/>
+          <a:ext cx="0" cy="0"/>
+          <a:chOff x="0" y="0"/>
+          <a:chExt cx="0" cy="0"/>
+        </a:xfrm>
+      </p:grpSpPr>
+      <p:sp>
+        <p:nvSpPr>
+          <p:cNvPr id="2" name="Titolo 1">
+            <a:extLst>
+              <a:ext uri="{FF2B5EF4-FFF2-40B4-BE49-F238E27FC236}">
+                <a16:creationId xmlns:a16="http://schemas.microsoft.com/office/drawing/2014/main" id="{3157CFA6-6737-4A96-8244-A0C81ABBC4A5}"/>
+              </a:ext>
+            </a:extLst>
+          </p:cNvPr>
+          <p:cNvSpPr>
+            <a:spLocks noGrp="1"/>
+          </p:cNvSpPr>
+          <p:nvPr>
+            <p:ph type="title"/>
+          </p:nvPr>
+        </p:nvSpPr>
+        <p:spPr/>
+        <p:txBody>
+          <a:bodyPr>
+            <a:normAutofit/>
+          </a:bodyPr>
+          <a:lstStyle/>
+          <a:p>
+            <a:r>
+              <a:rPr lang="it-IT" sz="5000" b="1" dirty="0">
+                <a:solidFill>
+                  <a:schemeClr val="accent1">
+                    <a:lumMod val="75000"/>
+                  </a:schemeClr>
+                </a:solidFill>
+              </a:rPr>
+              <a:t>MAC -</a:t>
+            </a:r>
+            <a:r>
+              <a:rPr lang="it-IT" sz="5000" b="1" dirty="0">
+                <a:solidFill>
+                  <a:srgbClr val="00B0F0"/>
+                </a:solidFill>
+              </a:rPr>
+              <a:t> </a:t>
+            </a:r>
+            <a:r>
+              <a:rPr lang="it-IT" sz="5000" b="1" dirty="0" err="1">
+                <a:solidFill>
+                  <a:schemeClr val="accent4">
+                    <a:lumMod val="60000"/>
+                    <a:lumOff val="40000"/>
+                  </a:schemeClr>
+                </a:solidFill>
+              </a:rPr>
+              <a:t>AppArmor</a:t>
+            </a:r>
+            <a:endParaRPr lang="it-IT" sz="5000" b="1" dirty="0">
+              <a:solidFill>
+                <a:srgbClr val="7030A0"/>
+              </a:solidFill>
+            </a:endParaRPr>
+          </a:p>
+        </p:txBody>
+      </p:sp>
+      <p:pic>
+        <p:nvPicPr>
+          <p:cNvPr id="7" name="Segnaposto contenuto 6">
+            <a:extLst>
+              <a:ext uri="{FF2B5EF4-FFF2-40B4-BE49-F238E27FC236}">
+                <a16:creationId xmlns:a16="http://schemas.microsoft.com/office/drawing/2014/main" id="{49E1A040-D1BE-461B-B091-20FE71101FA7}"/>
+              </a:ext>
+            </a:extLst>
+          </p:cNvPr>
+          <p:cNvPicPr>
+            <a:picLocks noGrp="1" noChangeAspect="1"/>
+          </p:cNvPicPr>
+          <p:nvPr>
+            <p:ph idx="1"/>
+          </p:nvPr>
+        </p:nvPicPr>
+        <p:blipFill>
+          <a:blip r:embed="rId2"/>
+          <a:stretch>
+            <a:fillRect/>
+          </a:stretch>
+        </p:blipFill>
+        <p:spPr>
+          <a:xfrm>
+            <a:off x="762001" y="1942443"/>
+            <a:ext cx="9059539" cy="1790950"/>
+          </a:xfrm>
+        </p:spPr>
+      </p:pic>
+      <p:pic>
+        <p:nvPicPr>
+          <p:cNvPr id="10" name="Immagine 9">
+            <a:extLst>
+              <a:ext uri="{FF2B5EF4-FFF2-40B4-BE49-F238E27FC236}">
+                <a16:creationId xmlns:a16="http://schemas.microsoft.com/office/drawing/2014/main" id="{3C3FC1B1-ABBA-4897-B7B8-5FC712B31D40}"/>
+              </a:ext>
+            </a:extLst>
+          </p:cNvPr>
+          <p:cNvPicPr>
+            <a:picLocks noChangeAspect="1"/>
+          </p:cNvPicPr>
+          <p:nvPr/>
+        </p:nvPicPr>
+        <p:blipFill>
+          <a:blip r:embed="rId3"/>
+          <a:stretch>
+            <a:fillRect/>
+          </a:stretch>
+        </p:blipFill>
+        <p:spPr>
+          <a:xfrm>
+            <a:off x="762001" y="3989649"/>
+            <a:ext cx="9069066" cy="1124107"/>
+          </a:xfrm>
+          <a:prstGeom prst="rect">
+            <a:avLst/>
+          </a:prstGeom>
+        </p:spPr>
+      </p:pic>
+    </p:spTree>
+    <p:extLst>
+      <p:ext uri="{BB962C8B-B14F-4D97-AF65-F5344CB8AC3E}">
+        <p14:creationId xmlns:p14="http://schemas.microsoft.com/office/powerpoint/2010/main" val="3184593654"/>
+      </p:ext>
+    </p:extLst>
+  </p:cSld>
+  <p:clrMapOvr>
+    <a:masterClrMapping/>
+  </p:clrMapOvr>
+</p:sld>
+</file>
+
+<file path=ppt/slides/slide44.xml><?xml version="1.0" encoding="utf-8"?>
+<p:sld xmlns:a="http://schemas.openxmlformats.org/drawingml/2006/main" xmlns:r="http://schemas.openxmlformats.org/officeDocument/2006/relationships" xmlns:p="http://schemas.openxmlformats.org/presentationml/2006/main">
+  <p:cSld>
+    <p:bg>
+      <p:bgPr>
+        <a:solidFill>
+          <a:schemeClr val="tx1"/>
+        </a:solidFill>
+        <a:effectLst/>
+      </p:bgPr>
+    </p:bg>
+    <p:spTree>
+      <p:nvGrpSpPr>
+        <p:cNvPr id="1" name=""/>
+        <p:cNvGrpSpPr/>
+        <p:nvPr/>
+      </p:nvGrpSpPr>
+      <p:grpSpPr>
+        <a:xfrm>
+          <a:off x="0" y="0"/>
+          <a:ext cx="0" cy="0"/>
+          <a:chOff x="0" y="0"/>
+          <a:chExt cx="0" cy="0"/>
+        </a:xfrm>
+      </p:grpSpPr>
+      <p:sp>
+        <p:nvSpPr>
+          <p:cNvPr id="2" name="Titolo 1">
+            <a:extLst>
+              <a:ext uri="{FF2B5EF4-FFF2-40B4-BE49-F238E27FC236}">
+                <a16:creationId xmlns:a16="http://schemas.microsoft.com/office/drawing/2014/main" id="{3157CFA6-6737-4A96-8244-A0C81ABBC4A5}"/>
+              </a:ext>
+            </a:extLst>
+          </p:cNvPr>
+          <p:cNvSpPr>
+            <a:spLocks noGrp="1"/>
+          </p:cNvSpPr>
+          <p:nvPr>
+            <p:ph type="title"/>
+          </p:nvPr>
+        </p:nvSpPr>
+        <p:spPr/>
+        <p:txBody>
+          <a:bodyPr>
+            <a:normAutofit/>
+          </a:bodyPr>
+          <a:lstStyle/>
+          <a:p>
+            <a:r>
+              <a:rPr lang="it-IT" sz="5000" b="1" dirty="0">
+                <a:solidFill>
+                  <a:schemeClr val="accent1">
+                    <a:lumMod val="75000"/>
+                  </a:schemeClr>
+                </a:solidFill>
+              </a:rPr>
+              <a:t>MAC -</a:t>
+            </a:r>
+            <a:r>
+              <a:rPr lang="it-IT" sz="5000" b="1" dirty="0">
+                <a:solidFill>
+                  <a:srgbClr val="00B0F0"/>
+                </a:solidFill>
+              </a:rPr>
+              <a:t> </a:t>
+            </a:r>
+            <a:r>
+              <a:rPr lang="it-IT" sz="5000" b="1" dirty="0" err="1">
+                <a:solidFill>
+                  <a:schemeClr val="accent4">
+                    <a:lumMod val="60000"/>
+                    <a:lumOff val="40000"/>
+                  </a:schemeClr>
+                </a:solidFill>
+              </a:rPr>
+              <a:t>AppArmor</a:t>
+            </a:r>
+            <a:endParaRPr lang="it-IT" sz="5000" b="1" dirty="0">
+              <a:solidFill>
+                <a:srgbClr val="7030A0"/>
+              </a:solidFill>
+            </a:endParaRPr>
+          </a:p>
+        </p:txBody>
+      </p:sp>
+      <p:pic>
+        <p:nvPicPr>
+          <p:cNvPr id="8" name="Immagine 7">
+            <a:extLst>
+              <a:ext uri="{FF2B5EF4-FFF2-40B4-BE49-F238E27FC236}">
+                <a16:creationId xmlns:a16="http://schemas.microsoft.com/office/drawing/2014/main" id="{92A4E1C2-A256-4978-9DCD-24843B5626EE}"/>
+              </a:ext>
+            </a:extLst>
+          </p:cNvPr>
+          <p:cNvPicPr>
+            <a:picLocks noChangeAspect="1"/>
+          </p:cNvPicPr>
+          <p:nvPr/>
+        </p:nvPicPr>
+        <p:blipFill>
+          <a:blip r:embed="rId2"/>
+          <a:stretch>
+            <a:fillRect/>
+          </a:stretch>
+        </p:blipFill>
+        <p:spPr>
+          <a:xfrm>
+            <a:off x="762001" y="1972600"/>
+            <a:ext cx="9059539" cy="1771897"/>
+          </a:xfrm>
+          <a:prstGeom prst="rect">
+            <a:avLst/>
+          </a:prstGeom>
+        </p:spPr>
+      </p:pic>
+    </p:spTree>
+    <p:extLst>
+      <p:ext uri="{BB962C8B-B14F-4D97-AF65-F5344CB8AC3E}">
+        <p14:creationId xmlns:p14="http://schemas.microsoft.com/office/powerpoint/2010/main" val="4242842921"/>
+      </p:ext>
+    </p:extLst>
+  </p:cSld>
+  <p:clrMapOvr>
+    <a:masterClrMapping/>
+  </p:clrMapOvr>
+</p:sld>
+</file>
+
+<file path=ppt/slides/slide45.xml><?xml version="1.0" encoding="utf-8"?>
+<p:sld xmlns:a="http://schemas.openxmlformats.org/drawingml/2006/main" xmlns:r="http://schemas.openxmlformats.org/officeDocument/2006/relationships" xmlns:p="http://schemas.openxmlformats.org/presentationml/2006/main">
+  <p:cSld>
+    <p:bg>
+      <p:bgPr>
+        <a:solidFill>
+          <a:schemeClr val="tx1"/>
+        </a:solidFill>
+        <a:effectLst/>
+      </p:bgPr>
+    </p:bg>
+    <p:spTree>
+      <p:nvGrpSpPr>
+        <p:cNvPr id="1" name=""/>
+        <p:cNvGrpSpPr/>
+        <p:nvPr/>
+      </p:nvGrpSpPr>
+      <p:grpSpPr>
+        <a:xfrm>
+          <a:off x="0" y="0"/>
+          <a:ext cx="0" cy="0"/>
+          <a:chOff x="0" y="0"/>
+          <a:chExt cx="0" cy="0"/>
+        </a:xfrm>
+      </p:grpSpPr>
+      <p:sp>
+        <p:nvSpPr>
+          <p:cNvPr id="2" name="Titolo 1">
+            <a:extLst>
+              <a:ext uri="{FF2B5EF4-FFF2-40B4-BE49-F238E27FC236}">
+                <a16:creationId xmlns:a16="http://schemas.microsoft.com/office/drawing/2014/main" id="{3157CFA6-6737-4A96-8244-A0C81ABBC4A5}"/>
+              </a:ext>
+            </a:extLst>
+          </p:cNvPr>
+          <p:cNvSpPr>
+            <a:spLocks noGrp="1"/>
+          </p:cNvSpPr>
+          <p:nvPr>
+            <p:ph type="title"/>
+          </p:nvPr>
+        </p:nvSpPr>
+        <p:spPr/>
+        <p:txBody>
+          <a:bodyPr>
+            <a:normAutofit/>
+          </a:bodyPr>
+          <a:lstStyle/>
+          <a:p>
+            <a:r>
+              <a:rPr lang="it-IT" sz="5000" b="1" dirty="0">
+                <a:solidFill>
+                  <a:schemeClr val="accent1">
+                    <a:lumMod val="75000"/>
+                  </a:schemeClr>
+                </a:solidFill>
+              </a:rPr>
+              <a:t>MAC -</a:t>
+            </a:r>
+            <a:r>
+              <a:rPr lang="it-IT" sz="5000" b="1" dirty="0">
+                <a:solidFill>
+                  <a:srgbClr val="00B0F0"/>
+                </a:solidFill>
+              </a:rPr>
+              <a:t> </a:t>
+            </a:r>
+            <a:r>
+              <a:rPr lang="it-IT" sz="5000" b="1" dirty="0" err="1">
+                <a:solidFill>
+                  <a:schemeClr val="accent4">
+                    <a:lumMod val="60000"/>
+                    <a:lumOff val="40000"/>
+                  </a:schemeClr>
+                </a:solidFill>
+              </a:rPr>
+              <a:t>AppArmor</a:t>
+            </a:r>
+            <a:endParaRPr lang="it-IT" sz="5000" b="1" dirty="0">
+              <a:solidFill>
+                <a:srgbClr val="7030A0"/>
+              </a:solidFill>
+            </a:endParaRPr>
+          </a:p>
+        </p:txBody>
+      </p:sp>
+      <p:pic>
+        <p:nvPicPr>
+          <p:cNvPr id="6" name="Immagine 5">
+            <a:extLst>
+              <a:ext uri="{FF2B5EF4-FFF2-40B4-BE49-F238E27FC236}">
+                <a16:creationId xmlns:a16="http://schemas.microsoft.com/office/drawing/2014/main" id="{537FD4B1-8055-4E3C-A207-F12990CFE7DF}"/>
+              </a:ext>
+            </a:extLst>
+          </p:cNvPr>
+          <p:cNvPicPr>
+            <a:picLocks noChangeAspect="1"/>
+          </p:cNvPicPr>
+          <p:nvPr/>
+        </p:nvPicPr>
+        <p:blipFill>
+          <a:blip r:embed="rId2"/>
+          <a:stretch>
+            <a:fillRect/>
+          </a:stretch>
+        </p:blipFill>
+        <p:spPr>
+          <a:xfrm>
+            <a:off x="762001" y="1939626"/>
+            <a:ext cx="9078592" cy="1019317"/>
+          </a:xfrm>
+          <a:prstGeom prst="rect">
+            <a:avLst/>
+          </a:prstGeom>
+        </p:spPr>
+      </p:pic>
+      <p:pic>
+        <p:nvPicPr>
+          <p:cNvPr id="9" name="Immagine 8">
+            <a:extLst>
+              <a:ext uri="{FF2B5EF4-FFF2-40B4-BE49-F238E27FC236}">
+                <a16:creationId xmlns:a16="http://schemas.microsoft.com/office/drawing/2014/main" id="{0569D130-189F-428D-8508-2AEC439E399E}"/>
+              </a:ext>
+            </a:extLst>
+          </p:cNvPr>
+          <p:cNvPicPr>
+            <a:picLocks noChangeAspect="1"/>
+          </p:cNvPicPr>
+          <p:nvPr/>
+        </p:nvPicPr>
+        <p:blipFill>
+          <a:blip r:embed="rId3"/>
+          <a:stretch>
+            <a:fillRect/>
+          </a:stretch>
+        </p:blipFill>
+        <p:spPr>
+          <a:xfrm>
+            <a:off x="762001" y="3209125"/>
+            <a:ext cx="9078592" cy="2073741"/>
+          </a:xfrm>
+          <a:prstGeom prst="rect">
+            <a:avLst/>
+          </a:prstGeom>
+        </p:spPr>
+      </p:pic>
+    </p:spTree>
+    <p:extLst>
+      <p:ext uri="{BB962C8B-B14F-4D97-AF65-F5344CB8AC3E}">
+        <p14:creationId xmlns:p14="http://schemas.microsoft.com/office/powerpoint/2010/main" val="3172379520"/>
       </p:ext>
     </p:extLst>
   </p:cSld>
@@ -18370,7 +20268,9 @@
             <a:r>
               <a:rPr lang="it-IT" sz="5000" b="1" dirty="0">
                 <a:solidFill>
-                  <a:srgbClr val="00B0F0"/>
+                  <a:schemeClr val="accent1">
+                    <a:lumMod val="75000"/>
+                  </a:schemeClr>
                 </a:solidFill>
               </a:rPr>
               <a:t>BGP</a:t>
@@ -18715,7 +20615,9 @@
             <a:r>
               <a:rPr lang="it-IT" sz="5000" b="1" dirty="0">
                 <a:solidFill>
-                  <a:srgbClr val="00B0F0"/>
+                  <a:schemeClr val="accent1">
+                    <a:lumMod val="75000"/>
+                  </a:schemeClr>
                 </a:solidFill>
               </a:rPr>
               <a:t>BGP</a:t>
@@ -18896,15 +20798,28 @@
             <a:r>
               <a:rPr lang="it-IT" sz="5000" b="1" dirty="0">
                 <a:solidFill>
+                  <a:schemeClr val="accent1">
+                    <a:lumMod val="75000"/>
+                  </a:schemeClr>
+                </a:solidFill>
+              </a:rPr>
+              <a:t>Protocolli –</a:t>
+            </a:r>
+            <a:r>
+              <a:rPr lang="it-IT" sz="5000" b="1" dirty="0">
+                <a:solidFill>
                   <a:srgbClr val="00B0F0"/>
                 </a:solidFill>
               </a:rPr>
-              <a:t>Protocolli – </a:t>
+              <a:t> </a:t>
             </a:r>
             <a:r>
               <a:rPr lang="it-IT" sz="5000" b="1" dirty="0">
                 <a:solidFill>
-                  <a:srgbClr val="7030A0"/>
+                  <a:schemeClr val="accent4">
+                    <a:lumMod val="60000"/>
+                    <a:lumOff val="40000"/>
+                  </a:schemeClr>
                 </a:solidFill>
               </a:rPr>
               <a:t>OSPF (Open </a:t>
@@ -18912,7 +20827,10 @@
             <a:r>
               <a:rPr lang="it-IT" sz="5000" b="1" dirty="0" err="1">
                 <a:solidFill>
-                  <a:srgbClr val="7030A0"/>
+                  <a:schemeClr val="accent4">
+                    <a:lumMod val="60000"/>
+                    <a:lumOff val="40000"/>
+                  </a:schemeClr>
                 </a:solidFill>
               </a:rPr>
               <a:t>Shortest</a:t>
@@ -18920,7 +20838,10 @@
             <a:r>
               <a:rPr lang="it-IT" sz="5000" b="1" dirty="0">
                 <a:solidFill>
-                  <a:srgbClr val="7030A0"/>
+                  <a:schemeClr val="accent4">
+                    <a:lumMod val="60000"/>
+                    <a:lumOff val="40000"/>
+                  </a:schemeClr>
                 </a:solidFill>
               </a:rPr>
               <a:t> </a:t>
@@ -18928,7 +20849,10 @@
             <a:r>
               <a:rPr lang="it-IT" sz="5000" b="1" dirty="0" err="1">
                 <a:solidFill>
-                  <a:srgbClr val="7030A0"/>
+                  <a:schemeClr val="accent4">
+                    <a:lumMod val="60000"/>
+                    <a:lumOff val="40000"/>
+                  </a:schemeClr>
                 </a:solidFill>
               </a:rPr>
               <a:t>Path</a:t>
@@ -18936,7 +20860,10 @@
             <a:r>
               <a:rPr lang="it-IT" sz="5000" b="1" dirty="0">
                 <a:solidFill>
-                  <a:srgbClr val="7030A0"/>
+                  <a:schemeClr val="accent4">
+                    <a:lumMod val="60000"/>
+                    <a:lumOff val="40000"/>
+                  </a:schemeClr>
                 </a:solidFill>
               </a:rPr>
               <a:t> First)</a:t>
@@ -18967,7 +20894,9 @@
           <a:p>
             <a:pPr>
               <a:buClr>
-                <a:srgbClr val="7030A0"/>
+                <a:schemeClr val="accent1">
+                  <a:lumMod val="75000"/>
+                </a:schemeClr>
               </a:buClr>
               <a:buFont typeface="Wingdings" panose="05000000000000000000" pitchFamily="2" charset="2"/>
               <a:buChar char="Ø"/>
@@ -18978,7 +20907,18 @@
                   <a:srgbClr val="7030A0"/>
                 </a:solidFill>
               </a:rPr>
-              <a:t> OSPF</a:t>
+              <a:t> </a:t>
+            </a:r>
+            <a:r>
+              <a:rPr lang="it-IT" b="1" dirty="0">
+                <a:solidFill>
+                  <a:schemeClr val="accent4">
+                    <a:lumMod val="60000"/>
+                    <a:lumOff val="40000"/>
+                  </a:schemeClr>
+                </a:solidFill>
+              </a:rPr>
+              <a:t>OSPF</a:t>
             </a:r>
             <a:r>
               <a:rPr lang="it-IT" dirty="0">
@@ -18991,7 +20931,10 @@
             <a:r>
               <a:rPr lang="it-IT" b="1" dirty="0">
                 <a:solidFill>
-                  <a:srgbClr val="7030A0"/>
+                  <a:schemeClr val="accent4">
+                    <a:lumMod val="60000"/>
+                    <a:lumOff val="40000"/>
+                  </a:schemeClr>
                 </a:solidFill>
               </a:rPr>
               <a:t>IGP (</a:t>
@@ -18999,7 +20942,10 @@
             <a:r>
               <a:rPr lang="it-IT" b="1" dirty="0" err="1">
                 <a:solidFill>
-                  <a:srgbClr val="7030A0"/>
+                  <a:schemeClr val="accent4">
+                    <a:lumMod val="60000"/>
+                    <a:lumOff val="40000"/>
+                  </a:schemeClr>
                 </a:solidFill>
               </a:rPr>
               <a:t>Interior</a:t>
@@ -19007,7 +20953,10 @@
             <a:r>
               <a:rPr lang="it-IT" b="1" dirty="0">
                 <a:solidFill>
-                  <a:srgbClr val="7030A0"/>
+                  <a:schemeClr val="accent4">
+                    <a:lumMod val="60000"/>
+                    <a:lumOff val="40000"/>
+                  </a:schemeClr>
                 </a:solidFill>
               </a:rPr>
               <a:t> Gateway </a:t>
@@ -19015,7 +20964,10 @@
             <a:r>
               <a:rPr lang="it-IT" b="1" dirty="0" err="1">
                 <a:solidFill>
-                  <a:srgbClr val="7030A0"/>
+                  <a:schemeClr val="accent4">
+                    <a:lumMod val="60000"/>
+                    <a:lumOff val="40000"/>
+                  </a:schemeClr>
                 </a:solidFill>
               </a:rPr>
               <a:t>Protocol</a:t>
@@ -19023,7 +20975,10 @@
             <a:r>
               <a:rPr lang="it-IT" b="1" dirty="0">
                 <a:solidFill>
-                  <a:srgbClr val="7030A0"/>
+                  <a:schemeClr val="accent4">
+                    <a:lumMod val="60000"/>
+                    <a:lumOff val="40000"/>
+                  </a:schemeClr>
                 </a:solidFill>
               </a:rPr>
               <a:t>) </a:t>
@@ -19056,7 +21011,9 @@
           <a:p>
             <a:pPr>
               <a:buClr>
-                <a:srgbClr val="7030A0"/>
+                <a:schemeClr val="accent1">
+                  <a:lumMod val="75000"/>
+                </a:schemeClr>
               </a:buClr>
               <a:buFont typeface="Wingdings" panose="05000000000000000000" pitchFamily="2" charset="2"/>
               <a:buChar char="Ø"/>
@@ -19072,10 +21029,21 @@
             <a:r>
               <a:rPr lang="it-IT" b="1" dirty="0">
                 <a:solidFill>
+                  <a:schemeClr val="accent4">
+                    <a:lumMod val="60000"/>
+                    <a:lumOff val="40000"/>
+                  </a:schemeClr>
+                </a:solidFill>
+              </a:rPr>
+              <a:t>Protocollo Link-State</a:t>
+            </a:r>
+            <a:r>
+              <a:rPr lang="it-IT" b="1" dirty="0">
+                <a:solidFill>
                   <a:srgbClr val="7030A0"/>
                 </a:solidFill>
               </a:rPr>
-              <a:t>Protocollo Link-State, </a:t>
+              <a:t>, </a:t>
             </a:r>
             <a:r>
               <a:rPr lang="it-IT" dirty="0">
@@ -19088,7 +21056,10 @@
             <a:r>
               <a:rPr lang="it-IT" b="1" dirty="0" err="1">
                 <a:solidFill>
-                  <a:srgbClr val="7030A0"/>
+                  <a:schemeClr val="accent4">
+                    <a:lumMod val="60000"/>
+                    <a:lumOff val="40000"/>
+                  </a:schemeClr>
                 </a:solidFill>
               </a:rPr>
               <a:t>Shortest</a:t>
@@ -19096,7 +21067,10 @@
             <a:r>
               <a:rPr lang="it-IT" b="1" dirty="0">
                 <a:solidFill>
-                  <a:srgbClr val="7030A0"/>
+                  <a:schemeClr val="accent4">
+                    <a:lumMod val="60000"/>
+                    <a:lumOff val="40000"/>
+                  </a:schemeClr>
                 </a:solidFill>
               </a:rPr>
               <a:t> </a:t>
@@ -19104,7 +21078,10 @@
             <a:r>
               <a:rPr lang="it-IT" b="1" dirty="0" err="1">
                 <a:solidFill>
-                  <a:srgbClr val="7030A0"/>
+                  <a:schemeClr val="accent4">
+                    <a:lumMod val="60000"/>
+                    <a:lumOff val="40000"/>
+                  </a:schemeClr>
                 </a:solidFill>
               </a:rPr>
               <a:t>Path</a:t>
@@ -19112,7 +21089,10 @@
             <a:r>
               <a:rPr lang="it-IT" b="1" dirty="0">
                 <a:solidFill>
-                  <a:srgbClr val="7030A0"/>
+                  <a:schemeClr val="accent4">
+                    <a:lumMod val="60000"/>
+                    <a:lumOff val="40000"/>
+                  </a:schemeClr>
                 </a:solidFill>
               </a:rPr>
               <a:t> First</a:t>
@@ -19128,7 +21108,10 @@
             <a:r>
               <a:rPr lang="it-IT" b="1" dirty="0" err="1">
                 <a:solidFill>
-                  <a:srgbClr val="7030A0"/>
+                  <a:schemeClr val="accent4">
+                    <a:lumMod val="60000"/>
+                    <a:lumOff val="40000"/>
+                  </a:schemeClr>
                 </a:solidFill>
               </a:rPr>
               <a:t>Dijkstra</a:t>
@@ -19145,7 +21128,9 @@
           <a:p>
             <a:pPr>
               <a:buClr>
-                <a:srgbClr val="7030A0"/>
+                <a:schemeClr val="accent1">
+                  <a:lumMod val="75000"/>
+                </a:schemeClr>
               </a:buClr>
               <a:buFont typeface="Wingdings" panose="05000000000000000000" pitchFamily="2" charset="2"/>
               <a:buChar char="Ø"/>
@@ -19161,7 +21146,10 @@
             <a:r>
               <a:rPr lang="it-IT" b="1" dirty="0">
                 <a:solidFill>
-                  <a:srgbClr val="7030A0"/>
+                  <a:schemeClr val="accent4">
+                    <a:lumMod val="60000"/>
+                    <a:lumOff val="40000"/>
+                  </a:schemeClr>
                 </a:solidFill>
               </a:rPr>
               <a:t>vantaggi</a:t>
@@ -19177,7 +21165,10 @@
             <a:r>
               <a:rPr lang="it-IT" b="1" dirty="0">
                 <a:solidFill>
-                  <a:srgbClr val="7030A0"/>
+                  <a:schemeClr val="accent4">
+                    <a:lumMod val="60000"/>
+                    <a:lumOff val="40000"/>
+                  </a:schemeClr>
                 </a:solidFill>
               </a:rPr>
               <a:t>convergere rapidamente</a:t>
@@ -19210,7 +21201,9 @@
           <a:p>
             <a:pPr>
               <a:buClr>
-                <a:srgbClr val="7030A0"/>
+                <a:schemeClr val="accent1">
+                  <a:lumMod val="75000"/>
+                </a:schemeClr>
               </a:buClr>
               <a:buFont typeface="Wingdings" panose="05000000000000000000" pitchFamily="2" charset="2"/>
               <a:buChar char="Ø"/>
@@ -19234,7 +21227,10 @@
             <a:r>
               <a:rPr lang="it-IT" b="1" i="0" u="none" strike="noStrike" baseline="0" dirty="0">
                 <a:solidFill>
-                  <a:srgbClr val="7030A0"/>
+                  <a:schemeClr val="accent4">
+                    <a:lumMod val="60000"/>
+                    <a:lumOff val="40000"/>
+                  </a:schemeClr>
                 </a:solidFill>
               </a:rPr>
               <a:t>scalabile</a:t>
@@ -19319,7 +21315,9 @@
             <a:r>
               <a:rPr lang="it-IT" sz="5000" b="1" dirty="0">
                 <a:solidFill>
-                  <a:srgbClr val="00B0F0"/>
+                  <a:schemeClr val="accent1">
+                    <a:lumMod val="75000"/>
+                  </a:schemeClr>
                 </a:solidFill>
               </a:rPr>
               <a:t>OSPF</a:t>
@@ -19684,7 +21682,9 @@
             <a:r>
               <a:rPr lang="it-IT" sz="5000" b="1" dirty="0">
                 <a:solidFill>
-                  <a:srgbClr val="00B0F0"/>
+                  <a:schemeClr val="accent1">
+                    <a:lumMod val="75000"/>
+                  </a:schemeClr>
                 </a:solidFill>
               </a:rPr>
               <a:t>OSPF</a:t>

--- a/Presentazione_NSD.pptx
+++ b/Presentazione_NSD.pptx
@@ -27,29 +27,34 @@
     <p:sldId id="276" r:id="rId21"/>
     <p:sldId id="277" r:id="rId22"/>
     <p:sldId id="278" r:id="rId23"/>
-    <p:sldId id="279" r:id="rId24"/>
-    <p:sldId id="280" r:id="rId25"/>
-    <p:sldId id="281" r:id="rId26"/>
-    <p:sldId id="283" r:id="rId27"/>
-    <p:sldId id="284" r:id="rId28"/>
-    <p:sldId id="285" r:id="rId29"/>
-    <p:sldId id="287" r:id="rId30"/>
-    <p:sldId id="288" r:id="rId31"/>
-    <p:sldId id="289" r:id="rId32"/>
-    <p:sldId id="290" r:id="rId33"/>
-    <p:sldId id="291" r:id="rId34"/>
-    <p:sldId id="292" r:id="rId35"/>
-    <p:sldId id="293" r:id="rId36"/>
-    <p:sldId id="295" r:id="rId37"/>
-    <p:sldId id="296" r:id="rId38"/>
-    <p:sldId id="294" r:id="rId39"/>
-    <p:sldId id="297" r:id="rId40"/>
-    <p:sldId id="298" r:id="rId41"/>
-    <p:sldId id="299" r:id="rId42"/>
-    <p:sldId id="300" r:id="rId43"/>
-    <p:sldId id="301" r:id="rId44"/>
-    <p:sldId id="302" r:id="rId45"/>
-    <p:sldId id="303" r:id="rId46"/>
+    <p:sldId id="306" r:id="rId24"/>
+    <p:sldId id="279" r:id="rId25"/>
+    <p:sldId id="280" r:id="rId26"/>
+    <p:sldId id="281" r:id="rId27"/>
+    <p:sldId id="283" r:id="rId28"/>
+    <p:sldId id="284" r:id="rId29"/>
+    <p:sldId id="285" r:id="rId30"/>
+    <p:sldId id="287" r:id="rId31"/>
+    <p:sldId id="288" r:id="rId32"/>
+    <p:sldId id="289" r:id="rId33"/>
+    <p:sldId id="290" r:id="rId34"/>
+    <p:sldId id="291" r:id="rId35"/>
+    <p:sldId id="292" r:id="rId36"/>
+    <p:sldId id="293" r:id="rId37"/>
+    <p:sldId id="295" r:id="rId38"/>
+    <p:sldId id="296" r:id="rId39"/>
+    <p:sldId id="310" r:id="rId40"/>
+    <p:sldId id="309" r:id="rId41"/>
+    <p:sldId id="311" r:id="rId42"/>
+    <p:sldId id="294" r:id="rId43"/>
+    <p:sldId id="297" r:id="rId44"/>
+    <p:sldId id="298" r:id="rId45"/>
+    <p:sldId id="299" r:id="rId46"/>
+    <p:sldId id="300" r:id="rId47"/>
+    <p:sldId id="301" r:id="rId48"/>
+    <p:sldId id="302" r:id="rId49"/>
+    <p:sldId id="303" r:id="rId50"/>
+    <p:sldId id="307" r:id="rId51"/>
   </p:sldIdLst>
   <p:sldSz cx="12192000" cy="6858000"/>
   <p:notesSz cx="6858000" cy="9144000"/>
@@ -311,7 +316,7 @@
           <a:p>
             <a:fld id="{3D24D1A2-4A22-4063-B1C1-E5B8F7172D76}" type="datetimeFigureOut">
               <a:rPr lang="it-IT" smtClean="0"/>
-              <a:t>28/08/2024</a:t>
+              <a:t>03/09/2024</a:t>
             </a:fld>
             <a:endParaRPr lang="it-IT"/>
           </a:p>
@@ -481,7 +486,7 @@
           <a:p>
             <a:fld id="{3D24D1A2-4A22-4063-B1C1-E5B8F7172D76}" type="datetimeFigureOut">
               <a:rPr lang="it-IT" smtClean="0"/>
-              <a:t>28/08/2024</a:t>
+              <a:t>03/09/2024</a:t>
             </a:fld>
             <a:endParaRPr lang="it-IT"/>
           </a:p>
@@ -661,7 +666,7 @@
           <a:p>
             <a:fld id="{3D24D1A2-4A22-4063-B1C1-E5B8F7172D76}" type="datetimeFigureOut">
               <a:rPr lang="it-IT" smtClean="0"/>
-              <a:t>28/08/2024</a:t>
+              <a:t>03/09/2024</a:t>
             </a:fld>
             <a:endParaRPr lang="it-IT"/>
           </a:p>
@@ -831,7 +836,7 @@
           <a:p>
             <a:fld id="{3D24D1A2-4A22-4063-B1C1-E5B8F7172D76}" type="datetimeFigureOut">
               <a:rPr lang="it-IT" smtClean="0"/>
-              <a:t>28/08/2024</a:t>
+              <a:t>03/09/2024</a:t>
             </a:fld>
             <a:endParaRPr lang="it-IT"/>
           </a:p>
@@ -1095,7 +1100,7 @@
           <a:p>
             <a:fld id="{3D24D1A2-4A22-4063-B1C1-E5B8F7172D76}" type="datetimeFigureOut">
               <a:rPr lang="it-IT" smtClean="0"/>
-              <a:t>28/08/2024</a:t>
+              <a:t>03/09/2024</a:t>
             </a:fld>
             <a:endParaRPr lang="it-IT"/>
           </a:p>
@@ -1383,7 +1388,7 @@
           <a:p>
             <a:fld id="{3D24D1A2-4A22-4063-B1C1-E5B8F7172D76}" type="datetimeFigureOut">
               <a:rPr lang="it-IT" smtClean="0"/>
-              <a:t>28/08/2024</a:t>
+              <a:t>03/09/2024</a:t>
             </a:fld>
             <a:endParaRPr lang="it-IT"/>
           </a:p>
@@ -1812,7 +1817,7 @@
           <a:p>
             <a:fld id="{3D24D1A2-4A22-4063-B1C1-E5B8F7172D76}" type="datetimeFigureOut">
               <a:rPr lang="it-IT" smtClean="0"/>
-              <a:t>28/08/2024</a:t>
+              <a:t>03/09/2024</a:t>
             </a:fld>
             <a:endParaRPr lang="it-IT"/>
           </a:p>
@@ -1930,7 +1935,7 @@
           <a:p>
             <a:fld id="{3D24D1A2-4A22-4063-B1C1-E5B8F7172D76}" type="datetimeFigureOut">
               <a:rPr lang="it-IT" smtClean="0"/>
-              <a:t>28/08/2024</a:t>
+              <a:t>03/09/2024</a:t>
             </a:fld>
             <a:endParaRPr lang="it-IT"/>
           </a:p>
@@ -2025,7 +2030,7 @@
           <a:p>
             <a:fld id="{3D24D1A2-4A22-4063-B1C1-E5B8F7172D76}" type="datetimeFigureOut">
               <a:rPr lang="it-IT" smtClean="0"/>
-              <a:t>28/08/2024</a:t>
+              <a:t>03/09/2024</a:t>
             </a:fld>
             <a:endParaRPr lang="it-IT"/>
           </a:p>
@@ -2381,7 +2386,7 @@
           <a:p>
             <a:fld id="{3D24D1A2-4A22-4063-B1C1-E5B8F7172D76}" type="datetimeFigureOut">
               <a:rPr lang="it-IT" smtClean="0"/>
-              <a:t>28/08/2024</a:t>
+              <a:t>03/09/2024</a:t>
             </a:fld>
             <a:endParaRPr lang="it-IT"/>
           </a:p>
@@ -2684,7 +2689,7 @@
           <a:p>
             <a:fld id="{3D24D1A2-4A22-4063-B1C1-E5B8F7172D76}" type="datetimeFigureOut">
               <a:rPr lang="it-IT" smtClean="0"/>
-              <a:t>28/08/2024</a:t>
+              <a:t>03/09/2024</a:t>
             </a:fld>
             <a:endParaRPr lang="it-IT"/>
           </a:p>
@@ -2897,7 +2902,7 @@
           <a:p>
             <a:fld id="{3D24D1A2-4A22-4063-B1C1-E5B8F7172D76}" type="datetimeFigureOut">
               <a:rPr lang="it-IT" smtClean="0"/>
-              <a:t>28/08/2024</a:t>
+              <a:t>03/09/2024</a:t>
             </a:fld>
             <a:endParaRPr lang="it-IT"/>
           </a:p>
@@ -5854,7 +5859,7 @@
         </p:nvSpPr>
         <p:spPr>
           <a:xfrm>
-            <a:off x="3135086" y="5115085"/>
+            <a:off x="3143475" y="5089918"/>
             <a:ext cx="581237" cy="516783"/>
           </a:xfrm>
           <a:prstGeom prst="ellipse">
@@ -5995,12 +6000,42 @@
           </a:xfrm>
         </p:spPr>
       </p:pic>
-      <p:sp>
-        <p:nvSpPr>
-          <p:cNvPr id="4" name="Ovale 3">
-            <a:extLst>
-              <a:ext uri="{FF2B5EF4-FFF2-40B4-BE49-F238E27FC236}">
-                <a16:creationId xmlns:a16="http://schemas.microsoft.com/office/drawing/2014/main" id="{2FB30364-2595-4C5D-AA64-BE33C738AAF4}"/>
+      <p:pic>
+        <p:nvPicPr>
+          <p:cNvPr id="7" name="Immagine 6">
+            <a:extLst>
+              <a:ext uri="{FF2B5EF4-FFF2-40B4-BE49-F238E27FC236}">
+                <a16:creationId xmlns:a16="http://schemas.microsoft.com/office/drawing/2014/main" id="{00CC6D6B-CDE3-4B50-992E-27B72DBA7BBF}"/>
+              </a:ext>
+            </a:extLst>
+          </p:cNvPr>
+          <p:cNvPicPr>
+            <a:picLocks noChangeAspect="1"/>
+          </p:cNvPicPr>
+          <p:nvPr/>
+        </p:nvPicPr>
+        <p:blipFill>
+          <a:blip r:embed="rId3"/>
+          <a:stretch>
+            <a:fillRect/>
+          </a:stretch>
+        </p:blipFill>
+        <p:spPr>
+          <a:xfrm>
+            <a:off x="4047875" y="4496499"/>
+            <a:ext cx="5641476" cy="2207806"/>
+          </a:xfrm>
+          <a:prstGeom prst="rect">
+            <a:avLst/>
+          </a:prstGeom>
+        </p:spPr>
+      </p:pic>
+      <p:sp>
+        <p:nvSpPr>
+          <p:cNvPr id="6" name="Ovale 5">
+            <a:extLst>
+              <a:ext uri="{FF2B5EF4-FFF2-40B4-BE49-F238E27FC236}">
+                <a16:creationId xmlns:a16="http://schemas.microsoft.com/office/drawing/2014/main" id="{7EC77F2F-0BF0-4441-BB70-990193816521}"/>
               </a:ext>
             </a:extLst>
           </p:cNvPr>
@@ -6009,7 +6044,7 @@
         </p:nvSpPr>
         <p:spPr>
           <a:xfrm>
-            <a:off x="3135086" y="5115085"/>
+            <a:off x="3143475" y="5089918"/>
             <a:ext cx="581237" cy="516783"/>
           </a:xfrm>
           <a:prstGeom prst="ellipse">
@@ -6047,36 +6082,6 @@
           </a:p>
         </p:txBody>
       </p:sp>
-      <p:pic>
-        <p:nvPicPr>
-          <p:cNvPr id="7" name="Immagine 6">
-            <a:extLst>
-              <a:ext uri="{FF2B5EF4-FFF2-40B4-BE49-F238E27FC236}">
-                <a16:creationId xmlns:a16="http://schemas.microsoft.com/office/drawing/2014/main" id="{00CC6D6B-CDE3-4B50-992E-27B72DBA7BBF}"/>
-              </a:ext>
-            </a:extLst>
-          </p:cNvPr>
-          <p:cNvPicPr>
-            <a:picLocks noChangeAspect="1"/>
-          </p:cNvPicPr>
-          <p:nvPr/>
-        </p:nvPicPr>
-        <p:blipFill>
-          <a:blip r:embed="rId3"/>
-          <a:stretch>
-            <a:fillRect/>
-          </a:stretch>
-        </p:blipFill>
-        <p:spPr>
-          <a:xfrm>
-            <a:off x="4047875" y="4496499"/>
-            <a:ext cx="5641476" cy="2207806"/>
-          </a:xfrm>
-          <a:prstGeom prst="rect">
-            <a:avLst/>
-          </a:prstGeom>
-        </p:spPr>
-      </p:pic>
     </p:spTree>
     <p:extLst>
       <p:ext uri="{BB962C8B-B14F-4D97-AF65-F5344CB8AC3E}">
@@ -6180,12 +6185,42 @@
           </a:xfrm>
         </p:spPr>
       </p:pic>
-      <p:sp>
-        <p:nvSpPr>
-          <p:cNvPr id="8" name="Ovale 7">
-            <a:extLst>
-              <a:ext uri="{FF2B5EF4-FFF2-40B4-BE49-F238E27FC236}">
-                <a16:creationId xmlns:a16="http://schemas.microsoft.com/office/drawing/2014/main" id="{C0604B57-8D40-4ABB-990E-757F87944FBD}"/>
+      <p:pic>
+        <p:nvPicPr>
+          <p:cNvPr id="10" name="Immagine 9">
+            <a:extLst>
+              <a:ext uri="{FF2B5EF4-FFF2-40B4-BE49-F238E27FC236}">
+                <a16:creationId xmlns:a16="http://schemas.microsoft.com/office/drawing/2014/main" id="{9E730646-9DC1-402B-B5BE-126BFBA91AF7}"/>
+              </a:ext>
+            </a:extLst>
+          </p:cNvPr>
+          <p:cNvPicPr>
+            <a:picLocks noChangeAspect="1"/>
+          </p:cNvPicPr>
+          <p:nvPr/>
+        </p:nvPicPr>
+        <p:blipFill>
+          <a:blip r:embed="rId3"/>
+          <a:stretch>
+            <a:fillRect/>
+          </a:stretch>
+        </p:blipFill>
+        <p:spPr>
+          <a:xfrm>
+            <a:off x="4005329" y="4517427"/>
+            <a:ext cx="6674455" cy="1757537"/>
+          </a:xfrm>
+          <a:prstGeom prst="rect">
+            <a:avLst/>
+          </a:prstGeom>
+        </p:spPr>
+      </p:pic>
+      <p:sp>
+        <p:nvSpPr>
+          <p:cNvPr id="6" name="Ovale 5">
+            <a:extLst>
+              <a:ext uri="{FF2B5EF4-FFF2-40B4-BE49-F238E27FC236}">
+                <a16:creationId xmlns:a16="http://schemas.microsoft.com/office/drawing/2014/main" id="{7EC4AB15-A8A4-40D7-8D8D-18FB483BA493}"/>
               </a:ext>
             </a:extLst>
           </p:cNvPr>
@@ -6194,7 +6229,7 @@
         </p:nvSpPr>
         <p:spPr>
           <a:xfrm>
-            <a:off x="3135086" y="5115085"/>
+            <a:off x="3143475" y="5089918"/>
             <a:ext cx="581237" cy="516783"/>
           </a:xfrm>
           <a:prstGeom prst="ellipse">
@@ -6232,36 +6267,6 @@
           </a:p>
         </p:txBody>
       </p:sp>
-      <p:pic>
-        <p:nvPicPr>
-          <p:cNvPr id="10" name="Immagine 9">
-            <a:extLst>
-              <a:ext uri="{FF2B5EF4-FFF2-40B4-BE49-F238E27FC236}">
-                <a16:creationId xmlns:a16="http://schemas.microsoft.com/office/drawing/2014/main" id="{9E730646-9DC1-402B-B5BE-126BFBA91AF7}"/>
-              </a:ext>
-            </a:extLst>
-          </p:cNvPr>
-          <p:cNvPicPr>
-            <a:picLocks noChangeAspect="1"/>
-          </p:cNvPicPr>
-          <p:nvPr/>
-        </p:nvPicPr>
-        <p:blipFill>
-          <a:blip r:embed="rId3"/>
-          <a:stretch>
-            <a:fillRect/>
-          </a:stretch>
-        </p:blipFill>
-        <p:spPr>
-          <a:xfrm>
-            <a:off x="4005329" y="4517427"/>
-            <a:ext cx="6674455" cy="1757537"/>
-          </a:xfrm>
-          <a:prstGeom prst="rect">
-            <a:avLst/>
-          </a:prstGeom>
-        </p:spPr>
-      </p:pic>
     </p:spTree>
     <p:extLst>
       <p:ext uri="{BB962C8B-B14F-4D97-AF65-F5344CB8AC3E}">
@@ -7764,6 +7769,223 @@
       </p:sp>
       <p:pic>
         <p:nvPicPr>
+          <p:cNvPr id="6" name="Immagine 5">
+            <a:extLst>
+              <a:ext uri="{FF2B5EF4-FFF2-40B4-BE49-F238E27FC236}">
+                <a16:creationId xmlns:a16="http://schemas.microsoft.com/office/drawing/2014/main" id="{D7EA841C-9F0D-4C1C-8B71-21DCFB7CF8E3}"/>
+              </a:ext>
+            </a:extLst>
+          </p:cNvPr>
+          <p:cNvPicPr>
+            <a:picLocks noChangeAspect="1"/>
+          </p:cNvPicPr>
+          <p:nvPr/>
+        </p:nvPicPr>
+        <p:blipFill>
+          <a:blip r:embed="rId3"/>
+          <a:stretch>
+            <a:fillRect/>
+          </a:stretch>
+        </p:blipFill>
+        <p:spPr>
+          <a:xfrm>
+            <a:off x="657225" y="3334759"/>
+            <a:ext cx="5306164" cy="1563572"/>
+          </a:xfrm>
+          <a:prstGeom prst="rect">
+            <a:avLst/>
+          </a:prstGeom>
+        </p:spPr>
+      </p:pic>
+      <p:pic>
+        <p:nvPicPr>
+          <p:cNvPr id="8" name="Immagine 7">
+            <a:extLst>
+              <a:ext uri="{FF2B5EF4-FFF2-40B4-BE49-F238E27FC236}">
+                <a16:creationId xmlns:a16="http://schemas.microsoft.com/office/drawing/2014/main" id="{80F5F282-2FE1-40A5-AE48-C70BF41496FE}"/>
+              </a:ext>
+            </a:extLst>
+          </p:cNvPr>
+          <p:cNvPicPr>
+            <a:picLocks noChangeAspect="1"/>
+          </p:cNvPicPr>
+          <p:nvPr/>
+        </p:nvPicPr>
+        <p:blipFill>
+          <a:blip r:embed="rId4"/>
+          <a:stretch>
+            <a:fillRect/>
+          </a:stretch>
+        </p:blipFill>
+        <p:spPr>
+          <a:xfrm>
+            <a:off x="657224" y="5066739"/>
+            <a:ext cx="5306164" cy="1419413"/>
+          </a:xfrm>
+          <a:prstGeom prst="rect">
+            <a:avLst/>
+          </a:prstGeom>
+        </p:spPr>
+      </p:pic>
+    </p:spTree>
+    <p:extLst>
+      <p:ext uri="{BB962C8B-B14F-4D97-AF65-F5344CB8AC3E}">
+        <p14:creationId xmlns:p14="http://schemas.microsoft.com/office/powerpoint/2010/main" val="3600868609"/>
+      </p:ext>
+    </p:extLst>
+  </p:cSld>
+  <p:clrMapOvr>
+    <a:masterClrMapping/>
+  </p:clrMapOvr>
+</p:sld>
+</file>
+
+<file path=ppt/slides/slide24.xml><?xml version="1.0" encoding="utf-8"?>
+<p:sld xmlns:a="http://schemas.openxmlformats.org/drawingml/2006/main" xmlns:r="http://schemas.openxmlformats.org/officeDocument/2006/relationships" xmlns:p="http://schemas.openxmlformats.org/presentationml/2006/main">
+  <p:cSld>
+    <p:bg>
+      <p:bgPr>
+        <a:solidFill>
+          <a:schemeClr val="tx1"/>
+        </a:solidFill>
+        <a:effectLst/>
+      </p:bgPr>
+    </p:bg>
+    <p:spTree>
+      <p:nvGrpSpPr>
+        <p:cNvPr id="1" name=""/>
+        <p:cNvGrpSpPr/>
+        <p:nvPr/>
+      </p:nvGrpSpPr>
+      <p:grpSpPr>
+        <a:xfrm>
+          <a:off x="0" y="0"/>
+          <a:ext cx="0" cy="0"/>
+          <a:chOff x="0" y="0"/>
+          <a:chExt cx="0" cy="0"/>
+        </a:xfrm>
+      </p:grpSpPr>
+      <p:sp>
+        <p:nvSpPr>
+          <p:cNvPr id="2" name="Titolo 1">
+            <a:extLst>
+              <a:ext uri="{FF2B5EF4-FFF2-40B4-BE49-F238E27FC236}">
+                <a16:creationId xmlns:a16="http://schemas.microsoft.com/office/drawing/2014/main" id="{3157CFA6-6737-4A96-8244-A0C81ABBC4A5}"/>
+              </a:ext>
+            </a:extLst>
+          </p:cNvPr>
+          <p:cNvSpPr>
+            <a:spLocks noGrp="1"/>
+          </p:cNvSpPr>
+          <p:nvPr>
+            <p:ph type="title"/>
+          </p:nvPr>
+        </p:nvSpPr>
+        <p:spPr/>
+        <p:txBody>
+          <a:bodyPr>
+            <a:normAutofit/>
+          </a:bodyPr>
+          <a:lstStyle/>
+          <a:p>
+            <a:r>
+              <a:rPr lang="it-IT" sz="5000" b="1" dirty="0">
+                <a:solidFill>
+                  <a:schemeClr val="accent1">
+                    <a:lumMod val="75000"/>
+                  </a:schemeClr>
+                </a:solidFill>
+              </a:rPr>
+              <a:t>DC Network</a:t>
+            </a:r>
+          </a:p>
+        </p:txBody>
+      </p:sp>
+      <p:pic>
+        <p:nvPicPr>
+          <p:cNvPr id="5" name="Segnaposto contenuto 4">
+            <a:extLst>
+              <a:ext uri="{FF2B5EF4-FFF2-40B4-BE49-F238E27FC236}">
+                <a16:creationId xmlns:a16="http://schemas.microsoft.com/office/drawing/2014/main" id="{4FA916C6-E85C-493F-AFF8-44B1B213F4D3}"/>
+              </a:ext>
+            </a:extLst>
+          </p:cNvPr>
+          <p:cNvPicPr>
+            <a:picLocks noGrp="1" noChangeAspect="1"/>
+          </p:cNvPicPr>
+          <p:nvPr>
+            <p:ph idx="1"/>
+          </p:nvPr>
+        </p:nvPicPr>
+        <p:blipFill>
+          <a:blip r:embed="rId2"/>
+          <a:stretch>
+            <a:fillRect/>
+          </a:stretch>
+        </p:blipFill>
+        <p:spPr>
+          <a:xfrm>
+            <a:off x="1552663" y="1692581"/>
+            <a:ext cx="9086674" cy="4777938"/>
+          </a:xfrm>
+        </p:spPr>
+      </p:pic>
+      <p:sp>
+        <p:nvSpPr>
+          <p:cNvPr id="4" name="Rettangolo 3">
+            <a:extLst>
+              <a:ext uri="{FF2B5EF4-FFF2-40B4-BE49-F238E27FC236}">
+                <a16:creationId xmlns:a16="http://schemas.microsoft.com/office/drawing/2014/main" id="{AE02D0C8-D7D2-4A51-8194-2CEF483D4157}"/>
+              </a:ext>
+            </a:extLst>
+          </p:cNvPr>
+          <p:cNvSpPr/>
+          <p:nvPr/>
+        </p:nvSpPr>
+        <p:spPr>
+          <a:xfrm>
+            <a:off x="6096000" y="4235691"/>
+            <a:ext cx="4633519" cy="2234828"/>
+          </a:xfrm>
+          <a:prstGeom prst="rect">
+            <a:avLst/>
+          </a:prstGeom>
+          <a:noFill/>
+          <a:ln w="38100">
+            <a:solidFill>
+              <a:schemeClr val="accent1">
+                <a:lumMod val="75000"/>
+              </a:schemeClr>
+            </a:solidFill>
+          </a:ln>
+        </p:spPr>
+        <p:style>
+          <a:lnRef idx="2">
+            <a:schemeClr val="accent1">
+              <a:shade val="50000"/>
+            </a:schemeClr>
+          </a:lnRef>
+          <a:fillRef idx="1">
+            <a:schemeClr val="accent1"/>
+          </a:fillRef>
+          <a:effectRef idx="0">
+            <a:schemeClr val="accent1"/>
+          </a:effectRef>
+          <a:fontRef idx="minor">
+            <a:schemeClr val="lt1"/>
+          </a:fontRef>
+        </p:style>
+        <p:txBody>
+          <a:bodyPr rtlCol="0" anchor="ctr"/>
+          <a:lstStyle/>
+          <a:p>
+            <a:pPr algn="ctr"/>
+            <a:endParaRPr lang="it-IT"/>
+          </a:p>
+        </p:txBody>
+      </p:sp>
+      <p:pic>
+        <p:nvPicPr>
           <p:cNvPr id="10" name="Immagine 9">
             <a:extLst>
               <a:ext uri="{FF2B5EF4-FFF2-40B4-BE49-F238E27FC236}">
@@ -7835,7 +8057,7 @@
 </p:sld>
 </file>
 
-<file path=ppt/slides/slide24.xml><?xml version="1.0" encoding="utf-8"?>
+<file path=ppt/slides/slide25.xml><?xml version="1.0" encoding="utf-8"?>
 <p:sld xmlns:a="http://schemas.openxmlformats.org/drawingml/2006/main" xmlns:r="http://schemas.openxmlformats.org/officeDocument/2006/relationships" xmlns:p="http://schemas.openxmlformats.org/presentationml/2006/main">
   <p:cSld>
     <p:bg>
@@ -8225,7 +8447,7 @@
 </p:sld>
 </file>
 
-<file path=ppt/slides/slide25.xml><?xml version="1.0" encoding="utf-8"?>
+<file path=ppt/slides/slide26.xml><?xml version="1.0" encoding="utf-8"?>
 <p:sld xmlns:a="http://schemas.openxmlformats.org/drawingml/2006/main" xmlns:r="http://schemas.openxmlformats.org/officeDocument/2006/relationships" xmlns:p="http://schemas.openxmlformats.org/presentationml/2006/main">
   <p:cSld>
     <p:bg>
@@ -8620,7 +8842,7 @@
 </p:sld>
 </file>
 
-<file path=ppt/slides/slide26.xml><?xml version="1.0" encoding="utf-8"?>
+<file path=ppt/slides/slide27.xml><?xml version="1.0" encoding="utf-8"?>
 <p:sld xmlns:a="http://schemas.openxmlformats.org/drawingml/2006/main" xmlns:r="http://schemas.openxmlformats.org/officeDocument/2006/relationships" xmlns:p="http://schemas.openxmlformats.org/presentationml/2006/main">
   <p:cSld>
     <p:bg>
@@ -9031,7 +9253,7 @@
 </p:sld>
 </file>
 
-<file path=ppt/slides/slide27.xml><?xml version="1.0" encoding="utf-8"?>
+<file path=ppt/slides/slide28.xml><?xml version="1.0" encoding="utf-8"?>
 <p:sld xmlns:a="http://schemas.openxmlformats.org/drawingml/2006/main" xmlns:r="http://schemas.openxmlformats.org/officeDocument/2006/relationships" xmlns:p="http://schemas.openxmlformats.org/presentationml/2006/main">
   <p:cSld>
     <p:bg>
@@ -9442,7 +9664,7 @@
 </p:sld>
 </file>
 
-<file path=ppt/slides/slide28.xml><?xml version="1.0" encoding="utf-8"?>
+<file path=ppt/slides/slide29.xml><?xml version="1.0" encoding="utf-8"?>
 <p:sld xmlns:a="http://schemas.openxmlformats.org/drawingml/2006/main" xmlns:r="http://schemas.openxmlformats.org/officeDocument/2006/relationships" xmlns:p="http://schemas.openxmlformats.org/presentationml/2006/main">
   <p:cSld>
     <p:bg>
@@ -9853,473 +10075,6 @@
 </p:sld>
 </file>
 
-<file path=ppt/slides/slide29.xml><?xml version="1.0" encoding="utf-8"?>
-<p:sld xmlns:a="http://schemas.openxmlformats.org/drawingml/2006/main" xmlns:r="http://schemas.openxmlformats.org/officeDocument/2006/relationships" xmlns:p="http://schemas.openxmlformats.org/presentationml/2006/main">
-  <p:cSld>
-    <p:bg>
-      <p:bgPr>
-        <a:solidFill>
-          <a:schemeClr val="tx1"/>
-        </a:solidFill>
-        <a:effectLst/>
-      </p:bgPr>
-    </p:bg>
-    <p:spTree>
-      <p:nvGrpSpPr>
-        <p:cNvPr id="1" name=""/>
-        <p:cNvGrpSpPr/>
-        <p:nvPr/>
-      </p:nvGrpSpPr>
-      <p:grpSpPr>
-        <a:xfrm>
-          <a:off x="0" y="0"/>
-          <a:ext cx="0" cy="0"/>
-          <a:chOff x="0" y="0"/>
-          <a:chExt cx="0" cy="0"/>
-        </a:xfrm>
-      </p:grpSpPr>
-      <p:sp>
-        <p:nvSpPr>
-          <p:cNvPr id="2" name="Titolo 1">
-            <a:extLst>
-              <a:ext uri="{FF2B5EF4-FFF2-40B4-BE49-F238E27FC236}">
-                <a16:creationId xmlns:a16="http://schemas.microsoft.com/office/drawing/2014/main" id="{3157CFA6-6737-4A96-8244-A0C81ABBC4A5}"/>
-              </a:ext>
-            </a:extLst>
-          </p:cNvPr>
-          <p:cNvSpPr>
-            <a:spLocks noGrp="1"/>
-          </p:cNvSpPr>
-          <p:nvPr>
-            <p:ph type="title"/>
-          </p:nvPr>
-        </p:nvSpPr>
-        <p:spPr/>
-        <p:txBody>
-          <a:bodyPr>
-            <a:normAutofit/>
-          </a:bodyPr>
-          <a:lstStyle/>
-          <a:p>
-            <a:r>
-              <a:rPr lang="it-IT" sz="5000" b="1" dirty="0" err="1">
-                <a:solidFill>
-                  <a:schemeClr val="accent1">
-                    <a:lumMod val="75000"/>
-                  </a:schemeClr>
-                </a:solidFill>
-              </a:rPr>
-              <a:t>OpenVPN</a:t>
-            </a:r>
-            <a:endParaRPr lang="it-IT" sz="5000" b="1" dirty="0">
-              <a:solidFill>
-                <a:schemeClr val="accent1">
-                  <a:lumMod val="75000"/>
-                </a:schemeClr>
-              </a:solidFill>
-            </a:endParaRPr>
-          </a:p>
-        </p:txBody>
-      </p:sp>
-      <p:pic>
-        <p:nvPicPr>
-          <p:cNvPr id="5" name="Segnaposto contenuto 4">
-            <a:extLst>
-              <a:ext uri="{FF2B5EF4-FFF2-40B4-BE49-F238E27FC236}">
-                <a16:creationId xmlns:a16="http://schemas.microsoft.com/office/drawing/2014/main" id="{4FA916C6-E85C-493F-AFF8-44B1B213F4D3}"/>
-              </a:ext>
-            </a:extLst>
-          </p:cNvPr>
-          <p:cNvPicPr>
-            <a:picLocks noGrp="1" noChangeAspect="1"/>
-          </p:cNvPicPr>
-          <p:nvPr>
-            <p:ph idx="1"/>
-          </p:nvPr>
-        </p:nvPicPr>
-        <p:blipFill>
-          <a:blip r:embed="rId2"/>
-          <a:stretch>
-            <a:fillRect/>
-          </a:stretch>
-        </p:blipFill>
-        <p:spPr>
-          <a:xfrm>
-            <a:off x="1552663" y="1692581"/>
-            <a:ext cx="9086674" cy="4777938"/>
-          </a:xfrm>
-        </p:spPr>
-      </p:pic>
-      <p:sp>
-        <p:nvSpPr>
-          <p:cNvPr id="11" name="CasellaDiTesto 10">
-            <a:extLst>
-              <a:ext uri="{FF2B5EF4-FFF2-40B4-BE49-F238E27FC236}">
-                <a16:creationId xmlns:a16="http://schemas.microsoft.com/office/drawing/2014/main" id="{329617D6-6806-4A20-AF60-E4442C27EDF8}"/>
-              </a:ext>
-            </a:extLst>
-          </p:cNvPr>
-          <p:cNvSpPr txBox="1"/>
-          <p:nvPr/>
-        </p:nvSpPr>
-        <p:spPr>
-          <a:xfrm>
-            <a:off x="1554480" y="5935497"/>
-            <a:ext cx="1112805" cy="338554"/>
-          </a:xfrm>
-          <a:prstGeom prst="rect">
-            <a:avLst/>
-          </a:prstGeom>
-          <a:noFill/>
-        </p:spPr>
-        <p:txBody>
-          <a:bodyPr wrap="none" rtlCol="0">
-            <a:spAutoFit/>
-          </a:bodyPr>
-          <a:lstStyle/>
-          <a:p>
-            <a:r>
-              <a:rPr lang="it-IT" sz="800" b="1" dirty="0" err="1">
-                <a:solidFill>
-                  <a:srgbClr val="C00000"/>
-                </a:solidFill>
-              </a:rPr>
-              <a:t>openvpn</a:t>
-            </a:r>
-            <a:r>
-              <a:rPr lang="it-IT" sz="800" b="1" dirty="0">
-                <a:solidFill>
-                  <a:srgbClr val="C00000"/>
-                </a:solidFill>
-              </a:rPr>
-              <a:t>-client</a:t>
-            </a:r>
-          </a:p>
-          <a:p>
-            <a:r>
-              <a:rPr lang="it-IT" sz="800" b="1" dirty="0">
-                <a:solidFill>
-                  <a:srgbClr val="C00000"/>
-                </a:solidFill>
-              </a:rPr>
-              <a:t>tun0: </a:t>
-            </a:r>
-            <a:r>
-              <a:rPr lang="it-IT" sz="800" b="1" dirty="0">
-                <a:solidFill>
-                  <a:srgbClr val="0070C0"/>
-                </a:solidFill>
-              </a:rPr>
-              <a:t>192.168.100.101</a:t>
-            </a:r>
-          </a:p>
-        </p:txBody>
-      </p:sp>
-      <p:sp>
-        <p:nvSpPr>
-          <p:cNvPr id="13" name="CasellaDiTesto 12">
-            <a:extLst>
-              <a:ext uri="{FF2B5EF4-FFF2-40B4-BE49-F238E27FC236}">
-                <a16:creationId xmlns:a16="http://schemas.microsoft.com/office/drawing/2014/main" id="{6165E55D-C744-40C2-933D-9EBA5E0DB8E9}"/>
-              </a:ext>
-            </a:extLst>
-          </p:cNvPr>
-          <p:cNvSpPr txBox="1"/>
-          <p:nvPr/>
-        </p:nvSpPr>
-        <p:spPr>
-          <a:xfrm>
-            <a:off x="7124700" y="4248835"/>
-            <a:ext cx="1104900" cy="338554"/>
-          </a:xfrm>
-          <a:prstGeom prst="rect">
-            <a:avLst/>
-          </a:prstGeom>
-          <a:noFill/>
-        </p:spPr>
-        <p:txBody>
-          <a:bodyPr wrap="square">
-            <a:spAutoFit/>
-          </a:bodyPr>
-          <a:lstStyle/>
-          <a:p>
-            <a:r>
-              <a:rPr lang="it-IT" sz="800" b="1" dirty="0" err="1">
-                <a:solidFill>
-                  <a:srgbClr val="C00000"/>
-                </a:solidFill>
-              </a:rPr>
-              <a:t>openvpn</a:t>
-            </a:r>
-            <a:r>
-              <a:rPr lang="it-IT" sz="800" b="1" dirty="0">
-                <a:solidFill>
-                  <a:srgbClr val="C00000"/>
-                </a:solidFill>
-              </a:rPr>
-              <a:t>-server</a:t>
-            </a:r>
-          </a:p>
-          <a:p>
-            <a:r>
-              <a:rPr lang="it-IT" sz="800" b="1" dirty="0">
-                <a:solidFill>
-                  <a:srgbClr val="C00000"/>
-                </a:solidFill>
-              </a:rPr>
-              <a:t>tun0: </a:t>
-            </a:r>
-            <a:r>
-              <a:rPr lang="it-IT" sz="800" b="1" dirty="0">
-                <a:solidFill>
-                  <a:srgbClr val="0070C0"/>
-                </a:solidFill>
-              </a:rPr>
-              <a:t>192.168.100.1</a:t>
-            </a:r>
-          </a:p>
-        </p:txBody>
-      </p:sp>
-      <p:sp>
-        <p:nvSpPr>
-          <p:cNvPr id="15" name="CasellaDiTesto 14">
-            <a:extLst>
-              <a:ext uri="{FF2B5EF4-FFF2-40B4-BE49-F238E27FC236}">
-                <a16:creationId xmlns:a16="http://schemas.microsoft.com/office/drawing/2014/main" id="{BF1A64F1-F948-49ED-A8C3-AE25DEBFF7AA}"/>
-              </a:ext>
-            </a:extLst>
-          </p:cNvPr>
-          <p:cNvSpPr txBox="1"/>
-          <p:nvPr/>
-        </p:nvSpPr>
-        <p:spPr>
-          <a:xfrm>
-            <a:off x="9853568" y="3006775"/>
-            <a:ext cx="1112520" cy="338554"/>
-          </a:xfrm>
-          <a:prstGeom prst="rect">
-            <a:avLst/>
-          </a:prstGeom>
-          <a:noFill/>
-        </p:spPr>
-        <p:txBody>
-          <a:bodyPr wrap="square">
-            <a:spAutoFit/>
-          </a:bodyPr>
-          <a:lstStyle/>
-          <a:p>
-            <a:r>
-              <a:rPr lang="it-IT" sz="800" b="1" dirty="0" err="1">
-                <a:solidFill>
-                  <a:srgbClr val="C00000"/>
-                </a:solidFill>
-              </a:rPr>
-              <a:t>openvpn</a:t>
-            </a:r>
-            <a:r>
-              <a:rPr lang="it-IT" sz="800" b="1" dirty="0">
-                <a:solidFill>
-                  <a:srgbClr val="C00000"/>
-                </a:solidFill>
-              </a:rPr>
-              <a:t>-client</a:t>
-            </a:r>
-          </a:p>
-          <a:p>
-            <a:r>
-              <a:rPr lang="it-IT" sz="800" b="1" dirty="0">
-                <a:solidFill>
-                  <a:srgbClr val="C00000"/>
-                </a:solidFill>
-              </a:rPr>
-              <a:t>tun0: </a:t>
-            </a:r>
-            <a:r>
-              <a:rPr lang="it-IT" sz="800" b="1" dirty="0">
-                <a:solidFill>
-                  <a:srgbClr val="0070C0"/>
-                </a:solidFill>
-              </a:rPr>
-              <a:t>192.168.100.105</a:t>
-            </a:r>
-          </a:p>
-        </p:txBody>
-      </p:sp>
-      <p:sp>
-        <p:nvSpPr>
-          <p:cNvPr id="16" name="Rettangolo con angoli arrotondati 15">
-            <a:extLst>
-              <a:ext uri="{FF2B5EF4-FFF2-40B4-BE49-F238E27FC236}">
-                <a16:creationId xmlns:a16="http://schemas.microsoft.com/office/drawing/2014/main" id="{47C1B66B-5661-49D3-9D82-AF3957D5AF59}"/>
-              </a:ext>
-            </a:extLst>
-          </p:cNvPr>
-          <p:cNvSpPr/>
-          <p:nvPr/>
-        </p:nvSpPr>
-        <p:spPr>
-          <a:xfrm>
-            <a:off x="1552662" y="5829300"/>
-            <a:ext cx="1670597" cy="529167"/>
-          </a:xfrm>
-          <a:prstGeom prst="roundRect">
-            <a:avLst/>
-          </a:prstGeom>
-          <a:noFill/>
-          <a:ln w="63500">
-            <a:solidFill>
-              <a:schemeClr val="accent1">
-                <a:lumMod val="75000"/>
-              </a:schemeClr>
-            </a:solidFill>
-          </a:ln>
-        </p:spPr>
-        <p:style>
-          <a:lnRef idx="2">
-            <a:schemeClr val="accent1">
-              <a:shade val="50000"/>
-            </a:schemeClr>
-          </a:lnRef>
-          <a:fillRef idx="1">
-            <a:schemeClr val="accent1"/>
-          </a:fillRef>
-          <a:effectRef idx="0">
-            <a:schemeClr val="accent1"/>
-          </a:effectRef>
-          <a:fontRef idx="minor">
-            <a:schemeClr val="lt1"/>
-          </a:fontRef>
-        </p:style>
-        <p:txBody>
-          <a:bodyPr rtlCol="0" anchor="ctr"/>
-          <a:lstStyle/>
-          <a:p>
-            <a:pPr algn="ctr"/>
-            <a:endParaRPr lang="it-IT"/>
-          </a:p>
-        </p:txBody>
-      </p:sp>
-      <p:sp>
-        <p:nvSpPr>
-          <p:cNvPr id="17" name="Rettangolo con angoli arrotondati 16">
-            <a:extLst>
-              <a:ext uri="{FF2B5EF4-FFF2-40B4-BE49-F238E27FC236}">
-                <a16:creationId xmlns:a16="http://schemas.microsoft.com/office/drawing/2014/main" id="{5CE5C012-E25B-4A02-9159-5A097D65FF86}"/>
-              </a:ext>
-            </a:extLst>
-          </p:cNvPr>
-          <p:cNvSpPr/>
-          <p:nvPr/>
-        </p:nvSpPr>
-        <p:spPr>
-          <a:xfrm>
-            <a:off x="6559003" y="4178723"/>
-            <a:ext cx="1548677" cy="521547"/>
-          </a:xfrm>
-          <a:prstGeom prst="roundRect">
-            <a:avLst/>
-          </a:prstGeom>
-          <a:noFill/>
-          <a:ln w="63500">
-            <a:solidFill>
-              <a:schemeClr val="accent1">
-                <a:lumMod val="75000"/>
-              </a:schemeClr>
-            </a:solidFill>
-          </a:ln>
-        </p:spPr>
-        <p:style>
-          <a:lnRef idx="2">
-            <a:schemeClr val="accent1">
-              <a:shade val="50000"/>
-            </a:schemeClr>
-          </a:lnRef>
-          <a:fillRef idx="1">
-            <a:schemeClr val="accent1"/>
-          </a:fillRef>
-          <a:effectRef idx="0">
-            <a:schemeClr val="accent1"/>
-          </a:effectRef>
-          <a:fontRef idx="minor">
-            <a:schemeClr val="lt1"/>
-          </a:fontRef>
-        </p:style>
-        <p:txBody>
-          <a:bodyPr rtlCol="0" anchor="ctr"/>
-          <a:lstStyle/>
-          <a:p>
-            <a:pPr algn="ctr"/>
-            <a:endParaRPr lang="it-IT"/>
-          </a:p>
-        </p:txBody>
-      </p:sp>
-      <p:sp>
-        <p:nvSpPr>
-          <p:cNvPr id="18" name="Rettangolo con angoli arrotondati 17">
-            <a:extLst>
-              <a:ext uri="{FF2B5EF4-FFF2-40B4-BE49-F238E27FC236}">
-                <a16:creationId xmlns:a16="http://schemas.microsoft.com/office/drawing/2014/main" id="{FDAE74FA-C87C-4192-B90F-D249638DAC9C}"/>
-              </a:ext>
-            </a:extLst>
-          </p:cNvPr>
-          <p:cNvSpPr/>
-          <p:nvPr/>
-        </p:nvSpPr>
-        <p:spPr>
-          <a:xfrm>
-            <a:off x="9546043" y="2654505"/>
-            <a:ext cx="1487717" cy="690824"/>
-          </a:xfrm>
-          <a:prstGeom prst="roundRect">
-            <a:avLst/>
-          </a:prstGeom>
-          <a:noFill/>
-          <a:ln w="63500">
-            <a:solidFill>
-              <a:schemeClr val="accent1">
-                <a:lumMod val="75000"/>
-              </a:schemeClr>
-            </a:solidFill>
-          </a:ln>
-        </p:spPr>
-        <p:style>
-          <a:lnRef idx="2">
-            <a:schemeClr val="accent1">
-              <a:shade val="50000"/>
-            </a:schemeClr>
-          </a:lnRef>
-          <a:fillRef idx="1">
-            <a:schemeClr val="accent1"/>
-          </a:fillRef>
-          <a:effectRef idx="0">
-            <a:schemeClr val="accent1"/>
-          </a:effectRef>
-          <a:fontRef idx="minor">
-            <a:schemeClr val="lt1"/>
-          </a:fontRef>
-        </p:style>
-        <p:txBody>
-          <a:bodyPr rtlCol="0" anchor="ctr"/>
-          <a:lstStyle/>
-          <a:p>
-            <a:pPr algn="ctr"/>
-            <a:endParaRPr lang="it-IT"/>
-          </a:p>
-        </p:txBody>
-      </p:sp>
-    </p:spTree>
-    <p:extLst>
-      <p:ext uri="{BB962C8B-B14F-4D97-AF65-F5344CB8AC3E}">
-        <p14:creationId xmlns:p14="http://schemas.microsoft.com/office/powerpoint/2010/main" val="385115585"/>
-      </p:ext>
-    </p:extLst>
-  </p:cSld>
-  <p:clrMapOvr>
-    <a:masterClrMapping/>
-  </p:clrMapOvr>
-</p:sld>
-</file>
-
 <file path=ppt/slides/slide3.xml><?xml version="1.0" encoding="utf-8"?>
 <p:sld xmlns:a="http://schemas.openxmlformats.org/drawingml/2006/main" xmlns:r="http://schemas.openxmlformats.org/officeDocument/2006/relationships" xmlns:p="http://schemas.openxmlformats.org/presentationml/2006/main">
   <p:cSld>
@@ -10734,6 +10489,473 @@
 </file>
 
 <file path=ppt/slides/slide30.xml><?xml version="1.0" encoding="utf-8"?>
+<p:sld xmlns:a="http://schemas.openxmlformats.org/drawingml/2006/main" xmlns:r="http://schemas.openxmlformats.org/officeDocument/2006/relationships" xmlns:p="http://schemas.openxmlformats.org/presentationml/2006/main">
+  <p:cSld>
+    <p:bg>
+      <p:bgPr>
+        <a:solidFill>
+          <a:schemeClr val="tx1"/>
+        </a:solidFill>
+        <a:effectLst/>
+      </p:bgPr>
+    </p:bg>
+    <p:spTree>
+      <p:nvGrpSpPr>
+        <p:cNvPr id="1" name=""/>
+        <p:cNvGrpSpPr/>
+        <p:nvPr/>
+      </p:nvGrpSpPr>
+      <p:grpSpPr>
+        <a:xfrm>
+          <a:off x="0" y="0"/>
+          <a:ext cx="0" cy="0"/>
+          <a:chOff x="0" y="0"/>
+          <a:chExt cx="0" cy="0"/>
+        </a:xfrm>
+      </p:grpSpPr>
+      <p:sp>
+        <p:nvSpPr>
+          <p:cNvPr id="2" name="Titolo 1">
+            <a:extLst>
+              <a:ext uri="{FF2B5EF4-FFF2-40B4-BE49-F238E27FC236}">
+                <a16:creationId xmlns:a16="http://schemas.microsoft.com/office/drawing/2014/main" id="{3157CFA6-6737-4A96-8244-A0C81ABBC4A5}"/>
+              </a:ext>
+            </a:extLst>
+          </p:cNvPr>
+          <p:cNvSpPr>
+            <a:spLocks noGrp="1"/>
+          </p:cNvSpPr>
+          <p:nvPr>
+            <p:ph type="title"/>
+          </p:nvPr>
+        </p:nvSpPr>
+        <p:spPr/>
+        <p:txBody>
+          <a:bodyPr>
+            <a:normAutofit/>
+          </a:bodyPr>
+          <a:lstStyle/>
+          <a:p>
+            <a:r>
+              <a:rPr lang="it-IT" sz="5000" b="1" dirty="0" err="1">
+                <a:solidFill>
+                  <a:schemeClr val="accent1">
+                    <a:lumMod val="75000"/>
+                  </a:schemeClr>
+                </a:solidFill>
+              </a:rPr>
+              <a:t>OpenVPN</a:t>
+            </a:r>
+            <a:endParaRPr lang="it-IT" sz="5000" b="1" dirty="0">
+              <a:solidFill>
+                <a:schemeClr val="accent1">
+                  <a:lumMod val="75000"/>
+                </a:schemeClr>
+              </a:solidFill>
+            </a:endParaRPr>
+          </a:p>
+        </p:txBody>
+      </p:sp>
+      <p:pic>
+        <p:nvPicPr>
+          <p:cNvPr id="5" name="Segnaposto contenuto 4">
+            <a:extLst>
+              <a:ext uri="{FF2B5EF4-FFF2-40B4-BE49-F238E27FC236}">
+                <a16:creationId xmlns:a16="http://schemas.microsoft.com/office/drawing/2014/main" id="{4FA916C6-E85C-493F-AFF8-44B1B213F4D3}"/>
+              </a:ext>
+            </a:extLst>
+          </p:cNvPr>
+          <p:cNvPicPr>
+            <a:picLocks noGrp="1" noChangeAspect="1"/>
+          </p:cNvPicPr>
+          <p:nvPr>
+            <p:ph idx="1"/>
+          </p:nvPr>
+        </p:nvPicPr>
+        <p:blipFill>
+          <a:blip r:embed="rId2"/>
+          <a:stretch>
+            <a:fillRect/>
+          </a:stretch>
+        </p:blipFill>
+        <p:spPr>
+          <a:xfrm>
+            <a:off x="1552663" y="1692581"/>
+            <a:ext cx="9086674" cy="4777938"/>
+          </a:xfrm>
+        </p:spPr>
+      </p:pic>
+      <p:sp>
+        <p:nvSpPr>
+          <p:cNvPr id="11" name="CasellaDiTesto 10">
+            <a:extLst>
+              <a:ext uri="{FF2B5EF4-FFF2-40B4-BE49-F238E27FC236}">
+                <a16:creationId xmlns:a16="http://schemas.microsoft.com/office/drawing/2014/main" id="{329617D6-6806-4A20-AF60-E4442C27EDF8}"/>
+              </a:ext>
+            </a:extLst>
+          </p:cNvPr>
+          <p:cNvSpPr txBox="1"/>
+          <p:nvPr/>
+        </p:nvSpPr>
+        <p:spPr>
+          <a:xfrm>
+            <a:off x="1554480" y="5935497"/>
+            <a:ext cx="1112805" cy="338554"/>
+          </a:xfrm>
+          <a:prstGeom prst="rect">
+            <a:avLst/>
+          </a:prstGeom>
+          <a:noFill/>
+        </p:spPr>
+        <p:txBody>
+          <a:bodyPr wrap="none" rtlCol="0">
+            <a:spAutoFit/>
+          </a:bodyPr>
+          <a:lstStyle/>
+          <a:p>
+            <a:r>
+              <a:rPr lang="it-IT" sz="800" b="1" dirty="0" err="1">
+                <a:solidFill>
+                  <a:srgbClr val="C00000"/>
+                </a:solidFill>
+              </a:rPr>
+              <a:t>openvpn</a:t>
+            </a:r>
+            <a:r>
+              <a:rPr lang="it-IT" sz="800" b="1" dirty="0">
+                <a:solidFill>
+                  <a:srgbClr val="C00000"/>
+                </a:solidFill>
+              </a:rPr>
+              <a:t>-client</a:t>
+            </a:r>
+          </a:p>
+          <a:p>
+            <a:r>
+              <a:rPr lang="it-IT" sz="800" b="1" dirty="0">
+                <a:solidFill>
+                  <a:srgbClr val="C00000"/>
+                </a:solidFill>
+              </a:rPr>
+              <a:t>tun0: </a:t>
+            </a:r>
+            <a:r>
+              <a:rPr lang="it-IT" sz="800" b="1" dirty="0">
+                <a:solidFill>
+                  <a:srgbClr val="0070C0"/>
+                </a:solidFill>
+              </a:rPr>
+              <a:t>192.168.100.101</a:t>
+            </a:r>
+          </a:p>
+        </p:txBody>
+      </p:sp>
+      <p:sp>
+        <p:nvSpPr>
+          <p:cNvPr id="13" name="CasellaDiTesto 12">
+            <a:extLst>
+              <a:ext uri="{FF2B5EF4-FFF2-40B4-BE49-F238E27FC236}">
+                <a16:creationId xmlns:a16="http://schemas.microsoft.com/office/drawing/2014/main" id="{6165E55D-C744-40C2-933D-9EBA5E0DB8E9}"/>
+              </a:ext>
+            </a:extLst>
+          </p:cNvPr>
+          <p:cNvSpPr txBox="1"/>
+          <p:nvPr/>
+        </p:nvSpPr>
+        <p:spPr>
+          <a:xfrm>
+            <a:off x="7124700" y="4248835"/>
+            <a:ext cx="1104900" cy="338554"/>
+          </a:xfrm>
+          <a:prstGeom prst="rect">
+            <a:avLst/>
+          </a:prstGeom>
+          <a:noFill/>
+        </p:spPr>
+        <p:txBody>
+          <a:bodyPr wrap="square">
+            <a:spAutoFit/>
+          </a:bodyPr>
+          <a:lstStyle/>
+          <a:p>
+            <a:r>
+              <a:rPr lang="it-IT" sz="800" b="1" dirty="0" err="1">
+                <a:solidFill>
+                  <a:srgbClr val="C00000"/>
+                </a:solidFill>
+              </a:rPr>
+              <a:t>openvpn</a:t>
+            </a:r>
+            <a:r>
+              <a:rPr lang="it-IT" sz="800" b="1" dirty="0">
+                <a:solidFill>
+                  <a:srgbClr val="C00000"/>
+                </a:solidFill>
+              </a:rPr>
+              <a:t>-server</a:t>
+            </a:r>
+          </a:p>
+          <a:p>
+            <a:r>
+              <a:rPr lang="it-IT" sz="800" b="1" dirty="0">
+                <a:solidFill>
+                  <a:srgbClr val="C00000"/>
+                </a:solidFill>
+              </a:rPr>
+              <a:t>tun0: </a:t>
+            </a:r>
+            <a:r>
+              <a:rPr lang="it-IT" sz="800" b="1" dirty="0">
+                <a:solidFill>
+                  <a:srgbClr val="0070C0"/>
+                </a:solidFill>
+              </a:rPr>
+              <a:t>192.168.100.1</a:t>
+            </a:r>
+          </a:p>
+        </p:txBody>
+      </p:sp>
+      <p:sp>
+        <p:nvSpPr>
+          <p:cNvPr id="15" name="CasellaDiTesto 14">
+            <a:extLst>
+              <a:ext uri="{FF2B5EF4-FFF2-40B4-BE49-F238E27FC236}">
+                <a16:creationId xmlns:a16="http://schemas.microsoft.com/office/drawing/2014/main" id="{BF1A64F1-F948-49ED-A8C3-AE25DEBFF7AA}"/>
+              </a:ext>
+            </a:extLst>
+          </p:cNvPr>
+          <p:cNvSpPr txBox="1"/>
+          <p:nvPr/>
+        </p:nvSpPr>
+        <p:spPr>
+          <a:xfrm>
+            <a:off x="9853568" y="3006775"/>
+            <a:ext cx="1112520" cy="338554"/>
+          </a:xfrm>
+          <a:prstGeom prst="rect">
+            <a:avLst/>
+          </a:prstGeom>
+          <a:noFill/>
+        </p:spPr>
+        <p:txBody>
+          <a:bodyPr wrap="square">
+            <a:spAutoFit/>
+          </a:bodyPr>
+          <a:lstStyle/>
+          <a:p>
+            <a:r>
+              <a:rPr lang="it-IT" sz="800" b="1" dirty="0" err="1">
+                <a:solidFill>
+                  <a:srgbClr val="C00000"/>
+                </a:solidFill>
+              </a:rPr>
+              <a:t>openvpn</a:t>
+            </a:r>
+            <a:r>
+              <a:rPr lang="it-IT" sz="800" b="1" dirty="0">
+                <a:solidFill>
+                  <a:srgbClr val="C00000"/>
+                </a:solidFill>
+              </a:rPr>
+              <a:t>-client</a:t>
+            </a:r>
+          </a:p>
+          <a:p>
+            <a:r>
+              <a:rPr lang="it-IT" sz="800" b="1" dirty="0">
+                <a:solidFill>
+                  <a:srgbClr val="C00000"/>
+                </a:solidFill>
+              </a:rPr>
+              <a:t>tun0: </a:t>
+            </a:r>
+            <a:r>
+              <a:rPr lang="it-IT" sz="800" b="1" dirty="0">
+                <a:solidFill>
+                  <a:srgbClr val="0070C0"/>
+                </a:solidFill>
+              </a:rPr>
+              <a:t>192.168.100.105</a:t>
+            </a:r>
+          </a:p>
+        </p:txBody>
+      </p:sp>
+      <p:sp>
+        <p:nvSpPr>
+          <p:cNvPr id="16" name="Rettangolo con angoli arrotondati 15">
+            <a:extLst>
+              <a:ext uri="{FF2B5EF4-FFF2-40B4-BE49-F238E27FC236}">
+                <a16:creationId xmlns:a16="http://schemas.microsoft.com/office/drawing/2014/main" id="{47C1B66B-5661-49D3-9D82-AF3957D5AF59}"/>
+              </a:ext>
+            </a:extLst>
+          </p:cNvPr>
+          <p:cNvSpPr/>
+          <p:nvPr/>
+        </p:nvSpPr>
+        <p:spPr>
+          <a:xfrm>
+            <a:off x="1552662" y="5829300"/>
+            <a:ext cx="1670597" cy="529167"/>
+          </a:xfrm>
+          <a:prstGeom prst="roundRect">
+            <a:avLst/>
+          </a:prstGeom>
+          <a:noFill/>
+          <a:ln w="63500">
+            <a:solidFill>
+              <a:schemeClr val="accent1">
+                <a:lumMod val="75000"/>
+              </a:schemeClr>
+            </a:solidFill>
+          </a:ln>
+        </p:spPr>
+        <p:style>
+          <a:lnRef idx="2">
+            <a:schemeClr val="accent1">
+              <a:shade val="50000"/>
+            </a:schemeClr>
+          </a:lnRef>
+          <a:fillRef idx="1">
+            <a:schemeClr val="accent1"/>
+          </a:fillRef>
+          <a:effectRef idx="0">
+            <a:schemeClr val="accent1"/>
+          </a:effectRef>
+          <a:fontRef idx="minor">
+            <a:schemeClr val="lt1"/>
+          </a:fontRef>
+        </p:style>
+        <p:txBody>
+          <a:bodyPr rtlCol="0" anchor="ctr"/>
+          <a:lstStyle/>
+          <a:p>
+            <a:pPr algn="ctr"/>
+            <a:endParaRPr lang="it-IT"/>
+          </a:p>
+        </p:txBody>
+      </p:sp>
+      <p:sp>
+        <p:nvSpPr>
+          <p:cNvPr id="17" name="Rettangolo con angoli arrotondati 16">
+            <a:extLst>
+              <a:ext uri="{FF2B5EF4-FFF2-40B4-BE49-F238E27FC236}">
+                <a16:creationId xmlns:a16="http://schemas.microsoft.com/office/drawing/2014/main" id="{5CE5C012-E25B-4A02-9159-5A097D65FF86}"/>
+              </a:ext>
+            </a:extLst>
+          </p:cNvPr>
+          <p:cNvSpPr/>
+          <p:nvPr/>
+        </p:nvSpPr>
+        <p:spPr>
+          <a:xfrm>
+            <a:off x="6559003" y="4178723"/>
+            <a:ext cx="1548677" cy="521547"/>
+          </a:xfrm>
+          <a:prstGeom prst="roundRect">
+            <a:avLst/>
+          </a:prstGeom>
+          <a:noFill/>
+          <a:ln w="63500">
+            <a:solidFill>
+              <a:schemeClr val="accent1">
+                <a:lumMod val="75000"/>
+              </a:schemeClr>
+            </a:solidFill>
+          </a:ln>
+        </p:spPr>
+        <p:style>
+          <a:lnRef idx="2">
+            <a:schemeClr val="accent1">
+              <a:shade val="50000"/>
+            </a:schemeClr>
+          </a:lnRef>
+          <a:fillRef idx="1">
+            <a:schemeClr val="accent1"/>
+          </a:fillRef>
+          <a:effectRef idx="0">
+            <a:schemeClr val="accent1"/>
+          </a:effectRef>
+          <a:fontRef idx="minor">
+            <a:schemeClr val="lt1"/>
+          </a:fontRef>
+        </p:style>
+        <p:txBody>
+          <a:bodyPr rtlCol="0" anchor="ctr"/>
+          <a:lstStyle/>
+          <a:p>
+            <a:pPr algn="ctr"/>
+            <a:endParaRPr lang="it-IT"/>
+          </a:p>
+        </p:txBody>
+      </p:sp>
+      <p:sp>
+        <p:nvSpPr>
+          <p:cNvPr id="18" name="Rettangolo con angoli arrotondati 17">
+            <a:extLst>
+              <a:ext uri="{FF2B5EF4-FFF2-40B4-BE49-F238E27FC236}">
+                <a16:creationId xmlns:a16="http://schemas.microsoft.com/office/drawing/2014/main" id="{FDAE74FA-C87C-4192-B90F-D249638DAC9C}"/>
+              </a:ext>
+            </a:extLst>
+          </p:cNvPr>
+          <p:cNvSpPr/>
+          <p:nvPr/>
+        </p:nvSpPr>
+        <p:spPr>
+          <a:xfrm>
+            <a:off x="9546043" y="2654505"/>
+            <a:ext cx="1487717" cy="690824"/>
+          </a:xfrm>
+          <a:prstGeom prst="roundRect">
+            <a:avLst/>
+          </a:prstGeom>
+          <a:noFill/>
+          <a:ln w="63500">
+            <a:solidFill>
+              <a:schemeClr val="accent1">
+                <a:lumMod val="75000"/>
+              </a:schemeClr>
+            </a:solidFill>
+          </a:ln>
+        </p:spPr>
+        <p:style>
+          <a:lnRef idx="2">
+            <a:schemeClr val="accent1">
+              <a:shade val="50000"/>
+            </a:schemeClr>
+          </a:lnRef>
+          <a:fillRef idx="1">
+            <a:schemeClr val="accent1"/>
+          </a:fillRef>
+          <a:effectRef idx="0">
+            <a:schemeClr val="accent1"/>
+          </a:effectRef>
+          <a:fontRef idx="minor">
+            <a:schemeClr val="lt1"/>
+          </a:fontRef>
+        </p:style>
+        <p:txBody>
+          <a:bodyPr rtlCol="0" anchor="ctr"/>
+          <a:lstStyle/>
+          <a:p>
+            <a:pPr algn="ctr"/>
+            <a:endParaRPr lang="it-IT"/>
+          </a:p>
+        </p:txBody>
+      </p:sp>
+    </p:spTree>
+    <p:extLst>
+      <p:ext uri="{BB962C8B-B14F-4D97-AF65-F5344CB8AC3E}">
+        <p14:creationId xmlns:p14="http://schemas.microsoft.com/office/powerpoint/2010/main" val="385115585"/>
+      </p:ext>
+    </p:extLst>
+  </p:cSld>
+  <p:clrMapOvr>
+    <a:masterClrMapping/>
+  </p:clrMapOvr>
+</p:sld>
+</file>
+
+<file path=ppt/slides/slide31.xml><?xml version="1.0" encoding="utf-8"?>
 <p:sld xmlns:a="http://schemas.openxmlformats.org/drawingml/2006/main" xmlns:r="http://schemas.openxmlformats.org/officeDocument/2006/relationships" xmlns:p="http://schemas.openxmlformats.org/presentationml/2006/main">
   <p:cSld>
     <p:bg>
@@ -11331,7 +11553,7 @@
 </p:sld>
 </file>
 
-<file path=ppt/slides/slide31.xml><?xml version="1.0" encoding="utf-8"?>
+<file path=ppt/slides/slide32.xml><?xml version="1.0" encoding="utf-8"?>
 <p:sld xmlns:a="http://schemas.openxmlformats.org/drawingml/2006/main" xmlns:r="http://schemas.openxmlformats.org/officeDocument/2006/relationships" xmlns:p="http://schemas.openxmlformats.org/presentationml/2006/main">
   <p:cSld>
     <p:bg>
@@ -12030,7 +12252,7 @@
 </p:sld>
 </file>
 
-<file path=ppt/slides/slide32.xml><?xml version="1.0" encoding="utf-8"?>
+<file path=ppt/slides/slide33.xml><?xml version="1.0" encoding="utf-8"?>
 <p:sld xmlns:a="http://schemas.openxmlformats.org/drawingml/2006/main" xmlns:r="http://schemas.openxmlformats.org/officeDocument/2006/relationships" xmlns:p="http://schemas.openxmlformats.org/presentationml/2006/main">
   <p:cSld>
     <p:bg>
@@ -12858,7 +13080,7 @@
 </p:sld>
 </file>
 
-<file path=ppt/slides/slide33.xml><?xml version="1.0" encoding="utf-8"?>
+<file path=ppt/slides/slide34.xml><?xml version="1.0" encoding="utf-8"?>
 <p:sld xmlns:a="http://schemas.openxmlformats.org/drawingml/2006/main" xmlns:r="http://schemas.openxmlformats.org/officeDocument/2006/relationships" xmlns:p="http://schemas.openxmlformats.org/presentationml/2006/main">
   <p:cSld>
     <p:bg>
@@ -13746,7 +13968,7 @@
 </p:sld>
 </file>
 
-<file path=ppt/slides/slide34.xml><?xml version="1.0" encoding="utf-8"?>
+<file path=ppt/slides/slide35.xml><?xml version="1.0" encoding="utf-8"?>
 <p:sld xmlns:a="http://schemas.openxmlformats.org/drawingml/2006/main" xmlns:r="http://schemas.openxmlformats.org/officeDocument/2006/relationships" xmlns:p="http://schemas.openxmlformats.org/presentationml/2006/main">
   <p:cSld>
     <p:bg>
@@ -14610,7 +14832,7 @@
 </p:sld>
 </file>
 
-<file path=ppt/slides/slide35.xml><?xml version="1.0" encoding="utf-8"?>
+<file path=ppt/slides/slide36.xml><?xml version="1.0" encoding="utf-8"?>
 <p:sld xmlns:a="http://schemas.openxmlformats.org/drawingml/2006/main" xmlns:r="http://schemas.openxmlformats.org/officeDocument/2006/relationships" xmlns:p="http://schemas.openxmlformats.org/presentationml/2006/main">
   <p:cSld>
     <p:bg>
@@ -15544,7 +15766,7 @@
 </p:sld>
 </file>
 
-<file path=ppt/slides/slide36.xml><?xml version="1.0" encoding="utf-8"?>
+<file path=ppt/slides/slide37.xml><?xml version="1.0" encoding="utf-8"?>
 <p:sld xmlns:a="http://schemas.openxmlformats.org/drawingml/2006/main" xmlns:r="http://schemas.openxmlformats.org/officeDocument/2006/relationships" xmlns:p="http://schemas.openxmlformats.org/presentationml/2006/main">
   <p:cSld>
     <p:bg>
@@ -16331,7 +16553,7 @@
 </p:sld>
 </file>
 
-<file path=ppt/slides/slide37.xml><?xml version="1.0" encoding="utf-8"?>
+<file path=ppt/slides/slide38.xml><?xml version="1.0" encoding="utf-8"?>
 <p:sld xmlns:a="http://schemas.openxmlformats.org/drawingml/2006/main" xmlns:r="http://schemas.openxmlformats.org/officeDocument/2006/relationships" xmlns:p="http://schemas.openxmlformats.org/presentationml/2006/main">
   <p:cSld>
     <p:bg>
@@ -17172,7 +17394,7 @@
 </p:sld>
 </file>
 
-<file path=ppt/slides/slide38.xml><?xml version="1.0" encoding="utf-8"?>
+<file path=ppt/slides/slide39.xml><?xml version="1.0" encoding="utf-8"?>
 <p:sld xmlns:a="http://schemas.openxmlformats.org/drawingml/2006/main" xmlns:r="http://schemas.openxmlformats.org/officeDocument/2006/relationships" xmlns:p="http://schemas.openxmlformats.org/presentationml/2006/main">
   <p:cSld>
     <p:bg>
@@ -17729,10 +17951,10 @@
       </p:sp>
       <p:sp>
         <p:nvSpPr>
-          <p:cNvPr id="14" name="Figura a mano libera: forma 13">
-            <a:extLst>
-              <a:ext uri="{FF2B5EF4-FFF2-40B4-BE49-F238E27FC236}">
-                <a16:creationId xmlns:a16="http://schemas.microsoft.com/office/drawing/2014/main" id="{915F9BB8-681A-46BB-B98B-E0F3438CE0E5}"/>
+          <p:cNvPr id="20" name="Ovale 19">
+            <a:extLst>
+              <a:ext uri="{FF2B5EF4-FFF2-40B4-BE49-F238E27FC236}">
+                <a16:creationId xmlns:a16="http://schemas.microsoft.com/office/drawing/2014/main" id="{4FD40DEE-F188-4E3F-9B52-58CF97FE47F1}"/>
               </a:ext>
             </a:extLst>
           </p:cNvPr>
@@ -17740,9 +17962,1241 @@
           <p:nvPr/>
         </p:nvSpPr>
         <p:spPr>
-          <a:xfrm flipV="1">
-            <a:off x="7124698" y="4700268"/>
-            <a:ext cx="403861" cy="935093"/>
+          <a:xfrm>
+            <a:off x="8657754" y="5635362"/>
+            <a:ext cx="710968" cy="690823"/>
+          </a:xfrm>
+          <a:prstGeom prst="ellipse">
+            <a:avLst/>
+          </a:prstGeom>
+          <a:noFill/>
+          <a:ln w="38100">
+            <a:solidFill>
+              <a:schemeClr val="accent1">
+                <a:lumMod val="75000"/>
+              </a:schemeClr>
+            </a:solidFill>
+          </a:ln>
+        </p:spPr>
+        <p:style>
+          <a:lnRef idx="2">
+            <a:schemeClr val="accent6"/>
+          </a:lnRef>
+          <a:fillRef idx="1">
+            <a:schemeClr val="lt1"/>
+          </a:fillRef>
+          <a:effectRef idx="0">
+            <a:schemeClr val="accent6"/>
+          </a:effectRef>
+          <a:fontRef idx="minor">
+            <a:schemeClr val="dk1"/>
+          </a:fontRef>
+        </p:style>
+        <p:txBody>
+          <a:bodyPr rtlCol="0" anchor="ctr"/>
+          <a:lstStyle/>
+          <a:p>
+            <a:pPr algn="ctr"/>
+            <a:endParaRPr lang="it-IT"/>
+          </a:p>
+        </p:txBody>
+      </p:sp>
+      <p:pic>
+        <p:nvPicPr>
+          <p:cNvPr id="21" name="Immagine 20">
+            <a:extLst>
+              <a:ext uri="{FF2B5EF4-FFF2-40B4-BE49-F238E27FC236}">
+                <a16:creationId xmlns:a16="http://schemas.microsoft.com/office/drawing/2014/main" id="{8FBC40E5-BE7A-4EA4-BB4C-5088396C2C37}"/>
+              </a:ext>
+            </a:extLst>
+          </p:cNvPr>
+          <p:cNvPicPr>
+            <a:picLocks noChangeAspect="1"/>
+          </p:cNvPicPr>
+          <p:nvPr/>
+        </p:nvPicPr>
+        <p:blipFill>
+          <a:blip r:embed="rId3">
+            <a:extLst>
+              <a:ext uri="{28A0092B-C50C-407E-A947-70E740481C1C}">
+                <a14:useLocalDpi xmlns:a14="http://schemas.microsoft.com/office/drawing/2010/main" val="0"/>
+              </a:ext>
+            </a:extLst>
+          </a:blip>
+          <a:stretch>
+            <a:fillRect/>
+          </a:stretch>
+        </p:blipFill>
+        <p:spPr>
+          <a:xfrm>
+            <a:off x="6896098" y="4815714"/>
+            <a:ext cx="415041" cy="415041"/>
+          </a:xfrm>
+          <a:prstGeom prst="rect">
+            <a:avLst/>
+          </a:prstGeom>
+        </p:spPr>
+      </p:pic>
+      <p:sp>
+        <p:nvSpPr>
+          <p:cNvPr id="19" name="Rettangolo 18">
+            <a:extLst>
+              <a:ext uri="{FF2B5EF4-FFF2-40B4-BE49-F238E27FC236}">
+                <a16:creationId xmlns:a16="http://schemas.microsoft.com/office/drawing/2014/main" id="{F429BFFA-ED6C-42B8-B21C-79A91A298C40}"/>
+              </a:ext>
+            </a:extLst>
+          </p:cNvPr>
+          <p:cNvSpPr/>
+          <p:nvPr/>
+        </p:nvSpPr>
+        <p:spPr>
+          <a:xfrm>
+            <a:off x="2900843" y="4068567"/>
+            <a:ext cx="436718" cy="117776"/>
+          </a:xfrm>
+          <a:prstGeom prst="rect">
+            <a:avLst/>
+          </a:prstGeom>
+          <a:noFill/>
+          <a:ln w="38100">
+            <a:solidFill>
+              <a:schemeClr val="accent1">
+                <a:lumMod val="75000"/>
+              </a:schemeClr>
+            </a:solidFill>
+          </a:ln>
+        </p:spPr>
+        <p:style>
+          <a:lnRef idx="2">
+            <a:schemeClr val="accent1">
+              <a:shade val="50000"/>
+            </a:schemeClr>
+          </a:lnRef>
+          <a:fillRef idx="1">
+            <a:schemeClr val="accent1"/>
+          </a:fillRef>
+          <a:effectRef idx="0">
+            <a:schemeClr val="accent1"/>
+          </a:effectRef>
+          <a:fontRef idx="minor">
+            <a:schemeClr val="lt1"/>
+          </a:fontRef>
+        </p:style>
+        <p:txBody>
+          <a:bodyPr rtlCol="0" anchor="ctr"/>
+          <a:lstStyle/>
+          <a:p>
+            <a:pPr algn="ctr"/>
+            <a:endParaRPr lang="it-IT"/>
+          </a:p>
+        </p:txBody>
+      </p:sp>
+      <p:sp>
+        <p:nvSpPr>
+          <p:cNvPr id="7" name="Figura a mano libera: forma 6">
+            <a:extLst>
+              <a:ext uri="{FF2B5EF4-FFF2-40B4-BE49-F238E27FC236}">
+                <a16:creationId xmlns:a16="http://schemas.microsoft.com/office/drawing/2014/main" id="{F9ECADD7-D5B9-4E82-B1D0-9B916C4BB83F}"/>
+              </a:ext>
+            </a:extLst>
+          </p:cNvPr>
+          <p:cNvSpPr/>
+          <p:nvPr/>
+        </p:nvSpPr>
+        <p:spPr>
+          <a:xfrm>
+            <a:off x="6878199" y="4714240"/>
+            <a:ext cx="2667843" cy="970280"/>
+          </a:xfrm>
+          <a:custGeom>
+            <a:avLst/>
+            <a:gdLst>
+              <a:gd name="connsiteX0" fmla="*/ 132200 w 2663298"/>
+              <a:gd name="connsiteY0" fmla="*/ 0 h 1203960"/>
+              <a:gd name="connsiteX1" fmla="*/ 203320 w 2663298"/>
+              <a:gd name="connsiteY1" fmla="*/ 736600 h 1203960"/>
+              <a:gd name="connsiteX2" fmla="*/ 2057520 w 2663298"/>
+              <a:gd name="connsiteY2" fmla="*/ 106680 h 1203960"/>
+              <a:gd name="connsiteX3" fmla="*/ 2662040 w 2663298"/>
+              <a:gd name="connsiteY3" fmla="*/ 675640 h 1203960"/>
+              <a:gd name="connsiteX4" fmla="*/ 2184520 w 2663298"/>
+              <a:gd name="connsiteY4" fmla="*/ 1203960 h 1203960"/>
+            </a:gdLst>
+            <a:ahLst/>
+            <a:cxnLst>
+              <a:cxn ang="0">
+                <a:pos x="connsiteX0" y="connsiteY0"/>
+              </a:cxn>
+              <a:cxn ang="0">
+                <a:pos x="connsiteX1" y="connsiteY1"/>
+              </a:cxn>
+              <a:cxn ang="0">
+                <a:pos x="connsiteX2" y="connsiteY2"/>
+              </a:cxn>
+              <a:cxn ang="0">
+                <a:pos x="connsiteX3" y="connsiteY3"/>
+              </a:cxn>
+              <a:cxn ang="0">
+                <a:pos x="connsiteX4" y="connsiteY4"/>
+              </a:cxn>
+            </a:cxnLst>
+            <a:rect l="l" t="t" r="r" b="b"/>
+            <a:pathLst>
+              <a:path w="2663298" h="1203960">
+                <a:moveTo>
+                  <a:pt x="132200" y="0"/>
+                </a:moveTo>
+                <a:cubicBezTo>
+                  <a:pt x="7316" y="359410"/>
+                  <a:pt x="-117567" y="718820"/>
+                  <a:pt x="203320" y="736600"/>
+                </a:cubicBezTo>
+                <a:cubicBezTo>
+                  <a:pt x="524207" y="754380"/>
+                  <a:pt x="1647733" y="116840"/>
+                  <a:pt x="2057520" y="106680"/>
+                </a:cubicBezTo>
+                <a:cubicBezTo>
+                  <a:pt x="2467307" y="96520"/>
+                  <a:pt x="2640873" y="492760"/>
+                  <a:pt x="2662040" y="675640"/>
+                </a:cubicBezTo>
+                <a:cubicBezTo>
+                  <a:pt x="2683207" y="858520"/>
+                  <a:pt x="2433863" y="1031240"/>
+                  <a:pt x="2184520" y="1203960"/>
+                </a:cubicBezTo>
+              </a:path>
+            </a:pathLst>
+          </a:custGeom>
+          <a:noFill/>
+          <a:ln w="63500">
+            <a:tailEnd type="triangle"/>
+          </a:ln>
+        </p:spPr>
+        <p:style>
+          <a:lnRef idx="2">
+            <a:schemeClr val="accent1">
+              <a:shade val="50000"/>
+            </a:schemeClr>
+          </a:lnRef>
+          <a:fillRef idx="1">
+            <a:schemeClr val="accent1"/>
+          </a:fillRef>
+          <a:effectRef idx="0">
+            <a:schemeClr val="accent1"/>
+          </a:effectRef>
+          <a:fontRef idx="minor">
+            <a:schemeClr val="lt1"/>
+          </a:fontRef>
+        </p:style>
+        <p:txBody>
+          <a:bodyPr rtlCol="0" anchor="ctr"/>
+          <a:lstStyle/>
+          <a:p>
+            <a:pPr algn="ctr"/>
+            <a:endParaRPr lang="it-IT" dirty="0"/>
+          </a:p>
+        </p:txBody>
+      </p:sp>
+      <p:pic>
+        <p:nvPicPr>
+          <p:cNvPr id="4" name="Immagine 3">
+            <a:extLst>
+              <a:ext uri="{FF2B5EF4-FFF2-40B4-BE49-F238E27FC236}">
+                <a16:creationId xmlns:a16="http://schemas.microsoft.com/office/drawing/2014/main" id="{42900040-3BA7-4231-B0FD-859544893C93}"/>
+              </a:ext>
+            </a:extLst>
+          </p:cNvPr>
+          <p:cNvPicPr>
+            <a:picLocks noChangeAspect="1"/>
+          </p:cNvPicPr>
+          <p:nvPr/>
+        </p:nvPicPr>
+        <p:blipFill>
+          <a:blip r:embed="rId4"/>
+          <a:stretch>
+            <a:fillRect/>
+          </a:stretch>
+        </p:blipFill>
+        <p:spPr>
+          <a:xfrm>
+            <a:off x="1097641" y="1938224"/>
+            <a:ext cx="4989895" cy="2259575"/>
+          </a:xfrm>
+          <a:prstGeom prst="rect">
+            <a:avLst/>
+          </a:prstGeom>
+        </p:spPr>
+      </p:pic>
+      <p:sp>
+        <p:nvSpPr>
+          <p:cNvPr id="22" name="Rettangolo 21">
+            <a:extLst>
+              <a:ext uri="{FF2B5EF4-FFF2-40B4-BE49-F238E27FC236}">
+                <a16:creationId xmlns:a16="http://schemas.microsoft.com/office/drawing/2014/main" id="{CF8DCD40-A3FB-4D37-B285-20BD2A95D70A}"/>
+              </a:ext>
+            </a:extLst>
+          </p:cNvPr>
+          <p:cNvSpPr/>
+          <p:nvPr/>
+        </p:nvSpPr>
+        <p:spPr>
+          <a:xfrm>
+            <a:off x="2893223" y="3687567"/>
+            <a:ext cx="436718" cy="117776"/>
+          </a:xfrm>
+          <a:prstGeom prst="rect">
+            <a:avLst/>
+          </a:prstGeom>
+          <a:noFill/>
+          <a:ln w="38100">
+            <a:solidFill>
+              <a:schemeClr val="accent1">
+                <a:lumMod val="75000"/>
+              </a:schemeClr>
+            </a:solidFill>
+          </a:ln>
+        </p:spPr>
+        <p:style>
+          <a:lnRef idx="2">
+            <a:schemeClr val="accent1">
+              <a:shade val="50000"/>
+            </a:schemeClr>
+          </a:lnRef>
+          <a:fillRef idx="1">
+            <a:schemeClr val="accent1"/>
+          </a:fillRef>
+          <a:effectRef idx="0">
+            <a:schemeClr val="accent1"/>
+          </a:effectRef>
+          <a:fontRef idx="minor">
+            <a:schemeClr val="lt1"/>
+          </a:fontRef>
+        </p:style>
+        <p:txBody>
+          <a:bodyPr rtlCol="0" anchor="ctr"/>
+          <a:lstStyle/>
+          <a:p>
+            <a:pPr algn="ctr"/>
+            <a:endParaRPr lang="it-IT"/>
+          </a:p>
+        </p:txBody>
+      </p:sp>
+    </p:spTree>
+    <p:extLst>
+      <p:ext uri="{BB962C8B-B14F-4D97-AF65-F5344CB8AC3E}">
+        <p14:creationId xmlns:p14="http://schemas.microsoft.com/office/powerpoint/2010/main" val="3591385581"/>
+      </p:ext>
+    </p:extLst>
+  </p:cSld>
+  <p:clrMapOvr>
+    <a:masterClrMapping/>
+  </p:clrMapOvr>
+</p:sld>
+</file>
+
+<file path=ppt/slides/slide4.xml><?xml version="1.0" encoding="utf-8"?>
+<p:sld xmlns:a="http://schemas.openxmlformats.org/drawingml/2006/main" xmlns:r="http://schemas.openxmlformats.org/officeDocument/2006/relationships" xmlns:p="http://schemas.openxmlformats.org/presentationml/2006/main">
+  <p:cSld>
+    <p:bg>
+      <p:bgPr>
+        <a:solidFill>
+          <a:schemeClr val="tx1"/>
+        </a:solidFill>
+        <a:effectLst/>
+      </p:bgPr>
+    </p:bg>
+    <p:spTree>
+      <p:nvGrpSpPr>
+        <p:cNvPr id="1" name=""/>
+        <p:cNvGrpSpPr/>
+        <p:nvPr/>
+      </p:nvGrpSpPr>
+      <p:grpSpPr>
+        <a:xfrm>
+          <a:off x="0" y="0"/>
+          <a:ext cx="0" cy="0"/>
+          <a:chOff x="0" y="0"/>
+          <a:chExt cx="0" cy="0"/>
+        </a:xfrm>
+      </p:grpSpPr>
+      <p:sp>
+        <p:nvSpPr>
+          <p:cNvPr id="2" name="Titolo 1">
+            <a:extLst>
+              <a:ext uri="{FF2B5EF4-FFF2-40B4-BE49-F238E27FC236}">
+                <a16:creationId xmlns:a16="http://schemas.microsoft.com/office/drawing/2014/main" id="{3157CFA6-6737-4A96-8244-A0C81ABBC4A5}"/>
+              </a:ext>
+            </a:extLst>
+          </p:cNvPr>
+          <p:cNvSpPr>
+            <a:spLocks noGrp="1"/>
+          </p:cNvSpPr>
+          <p:nvPr>
+            <p:ph type="title"/>
+          </p:nvPr>
+        </p:nvSpPr>
+        <p:spPr/>
+        <p:txBody>
+          <a:bodyPr>
+            <a:normAutofit/>
+          </a:bodyPr>
+          <a:lstStyle/>
+          <a:p>
+            <a:r>
+              <a:rPr lang="it-IT" sz="5000" b="1" dirty="0">
+                <a:solidFill>
+                  <a:schemeClr val="accent1">
+                    <a:lumMod val="75000"/>
+                  </a:schemeClr>
+                </a:solidFill>
+              </a:rPr>
+              <a:t>Protocolli –</a:t>
+            </a:r>
+            <a:r>
+              <a:rPr lang="it-IT" sz="5000" b="1" dirty="0">
+                <a:solidFill>
+                  <a:srgbClr val="00B0F0"/>
+                </a:solidFill>
+              </a:rPr>
+              <a:t> </a:t>
+            </a:r>
+            <a:r>
+              <a:rPr lang="it-IT" sz="5000" b="1" dirty="0">
+                <a:solidFill>
+                  <a:schemeClr val="accent4">
+                    <a:lumMod val="60000"/>
+                    <a:lumOff val="40000"/>
+                  </a:schemeClr>
+                </a:solidFill>
+              </a:rPr>
+              <a:t>BGP (</a:t>
+            </a:r>
+            <a:r>
+              <a:rPr lang="it-IT" sz="5000" b="1" dirty="0" err="1">
+                <a:solidFill>
+                  <a:schemeClr val="accent4">
+                    <a:lumMod val="60000"/>
+                    <a:lumOff val="40000"/>
+                  </a:schemeClr>
+                </a:solidFill>
+              </a:rPr>
+              <a:t>Border</a:t>
+            </a:r>
+            <a:r>
+              <a:rPr lang="it-IT" sz="5000" b="1" dirty="0">
+                <a:solidFill>
+                  <a:schemeClr val="accent4">
+                    <a:lumMod val="60000"/>
+                    <a:lumOff val="40000"/>
+                  </a:schemeClr>
+                </a:solidFill>
+              </a:rPr>
+              <a:t> Gateway </a:t>
+            </a:r>
+            <a:r>
+              <a:rPr lang="it-IT" sz="5000" b="1" dirty="0" err="1">
+                <a:solidFill>
+                  <a:schemeClr val="accent4">
+                    <a:lumMod val="60000"/>
+                    <a:lumOff val="40000"/>
+                  </a:schemeClr>
+                </a:solidFill>
+              </a:rPr>
+              <a:t>Protocol</a:t>
+            </a:r>
+            <a:r>
+              <a:rPr lang="it-IT" sz="5000" b="1" dirty="0">
+                <a:solidFill>
+                  <a:schemeClr val="accent4">
+                    <a:lumMod val="60000"/>
+                    <a:lumOff val="40000"/>
+                  </a:schemeClr>
+                </a:solidFill>
+              </a:rPr>
+              <a:t>)</a:t>
+            </a:r>
+          </a:p>
+        </p:txBody>
+      </p:sp>
+      <p:sp>
+        <p:nvSpPr>
+          <p:cNvPr id="4" name="Segnaposto contenuto 3">
+            <a:extLst>
+              <a:ext uri="{FF2B5EF4-FFF2-40B4-BE49-F238E27FC236}">
+                <a16:creationId xmlns:a16="http://schemas.microsoft.com/office/drawing/2014/main" id="{2DDA9C99-5A54-4B76-A1D3-1DFFFFE0B8ED}"/>
+              </a:ext>
+            </a:extLst>
+          </p:cNvPr>
+          <p:cNvSpPr>
+            <a:spLocks noGrp="1"/>
+          </p:cNvSpPr>
+          <p:nvPr>
+            <p:ph idx="1"/>
+          </p:nvPr>
+        </p:nvSpPr>
+        <p:spPr/>
+        <p:txBody>
+          <a:bodyPr/>
+          <a:lstStyle/>
+          <a:p>
+            <a:pPr>
+              <a:buClr>
+                <a:schemeClr val="accent1">
+                  <a:lumMod val="75000"/>
+                </a:schemeClr>
+              </a:buClr>
+              <a:buFont typeface="Wingdings" panose="05000000000000000000" pitchFamily="2" charset="2"/>
+              <a:buChar char="Ø"/>
+            </a:pPr>
+            <a:r>
+              <a:rPr lang="it-IT" b="1" dirty="0">
+                <a:solidFill>
+                  <a:srgbClr val="7030A0"/>
+                </a:solidFill>
+              </a:rPr>
+              <a:t> </a:t>
+            </a:r>
+            <a:r>
+              <a:rPr lang="it-IT" b="1" dirty="0">
+                <a:solidFill>
+                  <a:schemeClr val="accent4">
+                    <a:lumMod val="60000"/>
+                    <a:lumOff val="40000"/>
+                  </a:schemeClr>
+                </a:solidFill>
+              </a:rPr>
+              <a:t>BGP</a:t>
+            </a:r>
+            <a:r>
+              <a:rPr lang="it-IT" dirty="0">
+                <a:solidFill>
+                  <a:schemeClr val="bg1"/>
+                </a:solidFill>
+              </a:rPr>
+              <a:t> è un protocollo di instradamento, di tipo </a:t>
+            </a:r>
+            <a:r>
+              <a:rPr lang="it-IT" b="1" i="1" dirty="0" err="1">
+                <a:solidFill>
+                  <a:schemeClr val="accent4">
+                    <a:lumMod val="60000"/>
+                    <a:lumOff val="40000"/>
+                  </a:schemeClr>
+                </a:solidFill>
+              </a:rPr>
+              <a:t>distance</a:t>
+            </a:r>
+            <a:r>
+              <a:rPr lang="it-IT" b="1" i="1" dirty="0">
+                <a:solidFill>
+                  <a:schemeClr val="accent4">
+                    <a:lumMod val="60000"/>
+                    <a:lumOff val="40000"/>
+                  </a:schemeClr>
+                </a:solidFill>
+              </a:rPr>
+              <a:t> </a:t>
+            </a:r>
+            <a:r>
+              <a:rPr lang="it-IT" b="1" i="1" dirty="0" err="1">
+                <a:solidFill>
+                  <a:schemeClr val="accent4">
+                    <a:lumMod val="60000"/>
+                    <a:lumOff val="40000"/>
+                  </a:schemeClr>
+                </a:solidFill>
+              </a:rPr>
+              <a:t>vector</a:t>
+            </a:r>
+            <a:r>
+              <a:rPr lang="it-IT" i="1" dirty="0">
+                <a:solidFill>
+                  <a:schemeClr val="bg1"/>
+                </a:solidFill>
+              </a:rPr>
+              <a:t>, </a:t>
+            </a:r>
+            <a:r>
+              <a:rPr lang="it-IT" dirty="0">
+                <a:solidFill>
+                  <a:schemeClr val="bg1"/>
+                </a:solidFill>
+              </a:rPr>
+              <a:t>utilizzato su Internet per scambiare informazioni di </a:t>
+            </a:r>
+            <a:r>
+              <a:rPr lang="it-IT" dirty="0" err="1">
+                <a:solidFill>
+                  <a:schemeClr val="bg1"/>
+                </a:solidFill>
+              </a:rPr>
+              <a:t>routing</a:t>
+            </a:r>
+            <a:r>
+              <a:rPr lang="it-IT" dirty="0">
+                <a:solidFill>
+                  <a:schemeClr val="bg1"/>
+                </a:solidFill>
+              </a:rPr>
+              <a:t> tra </a:t>
+            </a:r>
+            <a:r>
+              <a:rPr lang="it-IT" b="1" dirty="0" err="1">
+                <a:solidFill>
+                  <a:schemeClr val="accent4">
+                    <a:lumMod val="60000"/>
+                    <a:lumOff val="40000"/>
+                  </a:schemeClr>
+                </a:solidFill>
+              </a:rPr>
+              <a:t>Autonomous</a:t>
+            </a:r>
+            <a:r>
+              <a:rPr lang="it-IT" b="1" dirty="0">
+                <a:solidFill>
+                  <a:schemeClr val="accent4">
+                    <a:lumMod val="60000"/>
+                    <a:lumOff val="40000"/>
+                  </a:schemeClr>
+                </a:solidFill>
+              </a:rPr>
+              <a:t> Systems </a:t>
+            </a:r>
+            <a:r>
+              <a:rPr lang="it-IT" dirty="0">
+                <a:solidFill>
+                  <a:schemeClr val="bg1"/>
+                </a:solidFill>
+              </a:rPr>
+              <a:t>(AS). </a:t>
+            </a:r>
+          </a:p>
+          <a:p>
+            <a:pPr>
+              <a:buClr>
+                <a:schemeClr val="accent1">
+                  <a:lumMod val="75000"/>
+                </a:schemeClr>
+              </a:buClr>
+              <a:buFont typeface="Wingdings" panose="05000000000000000000" pitchFamily="2" charset="2"/>
+              <a:buChar char="Ø"/>
+            </a:pPr>
+            <a:r>
+              <a:rPr lang="it-IT" dirty="0">
+                <a:solidFill>
+                  <a:schemeClr val="bg1"/>
+                </a:solidFill>
+              </a:rPr>
+              <a:t> Consente a reti diverse di comunicare e instradare il traffico da un punto all'altro su larga scala</a:t>
+            </a:r>
+            <a:r>
+              <a:rPr lang="it-IT" dirty="0"/>
+              <a:t>;</a:t>
+            </a:r>
+          </a:p>
+          <a:p>
+            <a:pPr>
+              <a:buClr>
+                <a:schemeClr val="accent1">
+                  <a:lumMod val="75000"/>
+                </a:schemeClr>
+              </a:buClr>
+              <a:buFont typeface="Wingdings" panose="05000000000000000000" pitchFamily="2" charset="2"/>
+              <a:buChar char="Ø"/>
+            </a:pPr>
+            <a:r>
+              <a:rPr lang="it-IT" dirty="0">
+                <a:solidFill>
+                  <a:schemeClr val="bg1"/>
+                </a:solidFill>
+              </a:rPr>
+              <a:t> Individua i </a:t>
+            </a:r>
+            <a:r>
+              <a:rPr lang="it-IT" b="1" dirty="0">
+                <a:solidFill>
+                  <a:schemeClr val="accent4">
+                    <a:lumMod val="60000"/>
+                    <a:lumOff val="40000"/>
+                  </a:schemeClr>
+                </a:solidFill>
+              </a:rPr>
+              <a:t>migliori percorsi</a:t>
+            </a:r>
+            <a:r>
+              <a:rPr lang="it-IT" b="1" dirty="0">
+                <a:solidFill>
+                  <a:srgbClr val="7030A0"/>
+                </a:solidFill>
+              </a:rPr>
+              <a:t> </a:t>
+            </a:r>
+            <a:r>
+              <a:rPr lang="it-IT" dirty="0">
+                <a:solidFill>
+                  <a:schemeClr val="bg1"/>
+                </a:solidFill>
+              </a:rPr>
+              <a:t>per il traffico di rete basandosi su criteri come il numero di hop (salti) tra router o specifiche politiche di </a:t>
+            </a:r>
+            <a:r>
+              <a:rPr lang="it-IT" dirty="0" err="1">
+                <a:solidFill>
+                  <a:schemeClr val="bg1"/>
+                </a:solidFill>
+              </a:rPr>
+              <a:t>routing</a:t>
+            </a:r>
+            <a:r>
+              <a:rPr lang="it-IT" dirty="0">
+                <a:solidFill>
+                  <a:schemeClr val="bg1"/>
+                </a:solidFill>
+              </a:rPr>
+              <a:t>;</a:t>
+            </a:r>
+          </a:p>
+          <a:p>
+            <a:pPr>
+              <a:buClr>
+                <a:schemeClr val="accent1">
+                  <a:lumMod val="75000"/>
+                </a:schemeClr>
+              </a:buClr>
+              <a:buFont typeface="Wingdings" panose="05000000000000000000" pitchFamily="2" charset="2"/>
+              <a:buChar char="Ø"/>
+            </a:pPr>
+            <a:r>
+              <a:rPr lang="it-IT" dirty="0">
+                <a:solidFill>
+                  <a:schemeClr val="bg1"/>
+                </a:solidFill>
+              </a:rPr>
+              <a:t> Scambia informazioni di </a:t>
+            </a:r>
+            <a:r>
+              <a:rPr lang="it-IT" dirty="0" err="1">
+                <a:solidFill>
+                  <a:schemeClr val="bg1"/>
+                </a:solidFill>
+              </a:rPr>
+              <a:t>routing</a:t>
+            </a:r>
+            <a:r>
+              <a:rPr lang="it-IT" dirty="0">
+                <a:solidFill>
+                  <a:schemeClr val="bg1"/>
+                </a:solidFill>
+              </a:rPr>
+              <a:t> sotto forma di </a:t>
+            </a:r>
+            <a:r>
+              <a:rPr lang="it-IT" b="1" dirty="0">
+                <a:solidFill>
+                  <a:schemeClr val="accent4">
+                    <a:lumMod val="60000"/>
+                    <a:lumOff val="40000"/>
+                  </a:schemeClr>
+                </a:solidFill>
+              </a:rPr>
+              <a:t>annunci di rotte</a:t>
+            </a:r>
+            <a:r>
+              <a:rPr lang="it-IT" dirty="0">
+                <a:solidFill>
+                  <a:schemeClr val="bg1"/>
+                </a:solidFill>
+              </a:rPr>
+              <a:t>, permettendo ai vari router di aggiornarsi reciprocamente sui migliori percorsi;</a:t>
+            </a:r>
+          </a:p>
+        </p:txBody>
+      </p:sp>
+    </p:spTree>
+    <p:extLst>
+      <p:ext uri="{BB962C8B-B14F-4D97-AF65-F5344CB8AC3E}">
+        <p14:creationId xmlns:p14="http://schemas.microsoft.com/office/powerpoint/2010/main" val="2390807888"/>
+      </p:ext>
+    </p:extLst>
+  </p:cSld>
+  <p:clrMapOvr>
+    <a:masterClrMapping/>
+  </p:clrMapOvr>
+</p:sld>
+</file>
+
+<file path=ppt/slides/slide40.xml><?xml version="1.0" encoding="utf-8"?>
+<p:sld xmlns:a="http://schemas.openxmlformats.org/drawingml/2006/main" xmlns:r="http://schemas.openxmlformats.org/officeDocument/2006/relationships" xmlns:p="http://schemas.openxmlformats.org/presentationml/2006/main">
+  <p:cSld>
+    <p:bg>
+      <p:bgPr>
+        <a:solidFill>
+          <a:schemeClr val="tx1"/>
+        </a:solidFill>
+        <a:effectLst/>
+      </p:bgPr>
+    </p:bg>
+    <p:spTree>
+      <p:nvGrpSpPr>
+        <p:cNvPr id="1" name=""/>
+        <p:cNvGrpSpPr/>
+        <p:nvPr/>
+      </p:nvGrpSpPr>
+      <p:grpSpPr>
+        <a:xfrm>
+          <a:off x="0" y="0"/>
+          <a:ext cx="0" cy="0"/>
+          <a:chOff x="0" y="0"/>
+          <a:chExt cx="0" cy="0"/>
+        </a:xfrm>
+      </p:grpSpPr>
+      <p:sp>
+        <p:nvSpPr>
+          <p:cNvPr id="2" name="Titolo 1">
+            <a:extLst>
+              <a:ext uri="{FF2B5EF4-FFF2-40B4-BE49-F238E27FC236}">
+                <a16:creationId xmlns:a16="http://schemas.microsoft.com/office/drawing/2014/main" id="{3157CFA6-6737-4A96-8244-A0C81ABBC4A5}"/>
+              </a:ext>
+            </a:extLst>
+          </p:cNvPr>
+          <p:cNvSpPr>
+            <a:spLocks noGrp="1"/>
+          </p:cNvSpPr>
+          <p:nvPr>
+            <p:ph type="title"/>
+          </p:nvPr>
+        </p:nvSpPr>
+        <p:spPr/>
+        <p:txBody>
+          <a:bodyPr>
+            <a:normAutofit/>
+          </a:bodyPr>
+          <a:lstStyle/>
+          <a:p>
+            <a:r>
+              <a:rPr lang="it-IT" sz="5000" b="1" dirty="0" err="1">
+                <a:solidFill>
+                  <a:schemeClr val="accent1">
+                    <a:lumMod val="75000"/>
+                  </a:schemeClr>
+                </a:solidFill>
+              </a:rPr>
+              <a:t>OpenVPN</a:t>
+            </a:r>
+            <a:endParaRPr lang="it-IT" sz="5000" b="1" dirty="0">
+              <a:solidFill>
+                <a:schemeClr val="accent1">
+                  <a:lumMod val="75000"/>
+                </a:schemeClr>
+              </a:solidFill>
+            </a:endParaRPr>
+          </a:p>
+        </p:txBody>
+      </p:sp>
+      <p:pic>
+        <p:nvPicPr>
+          <p:cNvPr id="5" name="Segnaposto contenuto 4">
+            <a:extLst>
+              <a:ext uri="{FF2B5EF4-FFF2-40B4-BE49-F238E27FC236}">
+                <a16:creationId xmlns:a16="http://schemas.microsoft.com/office/drawing/2014/main" id="{4FA916C6-E85C-493F-AFF8-44B1B213F4D3}"/>
+              </a:ext>
+            </a:extLst>
+          </p:cNvPr>
+          <p:cNvPicPr>
+            <a:picLocks noGrp="1" noChangeAspect="1"/>
+          </p:cNvPicPr>
+          <p:nvPr>
+            <p:ph idx="1"/>
+          </p:nvPr>
+        </p:nvPicPr>
+        <p:blipFill>
+          <a:blip r:embed="rId2"/>
+          <a:stretch>
+            <a:fillRect/>
+          </a:stretch>
+        </p:blipFill>
+        <p:spPr>
+          <a:xfrm>
+            <a:off x="1552663" y="1692581"/>
+            <a:ext cx="9086674" cy="4777938"/>
+          </a:xfrm>
+        </p:spPr>
+      </p:pic>
+      <p:sp>
+        <p:nvSpPr>
+          <p:cNvPr id="11" name="CasellaDiTesto 10">
+            <a:extLst>
+              <a:ext uri="{FF2B5EF4-FFF2-40B4-BE49-F238E27FC236}">
+                <a16:creationId xmlns:a16="http://schemas.microsoft.com/office/drawing/2014/main" id="{329617D6-6806-4A20-AF60-E4442C27EDF8}"/>
+              </a:ext>
+            </a:extLst>
+          </p:cNvPr>
+          <p:cNvSpPr txBox="1"/>
+          <p:nvPr/>
+        </p:nvSpPr>
+        <p:spPr>
+          <a:xfrm>
+            <a:off x="1554480" y="5935497"/>
+            <a:ext cx="1112805" cy="338554"/>
+          </a:xfrm>
+          <a:prstGeom prst="rect">
+            <a:avLst/>
+          </a:prstGeom>
+          <a:noFill/>
+        </p:spPr>
+        <p:txBody>
+          <a:bodyPr wrap="none" rtlCol="0">
+            <a:spAutoFit/>
+          </a:bodyPr>
+          <a:lstStyle/>
+          <a:p>
+            <a:r>
+              <a:rPr lang="it-IT" sz="800" b="1" dirty="0" err="1">
+                <a:solidFill>
+                  <a:srgbClr val="C00000"/>
+                </a:solidFill>
+              </a:rPr>
+              <a:t>openvpn</a:t>
+            </a:r>
+            <a:r>
+              <a:rPr lang="it-IT" sz="800" b="1" dirty="0">
+                <a:solidFill>
+                  <a:srgbClr val="C00000"/>
+                </a:solidFill>
+              </a:rPr>
+              <a:t>-client</a:t>
+            </a:r>
+          </a:p>
+          <a:p>
+            <a:r>
+              <a:rPr lang="it-IT" sz="800" b="1" dirty="0">
+                <a:solidFill>
+                  <a:srgbClr val="C00000"/>
+                </a:solidFill>
+              </a:rPr>
+              <a:t>tun0: </a:t>
+            </a:r>
+            <a:r>
+              <a:rPr lang="it-IT" sz="800" b="1" dirty="0">
+                <a:solidFill>
+                  <a:srgbClr val="0070C0"/>
+                </a:solidFill>
+              </a:rPr>
+              <a:t>192.168.100.101</a:t>
+            </a:r>
+          </a:p>
+        </p:txBody>
+      </p:sp>
+      <p:sp>
+        <p:nvSpPr>
+          <p:cNvPr id="13" name="CasellaDiTesto 12">
+            <a:extLst>
+              <a:ext uri="{FF2B5EF4-FFF2-40B4-BE49-F238E27FC236}">
+                <a16:creationId xmlns:a16="http://schemas.microsoft.com/office/drawing/2014/main" id="{6165E55D-C744-40C2-933D-9EBA5E0DB8E9}"/>
+              </a:ext>
+            </a:extLst>
+          </p:cNvPr>
+          <p:cNvSpPr txBox="1"/>
+          <p:nvPr/>
+        </p:nvSpPr>
+        <p:spPr>
+          <a:xfrm>
+            <a:off x="7124700" y="4248835"/>
+            <a:ext cx="1104900" cy="338554"/>
+          </a:xfrm>
+          <a:prstGeom prst="rect">
+            <a:avLst/>
+          </a:prstGeom>
+          <a:noFill/>
+        </p:spPr>
+        <p:txBody>
+          <a:bodyPr wrap="square">
+            <a:spAutoFit/>
+          </a:bodyPr>
+          <a:lstStyle/>
+          <a:p>
+            <a:r>
+              <a:rPr lang="it-IT" sz="800" b="1" dirty="0" err="1">
+                <a:solidFill>
+                  <a:srgbClr val="C00000"/>
+                </a:solidFill>
+              </a:rPr>
+              <a:t>openvpn</a:t>
+            </a:r>
+            <a:r>
+              <a:rPr lang="it-IT" sz="800" b="1" dirty="0">
+                <a:solidFill>
+                  <a:srgbClr val="C00000"/>
+                </a:solidFill>
+              </a:rPr>
+              <a:t>-server</a:t>
+            </a:r>
+          </a:p>
+          <a:p>
+            <a:r>
+              <a:rPr lang="it-IT" sz="800" b="1" dirty="0">
+                <a:solidFill>
+                  <a:srgbClr val="C00000"/>
+                </a:solidFill>
+              </a:rPr>
+              <a:t>tun0: </a:t>
+            </a:r>
+            <a:r>
+              <a:rPr lang="it-IT" sz="800" b="1" dirty="0">
+                <a:solidFill>
+                  <a:srgbClr val="0070C0"/>
+                </a:solidFill>
+              </a:rPr>
+              <a:t>192.168.100.1</a:t>
+            </a:r>
+          </a:p>
+        </p:txBody>
+      </p:sp>
+      <p:sp>
+        <p:nvSpPr>
+          <p:cNvPr id="15" name="CasellaDiTesto 14">
+            <a:extLst>
+              <a:ext uri="{FF2B5EF4-FFF2-40B4-BE49-F238E27FC236}">
+                <a16:creationId xmlns:a16="http://schemas.microsoft.com/office/drawing/2014/main" id="{BF1A64F1-F948-49ED-A8C3-AE25DEBFF7AA}"/>
+              </a:ext>
+            </a:extLst>
+          </p:cNvPr>
+          <p:cNvSpPr txBox="1"/>
+          <p:nvPr/>
+        </p:nvSpPr>
+        <p:spPr>
+          <a:xfrm>
+            <a:off x="9853568" y="3006775"/>
+            <a:ext cx="1112520" cy="338554"/>
+          </a:xfrm>
+          <a:prstGeom prst="rect">
+            <a:avLst/>
+          </a:prstGeom>
+          <a:noFill/>
+        </p:spPr>
+        <p:txBody>
+          <a:bodyPr wrap="square">
+            <a:spAutoFit/>
+          </a:bodyPr>
+          <a:lstStyle/>
+          <a:p>
+            <a:r>
+              <a:rPr lang="it-IT" sz="800" b="1" dirty="0" err="1">
+                <a:solidFill>
+                  <a:srgbClr val="C00000"/>
+                </a:solidFill>
+              </a:rPr>
+              <a:t>openvpn</a:t>
+            </a:r>
+            <a:r>
+              <a:rPr lang="it-IT" sz="800" b="1" dirty="0">
+                <a:solidFill>
+                  <a:srgbClr val="C00000"/>
+                </a:solidFill>
+              </a:rPr>
+              <a:t>-client</a:t>
+            </a:r>
+          </a:p>
+          <a:p>
+            <a:r>
+              <a:rPr lang="it-IT" sz="800" b="1" dirty="0">
+                <a:solidFill>
+                  <a:srgbClr val="C00000"/>
+                </a:solidFill>
+              </a:rPr>
+              <a:t>tun0: </a:t>
+            </a:r>
+            <a:r>
+              <a:rPr lang="it-IT" sz="800" b="1" dirty="0">
+                <a:solidFill>
+                  <a:srgbClr val="0070C0"/>
+                </a:solidFill>
+              </a:rPr>
+              <a:t>192.168.100.105</a:t>
+            </a:r>
+          </a:p>
+        </p:txBody>
+      </p:sp>
+      <p:sp>
+        <p:nvSpPr>
+          <p:cNvPr id="16" name="Rettangolo con angoli arrotondati 15">
+            <a:extLst>
+              <a:ext uri="{FF2B5EF4-FFF2-40B4-BE49-F238E27FC236}">
+                <a16:creationId xmlns:a16="http://schemas.microsoft.com/office/drawing/2014/main" id="{47C1B66B-5661-49D3-9D82-AF3957D5AF59}"/>
+              </a:ext>
+            </a:extLst>
+          </p:cNvPr>
+          <p:cNvSpPr/>
+          <p:nvPr/>
+        </p:nvSpPr>
+        <p:spPr>
+          <a:xfrm>
+            <a:off x="1552662" y="5829300"/>
+            <a:ext cx="1670597" cy="529167"/>
+          </a:xfrm>
+          <a:prstGeom prst="roundRect">
+            <a:avLst/>
+          </a:prstGeom>
+          <a:noFill/>
+          <a:ln w="63500">
+            <a:solidFill>
+              <a:schemeClr val="accent1">
+                <a:lumMod val="75000"/>
+              </a:schemeClr>
+            </a:solidFill>
+          </a:ln>
+        </p:spPr>
+        <p:style>
+          <a:lnRef idx="2">
+            <a:schemeClr val="accent1">
+              <a:shade val="50000"/>
+            </a:schemeClr>
+          </a:lnRef>
+          <a:fillRef idx="1">
+            <a:schemeClr val="accent1"/>
+          </a:fillRef>
+          <a:effectRef idx="0">
+            <a:schemeClr val="accent1"/>
+          </a:effectRef>
+          <a:fontRef idx="minor">
+            <a:schemeClr val="lt1"/>
+          </a:fontRef>
+        </p:style>
+        <p:txBody>
+          <a:bodyPr rtlCol="0" anchor="ctr"/>
+          <a:lstStyle/>
+          <a:p>
+            <a:pPr algn="ctr"/>
+            <a:endParaRPr lang="it-IT"/>
+          </a:p>
+        </p:txBody>
+      </p:sp>
+      <p:sp>
+        <p:nvSpPr>
+          <p:cNvPr id="17" name="Rettangolo con angoli arrotondati 16">
+            <a:extLst>
+              <a:ext uri="{FF2B5EF4-FFF2-40B4-BE49-F238E27FC236}">
+                <a16:creationId xmlns:a16="http://schemas.microsoft.com/office/drawing/2014/main" id="{5CE5C012-E25B-4A02-9159-5A097D65FF86}"/>
+              </a:ext>
+            </a:extLst>
+          </p:cNvPr>
+          <p:cNvSpPr/>
+          <p:nvPr/>
+        </p:nvSpPr>
+        <p:spPr>
+          <a:xfrm>
+            <a:off x="6559003" y="4178723"/>
+            <a:ext cx="1548677" cy="521547"/>
+          </a:xfrm>
+          <a:prstGeom prst="roundRect">
+            <a:avLst/>
+          </a:prstGeom>
+          <a:noFill/>
+          <a:ln w="63500">
+            <a:solidFill>
+              <a:schemeClr val="accent1">
+                <a:lumMod val="75000"/>
+              </a:schemeClr>
+            </a:solidFill>
+          </a:ln>
+        </p:spPr>
+        <p:style>
+          <a:lnRef idx="2">
+            <a:schemeClr val="accent1">
+              <a:shade val="50000"/>
+            </a:schemeClr>
+          </a:lnRef>
+          <a:fillRef idx="1">
+            <a:schemeClr val="accent1"/>
+          </a:fillRef>
+          <a:effectRef idx="0">
+            <a:schemeClr val="accent1"/>
+          </a:effectRef>
+          <a:fontRef idx="minor">
+            <a:schemeClr val="lt1"/>
+          </a:fontRef>
+        </p:style>
+        <p:txBody>
+          <a:bodyPr rtlCol="0" anchor="ctr"/>
+          <a:lstStyle/>
+          <a:p>
+            <a:pPr algn="ctr"/>
+            <a:endParaRPr lang="it-IT"/>
+          </a:p>
+        </p:txBody>
+      </p:sp>
+      <p:sp>
+        <p:nvSpPr>
+          <p:cNvPr id="18" name="Rettangolo con angoli arrotondati 17">
+            <a:extLst>
+              <a:ext uri="{FF2B5EF4-FFF2-40B4-BE49-F238E27FC236}">
+                <a16:creationId xmlns:a16="http://schemas.microsoft.com/office/drawing/2014/main" id="{FDAE74FA-C87C-4192-B90F-D249638DAC9C}"/>
+              </a:ext>
+            </a:extLst>
+          </p:cNvPr>
+          <p:cNvSpPr/>
+          <p:nvPr/>
+        </p:nvSpPr>
+        <p:spPr>
+          <a:xfrm>
+            <a:off x="9546043" y="2654505"/>
+            <a:ext cx="1487717" cy="690824"/>
+          </a:xfrm>
+          <a:prstGeom prst="roundRect">
+            <a:avLst/>
+          </a:prstGeom>
+          <a:noFill/>
+          <a:ln w="63500">
+            <a:solidFill>
+              <a:schemeClr val="accent1">
+                <a:lumMod val="75000"/>
+              </a:schemeClr>
+            </a:solidFill>
+          </a:ln>
+        </p:spPr>
+        <p:style>
+          <a:lnRef idx="2">
+            <a:schemeClr val="accent1">
+              <a:shade val="50000"/>
+            </a:schemeClr>
+          </a:lnRef>
+          <a:fillRef idx="1">
+            <a:schemeClr val="accent1"/>
+          </a:fillRef>
+          <a:effectRef idx="0">
+            <a:schemeClr val="accent1"/>
+          </a:effectRef>
+          <a:fontRef idx="minor">
+            <a:schemeClr val="lt1"/>
+          </a:fontRef>
+        </p:style>
+        <p:txBody>
+          <a:bodyPr rtlCol="0" anchor="ctr"/>
+          <a:lstStyle/>
+          <a:p>
+            <a:pPr algn="ctr"/>
+            <a:endParaRPr lang="it-IT"/>
+          </a:p>
+        </p:txBody>
+      </p:sp>
+      <p:sp>
+        <p:nvSpPr>
+          <p:cNvPr id="12" name="Figura a mano libera: forma 11">
+            <a:extLst>
+              <a:ext uri="{FF2B5EF4-FFF2-40B4-BE49-F238E27FC236}">
+                <a16:creationId xmlns:a16="http://schemas.microsoft.com/office/drawing/2014/main" id="{479D26FC-C4A5-4D79-8FB7-A3EAF4E7A3D0}"/>
+              </a:ext>
+            </a:extLst>
+          </p:cNvPr>
+          <p:cNvSpPr/>
+          <p:nvPr/>
+        </p:nvSpPr>
+        <p:spPr>
+          <a:xfrm>
+            <a:off x="3223259" y="4511040"/>
+            <a:ext cx="3335744" cy="1318260"/>
           </a:xfrm>
           <a:custGeom>
             <a:avLst/>
@@ -17842,7 +19296,7 @@
         </p:nvSpPr>
         <p:spPr>
           <a:xfrm>
-            <a:off x="7303209" y="5635362"/>
+            <a:off x="8657754" y="5635362"/>
             <a:ext cx="710968" cy="690823"/>
           </a:xfrm>
           <a:prstGeom prst="ellipse">
@@ -17880,12 +19334,48 @@
           </a:p>
         </p:txBody>
       </p:sp>
-      <p:sp>
-        <p:nvSpPr>
-          <p:cNvPr id="19" name="Figura a mano libera: forma 18">
-            <a:extLst>
-              <a:ext uri="{FF2B5EF4-FFF2-40B4-BE49-F238E27FC236}">
-                <a16:creationId xmlns:a16="http://schemas.microsoft.com/office/drawing/2014/main" id="{974E6C9D-1C67-40BD-8AE7-FCC0998A743F}"/>
+      <p:pic>
+        <p:nvPicPr>
+          <p:cNvPr id="21" name="Immagine 20">
+            <a:extLst>
+              <a:ext uri="{FF2B5EF4-FFF2-40B4-BE49-F238E27FC236}">
+                <a16:creationId xmlns:a16="http://schemas.microsoft.com/office/drawing/2014/main" id="{8FBC40E5-BE7A-4EA4-BB4C-5088396C2C37}"/>
+              </a:ext>
+            </a:extLst>
+          </p:cNvPr>
+          <p:cNvPicPr>
+            <a:picLocks noChangeAspect="1"/>
+          </p:cNvPicPr>
+          <p:nvPr/>
+        </p:nvPicPr>
+        <p:blipFill>
+          <a:blip r:embed="rId3">
+            <a:extLst>
+              <a:ext uri="{28A0092B-C50C-407E-A947-70E740481C1C}">
+                <a14:useLocalDpi xmlns:a14="http://schemas.microsoft.com/office/drawing/2010/main" val="0"/>
+              </a:ext>
+            </a:extLst>
+          </a:blip>
+          <a:stretch>
+            <a:fillRect/>
+          </a:stretch>
+        </p:blipFill>
+        <p:spPr>
+          <a:xfrm>
+            <a:off x="8031478" y="4975734"/>
+            <a:ext cx="415041" cy="415041"/>
+          </a:xfrm>
+          <a:prstGeom prst="rect">
+            <a:avLst/>
+          </a:prstGeom>
+        </p:spPr>
+      </p:pic>
+      <p:sp>
+        <p:nvSpPr>
+          <p:cNvPr id="19" name="Rettangolo 18">
+            <a:extLst>
+              <a:ext uri="{FF2B5EF4-FFF2-40B4-BE49-F238E27FC236}">
+                <a16:creationId xmlns:a16="http://schemas.microsoft.com/office/drawing/2014/main" id="{F429BFFA-ED6C-42B8-B21C-79A91A298C40}"/>
               </a:ext>
             </a:extLst>
           </p:cNvPr>
@@ -17893,9 +19383,722 @@
           <p:nvPr/>
         </p:nvSpPr>
         <p:spPr>
-          <a:xfrm flipV="1">
-            <a:off x="7360918" y="4700266"/>
-            <a:ext cx="2375134" cy="1080170"/>
+          <a:xfrm>
+            <a:off x="2900843" y="4068567"/>
+            <a:ext cx="436718" cy="117776"/>
+          </a:xfrm>
+          <a:prstGeom prst="rect">
+            <a:avLst/>
+          </a:prstGeom>
+          <a:noFill/>
+          <a:ln w="38100">
+            <a:solidFill>
+              <a:schemeClr val="accent1">
+                <a:lumMod val="75000"/>
+              </a:schemeClr>
+            </a:solidFill>
+          </a:ln>
+        </p:spPr>
+        <p:style>
+          <a:lnRef idx="2">
+            <a:schemeClr val="accent1">
+              <a:shade val="50000"/>
+            </a:schemeClr>
+          </a:lnRef>
+          <a:fillRef idx="1">
+            <a:schemeClr val="accent1"/>
+          </a:fillRef>
+          <a:effectRef idx="0">
+            <a:schemeClr val="accent1"/>
+          </a:effectRef>
+          <a:fontRef idx="minor">
+            <a:schemeClr val="lt1"/>
+          </a:fontRef>
+        </p:style>
+        <p:txBody>
+          <a:bodyPr rtlCol="0" anchor="ctr"/>
+          <a:lstStyle/>
+          <a:p>
+            <a:pPr algn="ctr"/>
+            <a:endParaRPr lang="it-IT"/>
+          </a:p>
+        </p:txBody>
+      </p:sp>
+      <p:sp>
+        <p:nvSpPr>
+          <p:cNvPr id="7" name="Figura a mano libera: forma 6">
+            <a:extLst>
+              <a:ext uri="{FF2B5EF4-FFF2-40B4-BE49-F238E27FC236}">
+                <a16:creationId xmlns:a16="http://schemas.microsoft.com/office/drawing/2014/main" id="{F9ECADD7-D5B9-4E82-B1D0-9B916C4BB83F}"/>
+              </a:ext>
+            </a:extLst>
+          </p:cNvPr>
+          <p:cNvSpPr/>
+          <p:nvPr/>
+        </p:nvSpPr>
+        <p:spPr>
+          <a:xfrm>
+            <a:off x="6878199" y="4714240"/>
+            <a:ext cx="2667843" cy="970280"/>
+          </a:xfrm>
+          <a:custGeom>
+            <a:avLst/>
+            <a:gdLst>
+              <a:gd name="connsiteX0" fmla="*/ 132200 w 2663298"/>
+              <a:gd name="connsiteY0" fmla="*/ 0 h 1203960"/>
+              <a:gd name="connsiteX1" fmla="*/ 203320 w 2663298"/>
+              <a:gd name="connsiteY1" fmla="*/ 736600 h 1203960"/>
+              <a:gd name="connsiteX2" fmla="*/ 2057520 w 2663298"/>
+              <a:gd name="connsiteY2" fmla="*/ 106680 h 1203960"/>
+              <a:gd name="connsiteX3" fmla="*/ 2662040 w 2663298"/>
+              <a:gd name="connsiteY3" fmla="*/ 675640 h 1203960"/>
+              <a:gd name="connsiteX4" fmla="*/ 2184520 w 2663298"/>
+              <a:gd name="connsiteY4" fmla="*/ 1203960 h 1203960"/>
+            </a:gdLst>
+            <a:ahLst/>
+            <a:cxnLst>
+              <a:cxn ang="0">
+                <a:pos x="connsiteX0" y="connsiteY0"/>
+              </a:cxn>
+              <a:cxn ang="0">
+                <a:pos x="connsiteX1" y="connsiteY1"/>
+              </a:cxn>
+              <a:cxn ang="0">
+                <a:pos x="connsiteX2" y="connsiteY2"/>
+              </a:cxn>
+              <a:cxn ang="0">
+                <a:pos x="connsiteX3" y="connsiteY3"/>
+              </a:cxn>
+              <a:cxn ang="0">
+                <a:pos x="connsiteX4" y="connsiteY4"/>
+              </a:cxn>
+            </a:cxnLst>
+            <a:rect l="l" t="t" r="r" b="b"/>
+            <a:pathLst>
+              <a:path w="2663298" h="1203960">
+                <a:moveTo>
+                  <a:pt x="132200" y="0"/>
+                </a:moveTo>
+                <a:cubicBezTo>
+                  <a:pt x="7316" y="359410"/>
+                  <a:pt x="-117567" y="718820"/>
+                  <a:pt x="203320" y="736600"/>
+                </a:cubicBezTo>
+                <a:cubicBezTo>
+                  <a:pt x="524207" y="754380"/>
+                  <a:pt x="1647733" y="116840"/>
+                  <a:pt x="2057520" y="106680"/>
+                </a:cubicBezTo>
+                <a:cubicBezTo>
+                  <a:pt x="2467307" y="96520"/>
+                  <a:pt x="2640873" y="492760"/>
+                  <a:pt x="2662040" y="675640"/>
+                </a:cubicBezTo>
+                <a:cubicBezTo>
+                  <a:pt x="2683207" y="858520"/>
+                  <a:pt x="2433863" y="1031240"/>
+                  <a:pt x="2184520" y="1203960"/>
+                </a:cubicBezTo>
+              </a:path>
+            </a:pathLst>
+          </a:custGeom>
+          <a:noFill/>
+          <a:ln w="63500">
+            <a:tailEnd type="triangle"/>
+          </a:ln>
+        </p:spPr>
+        <p:style>
+          <a:lnRef idx="2">
+            <a:schemeClr val="accent1">
+              <a:shade val="50000"/>
+            </a:schemeClr>
+          </a:lnRef>
+          <a:fillRef idx="1">
+            <a:schemeClr val="accent1"/>
+          </a:fillRef>
+          <a:effectRef idx="0">
+            <a:schemeClr val="accent1"/>
+          </a:effectRef>
+          <a:fontRef idx="minor">
+            <a:schemeClr val="lt1"/>
+          </a:fontRef>
+        </p:style>
+        <p:txBody>
+          <a:bodyPr rtlCol="0" anchor="ctr"/>
+          <a:lstStyle/>
+          <a:p>
+            <a:pPr algn="ctr"/>
+            <a:endParaRPr lang="it-IT" dirty="0"/>
+          </a:p>
+        </p:txBody>
+      </p:sp>
+      <p:pic>
+        <p:nvPicPr>
+          <p:cNvPr id="9" name="Immagine 8">
+            <a:extLst>
+              <a:ext uri="{FF2B5EF4-FFF2-40B4-BE49-F238E27FC236}">
+                <a16:creationId xmlns:a16="http://schemas.microsoft.com/office/drawing/2014/main" id="{1FC9E076-9930-46D7-9246-D4C12D5AF7A9}"/>
+              </a:ext>
+            </a:extLst>
+          </p:cNvPr>
+          <p:cNvPicPr>
+            <a:picLocks noChangeAspect="1"/>
+          </p:cNvPicPr>
+          <p:nvPr/>
+        </p:nvPicPr>
+        <p:blipFill>
+          <a:blip r:embed="rId4"/>
+          <a:stretch>
+            <a:fillRect/>
+          </a:stretch>
+        </p:blipFill>
+        <p:spPr>
+          <a:xfrm>
+            <a:off x="1097641" y="1936525"/>
+            <a:ext cx="4989896" cy="2797050"/>
+          </a:xfrm>
+          <a:prstGeom prst="rect">
+            <a:avLst/>
+          </a:prstGeom>
+        </p:spPr>
+      </p:pic>
+      <p:sp>
+        <p:nvSpPr>
+          <p:cNvPr id="22" name="Rettangolo 21">
+            <a:extLst>
+              <a:ext uri="{FF2B5EF4-FFF2-40B4-BE49-F238E27FC236}">
+                <a16:creationId xmlns:a16="http://schemas.microsoft.com/office/drawing/2014/main" id="{47F1ECCD-92AB-44C1-B860-6B1AA89DA2E5}"/>
+              </a:ext>
+            </a:extLst>
+          </p:cNvPr>
+          <p:cNvSpPr/>
+          <p:nvPr/>
+        </p:nvSpPr>
+        <p:spPr>
+          <a:xfrm>
+            <a:off x="2519842" y="4091427"/>
+            <a:ext cx="505297" cy="149788"/>
+          </a:xfrm>
+          <a:prstGeom prst="rect">
+            <a:avLst/>
+          </a:prstGeom>
+          <a:noFill/>
+          <a:ln w="38100">
+            <a:solidFill>
+              <a:schemeClr val="accent1">
+                <a:lumMod val="75000"/>
+              </a:schemeClr>
+            </a:solidFill>
+          </a:ln>
+        </p:spPr>
+        <p:style>
+          <a:lnRef idx="2">
+            <a:schemeClr val="accent1">
+              <a:shade val="50000"/>
+            </a:schemeClr>
+          </a:lnRef>
+          <a:fillRef idx="1">
+            <a:schemeClr val="accent1"/>
+          </a:fillRef>
+          <a:effectRef idx="0">
+            <a:schemeClr val="accent1"/>
+          </a:effectRef>
+          <a:fontRef idx="minor">
+            <a:schemeClr val="lt1"/>
+          </a:fontRef>
+        </p:style>
+        <p:txBody>
+          <a:bodyPr rtlCol="0" anchor="ctr"/>
+          <a:lstStyle/>
+          <a:p>
+            <a:pPr algn="ctr"/>
+            <a:endParaRPr lang="it-IT"/>
+          </a:p>
+        </p:txBody>
+      </p:sp>
+    </p:spTree>
+    <p:extLst>
+      <p:ext uri="{BB962C8B-B14F-4D97-AF65-F5344CB8AC3E}">
+        <p14:creationId xmlns:p14="http://schemas.microsoft.com/office/powerpoint/2010/main" val="2038401844"/>
+      </p:ext>
+    </p:extLst>
+  </p:cSld>
+  <p:clrMapOvr>
+    <a:masterClrMapping/>
+  </p:clrMapOvr>
+</p:sld>
+</file>
+
+<file path=ppt/slides/slide41.xml><?xml version="1.0" encoding="utf-8"?>
+<p:sld xmlns:a="http://schemas.openxmlformats.org/drawingml/2006/main" xmlns:r="http://schemas.openxmlformats.org/officeDocument/2006/relationships" xmlns:p="http://schemas.openxmlformats.org/presentationml/2006/main">
+  <p:cSld>
+    <p:bg>
+      <p:bgPr>
+        <a:solidFill>
+          <a:schemeClr val="tx1"/>
+        </a:solidFill>
+        <a:effectLst/>
+      </p:bgPr>
+    </p:bg>
+    <p:spTree>
+      <p:nvGrpSpPr>
+        <p:cNvPr id="1" name=""/>
+        <p:cNvGrpSpPr/>
+        <p:nvPr/>
+      </p:nvGrpSpPr>
+      <p:grpSpPr>
+        <a:xfrm>
+          <a:off x="0" y="0"/>
+          <a:ext cx="0" cy="0"/>
+          <a:chOff x="0" y="0"/>
+          <a:chExt cx="0" cy="0"/>
+        </a:xfrm>
+      </p:grpSpPr>
+      <p:sp>
+        <p:nvSpPr>
+          <p:cNvPr id="2" name="Titolo 1">
+            <a:extLst>
+              <a:ext uri="{FF2B5EF4-FFF2-40B4-BE49-F238E27FC236}">
+                <a16:creationId xmlns:a16="http://schemas.microsoft.com/office/drawing/2014/main" id="{3157CFA6-6737-4A96-8244-A0C81ABBC4A5}"/>
+              </a:ext>
+            </a:extLst>
+          </p:cNvPr>
+          <p:cNvSpPr>
+            <a:spLocks noGrp="1"/>
+          </p:cNvSpPr>
+          <p:nvPr>
+            <p:ph type="title"/>
+          </p:nvPr>
+        </p:nvSpPr>
+        <p:spPr/>
+        <p:txBody>
+          <a:bodyPr>
+            <a:normAutofit/>
+          </a:bodyPr>
+          <a:lstStyle/>
+          <a:p>
+            <a:r>
+              <a:rPr lang="it-IT" sz="5000" b="1" dirty="0" err="1">
+                <a:solidFill>
+                  <a:schemeClr val="accent1">
+                    <a:lumMod val="75000"/>
+                  </a:schemeClr>
+                </a:solidFill>
+              </a:rPr>
+              <a:t>OpenVPN</a:t>
+            </a:r>
+            <a:endParaRPr lang="it-IT" sz="5000" b="1" dirty="0">
+              <a:solidFill>
+                <a:schemeClr val="accent1">
+                  <a:lumMod val="75000"/>
+                </a:schemeClr>
+              </a:solidFill>
+            </a:endParaRPr>
+          </a:p>
+        </p:txBody>
+      </p:sp>
+      <p:pic>
+        <p:nvPicPr>
+          <p:cNvPr id="5" name="Segnaposto contenuto 4">
+            <a:extLst>
+              <a:ext uri="{FF2B5EF4-FFF2-40B4-BE49-F238E27FC236}">
+                <a16:creationId xmlns:a16="http://schemas.microsoft.com/office/drawing/2014/main" id="{4FA916C6-E85C-493F-AFF8-44B1B213F4D3}"/>
+              </a:ext>
+            </a:extLst>
+          </p:cNvPr>
+          <p:cNvPicPr>
+            <a:picLocks noGrp="1" noChangeAspect="1"/>
+          </p:cNvPicPr>
+          <p:nvPr>
+            <p:ph idx="1"/>
+          </p:nvPr>
+        </p:nvPicPr>
+        <p:blipFill>
+          <a:blip r:embed="rId2"/>
+          <a:stretch>
+            <a:fillRect/>
+          </a:stretch>
+        </p:blipFill>
+        <p:spPr>
+          <a:xfrm>
+            <a:off x="1552663" y="1692581"/>
+            <a:ext cx="9086674" cy="4777938"/>
+          </a:xfrm>
+        </p:spPr>
+      </p:pic>
+      <p:sp>
+        <p:nvSpPr>
+          <p:cNvPr id="11" name="CasellaDiTesto 10">
+            <a:extLst>
+              <a:ext uri="{FF2B5EF4-FFF2-40B4-BE49-F238E27FC236}">
+                <a16:creationId xmlns:a16="http://schemas.microsoft.com/office/drawing/2014/main" id="{329617D6-6806-4A20-AF60-E4442C27EDF8}"/>
+              </a:ext>
+            </a:extLst>
+          </p:cNvPr>
+          <p:cNvSpPr txBox="1"/>
+          <p:nvPr/>
+        </p:nvSpPr>
+        <p:spPr>
+          <a:xfrm>
+            <a:off x="1554480" y="5935497"/>
+            <a:ext cx="1112805" cy="338554"/>
+          </a:xfrm>
+          <a:prstGeom prst="rect">
+            <a:avLst/>
+          </a:prstGeom>
+          <a:noFill/>
+        </p:spPr>
+        <p:txBody>
+          <a:bodyPr wrap="none" rtlCol="0">
+            <a:spAutoFit/>
+          </a:bodyPr>
+          <a:lstStyle/>
+          <a:p>
+            <a:r>
+              <a:rPr lang="it-IT" sz="800" b="1" dirty="0" err="1">
+                <a:solidFill>
+                  <a:srgbClr val="C00000"/>
+                </a:solidFill>
+              </a:rPr>
+              <a:t>openvpn</a:t>
+            </a:r>
+            <a:r>
+              <a:rPr lang="it-IT" sz="800" b="1" dirty="0">
+                <a:solidFill>
+                  <a:srgbClr val="C00000"/>
+                </a:solidFill>
+              </a:rPr>
+              <a:t>-client</a:t>
+            </a:r>
+          </a:p>
+          <a:p>
+            <a:r>
+              <a:rPr lang="it-IT" sz="800" b="1" dirty="0">
+                <a:solidFill>
+                  <a:srgbClr val="C00000"/>
+                </a:solidFill>
+              </a:rPr>
+              <a:t>tun0: </a:t>
+            </a:r>
+            <a:r>
+              <a:rPr lang="it-IT" sz="800" b="1" dirty="0">
+                <a:solidFill>
+                  <a:srgbClr val="0070C0"/>
+                </a:solidFill>
+              </a:rPr>
+              <a:t>192.168.100.101</a:t>
+            </a:r>
+          </a:p>
+        </p:txBody>
+      </p:sp>
+      <p:sp>
+        <p:nvSpPr>
+          <p:cNvPr id="13" name="CasellaDiTesto 12">
+            <a:extLst>
+              <a:ext uri="{FF2B5EF4-FFF2-40B4-BE49-F238E27FC236}">
+                <a16:creationId xmlns:a16="http://schemas.microsoft.com/office/drawing/2014/main" id="{6165E55D-C744-40C2-933D-9EBA5E0DB8E9}"/>
+              </a:ext>
+            </a:extLst>
+          </p:cNvPr>
+          <p:cNvSpPr txBox="1"/>
+          <p:nvPr/>
+        </p:nvSpPr>
+        <p:spPr>
+          <a:xfrm>
+            <a:off x="7124700" y="4248835"/>
+            <a:ext cx="1104900" cy="338554"/>
+          </a:xfrm>
+          <a:prstGeom prst="rect">
+            <a:avLst/>
+          </a:prstGeom>
+          <a:noFill/>
+        </p:spPr>
+        <p:txBody>
+          <a:bodyPr wrap="square">
+            <a:spAutoFit/>
+          </a:bodyPr>
+          <a:lstStyle/>
+          <a:p>
+            <a:r>
+              <a:rPr lang="it-IT" sz="800" b="1" dirty="0" err="1">
+                <a:solidFill>
+                  <a:srgbClr val="C00000"/>
+                </a:solidFill>
+              </a:rPr>
+              <a:t>openvpn</a:t>
+            </a:r>
+            <a:r>
+              <a:rPr lang="it-IT" sz="800" b="1" dirty="0">
+                <a:solidFill>
+                  <a:srgbClr val="C00000"/>
+                </a:solidFill>
+              </a:rPr>
+              <a:t>-server</a:t>
+            </a:r>
+          </a:p>
+          <a:p>
+            <a:r>
+              <a:rPr lang="it-IT" sz="800" b="1" dirty="0">
+                <a:solidFill>
+                  <a:srgbClr val="C00000"/>
+                </a:solidFill>
+              </a:rPr>
+              <a:t>tun0: </a:t>
+            </a:r>
+            <a:r>
+              <a:rPr lang="it-IT" sz="800" b="1" dirty="0">
+                <a:solidFill>
+                  <a:srgbClr val="0070C0"/>
+                </a:solidFill>
+              </a:rPr>
+              <a:t>192.168.100.1</a:t>
+            </a:r>
+          </a:p>
+        </p:txBody>
+      </p:sp>
+      <p:sp>
+        <p:nvSpPr>
+          <p:cNvPr id="15" name="CasellaDiTesto 14">
+            <a:extLst>
+              <a:ext uri="{FF2B5EF4-FFF2-40B4-BE49-F238E27FC236}">
+                <a16:creationId xmlns:a16="http://schemas.microsoft.com/office/drawing/2014/main" id="{BF1A64F1-F948-49ED-A8C3-AE25DEBFF7AA}"/>
+              </a:ext>
+            </a:extLst>
+          </p:cNvPr>
+          <p:cNvSpPr txBox="1"/>
+          <p:nvPr/>
+        </p:nvSpPr>
+        <p:spPr>
+          <a:xfrm>
+            <a:off x="9853568" y="3006775"/>
+            <a:ext cx="1112520" cy="338554"/>
+          </a:xfrm>
+          <a:prstGeom prst="rect">
+            <a:avLst/>
+          </a:prstGeom>
+          <a:noFill/>
+        </p:spPr>
+        <p:txBody>
+          <a:bodyPr wrap="square">
+            <a:spAutoFit/>
+          </a:bodyPr>
+          <a:lstStyle/>
+          <a:p>
+            <a:r>
+              <a:rPr lang="it-IT" sz="800" b="1" dirty="0" err="1">
+                <a:solidFill>
+                  <a:srgbClr val="C00000"/>
+                </a:solidFill>
+              </a:rPr>
+              <a:t>openvpn</a:t>
+            </a:r>
+            <a:r>
+              <a:rPr lang="it-IT" sz="800" b="1" dirty="0">
+                <a:solidFill>
+                  <a:srgbClr val="C00000"/>
+                </a:solidFill>
+              </a:rPr>
+              <a:t>-client</a:t>
+            </a:r>
+          </a:p>
+          <a:p>
+            <a:r>
+              <a:rPr lang="it-IT" sz="800" b="1" dirty="0">
+                <a:solidFill>
+                  <a:srgbClr val="C00000"/>
+                </a:solidFill>
+              </a:rPr>
+              <a:t>tun0: </a:t>
+            </a:r>
+            <a:r>
+              <a:rPr lang="it-IT" sz="800" b="1" dirty="0">
+                <a:solidFill>
+                  <a:srgbClr val="0070C0"/>
+                </a:solidFill>
+              </a:rPr>
+              <a:t>192.168.100.105</a:t>
+            </a:r>
+          </a:p>
+        </p:txBody>
+      </p:sp>
+      <p:sp>
+        <p:nvSpPr>
+          <p:cNvPr id="16" name="Rettangolo con angoli arrotondati 15">
+            <a:extLst>
+              <a:ext uri="{FF2B5EF4-FFF2-40B4-BE49-F238E27FC236}">
+                <a16:creationId xmlns:a16="http://schemas.microsoft.com/office/drawing/2014/main" id="{47C1B66B-5661-49D3-9D82-AF3957D5AF59}"/>
+              </a:ext>
+            </a:extLst>
+          </p:cNvPr>
+          <p:cNvSpPr/>
+          <p:nvPr/>
+        </p:nvSpPr>
+        <p:spPr>
+          <a:xfrm>
+            <a:off x="1552662" y="5829300"/>
+            <a:ext cx="1670597" cy="529167"/>
+          </a:xfrm>
+          <a:prstGeom prst="roundRect">
+            <a:avLst/>
+          </a:prstGeom>
+          <a:noFill/>
+          <a:ln w="63500">
+            <a:solidFill>
+              <a:schemeClr val="accent1">
+                <a:lumMod val="75000"/>
+              </a:schemeClr>
+            </a:solidFill>
+          </a:ln>
+        </p:spPr>
+        <p:style>
+          <a:lnRef idx="2">
+            <a:schemeClr val="accent1">
+              <a:shade val="50000"/>
+            </a:schemeClr>
+          </a:lnRef>
+          <a:fillRef idx="1">
+            <a:schemeClr val="accent1"/>
+          </a:fillRef>
+          <a:effectRef idx="0">
+            <a:schemeClr val="accent1"/>
+          </a:effectRef>
+          <a:fontRef idx="minor">
+            <a:schemeClr val="lt1"/>
+          </a:fontRef>
+        </p:style>
+        <p:txBody>
+          <a:bodyPr rtlCol="0" anchor="ctr"/>
+          <a:lstStyle/>
+          <a:p>
+            <a:pPr algn="ctr"/>
+            <a:endParaRPr lang="it-IT"/>
+          </a:p>
+        </p:txBody>
+      </p:sp>
+      <p:sp>
+        <p:nvSpPr>
+          <p:cNvPr id="17" name="Rettangolo con angoli arrotondati 16">
+            <a:extLst>
+              <a:ext uri="{FF2B5EF4-FFF2-40B4-BE49-F238E27FC236}">
+                <a16:creationId xmlns:a16="http://schemas.microsoft.com/office/drawing/2014/main" id="{5CE5C012-E25B-4A02-9159-5A097D65FF86}"/>
+              </a:ext>
+            </a:extLst>
+          </p:cNvPr>
+          <p:cNvSpPr/>
+          <p:nvPr/>
+        </p:nvSpPr>
+        <p:spPr>
+          <a:xfrm>
+            <a:off x="6559003" y="4178723"/>
+            <a:ext cx="1548677" cy="521547"/>
+          </a:xfrm>
+          <a:prstGeom prst="roundRect">
+            <a:avLst/>
+          </a:prstGeom>
+          <a:noFill/>
+          <a:ln w="63500">
+            <a:solidFill>
+              <a:schemeClr val="accent1">
+                <a:lumMod val="75000"/>
+              </a:schemeClr>
+            </a:solidFill>
+          </a:ln>
+        </p:spPr>
+        <p:style>
+          <a:lnRef idx="2">
+            <a:schemeClr val="accent1">
+              <a:shade val="50000"/>
+            </a:schemeClr>
+          </a:lnRef>
+          <a:fillRef idx="1">
+            <a:schemeClr val="accent1"/>
+          </a:fillRef>
+          <a:effectRef idx="0">
+            <a:schemeClr val="accent1"/>
+          </a:effectRef>
+          <a:fontRef idx="minor">
+            <a:schemeClr val="lt1"/>
+          </a:fontRef>
+        </p:style>
+        <p:txBody>
+          <a:bodyPr rtlCol="0" anchor="ctr"/>
+          <a:lstStyle/>
+          <a:p>
+            <a:pPr algn="ctr"/>
+            <a:endParaRPr lang="it-IT"/>
+          </a:p>
+        </p:txBody>
+      </p:sp>
+      <p:sp>
+        <p:nvSpPr>
+          <p:cNvPr id="18" name="Rettangolo con angoli arrotondati 17">
+            <a:extLst>
+              <a:ext uri="{FF2B5EF4-FFF2-40B4-BE49-F238E27FC236}">
+                <a16:creationId xmlns:a16="http://schemas.microsoft.com/office/drawing/2014/main" id="{FDAE74FA-C87C-4192-B90F-D249638DAC9C}"/>
+              </a:ext>
+            </a:extLst>
+          </p:cNvPr>
+          <p:cNvSpPr/>
+          <p:nvPr/>
+        </p:nvSpPr>
+        <p:spPr>
+          <a:xfrm>
+            <a:off x="9546043" y="2654505"/>
+            <a:ext cx="1487717" cy="690824"/>
+          </a:xfrm>
+          <a:prstGeom prst="roundRect">
+            <a:avLst/>
+          </a:prstGeom>
+          <a:noFill/>
+          <a:ln w="63500">
+            <a:solidFill>
+              <a:schemeClr val="accent1">
+                <a:lumMod val="75000"/>
+              </a:schemeClr>
+            </a:solidFill>
+          </a:ln>
+        </p:spPr>
+        <p:style>
+          <a:lnRef idx="2">
+            <a:schemeClr val="accent1">
+              <a:shade val="50000"/>
+            </a:schemeClr>
+          </a:lnRef>
+          <a:fillRef idx="1">
+            <a:schemeClr val="accent1"/>
+          </a:fillRef>
+          <a:effectRef idx="0">
+            <a:schemeClr val="accent1"/>
+          </a:effectRef>
+          <a:fontRef idx="minor">
+            <a:schemeClr val="lt1"/>
+          </a:fontRef>
+        </p:style>
+        <p:txBody>
+          <a:bodyPr rtlCol="0" anchor="ctr"/>
+          <a:lstStyle/>
+          <a:p>
+            <a:pPr algn="ctr"/>
+            <a:endParaRPr lang="it-IT"/>
+          </a:p>
+        </p:txBody>
+      </p:sp>
+      <p:sp>
+        <p:nvSpPr>
+          <p:cNvPr id="12" name="Figura a mano libera: forma 11">
+            <a:extLst>
+              <a:ext uri="{FF2B5EF4-FFF2-40B4-BE49-F238E27FC236}">
+                <a16:creationId xmlns:a16="http://schemas.microsoft.com/office/drawing/2014/main" id="{479D26FC-C4A5-4D79-8FB7-A3EAF4E7A3D0}"/>
+              </a:ext>
+            </a:extLst>
+          </p:cNvPr>
+          <p:cNvSpPr/>
+          <p:nvPr/>
+        </p:nvSpPr>
+        <p:spPr>
+          <a:xfrm>
+            <a:off x="3223259" y="4511040"/>
+            <a:ext cx="3335744" cy="1318260"/>
           </a:xfrm>
           <a:custGeom>
             <a:avLst/>
@@ -17983,10 +20186,10 @@
       </p:sp>
       <p:sp>
         <p:nvSpPr>
-          <p:cNvPr id="22" name="Ovale 21">
-            <a:extLst>
-              <a:ext uri="{FF2B5EF4-FFF2-40B4-BE49-F238E27FC236}">
-                <a16:creationId xmlns:a16="http://schemas.microsoft.com/office/drawing/2014/main" id="{70B8AE95-7B40-4AE6-92A1-3953791EAF79}"/>
+          <p:cNvPr id="20" name="Ovale 19">
+            <a:extLst>
+              <a:ext uri="{FF2B5EF4-FFF2-40B4-BE49-F238E27FC236}">
+                <a16:creationId xmlns:a16="http://schemas.microsoft.com/office/drawing/2014/main" id="{4FD40DEE-F188-4E3F-9B52-58CF97FE47F1}"/>
               </a:ext>
             </a:extLst>
           </p:cNvPr>
@@ -17995,7 +20198,7 @@
         </p:nvSpPr>
         <p:spPr>
           <a:xfrm>
-            <a:off x="9642549" y="5635362"/>
+            <a:off x="8657754" y="5635362"/>
             <a:ext cx="710968" cy="690823"/>
           </a:xfrm>
           <a:prstGeom prst="ellipse">
@@ -18033,12 +20236,48 @@
           </a:p>
         </p:txBody>
       </p:sp>
-      <p:sp>
-        <p:nvSpPr>
-          <p:cNvPr id="3" name="Croce 2">
-            <a:extLst>
-              <a:ext uri="{FF2B5EF4-FFF2-40B4-BE49-F238E27FC236}">
-                <a16:creationId xmlns:a16="http://schemas.microsoft.com/office/drawing/2014/main" id="{9C9D55E3-1B2E-4A54-B339-3873626B5E19}"/>
+      <p:pic>
+        <p:nvPicPr>
+          <p:cNvPr id="21" name="Immagine 20">
+            <a:extLst>
+              <a:ext uri="{FF2B5EF4-FFF2-40B4-BE49-F238E27FC236}">
+                <a16:creationId xmlns:a16="http://schemas.microsoft.com/office/drawing/2014/main" id="{8FBC40E5-BE7A-4EA4-BB4C-5088396C2C37}"/>
+              </a:ext>
+            </a:extLst>
+          </p:cNvPr>
+          <p:cNvPicPr>
+            <a:picLocks noChangeAspect="1"/>
+          </p:cNvPicPr>
+          <p:nvPr/>
+        </p:nvPicPr>
+        <p:blipFill>
+          <a:blip r:embed="rId3">
+            <a:extLst>
+              <a:ext uri="{28A0092B-C50C-407E-A947-70E740481C1C}">
+                <a14:useLocalDpi xmlns:a14="http://schemas.microsoft.com/office/drawing/2010/main" val="0"/>
+              </a:ext>
+            </a:extLst>
+          </a:blip>
+          <a:stretch>
+            <a:fillRect/>
+          </a:stretch>
+        </p:blipFill>
+        <p:spPr>
+          <a:xfrm>
+            <a:off x="9113518" y="4907154"/>
+            <a:ext cx="415041" cy="415041"/>
+          </a:xfrm>
+          <a:prstGeom prst="rect">
+            <a:avLst/>
+          </a:prstGeom>
+        </p:spPr>
+      </p:pic>
+      <p:sp>
+        <p:nvSpPr>
+          <p:cNvPr id="19" name="Rettangolo 18">
+            <a:extLst>
+              <a:ext uri="{FF2B5EF4-FFF2-40B4-BE49-F238E27FC236}">
+                <a16:creationId xmlns:a16="http://schemas.microsoft.com/office/drawing/2014/main" id="{F429BFFA-ED6C-42B8-B21C-79A91A298C40}"/>
               </a:ext>
             </a:extLst>
           </p:cNvPr>
@@ -18046,18 +20285,21 @@
           <p:nvPr/>
         </p:nvSpPr>
         <p:spPr>
-          <a:xfrm rot="2520853">
-            <a:off x="6868791" y="4762622"/>
-            <a:ext cx="591201" cy="661379"/>
-          </a:xfrm>
-          <a:prstGeom prst="plus">
-            <a:avLst>
-              <a:gd name="adj" fmla="val 32594"/>
-            </a:avLst>
+          <a:xfrm>
+            <a:off x="2900843" y="4068567"/>
+            <a:ext cx="436718" cy="117776"/>
+          </a:xfrm>
+          <a:prstGeom prst="rect">
+            <a:avLst/>
           </a:prstGeom>
-          <a:solidFill>
-            <a:srgbClr val="FF0000"/>
-          </a:solidFill>
+          <a:noFill/>
+          <a:ln w="38100">
+            <a:solidFill>
+              <a:schemeClr val="accent1">
+                <a:lumMod val="75000"/>
+              </a:schemeClr>
+            </a:solidFill>
+          </a:ln>
         </p:spPr>
         <p:style>
           <a:lnRef idx="2">
@@ -18086,10 +20328,10 @@
       </p:sp>
       <p:sp>
         <p:nvSpPr>
-          <p:cNvPr id="21" name="Croce 20">
-            <a:extLst>
-              <a:ext uri="{FF2B5EF4-FFF2-40B4-BE49-F238E27FC236}">
-                <a16:creationId xmlns:a16="http://schemas.microsoft.com/office/drawing/2014/main" id="{08D4E728-10D1-411F-A16B-31403232BB42}"/>
+          <p:cNvPr id="7" name="Figura a mano libera: forma 6">
+            <a:extLst>
+              <a:ext uri="{FF2B5EF4-FFF2-40B4-BE49-F238E27FC236}">
+                <a16:creationId xmlns:a16="http://schemas.microsoft.com/office/drawing/2014/main" id="{F9ECADD7-D5B9-4E82-B1D0-9B916C4BB83F}"/>
               </a:ext>
             </a:extLst>
           </p:cNvPr>
@@ -18097,18 +20339,75 @@
           <p:nvPr/>
         </p:nvSpPr>
         <p:spPr>
-          <a:xfrm rot="2520853">
-            <a:off x="8034874" y="5080409"/>
-            <a:ext cx="591201" cy="661379"/>
-          </a:xfrm>
-          <a:prstGeom prst="plus">
-            <a:avLst>
-              <a:gd name="adj" fmla="val 32594"/>
-            </a:avLst>
-          </a:prstGeom>
-          <a:solidFill>
-            <a:srgbClr val="FF0000"/>
-          </a:solidFill>
+          <a:xfrm>
+            <a:off x="6878199" y="4714240"/>
+            <a:ext cx="2667843" cy="970280"/>
+          </a:xfrm>
+          <a:custGeom>
+            <a:avLst/>
+            <a:gdLst>
+              <a:gd name="connsiteX0" fmla="*/ 132200 w 2663298"/>
+              <a:gd name="connsiteY0" fmla="*/ 0 h 1203960"/>
+              <a:gd name="connsiteX1" fmla="*/ 203320 w 2663298"/>
+              <a:gd name="connsiteY1" fmla="*/ 736600 h 1203960"/>
+              <a:gd name="connsiteX2" fmla="*/ 2057520 w 2663298"/>
+              <a:gd name="connsiteY2" fmla="*/ 106680 h 1203960"/>
+              <a:gd name="connsiteX3" fmla="*/ 2662040 w 2663298"/>
+              <a:gd name="connsiteY3" fmla="*/ 675640 h 1203960"/>
+              <a:gd name="connsiteX4" fmla="*/ 2184520 w 2663298"/>
+              <a:gd name="connsiteY4" fmla="*/ 1203960 h 1203960"/>
+            </a:gdLst>
+            <a:ahLst/>
+            <a:cxnLst>
+              <a:cxn ang="0">
+                <a:pos x="connsiteX0" y="connsiteY0"/>
+              </a:cxn>
+              <a:cxn ang="0">
+                <a:pos x="connsiteX1" y="connsiteY1"/>
+              </a:cxn>
+              <a:cxn ang="0">
+                <a:pos x="connsiteX2" y="connsiteY2"/>
+              </a:cxn>
+              <a:cxn ang="0">
+                <a:pos x="connsiteX3" y="connsiteY3"/>
+              </a:cxn>
+              <a:cxn ang="0">
+                <a:pos x="connsiteX4" y="connsiteY4"/>
+              </a:cxn>
+            </a:cxnLst>
+            <a:rect l="l" t="t" r="r" b="b"/>
+            <a:pathLst>
+              <a:path w="2663298" h="1203960">
+                <a:moveTo>
+                  <a:pt x="132200" y="0"/>
+                </a:moveTo>
+                <a:cubicBezTo>
+                  <a:pt x="7316" y="359410"/>
+                  <a:pt x="-117567" y="718820"/>
+                  <a:pt x="203320" y="736600"/>
+                </a:cubicBezTo>
+                <a:cubicBezTo>
+                  <a:pt x="524207" y="754380"/>
+                  <a:pt x="1647733" y="116840"/>
+                  <a:pt x="2057520" y="106680"/>
+                </a:cubicBezTo>
+                <a:cubicBezTo>
+                  <a:pt x="2467307" y="96520"/>
+                  <a:pt x="2640873" y="492760"/>
+                  <a:pt x="2662040" y="675640"/>
+                </a:cubicBezTo>
+                <a:cubicBezTo>
+                  <a:pt x="2683207" y="858520"/>
+                  <a:pt x="2433863" y="1031240"/>
+                  <a:pt x="2184520" y="1203960"/>
+                </a:cubicBezTo>
+              </a:path>
+            </a:pathLst>
+          </a:custGeom>
+          <a:noFill/>
+          <a:ln w="63500">
+            <a:tailEnd type="triangle"/>
+          </a:ln>
         </p:spPr>
         <p:style>
           <a:lnRef idx="2">
@@ -18131,46 +20430,16 @@
           <a:lstStyle/>
           <a:p>
             <a:pPr algn="ctr"/>
-            <a:endParaRPr lang="it-IT"/>
+            <a:endParaRPr lang="it-IT" dirty="0"/>
           </a:p>
         </p:txBody>
       </p:sp>
       <p:pic>
         <p:nvPicPr>
-          <p:cNvPr id="7" name="Immagine 6">
-            <a:extLst>
-              <a:ext uri="{FF2B5EF4-FFF2-40B4-BE49-F238E27FC236}">
-                <a16:creationId xmlns:a16="http://schemas.microsoft.com/office/drawing/2014/main" id="{95D9D67B-B560-4B4C-B971-5D5733F0BCA8}"/>
-              </a:ext>
-            </a:extLst>
-          </p:cNvPr>
-          <p:cNvPicPr>
-            <a:picLocks noChangeAspect="1"/>
-          </p:cNvPicPr>
-          <p:nvPr/>
-        </p:nvPicPr>
-        <p:blipFill>
-          <a:blip r:embed="rId3"/>
-          <a:stretch>
-            <a:fillRect/>
-          </a:stretch>
-        </p:blipFill>
-        <p:spPr>
-          <a:xfrm>
-            <a:off x="1113942" y="2203268"/>
-            <a:ext cx="4977147" cy="1525154"/>
-          </a:xfrm>
-          <a:prstGeom prst="rect">
-            <a:avLst/>
-          </a:prstGeom>
-        </p:spPr>
-      </p:pic>
-      <p:pic>
-        <p:nvPicPr>
-          <p:cNvPr id="10" name="Immagine 9">
-            <a:extLst>
-              <a:ext uri="{FF2B5EF4-FFF2-40B4-BE49-F238E27FC236}">
-                <a16:creationId xmlns:a16="http://schemas.microsoft.com/office/drawing/2014/main" id="{6BEA7D79-6FE0-45D0-96CB-A57E16FEAF84}"/>
+          <p:cNvPr id="23" name="Immagine 22">
+            <a:extLst>
+              <a:ext uri="{FF2B5EF4-FFF2-40B4-BE49-F238E27FC236}">
+                <a16:creationId xmlns:a16="http://schemas.microsoft.com/office/drawing/2014/main" id="{1275B8C3-B070-4CEB-B55C-A80FDD780E03}"/>
               </a:ext>
             </a:extLst>
           </p:cNvPr>
@@ -18187,1427 +20456,72 @@
         </p:blipFill>
         <p:spPr>
           <a:xfrm>
-            <a:off x="1113942" y="3817137"/>
-            <a:ext cx="4977147" cy="1523233"/>
+            <a:off x="1092074" y="1936525"/>
+            <a:ext cx="5010704" cy="2901486"/>
           </a:xfrm>
           <a:prstGeom prst="rect">
             <a:avLst/>
           </a:prstGeom>
         </p:spPr>
       </p:pic>
+      <p:sp>
+        <p:nvSpPr>
+          <p:cNvPr id="24" name="Rettangolo 23">
+            <a:extLst>
+              <a:ext uri="{FF2B5EF4-FFF2-40B4-BE49-F238E27FC236}">
+                <a16:creationId xmlns:a16="http://schemas.microsoft.com/office/drawing/2014/main" id="{D3216972-D71B-4B84-9660-E3D3E60C2398}"/>
+              </a:ext>
+            </a:extLst>
+          </p:cNvPr>
+          <p:cNvSpPr/>
+          <p:nvPr/>
+        </p:nvSpPr>
+        <p:spPr>
+          <a:xfrm>
+            <a:off x="2527462" y="4167627"/>
+            <a:ext cx="505297" cy="149788"/>
+          </a:xfrm>
+          <a:prstGeom prst="rect">
+            <a:avLst/>
+          </a:prstGeom>
+          <a:noFill/>
+          <a:ln w="38100">
+            <a:solidFill>
+              <a:schemeClr val="accent1">
+                <a:lumMod val="75000"/>
+              </a:schemeClr>
+            </a:solidFill>
+          </a:ln>
+        </p:spPr>
+        <p:style>
+          <a:lnRef idx="2">
+            <a:schemeClr val="accent1">
+              <a:shade val="50000"/>
+            </a:schemeClr>
+          </a:lnRef>
+          <a:fillRef idx="1">
+            <a:schemeClr val="accent1"/>
+          </a:fillRef>
+          <a:effectRef idx="0">
+            <a:schemeClr val="accent1"/>
+          </a:effectRef>
+          <a:fontRef idx="minor">
+            <a:schemeClr val="lt1"/>
+          </a:fontRef>
+        </p:style>
+        <p:txBody>
+          <a:bodyPr rtlCol="0" anchor="ctr"/>
+          <a:lstStyle/>
+          <a:p>
+            <a:pPr algn="ctr"/>
+            <a:endParaRPr lang="it-IT"/>
+          </a:p>
+        </p:txBody>
+      </p:sp>
     </p:spTree>
     <p:extLst>
       <p:ext uri="{BB962C8B-B14F-4D97-AF65-F5344CB8AC3E}">
-        <p14:creationId xmlns:p14="http://schemas.microsoft.com/office/powerpoint/2010/main" val="3806408375"/>
-      </p:ext>
-    </p:extLst>
-  </p:cSld>
-  <p:clrMapOvr>
-    <a:masterClrMapping/>
-  </p:clrMapOvr>
-</p:sld>
-</file>
-
-<file path=ppt/slides/slide39.xml><?xml version="1.0" encoding="utf-8"?>
-<p:sld xmlns:a="http://schemas.openxmlformats.org/drawingml/2006/main" xmlns:r="http://schemas.openxmlformats.org/officeDocument/2006/relationships" xmlns:p="http://schemas.openxmlformats.org/presentationml/2006/main">
-  <p:cSld>
-    <p:bg>
-      <p:bgPr>
-        <a:solidFill>
-          <a:schemeClr val="tx1"/>
-        </a:solidFill>
-        <a:effectLst/>
-      </p:bgPr>
-    </p:bg>
-    <p:spTree>
-      <p:nvGrpSpPr>
-        <p:cNvPr id="1" name=""/>
-        <p:cNvGrpSpPr/>
-        <p:nvPr/>
-      </p:nvGrpSpPr>
-      <p:grpSpPr>
-        <a:xfrm>
-          <a:off x="0" y="0"/>
-          <a:ext cx="0" cy="0"/>
-          <a:chOff x="0" y="0"/>
-          <a:chExt cx="0" cy="0"/>
-        </a:xfrm>
-      </p:grpSpPr>
-      <p:sp>
-        <p:nvSpPr>
-          <p:cNvPr id="2" name="Titolo 1">
-            <a:extLst>
-              <a:ext uri="{FF2B5EF4-FFF2-40B4-BE49-F238E27FC236}">
-                <a16:creationId xmlns:a16="http://schemas.microsoft.com/office/drawing/2014/main" id="{3157CFA6-6737-4A96-8244-A0C81ABBC4A5}"/>
-              </a:ext>
-            </a:extLst>
-          </p:cNvPr>
-          <p:cNvSpPr>
-            <a:spLocks noGrp="1"/>
-          </p:cNvSpPr>
-          <p:nvPr>
-            <p:ph type="title"/>
-          </p:nvPr>
-        </p:nvSpPr>
-        <p:spPr/>
-        <p:txBody>
-          <a:bodyPr>
-            <a:normAutofit/>
-          </a:bodyPr>
-          <a:lstStyle/>
-          <a:p>
-            <a:r>
-              <a:rPr lang="it-IT" sz="5000" b="1" dirty="0">
-                <a:solidFill>
-                  <a:schemeClr val="accent1">
-                    <a:lumMod val="75000"/>
-                  </a:schemeClr>
-                </a:solidFill>
-              </a:rPr>
-              <a:t>MAC -</a:t>
-            </a:r>
-            <a:r>
-              <a:rPr lang="it-IT" sz="5000" b="1" dirty="0">
-                <a:solidFill>
-                  <a:srgbClr val="00B0F0"/>
-                </a:solidFill>
-              </a:rPr>
-              <a:t> </a:t>
-            </a:r>
-            <a:r>
-              <a:rPr lang="it-IT" sz="5000" b="1" dirty="0" err="1">
-                <a:solidFill>
-                  <a:schemeClr val="accent4">
-                    <a:lumMod val="60000"/>
-                    <a:lumOff val="40000"/>
-                  </a:schemeClr>
-                </a:solidFill>
-              </a:rPr>
-              <a:t>AppArmor</a:t>
-            </a:r>
-            <a:endParaRPr lang="it-IT" sz="5000" b="1" dirty="0">
-              <a:solidFill>
-                <a:schemeClr val="accent4">
-                  <a:lumMod val="60000"/>
-                  <a:lumOff val="40000"/>
-                </a:schemeClr>
-              </a:solidFill>
-            </a:endParaRPr>
-          </a:p>
-        </p:txBody>
-      </p:sp>
-      <p:sp>
-        <p:nvSpPr>
-          <p:cNvPr id="6" name="Segnaposto contenuto 5">
-            <a:extLst>
-              <a:ext uri="{FF2B5EF4-FFF2-40B4-BE49-F238E27FC236}">
-                <a16:creationId xmlns:a16="http://schemas.microsoft.com/office/drawing/2014/main" id="{0038248B-1010-433E-9091-488BFD49843A}"/>
-              </a:ext>
-            </a:extLst>
-          </p:cNvPr>
-          <p:cNvSpPr>
-            <a:spLocks noGrp="1"/>
-          </p:cNvSpPr>
-          <p:nvPr>
-            <p:ph idx="1"/>
-          </p:nvPr>
-        </p:nvSpPr>
-        <p:spPr/>
-        <p:txBody>
-          <a:bodyPr/>
-          <a:lstStyle/>
-          <a:p>
-            <a:pPr>
-              <a:buClr>
-                <a:schemeClr val="accent1">
-                  <a:lumMod val="75000"/>
-                </a:schemeClr>
-              </a:buClr>
-              <a:buFont typeface="Wingdings" panose="05000000000000000000" pitchFamily="2" charset="2"/>
-              <a:buChar char="Ø"/>
-            </a:pPr>
-            <a:r>
-              <a:rPr lang="it-IT" dirty="0" err="1">
-                <a:solidFill>
-                  <a:schemeClr val="bg1"/>
-                </a:solidFill>
-              </a:rPr>
-              <a:t>AppArmor</a:t>
-            </a:r>
-            <a:r>
-              <a:rPr lang="it-IT" dirty="0">
-                <a:solidFill>
-                  <a:schemeClr val="bg1"/>
-                </a:solidFill>
-              </a:rPr>
-              <a:t> si basa sulla creazione di </a:t>
-            </a:r>
-            <a:r>
-              <a:rPr lang="it-IT" b="1" dirty="0">
-                <a:solidFill>
-                  <a:schemeClr val="accent4">
-                    <a:lumMod val="60000"/>
-                    <a:lumOff val="40000"/>
-                  </a:schemeClr>
-                </a:solidFill>
-              </a:rPr>
-              <a:t>profili</a:t>
-            </a:r>
-            <a:r>
-              <a:rPr lang="it-IT" dirty="0">
-                <a:solidFill>
-                  <a:schemeClr val="bg1"/>
-                </a:solidFill>
-              </a:rPr>
-              <a:t> al fine di confinare un programma ad un insieme di file, capabilities, accessi di rete ed insieme di risorse. </a:t>
-            </a:r>
-          </a:p>
-          <a:p>
-            <a:pPr>
-              <a:buClr>
-                <a:schemeClr val="accent1">
-                  <a:lumMod val="75000"/>
-                </a:schemeClr>
-              </a:buClr>
-              <a:buFont typeface="Wingdings" panose="05000000000000000000" pitchFamily="2" charset="2"/>
-              <a:buChar char="Ø"/>
-            </a:pPr>
-            <a:r>
-              <a:rPr lang="it-IT" dirty="0" err="1">
-                <a:solidFill>
-                  <a:schemeClr val="bg1"/>
-                </a:solidFill>
-              </a:rPr>
-              <a:t>AppArmor</a:t>
-            </a:r>
-            <a:r>
-              <a:rPr lang="it-IT" dirty="0">
-                <a:solidFill>
-                  <a:schemeClr val="bg1"/>
-                </a:solidFill>
-              </a:rPr>
-              <a:t> può lavorare in due modalità:  </a:t>
-            </a:r>
-            <a:r>
-              <a:rPr lang="it-IT" b="1" dirty="0">
-                <a:solidFill>
-                  <a:schemeClr val="accent4">
-                    <a:lumMod val="60000"/>
-                    <a:lumOff val="40000"/>
-                  </a:schemeClr>
-                </a:solidFill>
-              </a:rPr>
-              <a:t>enforcement</a:t>
-            </a:r>
-            <a:r>
-              <a:rPr lang="it-IT" dirty="0">
-                <a:solidFill>
-                  <a:schemeClr val="bg1"/>
-                </a:solidFill>
-              </a:rPr>
-              <a:t> (applica le regole di sicurezza definite nel profilo bloccando qualsiasi tentativo di accesso a risorse non consentite), oppure, </a:t>
-            </a:r>
-            <a:r>
-              <a:rPr lang="it-IT" b="1" dirty="0" err="1">
-                <a:solidFill>
-                  <a:schemeClr val="accent4">
-                    <a:lumMod val="60000"/>
-                    <a:lumOff val="40000"/>
-                  </a:schemeClr>
-                </a:solidFill>
-              </a:rPr>
-              <a:t>complain</a:t>
-            </a:r>
-            <a:r>
-              <a:rPr lang="it-IT" dirty="0">
-                <a:solidFill>
-                  <a:schemeClr val="bg1"/>
-                </a:solidFill>
-              </a:rPr>
-              <a:t> (monitora le violazioni delle regole definite, registrando però un avviso nel log del sistema).</a:t>
-            </a:r>
-          </a:p>
-          <a:p>
-            <a:pPr>
-              <a:buClr>
-                <a:schemeClr val="accent1">
-                  <a:lumMod val="75000"/>
-                </a:schemeClr>
-              </a:buClr>
-              <a:buFont typeface="Wingdings" panose="05000000000000000000" pitchFamily="2" charset="2"/>
-              <a:buChar char="Ø"/>
-            </a:pPr>
-            <a:r>
-              <a:rPr lang="it-IT" dirty="0">
-                <a:solidFill>
-                  <a:schemeClr val="bg1"/>
-                </a:solidFill>
-              </a:rPr>
-              <a:t> Il profilo creato è relativo al programma </a:t>
-            </a:r>
-            <a:r>
-              <a:rPr lang="it-IT" b="1" dirty="0">
-                <a:solidFill>
-                  <a:schemeClr val="accent4">
-                    <a:lumMod val="60000"/>
-                    <a:lumOff val="40000"/>
-                  </a:schemeClr>
-                </a:solidFill>
-              </a:rPr>
-              <a:t>/</a:t>
-            </a:r>
-            <a:r>
-              <a:rPr lang="it-IT" b="1" dirty="0" err="1">
-                <a:solidFill>
-                  <a:schemeClr val="accent4">
-                    <a:lumMod val="60000"/>
-                    <a:lumOff val="40000"/>
-                  </a:schemeClr>
-                </a:solidFill>
-              </a:rPr>
-              <a:t>usr</a:t>
-            </a:r>
-            <a:r>
-              <a:rPr lang="it-IT" b="1" dirty="0">
-                <a:solidFill>
-                  <a:schemeClr val="accent4">
-                    <a:lumMod val="60000"/>
-                    <a:lumOff val="40000"/>
-                  </a:schemeClr>
-                </a:solidFill>
-              </a:rPr>
-              <a:t>/bin/nano</a:t>
-            </a:r>
-            <a:r>
-              <a:rPr lang="it-IT" dirty="0">
-                <a:solidFill>
-                  <a:schemeClr val="bg1"/>
-                </a:solidFill>
-              </a:rPr>
-              <a:t>.</a:t>
-            </a:r>
-          </a:p>
-        </p:txBody>
-      </p:sp>
-    </p:spTree>
-    <p:extLst>
-      <p:ext uri="{BB962C8B-B14F-4D97-AF65-F5344CB8AC3E}">
-        <p14:creationId xmlns:p14="http://schemas.microsoft.com/office/powerpoint/2010/main" val="2331888414"/>
-      </p:ext>
-    </p:extLst>
-  </p:cSld>
-  <p:clrMapOvr>
-    <a:masterClrMapping/>
-  </p:clrMapOvr>
-</p:sld>
-</file>
-
-<file path=ppt/slides/slide4.xml><?xml version="1.0" encoding="utf-8"?>
-<p:sld xmlns:a="http://schemas.openxmlformats.org/drawingml/2006/main" xmlns:r="http://schemas.openxmlformats.org/officeDocument/2006/relationships" xmlns:p="http://schemas.openxmlformats.org/presentationml/2006/main">
-  <p:cSld>
-    <p:bg>
-      <p:bgPr>
-        <a:solidFill>
-          <a:schemeClr val="tx1"/>
-        </a:solidFill>
-        <a:effectLst/>
-      </p:bgPr>
-    </p:bg>
-    <p:spTree>
-      <p:nvGrpSpPr>
-        <p:cNvPr id="1" name=""/>
-        <p:cNvGrpSpPr/>
-        <p:nvPr/>
-      </p:nvGrpSpPr>
-      <p:grpSpPr>
-        <a:xfrm>
-          <a:off x="0" y="0"/>
-          <a:ext cx="0" cy="0"/>
-          <a:chOff x="0" y="0"/>
-          <a:chExt cx="0" cy="0"/>
-        </a:xfrm>
-      </p:grpSpPr>
-      <p:sp>
-        <p:nvSpPr>
-          <p:cNvPr id="2" name="Titolo 1">
-            <a:extLst>
-              <a:ext uri="{FF2B5EF4-FFF2-40B4-BE49-F238E27FC236}">
-                <a16:creationId xmlns:a16="http://schemas.microsoft.com/office/drawing/2014/main" id="{3157CFA6-6737-4A96-8244-A0C81ABBC4A5}"/>
-              </a:ext>
-            </a:extLst>
-          </p:cNvPr>
-          <p:cNvSpPr>
-            <a:spLocks noGrp="1"/>
-          </p:cNvSpPr>
-          <p:nvPr>
-            <p:ph type="title"/>
-          </p:nvPr>
-        </p:nvSpPr>
-        <p:spPr/>
-        <p:txBody>
-          <a:bodyPr>
-            <a:normAutofit/>
-          </a:bodyPr>
-          <a:lstStyle/>
-          <a:p>
-            <a:r>
-              <a:rPr lang="it-IT" sz="5000" b="1" dirty="0">
-                <a:solidFill>
-                  <a:schemeClr val="accent1">
-                    <a:lumMod val="75000"/>
-                  </a:schemeClr>
-                </a:solidFill>
-              </a:rPr>
-              <a:t>Protocolli –</a:t>
-            </a:r>
-            <a:r>
-              <a:rPr lang="it-IT" sz="5000" b="1" dirty="0">
-                <a:solidFill>
-                  <a:srgbClr val="00B0F0"/>
-                </a:solidFill>
-              </a:rPr>
-              <a:t> </a:t>
-            </a:r>
-            <a:r>
-              <a:rPr lang="it-IT" sz="5000" b="1" dirty="0">
-                <a:solidFill>
-                  <a:schemeClr val="accent4">
-                    <a:lumMod val="60000"/>
-                    <a:lumOff val="40000"/>
-                  </a:schemeClr>
-                </a:solidFill>
-              </a:rPr>
-              <a:t>BGP (</a:t>
-            </a:r>
-            <a:r>
-              <a:rPr lang="it-IT" sz="5000" b="1" dirty="0" err="1">
-                <a:solidFill>
-                  <a:schemeClr val="accent4">
-                    <a:lumMod val="60000"/>
-                    <a:lumOff val="40000"/>
-                  </a:schemeClr>
-                </a:solidFill>
-              </a:rPr>
-              <a:t>Border</a:t>
-            </a:r>
-            <a:r>
-              <a:rPr lang="it-IT" sz="5000" b="1" dirty="0">
-                <a:solidFill>
-                  <a:schemeClr val="accent4">
-                    <a:lumMod val="60000"/>
-                    <a:lumOff val="40000"/>
-                  </a:schemeClr>
-                </a:solidFill>
-              </a:rPr>
-              <a:t> Gateway </a:t>
-            </a:r>
-            <a:r>
-              <a:rPr lang="it-IT" sz="5000" b="1" dirty="0" err="1">
-                <a:solidFill>
-                  <a:schemeClr val="accent4">
-                    <a:lumMod val="60000"/>
-                    <a:lumOff val="40000"/>
-                  </a:schemeClr>
-                </a:solidFill>
-              </a:rPr>
-              <a:t>Protocol</a:t>
-            </a:r>
-            <a:r>
-              <a:rPr lang="it-IT" sz="5000" b="1" dirty="0">
-                <a:solidFill>
-                  <a:schemeClr val="accent4">
-                    <a:lumMod val="60000"/>
-                    <a:lumOff val="40000"/>
-                  </a:schemeClr>
-                </a:solidFill>
-              </a:rPr>
-              <a:t>)</a:t>
-            </a:r>
-          </a:p>
-        </p:txBody>
-      </p:sp>
-      <p:sp>
-        <p:nvSpPr>
-          <p:cNvPr id="4" name="Segnaposto contenuto 3">
-            <a:extLst>
-              <a:ext uri="{FF2B5EF4-FFF2-40B4-BE49-F238E27FC236}">
-                <a16:creationId xmlns:a16="http://schemas.microsoft.com/office/drawing/2014/main" id="{2DDA9C99-5A54-4B76-A1D3-1DFFFFE0B8ED}"/>
-              </a:ext>
-            </a:extLst>
-          </p:cNvPr>
-          <p:cNvSpPr>
-            <a:spLocks noGrp="1"/>
-          </p:cNvSpPr>
-          <p:nvPr>
-            <p:ph idx="1"/>
-          </p:nvPr>
-        </p:nvSpPr>
-        <p:spPr/>
-        <p:txBody>
-          <a:bodyPr/>
-          <a:lstStyle/>
-          <a:p>
-            <a:pPr>
-              <a:buClr>
-                <a:schemeClr val="accent1">
-                  <a:lumMod val="75000"/>
-                </a:schemeClr>
-              </a:buClr>
-              <a:buFont typeface="Wingdings" panose="05000000000000000000" pitchFamily="2" charset="2"/>
-              <a:buChar char="Ø"/>
-            </a:pPr>
-            <a:r>
-              <a:rPr lang="it-IT" b="1" dirty="0">
-                <a:solidFill>
-                  <a:srgbClr val="7030A0"/>
-                </a:solidFill>
-              </a:rPr>
-              <a:t> </a:t>
-            </a:r>
-            <a:r>
-              <a:rPr lang="it-IT" b="1" dirty="0">
-                <a:solidFill>
-                  <a:schemeClr val="accent4">
-                    <a:lumMod val="60000"/>
-                    <a:lumOff val="40000"/>
-                  </a:schemeClr>
-                </a:solidFill>
-              </a:rPr>
-              <a:t>BGP</a:t>
-            </a:r>
-            <a:r>
-              <a:rPr lang="it-IT" dirty="0">
-                <a:solidFill>
-                  <a:schemeClr val="bg1"/>
-                </a:solidFill>
-              </a:rPr>
-              <a:t> è un protocollo di instradamento, di tipo </a:t>
-            </a:r>
-            <a:r>
-              <a:rPr lang="it-IT" b="1" i="1" dirty="0" err="1">
-                <a:solidFill>
-                  <a:schemeClr val="accent4">
-                    <a:lumMod val="60000"/>
-                    <a:lumOff val="40000"/>
-                  </a:schemeClr>
-                </a:solidFill>
-              </a:rPr>
-              <a:t>distance</a:t>
-            </a:r>
-            <a:r>
-              <a:rPr lang="it-IT" b="1" i="1" dirty="0">
-                <a:solidFill>
-                  <a:schemeClr val="accent4">
-                    <a:lumMod val="60000"/>
-                    <a:lumOff val="40000"/>
-                  </a:schemeClr>
-                </a:solidFill>
-              </a:rPr>
-              <a:t> </a:t>
-            </a:r>
-            <a:r>
-              <a:rPr lang="it-IT" b="1" i="1" dirty="0" err="1">
-                <a:solidFill>
-                  <a:schemeClr val="accent4">
-                    <a:lumMod val="60000"/>
-                    <a:lumOff val="40000"/>
-                  </a:schemeClr>
-                </a:solidFill>
-              </a:rPr>
-              <a:t>vector</a:t>
-            </a:r>
-            <a:r>
-              <a:rPr lang="it-IT" i="1" dirty="0">
-                <a:solidFill>
-                  <a:schemeClr val="bg1"/>
-                </a:solidFill>
-              </a:rPr>
-              <a:t>, </a:t>
-            </a:r>
-            <a:r>
-              <a:rPr lang="it-IT" dirty="0">
-                <a:solidFill>
-                  <a:schemeClr val="bg1"/>
-                </a:solidFill>
-              </a:rPr>
-              <a:t>utilizzato su Internet per scambiare informazioni di </a:t>
-            </a:r>
-            <a:r>
-              <a:rPr lang="it-IT" dirty="0" err="1">
-                <a:solidFill>
-                  <a:schemeClr val="bg1"/>
-                </a:solidFill>
-              </a:rPr>
-              <a:t>routing</a:t>
-            </a:r>
-            <a:r>
-              <a:rPr lang="it-IT" dirty="0">
-                <a:solidFill>
-                  <a:schemeClr val="bg1"/>
-                </a:solidFill>
-              </a:rPr>
-              <a:t> tra </a:t>
-            </a:r>
-            <a:r>
-              <a:rPr lang="it-IT" b="1" dirty="0" err="1">
-                <a:solidFill>
-                  <a:schemeClr val="accent4">
-                    <a:lumMod val="60000"/>
-                    <a:lumOff val="40000"/>
-                  </a:schemeClr>
-                </a:solidFill>
-              </a:rPr>
-              <a:t>Autonomous</a:t>
-            </a:r>
-            <a:r>
-              <a:rPr lang="it-IT" b="1" dirty="0">
-                <a:solidFill>
-                  <a:schemeClr val="accent4">
-                    <a:lumMod val="60000"/>
-                    <a:lumOff val="40000"/>
-                  </a:schemeClr>
-                </a:solidFill>
-              </a:rPr>
-              <a:t> Systems </a:t>
-            </a:r>
-            <a:r>
-              <a:rPr lang="it-IT" dirty="0">
-                <a:solidFill>
-                  <a:schemeClr val="bg1"/>
-                </a:solidFill>
-              </a:rPr>
-              <a:t>(AS). </a:t>
-            </a:r>
-          </a:p>
-          <a:p>
-            <a:pPr>
-              <a:buClr>
-                <a:schemeClr val="accent1">
-                  <a:lumMod val="75000"/>
-                </a:schemeClr>
-              </a:buClr>
-              <a:buFont typeface="Wingdings" panose="05000000000000000000" pitchFamily="2" charset="2"/>
-              <a:buChar char="Ø"/>
-            </a:pPr>
-            <a:r>
-              <a:rPr lang="it-IT" dirty="0">
-                <a:solidFill>
-                  <a:schemeClr val="bg1"/>
-                </a:solidFill>
-              </a:rPr>
-              <a:t> Consente a reti diverse di comunicare e instradare il traffico da un punto all'altro su larga scala</a:t>
-            </a:r>
-            <a:r>
-              <a:rPr lang="it-IT" dirty="0"/>
-              <a:t>;</a:t>
-            </a:r>
-          </a:p>
-          <a:p>
-            <a:pPr>
-              <a:buClr>
-                <a:schemeClr val="accent1">
-                  <a:lumMod val="75000"/>
-                </a:schemeClr>
-              </a:buClr>
-              <a:buFont typeface="Wingdings" panose="05000000000000000000" pitchFamily="2" charset="2"/>
-              <a:buChar char="Ø"/>
-            </a:pPr>
-            <a:r>
-              <a:rPr lang="it-IT" dirty="0">
-                <a:solidFill>
-                  <a:schemeClr val="bg1"/>
-                </a:solidFill>
-              </a:rPr>
-              <a:t> Individua i </a:t>
-            </a:r>
-            <a:r>
-              <a:rPr lang="it-IT" b="1" dirty="0">
-                <a:solidFill>
-                  <a:schemeClr val="accent4">
-                    <a:lumMod val="60000"/>
-                    <a:lumOff val="40000"/>
-                  </a:schemeClr>
-                </a:solidFill>
-              </a:rPr>
-              <a:t>migliori percorsi</a:t>
-            </a:r>
-            <a:r>
-              <a:rPr lang="it-IT" b="1" dirty="0">
-                <a:solidFill>
-                  <a:srgbClr val="7030A0"/>
-                </a:solidFill>
-              </a:rPr>
-              <a:t> </a:t>
-            </a:r>
-            <a:r>
-              <a:rPr lang="it-IT" dirty="0">
-                <a:solidFill>
-                  <a:schemeClr val="bg1"/>
-                </a:solidFill>
-              </a:rPr>
-              <a:t>per il traffico di rete basandosi su criteri come il numero di hop (salti) tra router o specifiche politiche di </a:t>
-            </a:r>
-            <a:r>
-              <a:rPr lang="it-IT" dirty="0" err="1">
-                <a:solidFill>
-                  <a:schemeClr val="bg1"/>
-                </a:solidFill>
-              </a:rPr>
-              <a:t>routing</a:t>
-            </a:r>
-            <a:r>
-              <a:rPr lang="it-IT" dirty="0">
-                <a:solidFill>
-                  <a:schemeClr val="bg1"/>
-                </a:solidFill>
-              </a:rPr>
-              <a:t>;</a:t>
-            </a:r>
-          </a:p>
-          <a:p>
-            <a:pPr>
-              <a:buClr>
-                <a:schemeClr val="accent1">
-                  <a:lumMod val="75000"/>
-                </a:schemeClr>
-              </a:buClr>
-              <a:buFont typeface="Wingdings" panose="05000000000000000000" pitchFamily="2" charset="2"/>
-              <a:buChar char="Ø"/>
-            </a:pPr>
-            <a:r>
-              <a:rPr lang="it-IT" dirty="0">
-                <a:solidFill>
-                  <a:schemeClr val="bg1"/>
-                </a:solidFill>
-              </a:rPr>
-              <a:t> Scambia informazioni di </a:t>
-            </a:r>
-            <a:r>
-              <a:rPr lang="it-IT" dirty="0" err="1">
-                <a:solidFill>
-                  <a:schemeClr val="bg1"/>
-                </a:solidFill>
-              </a:rPr>
-              <a:t>routing</a:t>
-            </a:r>
-            <a:r>
-              <a:rPr lang="it-IT" dirty="0">
-                <a:solidFill>
-                  <a:schemeClr val="bg1"/>
-                </a:solidFill>
-              </a:rPr>
-              <a:t> sotto forma di </a:t>
-            </a:r>
-            <a:r>
-              <a:rPr lang="it-IT" b="1" dirty="0">
-                <a:solidFill>
-                  <a:schemeClr val="accent4">
-                    <a:lumMod val="60000"/>
-                    <a:lumOff val="40000"/>
-                  </a:schemeClr>
-                </a:solidFill>
-              </a:rPr>
-              <a:t>annunci di </a:t>
-            </a:r>
-            <a:r>
-              <a:rPr lang="it-IT" b="1" dirty="0" err="1">
-                <a:solidFill>
-                  <a:schemeClr val="accent4">
-                    <a:lumMod val="60000"/>
-                    <a:lumOff val="40000"/>
-                  </a:schemeClr>
-                </a:solidFill>
-              </a:rPr>
-              <a:t>route</a:t>
-            </a:r>
-            <a:r>
-              <a:rPr lang="it-IT" dirty="0">
-                <a:solidFill>
-                  <a:schemeClr val="bg1"/>
-                </a:solidFill>
-              </a:rPr>
-              <a:t>, permettendo ai vari router di aggiornarsi reciprocamente sui migliori percorsi;</a:t>
-            </a:r>
-          </a:p>
-        </p:txBody>
-      </p:sp>
-    </p:spTree>
-    <p:extLst>
-      <p:ext uri="{BB962C8B-B14F-4D97-AF65-F5344CB8AC3E}">
-        <p14:creationId xmlns:p14="http://schemas.microsoft.com/office/powerpoint/2010/main" val="2390807888"/>
-      </p:ext>
-    </p:extLst>
-  </p:cSld>
-  <p:clrMapOvr>
-    <a:masterClrMapping/>
-  </p:clrMapOvr>
-</p:sld>
-</file>
-
-<file path=ppt/slides/slide40.xml><?xml version="1.0" encoding="utf-8"?>
-<p:sld xmlns:a="http://schemas.openxmlformats.org/drawingml/2006/main" xmlns:r="http://schemas.openxmlformats.org/officeDocument/2006/relationships" xmlns:p="http://schemas.openxmlformats.org/presentationml/2006/main">
-  <p:cSld>
-    <p:bg>
-      <p:bgPr>
-        <a:solidFill>
-          <a:schemeClr val="tx1"/>
-        </a:solidFill>
-        <a:effectLst/>
-      </p:bgPr>
-    </p:bg>
-    <p:spTree>
-      <p:nvGrpSpPr>
-        <p:cNvPr id="1" name=""/>
-        <p:cNvGrpSpPr/>
-        <p:nvPr/>
-      </p:nvGrpSpPr>
-      <p:grpSpPr>
-        <a:xfrm>
-          <a:off x="0" y="0"/>
-          <a:ext cx="0" cy="0"/>
-          <a:chOff x="0" y="0"/>
-          <a:chExt cx="0" cy="0"/>
-        </a:xfrm>
-      </p:grpSpPr>
-      <p:sp>
-        <p:nvSpPr>
-          <p:cNvPr id="2" name="Titolo 1">
-            <a:extLst>
-              <a:ext uri="{FF2B5EF4-FFF2-40B4-BE49-F238E27FC236}">
-                <a16:creationId xmlns:a16="http://schemas.microsoft.com/office/drawing/2014/main" id="{3157CFA6-6737-4A96-8244-A0C81ABBC4A5}"/>
-              </a:ext>
-            </a:extLst>
-          </p:cNvPr>
-          <p:cNvSpPr>
-            <a:spLocks noGrp="1"/>
-          </p:cNvSpPr>
-          <p:nvPr>
-            <p:ph type="title"/>
-          </p:nvPr>
-        </p:nvSpPr>
-        <p:spPr/>
-        <p:txBody>
-          <a:bodyPr>
-            <a:normAutofit/>
-          </a:bodyPr>
-          <a:lstStyle/>
-          <a:p>
-            <a:r>
-              <a:rPr lang="it-IT" sz="5000" b="1" dirty="0">
-                <a:solidFill>
-                  <a:schemeClr val="accent1">
-                    <a:lumMod val="75000"/>
-                  </a:schemeClr>
-                </a:solidFill>
-              </a:rPr>
-              <a:t>MAC -</a:t>
-            </a:r>
-            <a:r>
-              <a:rPr lang="it-IT" sz="5000" b="1" dirty="0">
-                <a:solidFill>
-                  <a:srgbClr val="00B0F0"/>
-                </a:solidFill>
-              </a:rPr>
-              <a:t> </a:t>
-            </a:r>
-            <a:r>
-              <a:rPr lang="it-IT" sz="5000" b="1" dirty="0" err="1">
-                <a:solidFill>
-                  <a:schemeClr val="accent4">
-                    <a:lumMod val="60000"/>
-                    <a:lumOff val="40000"/>
-                  </a:schemeClr>
-                </a:solidFill>
-              </a:rPr>
-              <a:t>AppArmor</a:t>
-            </a:r>
-            <a:endParaRPr lang="it-IT" sz="5000" b="1" dirty="0">
-              <a:solidFill>
-                <a:schemeClr val="accent4">
-                  <a:lumMod val="60000"/>
-                  <a:lumOff val="40000"/>
-                </a:schemeClr>
-              </a:solidFill>
-            </a:endParaRPr>
-          </a:p>
-        </p:txBody>
-      </p:sp>
-      <p:sp>
-        <p:nvSpPr>
-          <p:cNvPr id="6" name="Segnaposto contenuto 5">
-            <a:extLst>
-              <a:ext uri="{FF2B5EF4-FFF2-40B4-BE49-F238E27FC236}">
-                <a16:creationId xmlns:a16="http://schemas.microsoft.com/office/drawing/2014/main" id="{0038248B-1010-433E-9091-488BFD49843A}"/>
-              </a:ext>
-            </a:extLst>
-          </p:cNvPr>
-          <p:cNvSpPr>
-            <a:spLocks noGrp="1"/>
-          </p:cNvSpPr>
-          <p:nvPr>
-            <p:ph idx="1"/>
-          </p:nvPr>
-        </p:nvSpPr>
-        <p:spPr>
-          <a:xfrm>
-            <a:off x="676656" y="2011680"/>
-            <a:ext cx="4301604" cy="3766185"/>
-          </a:xfrm>
-        </p:spPr>
-        <p:txBody>
-          <a:bodyPr>
-            <a:normAutofit/>
-          </a:bodyPr>
-          <a:lstStyle/>
-          <a:p>
-            <a:pPr marL="0" indent="0">
-              <a:buClr>
-                <a:srgbClr val="7030A0"/>
-              </a:buClr>
-              <a:buNone/>
-            </a:pPr>
-            <a:r>
-              <a:rPr lang="it-IT" dirty="0">
-                <a:solidFill>
-                  <a:schemeClr val="bg1"/>
-                </a:solidFill>
-              </a:rPr>
-              <a:t>Nel profilo troviamo:</a:t>
-            </a:r>
-          </a:p>
-          <a:p>
-            <a:pPr>
-              <a:buClr>
-                <a:schemeClr val="accent1">
-                  <a:lumMod val="75000"/>
-                </a:schemeClr>
-              </a:buClr>
-              <a:buFont typeface="Wingdings" panose="05000000000000000000" pitchFamily="2" charset="2"/>
-              <a:buChar char="Ø"/>
-            </a:pPr>
-            <a:r>
-              <a:rPr lang="it-IT" dirty="0">
-                <a:solidFill>
-                  <a:schemeClr val="bg1"/>
-                </a:solidFill>
-              </a:rPr>
-              <a:t> dei </a:t>
-            </a:r>
-            <a:r>
-              <a:rPr lang="it-IT" i="1" dirty="0">
-                <a:solidFill>
-                  <a:schemeClr val="bg1"/>
-                </a:solidFill>
-              </a:rPr>
-              <a:t>files</a:t>
-            </a:r>
-            <a:r>
-              <a:rPr lang="it-IT" dirty="0">
-                <a:solidFill>
-                  <a:schemeClr val="bg1"/>
-                </a:solidFill>
-              </a:rPr>
-              <a:t> e </a:t>
-            </a:r>
-            <a:r>
-              <a:rPr lang="it-IT" i="1" dirty="0">
-                <a:solidFill>
-                  <a:schemeClr val="bg1"/>
-                </a:solidFill>
-              </a:rPr>
-              <a:t>cartelle</a:t>
-            </a:r>
-            <a:r>
-              <a:rPr lang="it-IT" dirty="0">
-                <a:solidFill>
-                  <a:schemeClr val="bg1"/>
-                </a:solidFill>
-              </a:rPr>
-              <a:t> accessibili in sola lettura (</a:t>
-            </a:r>
-            <a:r>
-              <a:rPr lang="it-IT" b="1" dirty="0" err="1">
-                <a:solidFill>
-                  <a:schemeClr val="accent4">
-                    <a:lumMod val="60000"/>
-                    <a:lumOff val="40000"/>
-                  </a:schemeClr>
-                </a:solidFill>
-              </a:rPr>
-              <a:t>e.g</a:t>
-            </a:r>
-            <a:r>
-              <a:rPr lang="it-IT" b="1" dirty="0">
-                <a:solidFill>
-                  <a:schemeClr val="accent4">
-                    <a:lumMod val="60000"/>
-                    <a:lumOff val="40000"/>
-                  </a:schemeClr>
-                </a:solidFill>
-              </a:rPr>
-              <a:t>: </a:t>
-            </a:r>
-            <a:r>
-              <a:rPr lang="it-IT" b="1" dirty="0" err="1">
-                <a:solidFill>
-                  <a:schemeClr val="accent4">
-                    <a:lumMod val="60000"/>
-                    <a:lumOff val="40000"/>
-                  </a:schemeClr>
-                </a:solidFill>
-              </a:rPr>
-              <a:t>r_dir</a:t>
-            </a:r>
-            <a:r>
-              <a:rPr lang="it-IT" b="1" dirty="0">
-                <a:solidFill>
-                  <a:schemeClr val="accent4">
-                    <a:lumMod val="60000"/>
-                    <a:lumOff val="40000"/>
-                  </a:schemeClr>
-                </a:solidFill>
-              </a:rPr>
-              <a:t>, r_file.txt</a:t>
-            </a:r>
-            <a:r>
-              <a:rPr lang="it-IT" dirty="0">
-                <a:solidFill>
-                  <a:schemeClr val="bg1"/>
-                </a:solidFill>
-              </a:rPr>
-              <a:t>);</a:t>
-            </a:r>
-          </a:p>
-          <a:p>
-            <a:pPr>
-              <a:buClr>
-                <a:schemeClr val="accent1">
-                  <a:lumMod val="75000"/>
-                </a:schemeClr>
-              </a:buClr>
-              <a:buFont typeface="Wingdings" panose="05000000000000000000" pitchFamily="2" charset="2"/>
-              <a:buChar char="Ø"/>
-            </a:pPr>
-            <a:r>
-              <a:rPr lang="it-IT" dirty="0">
-                <a:solidFill>
-                  <a:schemeClr val="bg1"/>
-                </a:solidFill>
-              </a:rPr>
-              <a:t> dei </a:t>
-            </a:r>
-            <a:r>
-              <a:rPr lang="it-IT" i="1" dirty="0">
-                <a:solidFill>
-                  <a:schemeClr val="bg1"/>
-                </a:solidFill>
-              </a:rPr>
-              <a:t>files</a:t>
-            </a:r>
-            <a:r>
-              <a:rPr lang="it-IT" dirty="0">
-                <a:solidFill>
-                  <a:schemeClr val="bg1"/>
-                </a:solidFill>
-              </a:rPr>
-              <a:t> e </a:t>
-            </a:r>
-            <a:r>
-              <a:rPr lang="it-IT" i="1" dirty="0">
-                <a:solidFill>
-                  <a:schemeClr val="bg1"/>
-                </a:solidFill>
-              </a:rPr>
-              <a:t>cartelle</a:t>
-            </a:r>
-            <a:r>
-              <a:rPr lang="it-IT" dirty="0">
-                <a:solidFill>
-                  <a:schemeClr val="bg1"/>
-                </a:solidFill>
-              </a:rPr>
-              <a:t> accessibili in sola scrittura (</a:t>
-            </a:r>
-            <a:r>
-              <a:rPr lang="it-IT" b="1" dirty="0" err="1">
-                <a:solidFill>
-                  <a:schemeClr val="accent4">
-                    <a:lumMod val="60000"/>
-                    <a:lumOff val="40000"/>
-                  </a:schemeClr>
-                </a:solidFill>
-              </a:rPr>
-              <a:t>e.g</a:t>
-            </a:r>
-            <a:r>
-              <a:rPr lang="it-IT" b="1" dirty="0">
-                <a:solidFill>
-                  <a:schemeClr val="accent4">
-                    <a:lumMod val="60000"/>
-                    <a:lumOff val="40000"/>
-                  </a:schemeClr>
-                </a:solidFill>
-              </a:rPr>
-              <a:t>: </a:t>
-            </a:r>
-            <a:r>
-              <a:rPr lang="it-IT" b="1" dirty="0" err="1">
-                <a:solidFill>
-                  <a:schemeClr val="accent4">
-                    <a:lumMod val="60000"/>
-                    <a:lumOff val="40000"/>
-                  </a:schemeClr>
-                </a:solidFill>
-              </a:rPr>
-              <a:t>w_dir</a:t>
-            </a:r>
-            <a:r>
-              <a:rPr lang="it-IT" dirty="0">
-                <a:solidFill>
-                  <a:schemeClr val="bg1"/>
-                </a:solidFill>
-              </a:rPr>
-              <a:t>);</a:t>
-            </a:r>
-          </a:p>
-          <a:p>
-            <a:pPr>
-              <a:buClr>
-                <a:schemeClr val="accent1">
-                  <a:lumMod val="75000"/>
-                </a:schemeClr>
-              </a:buClr>
-              <a:buFont typeface="Wingdings" panose="05000000000000000000" pitchFamily="2" charset="2"/>
-              <a:buChar char="Ø"/>
-            </a:pPr>
-            <a:r>
-              <a:rPr lang="it-IT" dirty="0">
-                <a:solidFill>
-                  <a:schemeClr val="bg1"/>
-                </a:solidFill>
-              </a:rPr>
-              <a:t> </a:t>
-            </a:r>
-            <a:r>
-              <a:rPr lang="it-IT" dirty="0" err="1">
-                <a:solidFill>
-                  <a:schemeClr val="bg1"/>
-                </a:solidFill>
-              </a:rPr>
-              <a:t>restizioni</a:t>
-            </a:r>
-            <a:r>
-              <a:rPr lang="it-IT" dirty="0">
-                <a:solidFill>
-                  <a:schemeClr val="bg1"/>
-                </a:solidFill>
-              </a:rPr>
-              <a:t> in lettura e scrittura sulle principali cartelle di sistema (</a:t>
-            </a:r>
-            <a:r>
-              <a:rPr lang="it-IT" b="1" dirty="0" err="1">
-                <a:solidFill>
-                  <a:schemeClr val="accent4">
-                    <a:lumMod val="60000"/>
-                    <a:lumOff val="40000"/>
-                  </a:schemeClr>
-                </a:solidFill>
-              </a:rPr>
-              <a:t>e.g</a:t>
-            </a:r>
-            <a:r>
-              <a:rPr lang="it-IT" b="1" dirty="0">
-                <a:solidFill>
-                  <a:schemeClr val="accent4">
-                    <a:lumMod val="60000"/>
-                    <a:lumOff val="40000"/>
-                  </a:schemeClr>
-                </a:solidFill>
-              </a:rPr>
-              <a:t>: /root, /</a:t>
-            </a:r>
-            <a:r>
-              <a:rPr lang="it-IT" b="1" dirty="0" err="1">
-                <a:solidFill>
-                  <a:schemeClr val="accent4">
-                    <a:lumMod val="60000"/>
-                    <a:lumOff val="40000"/>
-                  </a:schemeClr>
-                </a:solidFill>
-              </a:rPr>
-              <a:t>etc</a:t>
-            </a:r>
-            <a:r>
-              <a:rPr lang="it-IT" b="1" dirty="0">
-                <a:solidFill>
-                  <a:schemeClr val="accent4">
-                    <a:lumMod val="60000"/>
-                    <a:lumOff val="40000"/>
-                  </a:schemeClr>
-                </a:solidFill>
-              </a:rPr>
-              <a:t>, /</a:t>
-            </a:r>
-            <a:r>
-              <a:rPr lang="it-IT" b="1" dirty="0" err="1">
-                <a:solidFill>
-                  <a:schemeClr val="accent4">
-                    <a:lumMod val="60000"/>
-                    <a:lumOff val="40000"/>
-                  </a:schemeClr>
-                </a:solidFill>
-              </a:rPr>
-              <a:t>var</a:t>
-            </a:r>
-            <a:r>
-              <a:rPr lang="it-IT" b="1" dirty="0">
-                <a:solidFill>
-                  <a:schemeClr val="accent4">
-                    <a:lumMod val="60000"/>
-                    <a:lumOff val="40000"/>
-                  </a:schemeClr>
-                </a:solidFill>
-              </a:rPr>
-              <a:t>, /bin, /</a:t>
-            </a:r>
-            <a:r>
-              <a:rPr lang="it-IT" b="1" dirty="0" err="1">
-                <a:solidFill>
-                  <a:schemeClr val="accent4">
-                    <a:lumMod val="60000"/>
-                    <a:lumOff val="40000"/>
-                  </a:schemeClr>
-                </a:solidFill>
-              </a:rPr>
-              <a:t>sbin</a:t>
-            </a:r>
-            <a:r>
-              <a:rPr lang="it-IT" b="1" dirty="0">
-                <a:solidFill>
-                  <a:schemeClr val="accent4">
-                    <a:lumMod val="60000"/>
-                    <a:lumOff val="40000"/>
-                  </a:schemeClr>
-                </a:solidFill>
-              </a:rPr>
-              <a:t>, /proc, /</a:t>
-            </a:r>
-            <a:r>
-              <a:rPr lang="it-IT" b="1" dirty="0" err="1">
-                <a:solidFill>
-                  <a:schemeClr val="accent4">
-                    <a:lumMod val="60000"/>
-                    <a:lumOff val="40000"/>
-                  </a:schemeClr>
-                </a:solidFill>
-              </a:rPr>
-              <a:t>sys</a:t>
-            </a:r>
-            <a:r>
-              <a:rPr lang="it-IT" dirty="0">
-                <a:solidFill>
-                  <a:schemeClr val="bg1"/>
-                </a:solidFill>
-              </a:rPr>
-              <a:t>);</a:t>
-            </a:r>
-          </a:p>
-        </p:txBody>
-      </p:sp>
-      <p:pic>
-        <p:nvPicPr>
-          <p:cNvPr id="4" name="Immagine 3">
-            <a:extLst>
-              <a:ext uri="{FF2B5EF4-FFF2-40B4-BE49-F238E27FC236}">
-                <a16:creationId xmlns:a16="http://schemas.microsoft.com/office/drawing/2014/main" id="{8567D8A4-936D-4D94-9228-30EE9DB2BA3E}"/>
-              </a:ext>
-            </a:extLst>
-          </p:cNvPr>
-          <p:cNvPicPr>
-            <a:picLocks noChangeAspect="1"/>
-          </p:cNvPicPr>
-          <p:nvPr/>
-        </p:nvPicPr>
-        <p:blipFill>
-          <a:blip r:embed="rId2"/>
-          <a:stretch>
-            <a:fillRect/>
-          </a:stretch>
-        </p:blipFill>
-        <p:spPr>
-          <a:xfrm>
-            <a:off x="5083036" y="580602"/>
-            <a:ext cx="6451739" cy="6026529"/>
-          </a:xfrm>
-          <a:prstGeom prst="rect">
-            <a:avLst/>
-          </a:prstGeom>
-        </p:spPr>
-      </p:pic>
-    </p:spTree>
-    <p:extLst>
-      <p:ext uri="{BB962C8B-B14F-4D97-AF65-F5344CB8AC3E}">
-        <p14:creationId xmlns:p14="http://schemas.microsoft.com/office/powerpoint/2010/main" val="864783123"/>
-      </p:ext>
-    </p:extLst>
-  </p:cSld>
-  <p:clrMapOvr>
-    <a:masterClrMapping/>
-  </p:clrMapOvr>
-</p:sld>
-</file>
-
-<file path=ppt/slides/slide41.xml><?xml version="1.0" encoding="utf-8"?>
-<p:sld xmlns:a="http://schemas.openxmlformats.org/drawingml/2006/main" xmlns:r="http://schemas.openxmlformats.org/officeDocument/2006/relationships" xmlns:p="http://schemas.openxmlformats.org/presentationml/2006/main">
-  <p:cSld>
-    <p:bg>
-      <p:bgPr>
-        <a:solidFill>
-          <a:schemeClr val="tx1"/>
-        </a:solidFill>
-        <a:effectLst/>
-      </p:bgPr>
-    </p:bg>
-    <p:spTree>
-      <p:nvGrpSpPr>
-        <p:cNvPr id="1" name=""/>
-        <p:cNvGrpSpPr/>
-        <p:nvPr/>
-      </p:nvGrpSpPr>
-      <p:grpSpPr>
-        <a:xfrm>
-          <a:off x="0" y="0"/>
-          <a:ext cx="0" cy="0"/>
-          <a:chOff x="0" y="0"/>
-          <a:chExt cx="0" cy="0"/>
-        </a:xfrm>
-      </p:grpSpPr>
-      <p:sp>
-        <p:nvSpPr>
-          <p:cNvPr id="2" name="Titolo 1">
-            <a:extLst>
-              <a:ext uri="{FF2B5EF4-FFF2-40B4-BE49-F238E27FC236}">
-                <a16:creationId xmlns:a16="http://schemas.microsoft.com/office/drawing/2014/main" id="{3157CFA6-6737-4A96-8244-A0C81ABBC4A5}"/>
-              </a:ext>
-            </a:extLst>
-          </p:cNvPr>
-          <p:cNvSpPr>
-            <a:spLocks noGrp="1"/>
-          </p:cNvSpPr>
-          <p:nvPr>
-            <p:ph type="title"/>
-          </p:nvPr>
-        </p:nvSpPr>
-        <p:spPr/>
-        <p:txBody>
-          <a:bodyPr>
-            <a:normAutofit/>
-          </a:bodyPr>
-          <a:lstStyle/>
-          <a:p>
-            <a:r>
-              <a:rPr lang="it-IT" sz="5000" b="1" dirty="0">
-                <a:solidFill>
-                  <a:schemeClr val="accent1">
-                    <a:lumMod val="75000"/>
-                  </a:schemeClr>
-                </a:solidFill>
-              </a:rPr>
-              <a:t>MAC -</a:t>
-            </a:r>
-            <a:r>
-              <a:rPr lang="it-IT" sz="5000" b="1" dirty="0">
-                <a:solidFill>
-                  <a:srgbClr val="00B0F0"/>
-                </a:solidFill>
-              </a:rPr>
-              <a:t> </a:t>
-            </a:r>
-            <a:r>
-              <a:rPr lang="it-IT" sz="5000" b="1" dirty="0" err="1">
-                <a:solidFill>
-                  <a:schemeClr val="accent4">
-                    <a:lumMod val="60000"/>
-                    <a:lumOff val="40000"/>
-                  </a:schemeClr>
-                </a:solidFill>
-              </a:rPr>
-              <a:t>AppArmor</a:t>
-            </a:r>
-            <a:endParaRPr lang="it-IT" sz="5000" b="1" dirty="0">
-              <a:solidFill>
-                <a:schemeClr val="accent4">
-                  <a:lumMod val="60000"/>
-                  <a:lumOff val="40000"/>
-                </a:schemeClr>
-              </a:solidFill>
-            </a:endParaRPr>
-          </a:p>
-        </p:txBody>
-      </p:sp>
-      <p:pic>
-        <p:nvPicPr>
-          <p:cNvPr id="5" name="Segnaposto contenuto 4">
-            <a:extLst>
-              <a:ext uri="{FF2B5EF4-FFF2-40B4-BE49-F238E27FC236}">
-                <a16:creationId xmlns:a16="http://schemas.microsoft.com/office/drawing/2014/main" id="{095136A2-05AB-4EC3-8E87-94DC6E6095DC}"/>
-              </a:ext>
-            </a:extLst>
-          </p:cNvPr>
-          <p:cNvPicPr>
-            <a:picLocks noGrp="1" noChangeAspect="1"/>
-          </p:cNvPicPr>
-          <p:nvPr>
-            <p:ph idx="1"/>
-          </p:nvPr>
-        </p:nvPicPr>
-        <p:blipFill>
-          <a:blip r:embed="rId2"/>
-          <a:stretch>
-            <a:fillRect/>
-          </a:stretch>
-        </p:blipFill>
-        <p:spPr>
-          <a:xfrm>
-            <a:off x="762001" y="1917276"/>
-            <a:ext cx="9126224" cy="1790950"/>
-          </a:xfrm>
-        </p:spPr>
-      </p:pic>
-      <p:pic>
-        <p:nvPicPr>
-          <p:cNvPr id="8" name="Immagine 7">
-            <a:extLst>
-              <a:ext uri="{FF2B5EF4-FFF2-40B4-BE49-F238E27FC236}">
-                <a16:creationId xmlns:a16="http://schemas.microsoft.com/office/drawing/2014/main" id="{3D0E00DC-7586-4180-B46C-FB1E553FB377}"/>
-              </a:ext>
-            </a:extLst>
-          </p:cNvPr>
-          <p:cNvPicPr>
-            <a:picLocks noChangeAspect="1"/>
-          </p:cNvPicPr>
-          <p:nvPr/>
-        </p:nvPicPr>
-        <p:blipFill>
-          <a:blip r:embed="rId3"/>
-          <a:stretch>
-            <a:fillRect/>
-          </a:stretch>
-        </p:blipFill>
-        <p:spPr>
-          <a:xfrm>
-            <a:off x="762001" y="3985795"/>
-            <a:ext cx="9126224" cy="1428949"/>
-          </a:xfrm>
-          <a:prstGeom prst="rect">
-            <a:avLst/>
-          </a:prstGeom>
-        </p:spPr>
-      </p:pic>
-    </p:spTree>
-    <p:extLst>
-      <p:ext uri="{BB962C8B-B14F-4D97-AF65-F5344CB8AC3E}">
-        <p14:creationId xmlns:p14="http://schemas.microsoft.com/office/powerpoint/2010/main" val="2111225640"/>
+        <p14:creationId xmlns:p14="http://schemas.microsoft.com/office/powerpoint/2010/main" val="1138418818"/>
       </p:ext>
     </p:extLst>
   </p:cSld>
@@ -19666,37 +20580,20 @@
           <a:lstStyle/>
           <a:p>
             <a:r>
-              <a:rPr lang="it-IT" sz="5000" b="1" dirty="0">
+              <a:rPr lang="it-IT" sz="5000" b="1" dirty="0" err="1">
                 <a:solidFill>
                   <a:schemeClr val="accent1">
                     <a:lumMod val="75000"/>
                   </a:schemeClr>
                 </a:solidFill>
               </a:rPr>
-              <a:t>MAC -</a:t>
-            </a:r>
-            <a:r>
-              <a:rPr lang="it-IT" sz="5000" b="1" dirty="0">
-                <a:solidFill>
-                  <a:srgbClr val="00B0F0"/>
-                </a:solidFill>
-              </a:rPr>
-              <a:t> </a:t>
-            </a:r>
-            <a:r>
-              <a:rPr lang="it-IT" sz="5000" b="1" dirty="0" err="1">
-                <a:solidFill>
-                  <a:schemeClr val="accent4">
-                    <a:lumMod val="60000"/>
-                    <a:lumOff val="40000"/>
-                  </a:schemeClr>
-                </a:solidFill>
-              </a:rPr>
-              <a:t>AppArmor</a:t>
+              <a:t>OpenVPN</a:t>
             </a:r>
             <a:endParaRPr lang="it-IT" sz="5000" b="1" dirty="0">
               <a:solidFill>
-                <a:srgbClr val="7030A0"/>
+                <a:schemeClr val="accent1">
+                  <a:lumMod val="75000"/>
+                </a:schemeClr>
               </a:solidFill>
             </a:endParaRPr>
           </a:p>
@@ -19704,10 +20601,10 @@
       </p:sp>
       <p:pic>
         <p:nvPicPr>
-          <p:cNvPr id="7" name="Segnaposto contenuto 6">
-            <a:extLst>
-              <a:ext uri="{FF2B5EF4-FFF2-40B4-BE49-F238E27FC236}">
-                <a16:creationId xmlns:a16="http://schemas.microsoft.com/office/drawing/2014/main" id="{A813F3EF-EAEE-4ACD-88C2-BA570D083C3D}"/>
+          <p:cNvPr id="5" name="Segnaposto contenuto 4">
+            <a:extLst>
+              <a:ext uri="{FF2B5EF4-FFF2-40B4-BE49-F238E27FC236}">
+                <a16:creationId xmlns:a16="http://schemas.microsoft.com/office/drawing/2014/main" id="{4FA916C6-E85C-493F-AFF8-44B1B213F4D3}"/>
               </a:ext>
             </a:extLst>
           </p:cNvPr>
@@ -19726,17 +20623,883 @@
         </p:blipFill>
         <p:spPr>
           <a:xfrm>
-            <a:off x="762001" y="1911162"/>
-            <a:ext cx="9069066" cy="1752845"/>
+            <a:off x="1552663" y="1692581"/>
+            <a:ext cx="9086674" cy="4777938"/>
           </a:xfrm>
         </p:spPr>
       </p:pic>
+      <p:sp>
+        <p:nvSpPr>
+          <p:cNvPr id="11" name="CasellaDiTesto 10">
+            <a:extLst>
+              <a:ext uri="{FF2B5EF4-FFF2-40B4-BE49-F238E27FC236}">
+                <a16:creationId xmlns:a16="http://schemas.microsoft.com/office/drawing/2014/main" id="{329617D6-6806-4A20-AF60-E4442C27EDF8}"/>
+              </a:ext>
+            </a:extLst>
+          </p:cNvPr>
+          <p:cNvSpPr txBox="1"/>
+          <p:nvPr/>
+        </p:nvSpPr>
+        <p:spPr>
+          <a:xfrm>
+            <a:off x="1554480" y="5935497"/>
+            <a:ext cx="1112805" cy="338554"/>
+          </a:xfrm>
+          <a:prstGeom prst="rect">
+            <a:avLst/>
+          </a:prstGeom>
+          <a:noFill/>
+        </p:spPr>
+        <p:txBody>
+          <a:bodyPr wrap="none" rtlCol="0">
+            <a:spAutoFit/>
+          </a:bodyPr>
+          <a:lstStyle/>
+          <a:p>
+            <a:r>
+              <a:rPr lang="it-IT" sz="800" b="1" dirty="0" err="1">
+                <a:solidFill>
+                  <a:srgbClr val="C00000"/>
+                </a:solidFill>
+              </a:rPr>
+              <a:t>openvpn</a:t>
+            </a:r>
+            <a:r>
+              <a:rPr lang="it-IT" sz="800" b="1" dirty="0">
+                <a:solidFill>
+                  <a:srgbClr val="C00000"/>
+                </a:solidFill>
+              </a:rPr>
+              <a:t>-client</a:t>
+            </a:r>
+          </a:p>
+          <a:p>
+            <a:r>
+              <a:rPr lang="it-IT" sz="800" b="1" dirty="0">
+                <a:solidFill>
+                  <a:srgbClr val="C00000"/>
+                </a:solidFill>
+              </a:rPr>
+              <a:t>tun0: </a:t>
+            </a:r>
+            <a:r>
+              <a:rPr lang="it-IT" sz="800" b="1" dirty="0">
+                <a:solidFill>
+                  <a:srgbClr val="0070C0"/>
+                </a:solidFill>
+              </a:rPr>
+              <a:t>192.168.100.101</a:t>
+            </a:r>
+          </a:p>
+        </p:txBody>
+      </p:sp>
+      <p:sp>
+        <p:nvSpPr>
+          <p:cNvPr id="13" name="CasellaDiTesto 12">
+            <a:extLst>
+              <a:ext uri="{FF2B5EF4-FFF2-40B4-BE49-F238E27FC236}">
+                <a16:creationId xmlns:a16="http://schemas.microsoft.com/office/drawing/2014/main" id="{6165E55D-C744-40C2-933D-9EBA5E0DB8E9}"/>
+              </a:ext>
+            </a:extLst>
+          </p:cNvPr>
+          <p:cNvSpPr txBox="1"/>
+          <p:nvPr/>
+        </p:nvSpPr>
+        <p:spPr>
+          <a:xfrm>
+            <a:off x="7124700" y="4248835"/>
+            <a:ext cx="1104900" cy="338554"/>
+          </a:xfrm>
+          <a:prstGeom prst="rect">
+            <a:avLst/>
+          </a:prstGeom>
+          <a:noFill/>
+        </p:spPr>
+        <p:txBody>
+          <a:bodyPr wrap="square">
+            <a:spAutoFit/>
+          </a:bodyPr>
+          <a:lstStyle/>
+          <a:p>
+            <a:r>
+              <a:rPr lang="it-IT" sz="800" b="1" dirty="0" err="1">
+                <a:solidFill>
+                  <a:srgbClr val="C00000"/>
+                </a:solidFill>
+              </a:rPr>
+              <a:t>openvpn</a:t>
+            </a:r>
+            <a:r>
+              <a:rPr lang="it-IT" sz="800" b="1" dirty="0">
+                <a:solidFill>
+                  <a:srgbClr val="C00000"/>
+                </a:solidFill>
+              </a:rPr>
+              <a:t>-server</a:t>
+            </a:r>
+          </a:p>
+          <a:p>
+            <a:r>
+              <a:rPr lang="it-IT" sz="800" b="1" dirty="0">
+                <a:solidFill>
+                  <a:srgbClr val="C00000"/>
+                </a:solidFill>
+              </a:rPr>
+              <a:t>tun0: </a:t>
+            </a:r>
+            <a:r>
+              <a:rPr lang="it-IT" sz="800" b="1" dirty="0">
+                <a:solidFill>
+                  <a:srgbClr val="0070C0"/>
+                </a:solidFill>
+              </a:rPr>
+              <a:t>192.168.100.1</a:t>
+            </a:r>
+          </a:p>
+        </p:txBody>
+      </p:sp>
+      <p:sp>
+        <p:nvSpPr>
+          <p:cNvPr id="15" name="CasellaDiTesto 14">
+            <a:extLst>
+              <a:ext uri="{FF2B5EF4-FFF2-40B4-BE49-F238E27FC236}">
+                <a16:creationId xmlns:a16="http://schemas.microsoft.com/office/drawing/2014/main" id="{BF1A64F1-F948-49ED-A8C3-AE25DEBFF7AA}"/>
+              </a:ext>
+            </a:extLst>
+          </p:cNvPr>
+          <p:cNvSpPr txBox="1"/>
+          <p:nvPr/>
+        </p:nvSpPr>
+        <p:spPr>
+          <a:xfrm>
+            <a:off x="9853568" y="3006775"/>
+            <a:ext cx="1112520" cy="338554"/>
+          </a:xfrm>
+          <a:prstGeom prst="rect">
+            <a:avLst/>
+          </a:prstGeom>
+          <a:noFill/>
+        </p:spPr>
+        <p:txBody>
+          <a:bodyPr wrap="square">
+            <a:spAutoFit/>
+          </a:bodyPr>
+          <a:lstStyle/>
+          <a:p>
+            <a:r>
+              <a:rPr lang="it-IT" sz="800" b="1" dirty="0" err="1">
+                <a:solidFill>
+                  <a:srgbClr val="C00000"/>
+                </a:solidFill>
+              </a:rPr>
+              <a:t>openvpn</a:t>
+            </a:r>
+            <a:r>
+              <a:rPr lang="it-IT" sz="800" b="1" dirty="0">
+                <a:solidFill>
+                  <a:srgbClr val="C00000"/>
+                </a:solidFill>
+              </a:rPr>
+              <a:t>-client</a:t>
+            </a:r>
+          </a:p>
+          <a:p>
+            <a:r>
+              <a:rPr lang="it-IT" sz="800" b="1" dirty="0">
+                <a:solidFill>
+                  <a:srgbClr val="C00000"/>
+                </a:solidFill>
+              </a:rPr>
+              <a:t>tun0: </a:t>
+            </a:r>
+            <a:r>
+              <a:rPr lang="it-IT" sz="800" b="1" dirty="0">
+                <a:solidFill>
+                  <a:srgbClr val="0070C0"/>
+                </a:solidFill>
+              </a:rPr>
+              <a:t>192.168.100.105</a:t>
+            </a:r>
+          </a:p>
+        </p:txBody>
+      </p:sp>
+      <p:sp>
+        <p:nvSpPr>
+          <p:cNvPr id="16" name="Rettangolo con angoli arrotondati 15">
+            <a:extLst>
+              <a:ext uri="{FF2B5EF4-FFF2-40B4-BE49-F238E27FC236}">
+                <a16:creationId xmlns:a16="http://schemas.microsoft.com/office/drawing/2014/main" id="{47C1B66B-5661-49D3-9D82-AF3957D5AF59}"/>
+              </a:ext>
+            </a:extLst>
+          </p:cNvPr>
+          <p:cNvSpPr/>
+          <p:nvPr/>
+        </p:nvSpPr>
+        <p:spPr>
+          <a:xfrm>
+            <a:off x="1552662" y="5829300"/>
+            <a:ext cx="1670597" cy="529167"/>
+          </a:xfrm>
+          <a:prstGeom prst="roundRect">
+            <a:avLst/>
+          </a:prstGeom>
+          <a:noFill/>
+          <a:ln w="63500">
+            <a:solidFill>
+              <a:schemeClr val="accent1">
+                <a:lumMod val="75000"/>
+              </a:schemeClr>
+            </a:solidFill>
+          </a:ln>
+        </p:spPr>
+        <p:style>
+          <a:lnRef idx="2">
+            <a:schemeClr val="accent1">
+              <a:shade val="50000"/>
+            </a:schemeClr>
+          </a:lnRef>
+          <a:fillRef idx="1">
+            <a:schemeClr val="accent1"/>
+          </a:fillRef>
+          <a:effectRef idx="0">
+            <a:schemeClr val="accent1"/>
+          </a:effectRef>
+          <a:fontRef idx="minor">
+            <a:schemeClr val="lt1"/>
+          </a:fontRef>
+        </p:style>
+        <p:txBody>
+          <a:bodyPr rtlCol="0" anchor="ctr"/>
+          <a:lstStyle/>
+          <a:p>
+            <a:pPr algn="ctr"/>
+            <a:endParaRPr lang="it-IT"/>
+          </a:p>
+        </p:txBody>
+      </p:sp>
+      <p:sp>
+        <p:nvSpPr>
+          <p:cNvPr id="17" name="Rettangolo con angoli arrotondati 16">
+            <a:extLst>
+              <a:ext uri="{FF2B5EF4-FFF2-40B4-BE49-F238E27FC236}">
+                <a16:creationId xmlns:a16="http://schemas.microsoft.com/office/drawing/2014/main" id="{5CE5C012-E25B-4A02-9159-5A097D65FF86}"/>
+              </a:ext>
+            </a:extLst>
+          </p:cNvPr>
+          <p:cNvSpPr/>
+          <p:nvPr/>
+        </p:nvSpPr>
+        <p:spPr>
+          <a:xfrm>
+            <a:off x="6559003" y="4178723"/>
+            <a:ext cx="1548677" cy="521547"/>
+          </a:xfrm>
+          <a:prstGeom prst="roundRect">
+            <a:avLst/>
+          </a:prstGeom>
+          <a:noFill/>
+          <a:ln w="63500">
+            <a:solidFill>
+              <a:schemeClr val="accent1">
+                <a:lumMod val="75000"/>
+              </a:schemeClr>
+            </a:solidFill>
+          </a:ln>
+        </p:spPr>
+        <p:style>
+          <a:lnRef idx="2">
+            <a:schemeClr val="accent1">
+              <a:shade val="50000"/>
+            </a:schemeClr>
+          </a:lnRef>
+          <a:fillRef idx="1">
+            <a:schemeClr val="accent1"/>
+          </a:fillRef>
+          <a:effectRef idx="0">
+            <a:schemeClr val="accent1"/>
+          </a:effectRef>
+          <a:fontRef idx="minor">
+            <a:schemeClr val="lt1"/>
+          </a:fontRef>
+        </p:style>
+        <p:txBody>
+          <a:bodyPr rtlCol="0" anchor="ctr"/>
+          <a:lstStyle/>
+          <a:p>
+            <a:pPr algn="ctr"/>
+            <a:endParaRPr lang="it-IT"/>
+          </a:p>
+        </p:txBody>
+      </p:sp>
+      <p:sp>
+        <p:nvSpPr>
+          <p:cNvPr id="18" name="Rettangolo con angoli arrotondati 17">
+            <a:extLst>
+              <a:ext uri="{FF2B5EF4-FFF2-40B4-BE49-F238E27FC236}">
+                <a16:creationId xmlns:a16="http://schemas.microsoft.com/office/drawing/2014/main" id="{FDAE74FA-C87C-4192-B90F-D249638DAC9C}"/>
+              </a:ext>
+            </a:extLst>
+          </p:cNvPr>
+          <p:cNvSpPr/>
+          <p:nvPr/>
+        </p:nvSpPr>
+        <p:spPr>
+          <a:xfrm>
+            <a:off x="9546043" y="2654505"/>
+            <a:ext cx="1487717" cy="690824"/>
+          </a:xfrm>
+          <a:prstGeom prst="roundRect">
+            <a:avLst/>
+          </a:prstGeom>
+          <a:noFill/>
+          <a:ln w="63500">
+            <a:solidFill>
+              <a:schemeClr val="accent1">
+                <a:lumMod val="75000"/>
+              </a:schemeClr>
+            </a:solidFill>
+          </a:ln>
+        </p:spPr>
+        <p:style>
+          <a:lnRef idx="2">
+            <a:schemeClr val="accent1">
+              <a:shade val="50000"/>
+            </a:schemeClr>
+          </a:lnRef>
+          <a:fillRef idx="1">
+            <a:schemeClr val="accent1"/>
+          </a:fillRef>
+          <a:effectRef idx="0">
+            <a:schemeClr val="accent1"/>
+          </a:effectRef>
+          <a:fontRef idx="minor">
+            <a:schemeClr val="lt1"/>
+          </a:fontRef>
+        </p:style>
+        <p:txBody>
+          <a:bodyPr rtlCol="0" anchor="ctr"/>
+          <a:lstStyle/>
+          <a:p>
+            <a:pPr algn="ctr"/>
+            <a:endParaRPr lang="it-IT"/>
+          </a:p>
+        </p:txBody>
+      </p:sp>
+      <p:sp>
+        <p:nvSpPr>
+          <p:cNvPr id="12" name="Figura a mano libera: forma 11">
+            <a:extLst>
+              <a:ext uri="{FF2B5EF4-FFF2-40B4-BE49-F238E27FC236}">
+                <a16:creationId xmlns:a16="http://schemas.microsoft.com/office/drawing/2014/main" id="{479D26FC-C4A5-4D79-8FB7-A3EAF4E7A3D0}"/>
+              </a:ext>
+            </a:extLst>
+          </p:cNvPr>
+          <p:cNvSpPr/>
+          <p:nvPr/>
+        </p:nvSpPr>
+        <p:spPr>
+          <a:xfrm>
+            <a:off x="3223259" y="4511040"/>
+            <a:ext cx="3335744" cy="1318260"/>
+          </a:xfrm>
+          <a:custGeom>
+            <a:avLst/>
+            <a:gdLst>
+              <a:gd name="connsiteX0" fmla="*/ 0 w 3779520"/>
+              <a:gd name="connsiteY0" fmla="*/ 1455420 h 1455420"/>
+              <a:gd name="connsiteX1" fmla="*/ 1638300 w 3779520"/>
+              <a:gd name="connsiteY1" fmla="*/ 388620 h 1455420"/>
+              <a:gd name="connsiteX2" fmla="*/ 3779520 w 3779520"/>
+              <a:gd name="connsiteY2" fmla="*/ 0 h 1455420"/>
+              <a:gd name="connsiteX3" fmla="*/ 3779520 w 3779520"/>
+              <a:gd name="connsiteY3" fmla="*/ 0 h 1455420"/>
+            </a:gdLst>
+            <a:ahLst/>
+            <a:cxnLst>
+              <a:cxn ang="0">
+                <a:pos x="connsiteX0" y="connsiteY0"/>
+              </a:cxn>
+              <a:cxn ang="0">
+                <a:pos x="connsiteX1" y="connsiteY1"/>
+              </a:cxn>
+              <a:cxn ang="0">
+                <a:pos x="connsiteX2" y="connsiteY2"/>
+              </a:cxn>
+              <a:cxn ang="0">
+                <a:pos x="connsiteX3" y="connsiteY3"/>
+              </a:cxn>
+            </a:cxnLst>
+            <a:rect l="l" t="t" r="r" b="b"/>
+            <a:pathLst>
+              <a:path w="3779520" h="1455420">
+                <a:moveTo>
+                  <a:pt x="0" y="1455420"/>
+                </a:moveTo>
+                <a:cubicBezTo>
+                  <a:pt x="504190" y="1043305"/>
+                  <a:pt x="1008380" y="631190"/>
+                  <a:pt x="1638300" y="388620"/>
+                </a:cubicBezTo>
+                <a:cubicBezTo>
+                  <a:pt x="2268220" y="146050"/>
+                  <a:pt x="3779520" y="0"/>
+                  <a:pt x="3779520" y="0"/>
+                </a:cubicBezTo>
+                <a:lnTo>
+                  <a:pt x="3779520" y="0"/>
+                </a:lnTo>
+              </a:path>
+            </a:pathLst>
+          </a:custGeom>
+          <a:noFill/>
+          <a:ln w="63500">
+            <a:solidFill>
+              <a:schemeClr val="accent1">
+                <a:lumMod val="75000"/>
+              </a:schemeClr>
+            </a:solidFill>
+            <a:tailEnd type="triangle"/>
+          </a:ln>
+        </p:spPr>
+        <p:style>
+          <a:lnRef idx="2">
+            <a:schemeClr val="accent1">
+              <a:shade val="50000"/>
+            </a:schemeClr>
+          </a:lnRef>
+          <a:fillRef idx="1">
+            <a:schemeClr val="accent1"/>
+          </a:fillRef>
+          <a:effectRef idx="0">
+            <a:schemeClr val="accent1"/>
+          </a:effectRef>
+          <a:fontRef idx="minor">
+            <a:schemeClr val="lt1"/>
+          </a:fontRef>
+        </p:style>
+        <p:txBody>
+          <a:bodyPr rtlCol="0" anchor="ctr"/>
+          <a:lstStyle/>
+          <a:p>
+            <a:pPr algn="ctr"/>
+            <a:endParaRPr lang="it-IT"/>
+          </a:p>
+        </p:txBody>
+      </p:sp>
+      <p:sp>
+        <p:nvSpPr>
+          <p:cNvPr id="14" name="Figura a mano libera: forma 13">
+            <a:extLst>
+              <a:ext uri="{FF2B5EF4-FFF2-40B4-BE49-F238E27FC236}">
+                <a16:creationId xmlns:a16="http://schemas.microsoft.com/office/drawing/2014/main" id="{915F9BB8-681A-46BB-B98B-E0F3438CE0E5}"/>
+              </a:ext>
+            </a:extLst>
+          </p:cNvPr>
+          <p:cNvSpPr/>
+          <p:nvPr/>
+        </p:nvSpPr>
+        <p:spPr>
+          <a:xfrm flipV="1">
+            <a:off x="7124698" y="4700268"/>
+            <a:ext cx="403861" cy="935093"/>
+          </a:xfrm>
+          <a:custGeom>
+            <a:avLst/>
+            <a:gdLst>
+              <a:gd name="connsiteX0" fmla="*/ 0 w 3779520"/>
+              <a:gd name="connsiteY0" fmla="*/ 1455420 h 1455420"/>
+              <a:gd name="connsiteX1" fmla="*/ 1638300 w 3779520"/>
+              <a:gd name="connsiteY1" fmla="*/ 388620 h 1455420"/>
+              <a:gd name="connsiteX2" fmla="*/ 3779520 w 3779520"/>
+              <a:gd name="connsiteY2" fmla="*/ 0 h 1455420"/>
+              <a:gd name="connsiteX3" fmla="*/ 3779520 w 3779520"/>
+              <a:gd name="connsiteY3" fmla="*/ 0 h 1455420"/>
+            </a:gdLst>
+            <a:ahLst/>
+            <a:cxnLst>
+              <a:cxn ang="0">
+                <a:pos x="connsiteX0" y="connsiteY0"/>
+              </a:cxn>
+              <a:cxn ang="0">
+                <a:pos x="connsiteX1" y="connsiteY1"/>
+              </a:cxn>
+              <a:cxn ang="0">
+                <a:pos x="connsiteX2" y="connsiteY2"/>
+              </a:cxn>
+              <a:cxn ang="0">
+                <a:pos x="connsiteX3" y="connsiteY3"/>
+              </a:cxn>
+            </a:cxnLst>
+            <a:rect l="l" t="t" r="r" b="b"/>
+            <a:pathLst>
+              <a:path w="3779520" h="1455420">
+                <a:moveTo>
+                  <a:pt x="0" y="1455420"/>
+                </a:moveTo>
+                <a:cubicBezTo>
+                  <a:pt x="504190" y="1043305"/>
+                  <a:pt x="1008380" y="631190"/>
+                  <a:pt x="1638300" y="388620"/>
+                </a:cubicBezTo>
+                <a:cubicBezTo>
+                  <a:pt x="2268220" y="146050"/>
+                  <a:pt x="3779520" y="0"/>
+                  <a:pt x="3779520" y="0"/>
+                </a:cubicBezTo>
+                <a:lnTo>
+                  <a:pt x="3779520" y="0"/>
+                </a:lnTo>
+              </a:path>
+            </a:pathLst>
+          </a:custGeom>
+          <a:noFill/>
+          <a:ln w="63500">
+            <a:solidFill>
+              <a:schemeClr val="accent1">
+                <a:lumMod val="75000"/>
+              </a:schemeClr>
+            </a:solidFill>
+            <a:tailEnd type="triangle"/>
+          </a:ln>
+        </p:spPr>
+        <p:style>
+          <a:lnRef idx="2">
+            <a:schemeClr val="accent1">
+              <a:shade val="50000"/>
+            </a:schemeClr>
+          </a:lnRef>
+          <a:fillRef idx="1">
+            <a:schemeClr val="accent1"/>
+          </a:fillRef>
+          <a:effectRef idx="0">
+            <a:schemeClr val="accent1"/>
+          </a:effectRef>
+          <a:fontRef idx="minor">
+            <a:schemeClr val="lt1"/>
+          </a:fontRef>
+        </p:style>
+        <p:txBody>
+          <a:bodyPr rtlCol="0" anchor="ctr"/>
+          <a:lstStyle/>
+          <a:p>
+            <a:pPr algn="ctr"/>
+            <a:endParaRPr lang="it-IT"/>
+          </a:p>
+        </p:txBody>
+      </p:sp>
+      <p:sp>
+        <p:nvSpPr>
+          <p:cNvPr id="20" name="Ovale 19">
+            <a:extLst>
+              <a:ext uri="{FF2B5EF4-FFF2-40B4-BE49-F238E27FC236}">
+                <a16:creationId xmlns:a16="http://schemas.microsoft.com/office/drawing/2014/main" id="{4FD40DEE-F188-4E3F-9B52-58CF97FE47F1}"/>
+              </a:ext>
+            </a:extLst>
+          </p:cNvPr>
+          <p:cNvSpPr/>
+          <p:nvPr/>
+        </p:nvSpPr>
+        <p:spPr>
+          <a:xfrm>
+            <a:off x="7303209" y="5635362"/>
+            <a:ext cx="710968" cy="690823"/>
+          </a:xfrm>
+          <a:prstGeom prst="ellipse">
+            <a:avLst/>
+          </a:prstGeom>
+          <a:noFill/>
+          <a:ln w="38100">
+            <a:solidFill>
+              <a:schemeClr val="accent1">
+                <a:lumMod val="75000"/>
+              </a:schemeClr>
+            </a:solidFill>
+          </a:ln>
+        </p:spPr>
+        <p:style>
+          <a:lnRef idx="2">
+            <a:schemeClr val="accent6"/>
+          </a:lnRef>
+          <a:fillRef idx="1">
+            <a:schemeClr val="lt1"/>
+          </a:fillRef>
+          <a:effectRef idx="0">
+            <a:schemeClr val="accent6"/>
+          </a:effectRef>
+          <a:fontRef idx="minor">
+            <a:schemeClr val="dk1"/>
+          </a:fontRef>
+        </p:style>
+        <p:txBody>
+          <a:bodyPr rtlCol="0" anchor="ctr"/>
+          <a:lstStyle/>
+          <a:p>
+            <a:pPr algn="ctr"/>
+            <a:endParaRPr lang="it-IT"/>
+          </a:p>
+        </p:txBody>
+      </p:sp>
+      <p:sp>
+        <p:nvSpPr>
+          <p:cNvPr id="19" name="Figura a mano libera: forma 18">
+            <a:extLst>
+              <a:ext uri="{FF2B5EF4-FFF2-40B4-BE49-F238E27FC236}">
+                <a16:creationId xmlns:a16="http://schemas.microsoft.com/office/drawing/2014/main" id="{974E6C9D-1C67-40BD-8AE7-FCC0998A743F}"/>
+              </a:ext>
+            </a:extLst>
+          </p:cNvPr>
+          <p:cNvSpPr/>
+          <p:nvPr/>
+        </p:nvSpPr>
+        <p:spPr>
+          <a:xfrm flipV="1">
+            <a:off x="7360918" y="4700266"/>
+            <a:ext cx="2375134" cy="1080170"/>
+          </a:xfrm>
+          <a:custGeom>
+            <a:avLst/>
+            <a:gdLst>
+              <a:gd name="connsiteX0" fmla="*/ 0 w 3779520"/>
+              <a:gd name="connsiteY0" fmla="*/ 1455420 h 1455420"/>
+              <a:gd name="connsiteX1" fmla="*/ 1638300 w 3779520"/>
+              <a:gd name="connsiteY1" fmla="*/ 388620 h 1455420"/>
+              <a:gd name="connsiteX2" fmla="*/ 3779520 w 3779520"/>
+              <a:gd name="connsiteY2" fmla="*/ 0 h 1455420"/>
+              <a:gd name="connsiteX3" fmla="*/ 3779520 w 3779520"/>
+              <a:gd name="connsiteY3" fmla="*/ 0 h 1455420"/>
+            </a:gdLst>
+            <a:ahLst/>
+            <a:cxnLst>
+              <a:cxn ang="0">
+                <a:pos x="connsiteX0" y="connsiteY0"/>
+              </a:cxn>
+              <a:cxn ang="0">
+                <a:pos x="connsiteX1" y="connsiteY1"/>
+              </a:cxn>
+              <a:cxn ang="0">
+                <a:pos x="connsiteX2" y="connsiteY2"/>
+              </a:cxn>
+              <a:cxn ang="0">
+                <a:pos x="connsiteX3" y="connsiteY3"/>
+              </a:cxn>
+            </a:cxnLst>
+            <a:rect l="l" t="t" r="r" b="b"/>
+            <a:pathLst>
+              <a:path w="3779520" h="1455420">
+                <a:moveTo>
+                  <a:pt x="0" y="1455420"/>
+                </a:moveTo>
+                <a:cubicBezTo>
+                  <a:pt x="504190" y="1043305"/>
+                  <a:pt x="1008380" y="631190"/>
+                  <a:pt x="1638300" y="388620"/>
+                </a:cubicBezTo>
+                <a:cubicBezTo>
+                  <a:pt x="2268220" y="146050"/>
+                  <a:pt x="3779520" y="0"/>
+                  <a:pt x="3779520" y="0"/>
+                </a:cubicBezTo>
+                <a:lnTo>
+                  <a:pt x="3779520" y="0"/>
+                </a:lnTo>
+              </a:path>
+            </a:pathLst>
+          </a:custGeom>
+          <a:noFill/>
+          <a:ln w="63500">
+            <a:solidFill>
+              <a:schemeClr val="accent1">
+                <a:lumMod val="75000"/>
+              </a:schemeClr>
+            </a:solidFill>
+            <a:tailEnd type="triangle"/>
+          </a:ln>
+        </p:spPr>
+        <p:style>
+          <a:lnRef idx="2">
+            <a:schemeClr val="accent1">
+              <a:shade val="50000"/>
+            </a:schemeClr>
+          </a:lnRef>
+          <a:fillRef idx="1">
+            <a:schemeClr val="accent1"/>
+          </a:fillRef>
+          <a:effectRef idx="0">
+            <a:schemeClr val="accent1"/>
+          </a:effectRef>
+          <a:fontRef idx="minor">
+            <a:schemeClr val="lt1"/>
+          </a:fontRef>
+        </p:style>
+        <p:txBody>
+          <a:bodyPr rtlCol="0" anchor="ctr"/>
+          <a:lstStyle/>
+          <a:p>
+            <a:pPr algn="ctr"/>
+            <a:endParaRPr lang="it-IT"/>
+          </a:p>
+        </p:txBody>
+      </p:sp>
+      <p:sp>
+        <p:nvSpPr>
+          <p:cNvPr id="22" name="Ovale 21">
+            <a:extLst>
+              <a:ext uri="{FF2B5EF4-FFF2-40B4-BE49-F238E27FC236}">
+                <a16:creationId xmlns:a16="http://schemas.microsoft.com/office/drawing/2014/main" id="{70B8AE95-7B40-4AE6-92A1-3953791EAF79}"/>
+              </a:ext>
+            </a:extLst>
+          </p:cNvPr>
+          <p:cNvSpPr/>
+          <p:nvPr/>
+        </p:nvSpPr>
+        <p:spPr>
+          <a:xfrm>
+            <a:off x="9642549" y="5635362"/>
+            <a:ext cx="710968" cy="690823"/>
+          </a:xfrm>
+          <a:prstGeom prst="ellipse">
+            <a:avLst/>
+          </a:prstGeom>
+          <a:noFill/>
+          <a:ln w="38100">
+            <a:solidFill>
+              <a:schemeClr val="accent1">
+                <a:lumMod val="75000"/>
+              </a:schemeClr>
+            </a:solidFill>
+          </a:ln>
+        </p:spPr>
+        <p:style>
+          <a:lnRef idx="2">
+            <a:schemeClr val="accent6"/>
+          </a:lnRef>
+          <a:fillRef idx="1">
+            <a:schemeClr val="lt1"/>
+          </a:fillRef>
+          <a:effectRef idx="0">
+            <a:schemeClr val="accent6"/>
+          </a:effectRef>
+          <a:fontRef idx="minor">
+            <a:schemeClr val="dk1"/>
+          </a:fontRef>
+        </p:style>
+        <p:txBody>
+          <a:bodyPr rtlCol="0" anchor="ctr"/>
+          <a:lstStyle/>
+          <a:p>
+            <a:pPr algn="ctr"/>
+            <a:endParaRPr lang="it-IT"/>
+          </a:p>
+        </p:txBody>
+      </p:sp>
+      <p:sp>
+        <p:nvSpPr>
+          <p:cNvPr id="3" name="Croce 2">
+            <a:extLst>
+              <a:ext uri="{FF2B5EF4-FFF2-40B4-BE49-F238E27FC236}">
+                <a16:creationId xmlns:a16="http://schemas.microsoft.com/office/drawing/2014/main" id="{9C9D55E3-1B2E-4A54-B339-3873626B5E19}"/>
+              </a:ext>
+            </a:extLst>
+          </p:cNvPr>
+          <p:cNvSpPr/>
+          <p:nvPr/>
+        </p:nvSpPr>
+        <p:spPr>
+          <a:xfrm rot="2520853">
+            <a:off x="6868791" y="4762622"/>
+            <a:ext cx="591201" cy="661379"/>
+          </a:xfrm>
+          <a:prstGeom prst="plus">
+            <a:avLst>
+              <a:gd name="adj" fmla="val 32594"/>
+            </a:avLst>
+          </a:prstGeom>
+          <a:solidFill>
+            <a:srgbClr val="FF0000"/>
+          </a:solidFill>
+        </p:spPr>
+        <p:style>
+          <a:lnRef idx="2">
+            <a:schemeClr val="accent1">
+              <a:shade val="50000"/>
+            </a:schemeClr>
+          </a:lnRef>
+          <a:fillRef idx="1">
+            <a:schemeClr val="accent1"/>
+          </a:fillRef>
+          <a:effectRef idx="0">
+            <a:schemeClr val="accent1"/>
+          </a:effectRef>
+          <a:fontRef idx="minor">
+            <a:schemeClr val="lt1"/>
+          </a:fontRef>
+        </p:style>
+        <p:txBody>
+          <a:bodyPr rtlCol="0" anchor="ctr"/>
+          <a:lstStyle/>
+          <a:p>
+            <a:pPr algn="ctr"/>
+            <a:endParaRPr lang="it-IT"/>
+          </a:p>
+        </p:txBody>
+      </p:sp>
+      <p:sp>
+        <p:nvSpPr>
+          <p:cNvPr id="21" name="Croce 20">
+            <a:extLst>
+              <a:ext uri="{FF2B5EF4-FFF2-40B4-BE49-F238E27FC236}">
+                <a16:creationId xmlns:a16="http://schemas.microsoft.com/office/drawing/2014/main" id="{08D4E728-10D1-411F-A16B-31403232BB42}"/>
+              </a:ext>
+            </a:extLst>
+          </p:cNvPr>
+          <p:cNvSpPr/>
+          <p:nvPr/>
+        </p:nvSpPr>
+        <p:spPr>
+          <a:xfrm rot="2520853">
+            <a:off x="8034874" y="5080409"/>
+            <a:ext cx="591201" cy="661379"/>
+          </a:xfrm>
+          <a:prstGeom prst="plus">
+            <a:avLst>
+              <a:gd name="adj" fmla="val 32594"/>
+            </a:avLst>
+          </a:prstGeom>
+          <a:solidFill>
+            <a:srgbClr val="FF0000"/>
+          </a:solidFill>
+        </p:spPr>
+        <p:style>
+          <a:lnRef idx="2">
+            <a:schemeClr val="accent1">
+              <a:shade val="50000"/>
+            </a:schemeClr>
+          </a:lnRef>
+          <a:fillRef idx="1">
+            <a:schemeClr val="accent1"/>
+          </a:fillRef>
+          <a:effectRef idx="0">
+            <a:schemeClr val="accent1"/>
+          </a:effectRef>
+          <a:fontRef idx="minor">
+            <a:schemeClr val="lt1"/>
+          </a:fontRef>
+        </p:style>
+        <p:txBody>
+          <a:bodyPr rtlCol="0" anchor="ctr"/>
+          <a:lstStyle/>
+          <a:p>
+            <a:pPr algn="ctr"/>
+            <a:endParaRPr lang="it-IT"/>
+          </a:p>
+        </p:txBody>
+      </p:sp>
       <p:pic>
         <p:nvPicPr>
-          <p:cNvPr id="10" name="Immagine 9">
-            <a:extLst>
-              <a:ext uri="{FF2B5EF4-FFF2-40B4-BE49-F238E27FC236}">
-                <a16:creationId xmlns:a16="http://schemas.microsoft.com/office/drawing/2014/main" id="{F5C5EB1B-55BD-45C7-A34C-7CC728C61EE2}"/>
+          <p:cNvPr id="7" name="Immagine 6">
+            <a:extLst>
+              <a:ext uri="{FF2B5EF4-FFF2-40B4-BE49-F238E27FC236}">
+                <a16:creationId xmlns:a16="http://schemas.microsoft.com/office/drawing/2014/main" id="{95D9D67B-B560-4B4C-B971-5D5733F0BCA8}"/>
               </a:ext>
             </a:extLst>
           </p:cNvPr>
@@ -19753,8 +21516,38 @@
         </p:blipFill>
         <p:spPr>
           <a:xfrm>
-            <a:off x="762001" y="3982331"/>
-            <a:ext cx="9050013" cy="1762371"/>
+            <a:off x="1113942" y="2203268"/>
+            <a:ext cx="4977147" cy="1525154"/>
+          </a:xfrm>
+          <a:prstGeom prst="rect">
+            <a:avLst/>
+          </a:prstGeom>
+        </p:spPr>
+      </p:pic>
+      <p:pic>
+        <p:nvPicPr>
+          <p:cNvPr id="10" name="Immagine 9">
+            <a:extLst>
+              <a:ext uri="{FF2B5EF4-FFF2-40B4-BE49-F238E27FC236}">
+                <a16:creationId xmlns:a16="http://schemas.microsoft.com/office/drawing/2014/main" id="{6BEA7D79-6FE0-45D0-96CB-A57E16FEAF84}"/>
+              </a:ext>
+            </a:extLst>
+          </p:cNvPr>
+          <p:cNvPicPr>
+            <a:picLocks noChangeAspect="1"/>
+          </p:cNvPicPr>
+          <p:nvPr/>
+        </p:nvPicPr>
+        <p:blipFill>
+          <a:blip r:embed="rId4"/>
+          <a:stretch>
+            <a:fillRect/>
+          </a:stretch>
+        </p:blipFill>
+        <p:spPr>
+          <a:xfrm>
+            <a:off x="1113942" y="3817137"/>
+            <a:ext cx="4977147" cy="1523233"/>
           </a:xfrm>
           <a:prstGeom prst="rect">
             <a:avLst/>
@@ -19764,7 +21557,7 @@
     </p:spTree>
     <p:extLst>
       <p:ext uri="{BB962C8B-B14F-4D97-AF65-F5344CB8AC3E}">
-        <p14:creationId xmlns:p14="http://schemas.microsoft.com/office/powerpoint/2010/main" val="1872309480"/>
+        <p14:creationId xmlns:p14="http://schemas.microsoft.com/office/powerpoint/2010/main" val="3806408375"/>
       </p:ext>
     </p:extLst>
   </p:cSld>
@@ -19853,75 +21646,212 @@
             </a:r>
             <a:endParaRPr lang="it-IT" sz="5000" b="1" dirty="0">
               <a:solidFill>
-                <a:srgbClr val="7030A0"/>
+                <a:schemeClr val="accent4">
+                  <a:lumMod val="60000"/>
+                  <a:lumOff val="40000"/>
+                </a:schemeClr>
               </a:solidFill>
             </a:endParaRPr>
           </a:p>
         </p:txBody>
       </p:sp>
-      <p:pic>
-        <p:nvPicPr>
-          <p:cNvPr id="7" name="Segnaposto contenuto 6">
-            <a:extLst>
-              <a:ext uri="{FF2B5EF4-FFF2-40B4-BE49-F238E27FC236}">
-                <a16:creationId xmlns:a16="http://schemas.microsoft.com/office/drawing/2014/main" id="{49E1A040-D1BE-461B-B091-20FE71101FA7}"/>
-              </a:ext>
-            </a:extLst>
-          </p:cNvPr>
-          <p:cNvPicPr>
-            <a:picLocks noGrp="1" noChangeAspect="1"/>
-          </p:cNvPicPr>
+      <p:sp>
+        <p:nvSpPr>
+          <p:cNvPr id="6" name="Segnaposto contenuto 5">
+            <a:extLst>
+              <a:ext uri="{FF2B5EF4-FFF2-40B4-BE49-F238E27FC236}">
+                <a16:creationId xmlns:a16="http://schemas.microsoft.com/office/drawing/2014/main" id="{0038248B-1010-433E-9091-488BFD49843A}"/>
+              </a:ext>
+            </a:extLst>
+          </p:cNvPr>
+          <p:cNvSpPr>
+            <a:spLocks noGrp="1"/>
+          </p:cNvSpPr>
           <p:nvPr>
             <p:ph idx="1"/>
           </p:nvPr>
-        </p:nvPicPr>
-        <p:blipFill>
-          <a:blip r:embed="rId2"/>
-          <a:stretch>
-            <a:fillRect/>
-          </a:stretch>
-        </p:blipFill>
-        <p:spPr>
-          <a:xfrm>
-            <a:off x="762001" y="1942443"/>
-            <a:ext cx="9059539" cy="1790950"/>
-          </a:xfrm>
-        </p:spPr>
-      </p:pic>
-      <p:pic>
-        <p:nvPicPr>
-          <p:cNvPr id="10" name="Immagine 9">
-            <a:extLst>
-              <a:ext uri="{FF2B5EF4-FFF2-40B4-BE49-F238E27FC236}">
-                <a16:creationId xmlns:a16="http://schemas.microsoft.com/office/drawing/2014/main" id="{3C3FC1B1-ABBA-4897-B7B8-5FC712B31D40}"/>
-              </a:ext>
-            </a:extLst>
-          </p:cNvPr>
-          <p:cNvPicPr>
-            <a:picLocks noChangeAspect="1"/>
-          </p:cNvPicPr>
-          <p:nvPr/>
-        </p:nvPicPr>
-        <p:blipFill>
-          <a:blip r:embed="rId3"/>
-          <a:stretch>
-            <a:fillRect/>
-          </a:stretch>
-        </p:blipFill>
-        <p:spPr>
-          <a:xfrm>
-            <a:off x="762001" y="3989649"/>
-            <a:ext cx="9069066" cy="1124107"/>
-          </a:xfrm>
-          <a:prstGeom prst="rect">
-            <a:avLst/>
-          </a:prstGeom>
-        </p:spPr>
-      </p:pic>
+        </p:nvSpPr>
+        <p:spPr/>
+        <p:txBody>
+          <a:bodyPr/>
+          <a:lstStyle/>
+          <a:p>
+            <a:pPr>
+              <a:buClr>
+                <a:schemeClr val="accent1">
+                  <a:lumMod val="75000"/>
+                </a:schemeClr>
+              </a:buClr>
+              <a:buFont typeface="Wingdings" panose="05000000000000000000" pitchFamily="2" charset="2"/>
+              <a:buChar char="Ø"/>
+            </a:pPr>
+            <a:r>
+              <a:rPr lang="it-IT" dirty="0" err="1">
+                <a:solidFill>
+                  <a:schemeClr val="bg1"/>
+                </a:solidFill>
+              </a:rPr>
+              <a:t>AppArmor</a:t>
+            </a:r>
+            <a:r>
+              <a:rPr lang="it-IT" dirty="0">
+                <a:solidFill>
+                  <a:schemeClr val="bg1"/>
+                </a:solidFill>
+              </a:rPr>
+              <a:t> si basa sulla creazione di </a:t>
+            </a:r>
+            <a:r>
+              <a:rPr lang="it-IT" b="1" dirty="0">
+                <a:solidFill>
+                  <a:schemeClr val="accent4">
+                    <a:lumMod val="60000"/>
+                    <a:lumOff val="40000"/>
+                  </a:schemeClr>
+                </a:solidFill>
+              </a:rPr>
+              <a:t>profili</a:t>
+            </a:r>
+            <a:r>
+              <a:rPr lang="it-IT" dirty="0">
+                <a:solidFill>
+                  <a:schemeClr val="bg1"/>
+                </a:solidFill>
+              </a:rPr>
+              <a:t> al fine di confinare un programma ad un insieme di file, capabilities, accessi di rete ed insieme di risorse. </a:t>
+            </a:r>
+          </a:p>
+          <a:p>
+            <a:pPr>
+              <a:buClr>
+                <a:schemeClr val="accent1">
+                  <a:lumMod val="75000"/>
+                </a:schemeClr>
+              </a:buClr>
+              <a:buFont typeface="Wingdings" panose="05000000000000000000" pitchFamily="2" charset="2"/>
+              <a:buChar char="Ø"/>
+            </a:pPr>
+            <a:r>
+              <a:rPr lang="it-IT" dirty="0" err="1">
+                <a:solidFill>
+                  <a:schemeClr val="bg1"/>
+                </a:solidFill>
+              </a:rPr>
+              <a:t>AppArmor</a:t>
+            </a:r>
+            <a:r>
+              <a:rPr lang="it-IT" dirty="0">
+                <a:solidFill>
+                  <a:schemeClr val="bg1"/>
+                </a:solidFill>
+              </a:rPr>
+              <a:t> può lavorare in due modalità:  </a:t>
+            </a:r>
+            <a:r>
+              <a:rPr lang="it-IT" b="1" dirty="0">
+                <a:solidFill>
+                  <a:schemeClr val="accent4">
+                    <a:lumMod val="60000"/>
+                    <a:lumOff val="40000"/>
+                  </a:schemeClr>
+                </a:solidFill>
+              </a:rPr>
+              <a:t>enforcement</a:t>
+            </a:r>
+            <a:r>
+              <a:rPr lang="it-IT" dirty="0">
+                <a:solidFill>
+                  <a:schemeClr val="bg1"/>
+                </a:solidFill>
+              </a:rPr>
+              <a:t> (applica le regole di sicurezza definite nel profilo bloccando qualsiasi tentativo di accesso a risorse non consentite), oppure, </a:t>
+            </a:r>
+            <a:r>
+              <a:rPr lang="it-IT" b="1" dirty="0" err="1">
+                <a:solidFill>
+                  <a:schemeClr val="accent4">
+                    <a:lumMod val="60000"/>
+                    <a:lumOff val="40000"/>
+                  </a:schemeClr>
+                </a:solidFill>
+              </a:rPr>
+              <a:t>complain</a:t>
+            </a:r>
+            <a:r>
+              <a:rPr lang="it-IT" dirty="0">
+                <a:solidFill>
+                  <a:schemeClr val="bg1"/>
+                </a:solidFill>
+              </a:rPr>
+              <a:t> (monitora le violazioni delle regole definite, registrando però un avviso nel log del sistema).</a:t>
+            </a:r>
+          </a:p>
+          <a:p>
+            <a:pPr>
+              <a:buClr>
+                <a:schemeClr val="accent1">
+                  <a:lumMod val="75000"/>
+                </a:schemeClr>
+              </a:buClr>
+              <a:buFont typeface="Wingdings" panose="05000000000000000000" pitchFamily="2" charset="2"/>
+              <a:buChar char="Ø"/>
+            </a:pPr>
+            <a:r>
+              <a:rPr lang="it-IT" dirty="0">
+                <a:solidFill>
+                  <a:schemeClr val="bg1"/>
+                </a:solidFill>
+              </a:rPr>
+              <a:t> Il profilo creato è relativo al programma </a:t>
+            </a:r>
+            <a:r>
+              <a:rPr lang="it-IT" b="1" dirty="0">
+                <a:solidFill>
+                  <a:schemeClr val="accent4">
+                    <a:lumMod val="60000"/>
+                    <a:lumOff val="40000"/>
+                  </a:schemeClr>
+                </a:solidFill>
+              </a:rPr>
+              <a:t>/</a:t>
+            </a:r>
+            <a:r>
+              <a:rPr lang="it-IT" b="1" dirty="0" err="1">
+                <a:solidFill>
+                  <a:schemeClr val="accent4">
+                    <a:lumMod val="60000"/>
+                    <a:lumOff val="40000"/>
+                  </a:schemeClr>
+                </a:solidFill>
+              </a:rPr>
+              <a:t>usr</a:t>
+            </a:r>
+            <a:r>
+              <a:rPr lang="it-IT" b="1" dirty="0">
+                <a:solidFill>
+                  <a:schemeClr val="accent4">
+                    <a:lumMod val="60000"/>
+                    <a:lumOff val="40000"/>
+                  </a:schemeClr>
+                </a:solidFill>
+              </a:rPr>
+              <a:t>/bin/nano</a:t>
+            </a:r>
+            <a:r>
+              <a:rPr lang="it-IT" dirty="0">
+                <a:solidFill>
+                  <a:schemeClr val="bg1"/>
+                </a:solidFill>
+              </a:rPr>
+              <a:t>.</a:t>
+            </a:r>
+          </a:p>
+        </p:txBody>
+      </p:sp>
     </p:spTree>
     <p:extLst>
       <p:ext uri="{BB962C8B-B14F-4D97-AF65-F5344CB8AC3E}">
-        <p14:creationId xmlns:p14="http://schemas.microsoft.com/office/powerpoint/2010/main" val="3184593654"/>
+        <p14:creationId xmlns:p14="http://schemas.microsoft.com/office/powerpoint/2010/main" val="2331888414"/>
       </p:ext>
     </p:extLst>
   </p:cSld>
@@ -20010,6 +21940,978 @@
             </a:r>
             <a:endParaRPr lang="it-IT" sz="5000" b="1" dirty="0">
               <a:solidFill>
+                <a:schemeClr val="accent4">
+                  <a:lumMod val="60000"/>
+                  <a:lumOff val="40000"/>
+                </a:schemeClr>
+              </a:solidFill>
+            </a:endParaRPr>
+          </a:p>
+        </p:txBody>
+      </p:sp>
+      <p:sp>
+        <p:nvSpPr>
+          <p:cNvPr id="6" name="Segnaposto contenuto 5">
+            <a:extLst>
+              <a:ext uri="{FF2B5EF4-FFF2-40B4-BE49-F238E27FC236}">
+                <a16:creationId xmlns:a16="http://schemas.microsoft.com/office/drawing/2014/main" id="{0038248B-1010-433E-9091-488BFD49843A}"/>
+              </a:ext>
+            </a:extLst>
+          </p:cNvPr>
+          <p:cNvSpPr>
+            <a:spLocks noGrp="1"/>
+          </p:cNvSpPr>
+          <p:nvPr>
+            <p:ph idx="1"/>
+          </p:nvPr>
+        </p:nvSpPr>
+        <p:spPr>
+          <a:xfrm>
+            <a:off x="676656" y="2011680"/>
+            <a:ext cx="4301604" cy="3766185"/>
+          </a:xfrm>
+        </p:spPr>
+        <p:txBody>
+          <a:bodyPr>
+            <a:normAutofit/>
+          </a:bodyPr>
+          <a:lstStyle/>
+          <a:p>
+            <a:pPr marL="0" indent="0">
+              <a:buClr>
+                <a:srgbClr val="7030A0"/>
+              </a:buClr>
+              <a:buNone/>
+            </a:pPr>
+            <a:r>
+              <a:rPr lang="it-IT" dirty="0">
+                <a:solidFill>
+                  <a:schemeClr val="bg1"/>
+                </a:solidFill>
+              </a:rPr>
+              <a:t>Nel profilo troviamo:</a:t>
+            </a:r>
+          </a:p>
+          <a:p>
+            <a:pPr>
+              <a:buClr>
+                <a:schemeClr val="accent1">
+                  <a:lumMod val="75000"/>
+                </a:schemeClr>
+              </a:buClr>
+              <a:buFont typeface="Wingdings" panose="05000000000000000000" pitchFamily="2" charset="2"/>
+              <a:buChar char="Ø"/>
+            </a:pPr>
+            <a:r>
+              <a:rPr lang="it-IT" dirty="0">
+                <a:solidFill>
+                  <a:schemeClr val="bg1"/>
+                </a:solidFill>
+              </a:rPr>
+              <a:t> dei </a:t>
+            </a:r>
+            <a:r>
+              <a:rPr lang="it-IT" i="1" dirty="0">
+                <a:solidFill>
+                  <a:schemeClr val="bg1"/>
+                </a:solidFill>
+              </a:rPr>
+              <a:t>files</a:t>
+            </a:r>
+            <a:r>
+              <a:rPr lang="it-IT" dirty="0">
+                <a:solidFill>
+                  <a:schemeClr val="bg1"/>
+                </a:solidFill>
+              </a:rPr>
+              <a:t> e </a:t>
+            </a:r>
+            <a:r>
+              <a:rPr lang="it-IT" i="1" dirty="0">
+                <a:solidFill>
+                  <a:schemeClr val="bg1"/>
+                </a:solidFill>
+              </a:rPr>
+              <a:t>cartelle</a:t>
+            </a:r>
+            <a:r>
+              <a:rPr lang="it-IT" dirty="0">
+                <a:solidFill>
+                  <a:schemeClr val="bg1"/>
+                </a:solidFill>
+              </a:rPr>
+              <a:t> accessibili in sola lettura (</a:t>
+            </a:r>
+            <a:r>
+              <a:rPr lang="it-IT" b="1" dirty="0" err="1">
+                <a:solidFill>
+                  <a:schemeClr val="accent4">
+                    <a:lumMod val="60000"/>
+                    <a:lumOff val="40000"/>
+                  </a:schemeClr>
+                </a:solidFill>
+              </a:rPr>
+              <a:t>e.g</a:t>
+            </a:r>
+            <a:r>
+              <a:rPr lang="it-IT" b="1" dirty="0">
+                <a:solidFill>
+                  <a:schemeClr val="accent4">
+                    <a:lumMod val="60000"/>
+                    <a:lumOff val="40000"/>
+                  </a:schemeClr>
+                </a:solidFill>
+              </a:rPr>
+              <a:t>: </a:t>
+            </a:r>
+            <a:r>
+              <a:rPr lang="it-IT" b="1" dirty="0" err="1">
+                <a:solidFill>
+                  <a:schemeClr val="accent4">
+                    <a:lumMod val="60000"/>
+                    <a:lumOff val="40000"/>
+                  </a:schemeClr>
+                </a:solidFill>
+              </a:rPr>
+              <a:t>r_dir</a:t>
+            </a:r>
+            <a:r>
+              <a:rPr lang="it-IT" b="1" dirty="0">
+                <a:solidFill>
+                  <a:schemeClr val="accent4">
+                    <a:lumMod val="60000"/>
+                    <a:lumOff val="40000"/>
+                  </a:schemeClr>
+                </a:solidFill>
+              </a:rPr>
+              <a:t>, r_file.txt</a:t>
+            </a:r>
+            <a:r>
+              <a:rPr lang="it-IT" dirty="0">
+                <a:solidFill>
+                  <a:schemeClr val="bg1"/>
+                </a:solidFill>
+              </a:rPr>
+              <a:t>);</a:t>
+            </a:r>
+          </a:p>
+          <a:p>
+            <a:pPr>
+              <a:buClr>
+                <a:schemeClr val="accent1">
+                  <a:lumMod val="75000"/>
+                </a:schemeClr>
+              </a:buClr>
+              <a:buFont typeface="Wingdings" panose="05000000000000000000" pitchFamily="2" charset="2"/>
+              <a:buChar char="Ø"/>
+            </a:pPr>
+            <a:r>
+              <a:rPr lang="it-IT" dirty="0">
+                <a:solidFill>
+                  <a:schemeClr val="bg1"/>
+                </a:solidFill>
+              </a:rPr>
+              <a:t> dei </a:t>
+            </a:r>
+            <a:r>
+              <a:rPr lang="it-IT" i="1" dirty="0">
+                <a:solidFill>
+                  <a:schemeClr val="bg1"/>
+                </a:solidFill>
+              </a:rPr>
+              <a:t>files</a:t>
+            </a:r>
+            <a:r>
+              <a:rPr lang="it-IT" dirty="0">
+                <a:solidFill>
+                  <a:schemeClr val="bg1"/>
+                </a:solidFill>
+              </a:rPr>
+              <a:t> e </a:t>
+            </a:r>
+            <a:r>
+              <a:rPr lang="it-IT" i="1" dirty="0">
+                <a:solidFill>
+                  <a:schemeClr val="bg1"/>
+                </a:solidFill>
+              </a:rPr>
+              <a:t>cartelle</a:t>
+            </a:r>
+            <a:r>
+              <a:rPr lang="it-IT" dirty="0">
+                <a:solidFill>
+                  <a:schemeClr val="bg1"/>
+                </a:solidFill>
+              </a:rPr>
+              <a:t> accessibili in sola scrittura (</a:t>
+            </a:r>
+            <a:r>
+              <a:rPr lang="it-IT" b="1" dirty="0" err="1">
+                <a:solidFill>
+                  <a:schemeClr val="accent4">
+                    <a:lumMod val="60000"/>
+                    <a:lumOff val="40000"/>
+                  </a:schemeClr>
+                </a:solidFill>
+              </a:rPr>
+              <a:t>e.g</a:t>
+            </a:r>
+            <a:r>
+              <a:rPr lang="it-IT" b="1" dirty="0">
+                <a:solidFill>
+                  <a:schemeClr val="accent4">
+                    <a:lumMod val="60000"/>
+                    <a:lumOff val="40000"/>
+                  </a:schemeClr>
+                </a:solidFill>
+              </a:rPr>
+              <a:t>: </a:t>
+            </a:r>
+            <a:r>
+              <a:rPr lang="it-IT" b="1" dirty="0" err="1">
+                <a:solidFill>
+                  <a:schemeClr val="accent4">
+                    <a:lumMod val="60000"/>
+                    <a:lumOff val="40000"/>
+                  </a:schemeClr>
+                </a:solidFill>
+              </a:rPr>
+              <a:t>w_dir</a:t>
+            </a:r>
+            <a:r>
+              <a:rPr lang="it-IT" dirty="0">
+                <a:solidFill>
+                  <a:schemeClr val="bg1"/>
+                </a:solidFill>
+              </a:rPr>
+              <a:t>);</a:t>
+            </a:r>
+          </a:p>
+          <a:p>
+            <a:pPr>
+              <a:buClr>
+                <a:schemeClr val="accent1">
+                  <a:lumMod val="75000"/>
+                </a:schemeClr>
+              </a:buClr>
+              <a:buFont typeface="Wingdings" panose="05000000000000000000" pitchFamily="2" charset="2"/>
+              <a:buChar char="Ø"/>
+            </a:pPr>
+            <a:r>
+              <a:rPr lang="it-IT" dirty="0">
+                <a:solidFill>
+                  <a:schemeClr val="bg1"/>
+                </a:solidFill>
+              </a:rPr>
+              <a:t> restrizioni in lettura e scrittura sulle principali cartelle di sistema (</a:t>
+            </a:r>
+            <a:r>
+              <a:rPr lang="it-IT" b="1" dirty="0" err="1">
+                <a:solidFill>
+                  <a:schemeClr val="accent4">
+                    <a:lumMod val="60000"/>
+                    <a:lumOff val="40000"/>
+                  </a:schemeClr>
+                </a:solidFill>
+              </a:rPr>
+              <a:t>e.g</a:t>
+            </a:r>
+            <a:r>
+              <a:rPr lang="it-IT" b="1" dirty="0">
+                <a:solidFill>
+                  <a:schemeClr val="accent4">
+                    <a:lumMod val="60000"/>
+                    <a:lumOff val="40000"/>
+                  </a:schemeClr>
+                </a:solidFill>
+              </a:rPr>
+              <a:t>: /root, /</a:t>
+            </a:r>
+            <a:r>
+              <a:rPr lang="it-IT" b="1" dirty="0" err="1">
+                <a:solidFill>
+                  <a:schemeClr val="accent4">
+                    <a:lumMod val="60000"/>
+                    <a:lumOff val="40000"/>
+                  </a:schemeClr>
+                </a:solidFill>
+              </a:rPr>
+              <a:t>etc</a:t>
+            </a:r>
+            <a:r>
+              <a:rPr lang="it-IT" b="1" dirty="0">
+                <a:solidFill>
+                  <a:schemeClr val="accent4">
+                    <a:lumMod val="60000"/>
+                    <a:lumOff val="40000"/>
+                  </a:schemeClr>
+                </a:solidFill>
+              </a:rPr>
+              <a:t>, /</a:t>
+            </a:r>
+            <a:r>
+              <a:rPr lang="it-IT" b="1" dirty="0" err="1">
+                <a:solidFill>
+                  <a:schemeClr val="accent4">
+                    <a:lumMod val="60000"/>
+                    <a:lumOff val="40000"/>
+                  </a:schemeClr>
+                </a:solidFill>
+              </a:rPr>
+              <a:t>var</a:t>
+            </a:r>
+            <a:r>
+              <a:rPr lang="it-IT" b="1" dirty="0">
+                <a:solidFill>
+                  <a:schemeClr val="accent4">
+                    <a:lumMod val="60000"/>
+                    <a:lumOff val="40000"/>
+                  </a:schemeClr>
+                </a:solidFill>
+              </a:rPr>
+              <a:t>, /bin, /</a:t>
+            </a:r>
+            <a:r>
+              <a:rPr lang="it-IT" b="1" dirty="0" err="1">
+                <a:solidFill>
+                  <a:schemeClr val="accent4">
+                    <a:lumMod val="60000"/>
+                    <a:lumOff val="40000"/>
+                  </a:schemeClr>
+                </a:solidFill>
+              </a:rPr>
+              <a:t>sbin</a:t>
+            </a:r>
+            <a:r>
+              <a:rPr lang="it-IT" b="1" dirty="0">
+                <a:solidFill>
+                  <a:schemeClr val="accent4">
+                    <a:lumMod val="60000"/>
+                    <a:lumOff val="40000"/>
+                  </a:schemeClr>
+                </a:solidFill>
+              </a:rPr>
+              <a:t>, /proc, /</a:t>
+            </a:r>
+            <a:r>
+              <a:rPr lang="it-IT" b="1" dirty="0" err="1">
+                <a:solidFill>
+                  <a:schemeClr val="accent4">
+                    <a:lumMod val="60000"/>
+                    <a:lumOff val="40000"/>
+                  </a:schemeClr>
+                </a:solidFill>
+              </a:rPr>
+              <a:t>sys</a:t>
+            </a:r>
+            <a:r>
+              <a:rPr lang="it-IT" dirty="0">
+                <a:solidFill>
+                  <a:schemeClr val="bg1"/>
+                </a:solidFill>
+              </a:rPr>
+              <a:t>);</a:t>
+            </a:r>
+          </a:p>
+        </p:txBody>
+      </p:sp>
+      <p:pic>
+        <p:nvPicPr>
+          <p:cNvPr id="4" name="Immagine 3">
+            <a:extLst>
+              <a:ext uri="{FF2B5EF4-FFF2-40B4-BE49-F238E27FC236}">
+                <a16:creationId xmlns:a16="http://schemas.microsoft.com/office/drawing/2014/main" id="{8567D8A4-936D-4D94-9228-30EE9DB2BA3E}"/>
+              </a:ext>
+            </a:extLst>
+          </p:cNvPr>
+          <p:cNvPicPr>
+            <a:picLocks noChangeAspect="1"/>
+          </p:cNvPicPr>
+          <p:nvPr/>
+        </p:nvPicPr>
+        <p:blipFill>
+          <a:blip r:embed="rId2"/>
+          <a:stretch>
+            <a:fillRect/>
+          </a:stretch>
+        </p:blipFill>
+        <p:spPr>
+          <a:xfrm>
+            <a:off x="5083036" y="580602"/>
+            <a:ext cx="6451739" cy="6026529"/>
+          </a:xfrm>
+          <a:prstGeom prst="rect">
+            <a:avLst/>
+          </a:prstGeom>
+        </p:spPr>
+      </p:pic>
+    </p:spTree>
+    <p:extLst>
+      <p:ext uri="{BB962C8B-B14F-4D97-AF65-F5344CB8AC3E}">
+        <p14:creationId xmlns:p14="http://schemas.microsoft.com/office/powerpoint/2010/main" val="864783123"/>
+      </p:ext>
+    </p:extLst>
+  </p:cSld>
+  <p:clrMapOvr>
+    <a:masterClrMapping/>
+  </p:clrMapOvr>
+</p:sld>
+</file>
+
+<file path=ppt/slides/slide45.xml><?xml version="1.0" encoding="utf-8"?>
+<p:sld xmlns:a="http://schemas.openxmlformats.org/drawingml/2006/main" xmlns:r="http://schemas.openxmlformats.org/officeDocument/2006/relationships" xmlns:p="http://schemas.openxmlformats.org/presentationml/2006/main">
+  <p:cSld>
+    <p:bg>
+      <p:bgPr>
+        <a:solidFill>
+          <a:schemeClr val="tx1"/>
+        </a:solidFill>
+        <a:effectLst/>
+      </p:bgPr>
+    </p:bg>
+    <p:spTree>
+      <p:nvGrpSpPr>
+        <p:cNvPr id="1" name=""/>
+        <p:cNvGrpSpPr/>
+        <p:nvPr/>
+      </p:nvGrpSpPr>
+      <p:grpSpPr>
+        <a:xfrm>
+          <a:off x="0" y="0"/>
+          <a:ext cx="0" cy="0"/>
+          <a:chOff x="0" y="0"/>
+          <a:chExt cx="0" cy="0"/>
+        </a:xfrm>
+      </p:grpSpPr>
+      <p:sp>
+        <p:nvSpPr>
+          <p:cNvPr id="2" name="Titolo 1">
+            <a:extLst>
+              <a:ext uri="{FF2B5EF4-FFF2-40B4-BE49-F238E27FC236}">
+                <a16:creationId xmlns:a16="http://schemas.microsoft.com/office/drawing/2014/main" id="{3157CFA6-6737-4A96-8244-A0C81ABBC4A5}"/>
+              </a:ext>
+            </a:extLst>
+          </p:cNvPr>
+          <p:cNvSpPr>
+            <a:spLocks noGrp="1"/>
+          </p:cNvSpPr>
+          <p:nvPr>
+            <p:ph type="title"/>
+          </p:nvPr>
+        </p:nvSpPr>
+        <p:spPr/>
+        <p:txBody>
+          <a:bodyPr>
+            <a:normAutofit/>
+          </a:bodyPr>
+          <a:lstStyle/>
+          <a:p>
+            <a:r>
+              <a:rPr lang="it-IT" sz="5000" b="1" dirty="0">
+                <a:solidFill>
+                  <a:schemeClr val="accent1">
+                    <a:lumMod val="75000"/>
+                  </a:schemeClr>
+                </a:solidFill>
+              </a:rPr>
+              <a:t>MAC -</a:t>
+            </a:r>
+            <a:r>
+              <a:rPr lang="it-IT" sz="5000" b="1" dirty="0">
+                <a:solidFill>
+                  <a:srgbClr val="00B0F0"/>
+                </a:solidFill>
+              </a:rPr>
+              <a:t> </a:t>
+            </a:r>
+            <a:r>
+              <a:rPr lang="it-IT" sz="5000" b="1" dirty="0" err="1">
+                <a:solidFill>
+                  <a:schemeClr val="accent4">
+                    <a:lumMod val="60000"/>
+                    <a:lumOff val="40000"/>
+                  </a:schemeClr>
+                </a:solidFill>
+              </a:rPr>
+              <a:t>AppArmor</a:t>
+            </a:r>
+            <a:endParaRPr lang="it-IT" sz="5000" b="1" dirty="0">
+              <a:solidFill>
+                <a:schemeClr val="accent4">
+                  <a:lumMod val="60000"/>
+                  <a:lumOff val="40000"/>
+                </a:schemeClr>
+              </a:solidFill>
+            </a:endParaRPr>
+          </a:p>
+        </p:txBody>
+      </p:sp>
+      <p:pic>
+        <p:nvPicPr>
+          <p:cNvPr id="5" name="Segnaposto contenuto 4">
+            <a:extLst>
+              <a:ext uri="{FF2B5EF4-FFF2-40B4-BE49-F238E27FC236}">
+                <a16:creationId xmlns:a16="http://schemas.microsoft.com/office/drawing/2014/main" id="{095136A2-05AB-4EC3-8E87-94DC6E6095DC}"/>
+              </a:ext>
+            </a:extLst>
+          </p:cNvPr>
+          <p:cNvPicPr>
+            <a:picLocks noGrp="1" noChangeAspect="1"/>
+          </p:cNvPicPr>
+          <p:nvPr>
+            <p:ph idx="1"/>
+          </p:nvPr>
+        </p:nvPicPr>
+        <p:blipFill>
+          <a:blip r:embed="rId2"/>
+          <a:stretch>
+            <a:fillRect/>
+          </a:stretch>
+        </p:blipFill>
+        <p:spPr>
+          <a:xfrm>
+            <a:off x="762001" y="1917276"/>
+            <a:ext cx="9126224" cy="1790950"/>
+          </a:xfrm>
+        </p:spPr>
+      </p:pic>
+      <p:pic>
+        <p:nvPicPr>
+          <p:cNvPr id="8" name="Immagine 7">
+            <a:extLst>
+              <a:ext uri="{FF2B5EF4-FFF2-40B4-BE49-F238E27FC236}">
+                <a16:creationId xmlns:a16="http://schemas.microsoft.com/office/drawing/2014/main" id="{3D0E00DC-7586-4180-B46C-FB1E553FB377}"/>
+              </a:ext>
+            </a:extLst>
+          </p:cNvPr>
+          <p:cNvPicPr>
+            <a:picLocks noChangeAspect="1"/>
+          </p:cNvPicPr>
+          <p:nvPr/>
+        </p:nvPicPr>
+        <p:blipFill>
+          <a:blip r:embed="rId3"/>
+          <a:stretch>
+            <a:fillRect/>
+          </a:stretch>
+        </p:blipFill>
+        <p:spPr>
+          <a:xfrm>
+            <a:off x="762001" y="3985795"/>
+            <a:ext cx="9126224" cy="1428949"/>
+          </a:xfrm>
+          <a:prstGeom prst="rect">
+            <a:avLst/>
+          </a:prstGeom>
+        </p:spPr>
+      </p:pic>
+    </p:spTree>
+    <p:extLst>
+      <p:ext uri="{BB962C8B-B14F-4D97-AF65-F5344CB8AC3E}">
+        <p14:creationId xmlns:p14="http://schemas.microsoft.com/office/powerpoint/2010/main" val="2111225640"/>
+      </p:ext>
+    </p:extLst>
+  </p:cSld>
+  <p:clrMapOvr>
+    <a:masterClrMapping/>
+  </p:clrMapOvr>
+</p:sld>
+</file>
+
+<file path=ppt/slides/slide46.xml><?xml version="1.0" encoding="utf-8"?>
+<p:sld xmlns:a="http://schemas.openxmlformats.org/drawingml/2006/main" xmlns:r="http://schemas.openxmlformats.org/officeDocument/2006/relationships" xmlns:p="http://schemas.openxmlformats.org/presentationml/2006/main">
+  <p:cSld>
+    <p:bg>
+      <p:bgPr>
+        <a:solidFill>
+          <a:schemeClr val="tx1"/>
+        </a:solidFill>
+        <a:effectLst/>
+      </p:bgPr>
+    </p:bg>
+    <p:spTree>
+      <p:nvGrpSpPr>
+        <p:cNvPr id="1" name=""/>
+        <p:cNvGrpSpPr/>
+        <p:nvPr/>
+      </p:nvGrpSpPr>
+      <p:grpSpPr>
+        <a:xfrm>
+          <a:off x="0" y="0"/>
+          <a:ext cx="0" cy="0"/>
+          <a:chOff x="0" y="0"/>
+          <a:chExt cx="0" cy="0"/>
+        </a:xfrm>
+      </p:grpSpPr>
+      <p:sp>
+        <p:nvSpPr>
+          <p:cNvPr id="2" name="Titolo 1">
+            <a:extLst>
+              <a:ext uri="{FF2B5EF4-FFF2-40B4-BE49-F238E27FC236}">
+                <a16:creationId xmlns:a16="http://schemas.microsoft.com/office/drawing/2014/main" id="{3157CFA6-6737-4A96-8244-A0C81ABBC4A5}"/>
+              </a:ext>
+            </a:extLst>
+          </p:cNvPr>
+          <p:cNvSpPr>
+            <a:spLocks noGrp="1"/>
+          </p:cNvSpPr>
+          <p:nvPr>
+            <p:ph type="title"/>
+          </p:nvPr>
+        </p:nvSpPr>
+        <p:spPr/>
+        <p:txBody>
+          <a:bodyPr>
+            <a:normAutofit/>
+          </a:bodyPr>
+          <a:lstStyle/>
+          <a:p>
+            <a:r>
+              <a:rPr lang="it-IT" sz="5000" b="1" dirty="0">
+                <a:solidFill>
+                  <a:schemeClr val="accent1">
+                    <a:lumMod val="75000"/>
+                  </a:schemeClr>
+                </a:solidFill>
+              </a:rPr>
+              <a:t>MAC -</a:t>
+            </a:r>
+            <a:r>
+              <a:rPr lang="it-IT" sz="5000" b="1" dirty="0">
+                <a:solidFill>
+                  <a:srgbClr val="00B0F0"/>
+                </a:solidFill>
+              </a:rPr>
+              <a:t> </a:t>
+            </a:r>
+            <a:r>
+              <a:rPr lang="it-IT" sz="5000" b="1" dirty="0" err="1">
+                <a:solidFill>
+                  <a:schemeClr val="accent4">
+                    <a:lumMod val="60000"/>
+                    <a:lumOff val="40000"/>
+                  </a:schemeClr>
+                </a:solidFill>
+              </a:rPr>
+              <a:t>AppArmor</a:t>
+            </a:r>
+            <a:endParaRPr lang="it-IT" sz="5000" b="1" dirty="0">
+              <a:solidFill>
+                <a:srgbClr val="7030A0"/>
+              </a:solidFill>
+            </a:endParaRPr>
+          </a:p>
+        </p:txBody>
+      </p:sp>
+      <p:pic>
+        <p:nvPicPr>
+          <p:cNvPr id="7" name="Segnaposto contenuto 6">
+            <a:extLst>
+              <a:ext uri="{FF2B5EF4-FFF2-40B4-BE49-F238E27FC236}">
+                <a16:creationId xmlns:a16="http://schemas.microsoft.com/office/drawing/2014/main" id="{A813F3EF-EAEE-4ACD-88C2-BA570D083C3D}"/>
+              </a:ext>
+            </a:extLst>
+          </p:cNvPr>
+          <p:cNvPicPr>
+            <a:picLocks noGrp="1" noChangeAspect="1"/>
+          </p:cNvPicPr>
+          <p:nvPr>
+            <p:ph idx="1"/>
+          </p:nvPr>
+        </p:nvPicPr>
+        <p:blipFill>
+          <a:blip r:embed="rId2"/>
+          <a:stretch>
+            <a:fillRect/>
+          </a:stretch>
+        </p:blipFill>
+        <p:spPr>
+          <a:xfrm>
+            <a:off x="762001" y="1911162"/>
+            <a:ext cx="9069066" cy="1752845"/>
+          </a:xfrm>
+        </p:spPr>
+      </p:pic>
+      <p:pic>
+        <p:nvPicPr>
+          <p:cNvPr id="10" name="Immagine 9">
+            <a:extLst>
+              <a:ext uri="{FF2B5EF4-FFF2-40B4-BE49-F238E27FC236}">
+                <a16:creationId xmlns:a16="http://schemas.microsoft.com/office/drawing/2014/main" id="{F5C5EB1B-55BD-45C7-A34C-7CC728C61EE2}"/>
+              </a:ext>
+            </a:extLst>
+          </p:cNvPr>
+          <p:cNvPicPr>
+            <a:picLocks noChangeAspect="1"/>
+          </p:cNvPicPr>
+          <p:nvPr/>
+        </p:nvPicPr>
+        <p:blipFill>
+          <a:blip r:embed="rId3"/>
+          <a:stretch>
+            <a:fillRect/>
+          </a:stretch>
+        </p:blipFill>
+        <p:spPr>
+          <a:xfrm>
+            <a:off x="762001" y="3982331"/>
+            <a:ext cx="9050013" cy="1762371"/>
+          </a:xfrm>
+          <a:prstGeom prst="rect">
+            <a:avLst/>
+          </a:prstGeom>
+        </p:spPr>
+      </p:pic>
+    </p:spTree>
+    <p:extLst>
+      <p:ext uri="{BB962C8B-B14F-4D97-AF65-F5344CB8AC3E}">
+        <p14:creationId xmlns:p14="http://schemas.microsoft.com/office/powerpoint/2010/main" val="1872309480"/>
+      </p:ext>
+    </p:extLst>
+  </p:cSld>
+  <p:clrMapOvr>
+    <a:masterClrMapping/>
+  </p:clrMapOvr>
+</p:sld>
+</file>
+
+<file path=ppt/slides/slide47.xml><?xml version="1.0" encoding="utf-8"?>
+<p:sld xmlns:a="http://schemas.openxmlformats.org/drawingml/2006/main" xmlns:r="http://schemas.openxmlformats.org/officeDocument/2006/relationships" xmlns:p="http://schemas.openxmlformats.org/presentationml/2006/main">
+  <p:cSld>
+    <p:bg>
+      <p:bgPr>
+        <a:solidFill>
+          <a:schemeClr val="tx1"/>
+        </a:solidFill>
+        <a:effectLst/>
+      </p:bgPr>
+    </p:bg>
+    <p:spTree>
+      <p:nvGrpSpPr>
+        <p:cNvPr id="1" name=""/>
+        <p:cNvGrpSpPr/>
+        <p:nvPr/>
+      </p:nvGrpSpPr>
+      <p:grpSpPr>
+        <a:xfrm>
+          <a:off x="0" y="0"/>
+          <a:ext cx="0" cy="0"/>
+          <a:chOff x="0" y="0"/>
+          <a:chExt cx="0" cy="0"/>
+        </a:xfrm>
+      </p:grpSpPr>
+      <p:sp>
+        <p:nvSpPr>
+          <p:cNvPr id="2" name="Titolo 1">
+            <a:extLst>
+              <a:ext uri="{FF2B5EF4-FFF2-40B4-BE49-F238E27FC236}">
+                <a16:creationId xmlns:a16="http://schemas.microsoft.com/office/drawing/2014/main" id="{3157CFA6-6737-4A96-8244-A0C81ABBC4A5}"/>
+              </a:ext>
+            </a:extLst>
+          </p:cNvPr>
+          <p:cNvSpPr>
+            <a:spLocks noGrp="1"/>
+          </p:cNvSpPr>
+          <p:nvPr>
+            <p:ph type="title"/>
+          </p:nvPr>
+        </p:nvSpPr>
+        <p:spPr/>
+        <p:txBody>
+          <a:bodyPr>
+            <a:normAutofit/>
+          </a:bodyPr>
+          <a:lstStyle/>
+          <a:p>
+            <a:r>
+              <a:rPr lang="it-IT" sz="5000" b="1" dirty="0">
+                <a:solidFill>
+                  <a:schemeClr val="accent1">
+                    <a:lumMod val="75000"/>
+                  </a:schemeClr>
+                </a:solidFill>
+              </a:rPr>
+              <a:t>MAC -</a:t>
+            </a:r>
+            <a:r>
+              <a:rPr lang="it-IT" sz="5000" b="1" dirty="0">
+                <a:solidFill>
+                  <a:srgbClr val="00B0F0"/>
+                </a:solidFill>
+              </a:rPr>
+              <a:t> </a:t>
+            </a:r>
+            <a:r>
+              <a:rPr lang="it-IT" sz="5000" b="1" dirty="0" err="1">
+                <a:solidFill>
+                  <a:schemeClr val="accent4">
+                    <a:lumMod val="60000"/>
+                    <a:lumOff val="40000"/>
+                  </a:schemeClr>
+                </a:solidFill>
+              </a:rPr>
+              <a:t>AppArmor</a:t>
+            </a:r>
+            <a:endParaRPr lang="it-IT" sz="5000" b="1" dirty="0">
+              <a:solidFill>
+                <a:srgbClr val="7030A0"/>
+              </a:solidFill>
+            </a:endParaRPr>
+          </a:p>
+        </p:txBody>
+      </p:sp>
+      <p:pic>
+        <p:nvPicPr>
+          <p:cNvPr id="10" name="Immagine 9">
+            <a:extLst>
+              <a:ext uri="{FF2B5EF4-FFF2-40B4-BE49-F238E27FC236}">
+                <a16:creationId xmlns:a16="http://schemas.microsoft.com/office/drawing/2014/main" id="{3C3FC1B1-ABBA-4897-B7B8-5FC712B31D40}"/>
+              </a:ext>
+            </a:extLst>
+          </p:cNvPr>
+          <p:cNvPicPr>
+            <a:picLocks noChangeAspect="1"/>
+          </p:cNvPicPr>
+          <p:nvPr/>
+        </p:nvPicPr>
+        <p:blipFill>
+          <a:blip r:embed="rId2"/>
+          <a:stretch>
+            <a:fillRect/>
+          </a:stretch>
+        </p:blipFill>
+        <p:spPr>
+          <a:xfrm>
+            <a:off x="762001" y="3989649"/>
+            <a:ext cx="9069066" cy="1124107"/>
+          </a:xfrm>
+          <a:prstGeom prst="rect">
+            <a:avLst/>
+          </a:prstGeom>
+        </p:spPr>
+      </p:pic>
+      <p:pic>
+        <p:nvPicPr>
+          <p:cNvPr id="4" name="Immagine 3">
+            <a:extLst>
+              <a:ext uri="{FF2B5EF4-FFF2-40B4-BE49-F238E27FC236}">
+                <a16:creationId xmlns:a16="http://schemas.microsoft.com/office/drawing/2014/main" id="{E314C94D-9A0C-4D1D-8529-25BF72DEC875}"/>
+              </a:ext>
+            </a:extLst>
+          </p:cNvPr>
+          <p:cNvPicPr>
+            <a:picLocks noChangeAspect="1"/>
+          </p:cNvPicPr>
+          <p:nvPr/>
+        </p:nvPicPr>
+        <p:blipFill>
+          <a:blip r:embed="rId3"/>
+          <a:stretch>
+            <a:fillRect/>
+          </a:stretch>
+        </p:blipFill>
+        <p:spPr>
+          <a:xfrm>
+            <a:off x="762001" y="1942444"/>
+            <a:ext cx="9059539" cy="1569816"/>
+          </a:xfrm>
+          <a:prstGeom prst="rect">
+            <a:avLst/>
+          </a:prstGeom>
+        </p:spPr>
+      </p:pic>
+    </p:spTree>
+    <p:extLst>
+      <p:ext uri="{BB962C8B-B14F-4D97-AF65-F5344CB8AC3E}">
+        <p14:creationId xmlns:p14="http://schemas.microsoft.com/office/powerpoint/2010/main" val="3184593654"/>
+      </p:ext>
+    </p:extLst>
+  </p:cSld>
+  <p:clrMapOvr>
+    <a:masterClrMapping/>
+  </p:clrMapOvr>
+</p:sld>
+</file>
+
+<file path=ppt/slides/slide48.xml><?xml version="1.0" encoding="utf-8"?>
+<p:sld xmlns:a="http://schemas.openxmlformats.org/drawingml/2006/main" xmlns:r="http://schemas.openxmlformats.org/officeDocument/2006/relationships" xmlns:p="http://schemas.openxmlformats.org/presentationml/2006/main">
+  <p:cSld>
+    <p:bg>
+      <p:bgPr>
+        <a:solidFill>
+          <a:schemeClr val="tx1"/>
+        </a:solidFill>
+        <a:effectLst/>
+      </p:bgPr>
+    </p:bg>
+    <p:spTree>
+      <p:nvGrpSpPr>
+        <p:cNvPr id="1" name=""/>
+        <p:cNvGrpSpPr/>
+        <p:nvPr/>
+      </p:nvGrpSpPr>
+      <p:grpSpPr>
+        <a:xfrm>
+          <a:off x="0" y="0"/>
+          <a:ext cx="0" cy="0"/>
+          <a:chOff x="0" y="0"/>
+          <a:chExt cx="0" cy="0"/>
+        </a:xfrm>
+      </p:grpSpPr>
+      <p:sp>
+        <p:nvSpPr>
+          <p:cNvPr id="2" name="Titolo 1">
+            <a:extLst>
+              <a:ext uri="{FF2B5EF4-FFF2-40B4-BE49-F238E27FC236}">
+                <a16:creationId xmlns:a16="http://schemas.microsoft.com/office/drawing/2014/main" id="{3157CFA6-6737-4A96-8244-A0C81ABBC4A5}"/>
+              </a:ext>
+            </a:extLst>
+          </p:cNvPr>
+          <p:cNvSpPr>
+            <a:spLocks noGrp="1"/>
+          </p:cNvSpPr>
+          <p:nvPr>
+            <p:ph type="title"/>
+          </p:nvPr>
+        </p:nvSpPr>
+        <p:spPr/>
+        <p:txBody>
+          <a:bodyPr>
+            <a:normAutofit/>
+          </a:bodyPr>
+          <a:lstStyle/>
+          <a:p>
+            <a:r>
+              <a:rPr lang="it-IT" sz="5000" b="1" dirty="0">
+                <a:solidFill>
+                  <a:schemeClr val="accent1">
+                    <a:lumMod val="75000"/>
+                  </a:schemeClr>
+                </a:solidFill>
+              </a:rPr>
+              <a:t>MAC -</a:t>
+            </a:r>
+            <a:r>
+              <a:rPr lang="it-IT" sz="5000" b="1" dirty="0">
+                <a:solidFill>
+                  <a:srgbClr val="00B0F0"/>
+                </a:solidFill>
+              </a:rPr>
+              <a:t> </a:t>
+            </a:r>
+            <a:r>
+              <a:rPr lang="it-IT" sz="5000" b="1" dirty="0" err="1">
+                <a:solidFill>
+                  <a:schemeClr val="accent4">
+                    <a:lumMod val="60000"/>
+                    <a:lumOff val="40000"/>
+                  </a:schemeClr>
+                </a:solidFill>
+              </a:rPr>
+              <a:t>AppArmor</a:t>
+            </a:r>
+            <a:endParaRPr lang="it-IT" sz="5000" b="1" dirty="0">
+              <a:solidFill>
                 <a:srgbClr val="7030A0"/>
               </a:solidFill>
             </a:endParaRPr>
@@ -20059,7 +22961,7 @@
 </p:sld>
 </file>
 
-<file path=ppt/slides/slide45.xml><?xml version="1.0" encoding="utf-8"?>
+<file path=ppt/slides/slide49.xml><?xml version="1.0" encoding="utf-8"?>
 <p:sld xmlns:a="http://schemas.openxmlformats.org/drawingml/2006/main" xmlns:r="http://schemas.openxmlformats.org/officeDocument/2006/relationships" xmlns:p="http://schemas.openxmlformats.org/presentationml/2006/main">
   <p:cSld>
     <p:bg>
@@ -20555,6 +23457,148 @@
     <p:extLst>
       <p:ext uri="{BB962C8B-B14F-4D97-AF65-F5344CB8AC3E}">
         <p14:creationId xmlns:p14="http://schemas.microsoft.com/office/powerpoint/2010/main" val="3018459880"/>
+      </p:ext>
+    </p:extLst>
+  </p:cSld>
+  <p:clrMapOvr>
+    <a:masterClrMapping/>
+  </p:clrMapOvr>
+</p:sld>
+</file>
+
+<file path=ppt/slides/slide50.xml><?xml version="1.0" encoding="utf-8"?>
+<p:sld xmlns:a="http://schemas.openxmlformats.org/drawingml/2006/main" xmlns:r="http://schemas.openxmlformats.org/officeDocument/2006/relationships" xmlns:p="http://schemas.openxmlformats.org/presentationml/2006/main">
+  <p:cSld>
+    <p:bg>
+      <p:bgPr>
+        <a:solidFill>
+          <a:schemeClr val="tx1"/>
+        </a:solidFill>
+        <a:effectLst/>
+      </p:bgPr>
+    </p:bg>
+    <p:spTree>
+      <p:nvGrpSpPr>
+        <p:cNvPr id="1" name=""/>
+        <p:cNvGrpSpPr/>
+        <p:nvPr/>
+      </p:nvGrpSpPr>
+      <p:grpSpPr>
+        <a:xfrm>
+          <a:off x="0" y="0"/>
+          <a:ext cx="0" cy="0"/>
+          <a:chOff x="0" y="0"/>
+          <a:chExt cx="0" cy="0"/>
+        </a:xfrm>
+      </p:grpSpPr>
+      <p:sp>
+        <p:nvSpPr>
+          <p:cNvPr id="6" name="Segnaposto contenuto 5">
+            <a:extLst>
+              <a:ext uri="{FF2B5EF4-FFF2-40B4-BE49-F238E27FC236}">
+                <a16:creationId xmlns:a16="http://schemas.microsoft.com/office/drawing/2014/main" id="{0038248B-1010-433E-9091-488BFD49843A}"/>
+              </a:ext>
+            </a:extLst>
+          </p:cNvPr>
+          <p:cNvSpPr>
+            <a:spLocks noGrp="1"/>
+          </p:cNvSpPr>
+          <p:nvPr>
+            <p:ph idx="1"/>
+          </p:nvPr>
+        </p:nvSpPr>
+        <p:spPr/>
+        <p:txBody>
+          <a:bodyPr>
+            <a:normAutofit/>
+          </a:bodyPr>
+          <a:lstStyle/>
+          <a:p>
+            <a:pPr marL="0" indent="0" algn="ctr">
+              <a:buClr>
+                <a:schemeClr val="accent1">
+                  <a:lumMod val="75000"/>
+                </a:schemeClr>
+              </a:buClr>
+              <a:buNone/>
+            </a:pPr>
+            <a:r>
+              <a:rPr lang="it-IT" sz="8000" b="1" dirty="0">
+                <a:solidFill>
+                  <a:schemeClr val="bg2">
+                    <a:lumMod val="75000"/>
+                  </a:schemeClr>
+                </a:solidFill>
+              </a:rPr>
+              <a:t>Grazie per l’attenzione!</a:t>
+            </a:r>
+          </a:p>
+          <a:p>
+            <a:pPr marL="0" indent="0" algn="ctr">
+              <a:buClr>
+                <a:schemeClr val="accent1">
+                  <a:lumMod val="75000"/>
+                </a:schemeClr>
+              </a:buClr>
+              <a:buNone/>
+            </a:pPr>
+            <a:endParaRPr lang="it-IT" sz="2800" b="1" dirty="0">
+              <a:solidFill>
+                <a:schemeClr val="accent4">
+                  <a:lumMod val="60000"/>
+                  <a:lumOff val="40000"/>
+                </a:schemeClr>
+              </a:solidFill>
+            </a:endParaRPr>
+          </a:p>
+          <a:p>
+            <a:pPr marL="0" indent="0" algn="ctr">
+              <a:buClr>
+                <a:schemeClr val="accent1">
+                  <a:lumMod val="75000"/>
+                </a:schemeClr>
+              </a:buClr>
+              <a:buNone/>
+            </a:pPr>
+            <a:r>
+              <a:rPr lang="it-IT" sz="2800" b="1" dirty="0">
+                <a:solidFill>
+                  <a:schemeClr val="accent4">
+                    <a:lumMod val="60000"/>
+                    <a:lumOff val="40000"/>
+                  </a:schemeClr>
+                </a:solidFill>
+              </a:rPr>
+              <a:t>Valerio Crecco 0320452</a:t>
+            </a:r>
+          </a:p>
+          <a:p>
+            <a:pPr marL="0" indent="0" algn="ctr">
+              <a:buClr>
+                <a:schemeClr val="accent1">
+                  <a:lumMod val="75000"/>
+                </a:schemeClr>
+              </a:buClr>
+              <a:buNone/>
+            </a:pPr>
+            <a:r>
+              <a:rPr lang="it-IT" sz="2800" b="1" dirty="0">
+                <a:solidFill>
+                  <a:schemeClr val="accent4">
+                    <a:lumMod val="60000"/>
+                    <a:lumOff val="40000"/>
+                  </a:schemeClr>
+                </a:solidFill>
+              </a:rPr>
+              <a:t>Ludovico De Santis 0320460</a:t>
+            </a:r>
+          </a:p>
+        </p:txBody>
+      </p:sp>
+    </p:spTree>
+    <p:extLst>
+      <p:ext uri="{BB962C8B-B14F-4D97-AF65-F5344CB8AC3E}">
+        <p14:creationId xmlns:p14="http://schemas.microsoft.com/office/powerpoint/2010/main" val="2570300024"/>
       </p:ext>
     </p:extLst>
   </p:cSld>

--- a/Presentazione_NSD.pptx
+++ b/Presentazione_NSD.pptx
@@ -316,7 +316,7 @@
           <a:p>
             <a:fld id="{3D24D1A2-4A22-4063-B1C1-E5B8F7172D76}" type="datetimeFigureOut">
               <a:rPr lang="it-IT" smtClean="0"/>
-              <a:t>03/09/2024</a:t>
+              <a:t>07/09/2024</a:t>
             </a:fld>
             <a:endParaRPr lang="it-IT"/>
           </a:p>
@@ -486,7 +486,7 @@
           <a:p>
             <a:fld id="{3D24D1A2-4A22-4063-B1C1-E5B8F7172D76}" type="datetimeFigureOut">
               <a:rPr lang="it-IT" smtClean="0"/>
-              <a:t>03/09/2024</a:t>
+              <a:t>07/09/2024</a:t>
             </a:fld>
             <a:endParaRPr lang="it-IT"/>
           </a:p>
@@ -666,7 +666,7 @@
           <a:p>
             <a:fld id="{3D24D1A2-4A22-4063-B1C1-E5B8F7172D76}" type="datetimeFigureOut">
               <a:rPr lang="it-IT" smtClean="0"/>
-              <a:t>03/09/2024</a:t>
+              <a:t>07/09/2024</a:t>
             </a:fld>
             <a:endParaRPr lang="it-IT"/>
           </a:p>
@@ -836,7 +836,7 @@
           <a:p>
             <a:fld id="{3D24D1A2-4A22-4063-B1C1-E5B8F7172D76}" type="datetimeFigureOut">
               <a:rPr lang="it-IT" smtClean="0"/>
-              <a:t>03/09/2024</a:t>
+              <a:t>07/09/2024</a:t>
             </a:fld>
             <a:endParaRPr lang="it-IT"/>
           </a:p>
@@ -1100,7 +1100,7 @@
           <a:p>
             <a:fld id="{3D24D1A2-4A22-4063-B1C1-E5B8F7172D76}" type="datetimeFigureOut">
               <a:rPr lang="it-IT" smtClean="0"/>
-              <a:t>03/09/2024</a:t>
+              <a:t>07/09/2024</a:t>
             </a:fld>
             <a:endParaRPr lang="it-IT"/>
           </a:p>
@@ -1388,7 +1388,7 @@
           <a:p>
             <a:fld id="{3D24D1A2-4A22-4063-B1C1-E5B8F7172D76}" type="datetimeFigureOut">
               <a:rPr lang="it-IT" smtClean="0"/>
-              <a:t>03/09/2024</a:t>
+              <a:t>07/09/2024</a:t>
             </a:fld>
             <a:endParaRPr lang="it-IT"/>
           </a:p>
@@ -1817,7 +1817,7 @@
           <a:p>
             <a:fld id="{3D24D1A2-4A22-4063-B1C1-E5B8F7172D76}" type="datetimeFigureOut">
               <a:rPr lang="it-IT" smtClean="0"/>
-              <a:t>03/09/2024</a:t>
+              <a:t>07/09/2024</a:t>
             </a:fld>
             <a:endParaRPr lang="it-IT"/>
           </a:p>
@@ -1935,7 +1935,7 @@
           <a:p>
             <a:fld id="{3D24D1A2-4A22-4063-B1C1-E5B8F7172D76}" type="datetimeFigureOut">
               <a:rPr lang="it-IT" smtClean="0"/>
-              <a:t>03/09/2024</a:t>
+              <a:t>07/09/2024</a:t>
             </a:fld>
             <a:endParaRPr lang="it-IT"/>
           </a:p>
@@ -2030,7 +2030,7 @@
           <a:p>
             <a:fld id="{3D24D1A2-4A22-4063-B1C1-E5B8F7172D76}" type="datetimeFigureOut">
               <a:rPr lang="it-IT" smtClean="0"/>
-              <a:t>03/09/2024</a:t>
+              <a:t>07/09/2024</a:t>
             </a:fld>
             <a:endParaRPr lang="it-IT"/>
           </a:p>
@@ -2386,7 +2386,7 @@
           <a:p>
             <a:fld id="{3D24D1A2-4A22-4063-B1C1-E5B8F7172D76}" type="datetimeFigureOut">
               <a:rPr lang="it-IT" smtClean="0"/>
-              <a:t>03/09/2024</a:t>
+              <a:t>07/09/2024</a:t>
             </a:fld>
             <a:endParaRPr lang="it-IT"/>
           </a:p>
@@ -2689,7 +2689,7 @@
           <a:p>
             <a:fld id="{3D24D1A2-4A22-4063-B1C1-E5B8F7172D76}" type="datetimeFigureOut">
               <a:rPr lang="it-IT" smtClean="0"/>
-              <a:t>03/09/2024</a:t>
+              <a:t>07/09/2024</a:t>
             </a:fld>
             <a:endParaRPr lang="it-IT"/>
           </a:p>
@@ -2902,7 +2902,7 @@
           <a:p>
             <a:fld id="{3D24D1A2-4A22-4063-B1C1-E5B8F7172D76}" type="datetimeFigureOut">
               <a:rPr lang="it-IT" smtClean="0"/>
-              <a:t>03/09/2024</a:t>
+              <a:t>07/09/2024</a:t>
             </a:fld>
             <a:endParaRPr lang="it-IT"/>
           </a:p>
@@ -10131,25 +10131,8 @@
                   </a:schemeClr>
                 </a:solidFill>
               </a:rPr>
-              <a:t>Configurazione </a:t>
-            </a:r>
-            <a:r>
-              <a:rPr lang="it-IT" sz="5000" b="1" dirty="0" err="1">
-                <a:solidFill>
-                  <a:schemeClr val="accent1">
-                    <a:lumMod val="75000"/>
-                  </a:schemeClr>
-                </a:solidFill>
-              </a:rPr>
-              <a:t>interefacce</a:t>
-            </a:r>
-            <a:endParaRPr lang="it-IT" sz="5000" b="1" dirty="0">
-              <a:solidFill>
-                <a:schemeClr val="accent1">
-                  <a:lumMod val="75000"/>
-                </a:schemeClr>
-              </a:solidFill>
-            </a:endParaRPr>
+              <a:t>Configurazione interfacce</a:t>
+            </a:r>
           </a:p>
         </p:txBody>
       </p:sp>

--- a/Presentazione_NSD.pptx
+++ b/Presentazione_NSD.pptx
@@ -8203,10 +8203,10 @@
       </p:sp>
       <p:pic>
         <p:nvPicPr>
-          <p:cNvPr id="6" name="Immagine 5">
-            <a:extLst>
-              <a:ext uri="{FF2B5EF4-FFF2-40B4-BE49-F238E27FC236}">
-                <a16:creationId xmlns:a16="http://schemas.microsoft.com/office/drawing/2014/main" id="{612AE1E7-893F-4A96-A72B-421D9F292A8E}"/>
+          <p:cNvPr id="7" name="Immagine 6">
+            <a:extLst>
+              <a:ext uri="{FF2B5EF4-FFF2-40B4-BE49-F238E27FC236}">
+                <a16:creationId xmlns:a16="http://schemas.microsoft.com/office/drawing/2014/main" id="{7426ABA6-B207-43E2-BCE5-3B86DA3C9EFD}"/>
               </a:ext>
             </a:extLst>
           </p:cNvPr>
@@ -8216,37 +8216,7 @@
           <p:nvPr/>
         </p:nvPicPr>
         <p:blipFill>
-          <a:blip r:embed="rId3"/>
-          <a:stretch>
-            <a:fillRect/>
-          </a:stretch>
-        </p:blipFill>
-        <p:spPr>
-          <a:xfrm>
-            <a:off x="570252" y="2940575"/>
-            <a:ext cx="5305947" cy="3529944"/>
-          </a:xfrm>
-          <a:prstGeom prst="rect">
-            <a:avLst/>
-          </a:prstGeom>
-        </p:spPr>
-      </p:pic>
-      <p:pic>
-        <p:nvPicPr>
-          <p:cNvPr id="7" name="Immagine 6">
-            <a:extLst>
-              <a:ext uri="{FF2B5EF4-FFF2-40B4-BE49-F238E27FC236}">
-                <a16:creationId xmlns:a16="http://schemas.microsoft.com/office/drawing/2014/main" id="{7426ABA6-B207-43E2-BCE5-3B86DA3C9EFD}"/>
-              </a:ext>
-            </a:extLst>
-          </p:cNvPr>
-          <p:cNvPicPr>
-            <a:picLocks noChangeAspect="1"/>
-          </p:cNvPicPr>
-          <p:nvPr/>
-        </p:nvPicPr>
-        <p:blipFill>
-          <a:blip r:embed="rId4">
+          <a:blip r:embed="rId3">
             <a:extLst>
               <a:ext uri="{28A0092B-C50C-407E-A947-70E740481C1C}">
                 <a14:useLocalDpi xmlns:a14="http://schemas.microsoft.com/office/drawing/2010/main" val="0"/>
@@ -8380,6 +8350,36 @@
           </a:p>
         </p:txBody>
       </p:sp>
+      <p:pic>
+        <p:nvPicPr>
+          <p:cNvPr id="8" name="Immagine 7">
+            <a:extLst>
+              <a:ext uri="{FF2B5EF4-FFF2-40B4-BE49-F238E27FC236}">
+                <a16:creationId xmlns:a16="http://schemas.microsoft.com/office/drawing/2014/main" id="{C92064D3-FC3F-4A67-921D-A24E505A2761}"/>
+              </a:ext>
+            </a:extLst>
+          </p:cNvPr>
+          <p:cNvPicPr>
+            <a:picLocks noChangeAspect="1"/>
+          </p:cNvPicPr>
+          <p:nvPr/>
+        </p:nvPicPr>
+        <p:blipFill>
+          <a:blip r:embed="rId4"/>
+          <a:stretch>
+            <a:fillRect/>
+          </a:stretch>
+        </p:blipFill>
+        <p:spPr>
+          <a:xfrm>
+            <a:off x="570252" y="2974132"/>
+            <a:ext cx="5305947" cy="3500258"/>
+          </a:xfrm>
+          <a:prstGeom prst="rect">
+            <a:avLst/>
+          </a:prstGeom>
+        </p:spPr>
+      </p:pic>
       <p:sp>
         <p:nvSpPr>
           <p:cNvPr id="28" name="Rettangolo 27">
@@ -8394,7 +8394,7 @@
         </p:nvSpPr>
         <p:spPr>
           <a:xfrm>
-            <a:off x="762001" y="5802162"/>
+            <a:off x="805213" y="5855702"/>
             <a:ext cx="1882139" cy="133818"/>
           </a:xfrm>
           <a:prstGeom prst="rect">
@@ -8747,10 +8747,10 @@
       </p:pic>
       <p:pic>
         <p:nvPicPr>
-          <p:cNvPr id="8" name="Immagine 7">
-            <a:extLst>
-              <a:ext uri="{FF2B5EF4-FFF2-40B4-BE49-F238E27FC236}">
-                <a16:creationId xmlns:a16="http://schemas.microsoft.com/office/drawing/2014/main" id="{EC5CC6A1-2CB9-4112-9FFF-C528F7CD135B}"/>
+          <p:cNvPr id="6" name="Immagine 5">
+            <a:extLst>
+              <a:ext uri="{FF2B5EF4-FFF2-40B4-BE49-F238E27FC236}">
+                <a16:creationId xmlns:a16="http://schemas.microsoft.com/office/drawing/2014/main" id="{C6612A08-59D4-4397-87D7-68F53D11020B}"/>
               </a:ext>
             </a:extLst>
           </p:cNvPr>
@@ -8767,8 +8767,8 @@
         </p:blipFill>
         <p:spPr>
           <a:xfrm>
-            <a:off x="573404" y="2935298"/>
-            <a:ext cx="5289400" cy="3529944"/>
+            <a:off x="573404" y="2959990"/>
+            <a:ext cx="5359251" cy="3529945"/>
           </a:xfrm>
           <a:prstGeom prst="rect">
             <a:avLst/>
@@ -8789,7 +8789,7 @@
         </p:nvSpPr>
         <p:spPr>
           <a:xfrm>
-            <a:off x="762001" y="5786922"/>
+            <a:off x="803946" y="5862423"/>
             <a:ext cx="1882139" cy="133818"/>
           </a:xfrm>
           <a:prstGeom prst="rect">
